--- a/16.ConfigurationManagement_With_Ansible/16-Conf_Man_Ansible.pptx
+++ b/16.ConfigurationManagement_With_Ansible/16-Conf_Man_Ansible.pptx
@@ -5,12 +5,13 @@
     <p:sldMasterId id="2147483648" r:id="rId1"/>
   </p:sldMasterIdLst>
   <p:notesMasterIdLst>
-    <p:notesMasterId r:id="rId5"/>
+    <p:notesMasterId r:id="rId6"/>
   </p:notesMasterIdLst>
   <p:sldIdLst>
     <p:sldId id="285" r:id="rId2"/>
     <p:sldId id="294" r:id="rId3"/>
     <p:sldId id="295" r:id="rId4"/>
+    <p:sldId id="296" r:id="rId5"/>
   </p:sldIdLst>
   <p:sldSz cx="9144000" cy="6858000" type="screen4x3"/>
   <p:notesSz cx="6858000" cy="9144000"/>
@@ -5348,7 +5349,12 @@
             <p:ph type="title"/>
           </p:nvPr>
         </p:nvSpPr>
-        <p:spPr/>
+        <p:spPr>
+          <a:xfrm>
+            <a:off x="457200" y="762000"/>
+            <a:ext cx="8229600" cy="2590800"/>
+          </a:xfrm>
+        </p:spPr>
         <p:txBody>
           <a:bodyPr>
             <a:normAutofit fontScale="90000"/>
@@ -5401,15 +5407,15 @@
               </a:rPr>
             </a:br>
             <a:r>
-              <a:rPr lang="en-US" dirty="0">
-                <a:solidFill>
-                  <a:schemeClr val="accent6"/>
-                </a:solidFill>
-              </a:rPr>
-              <a:t/>
-            </a:r>
-            <a:br>
-              <a:rPr lang="en-US" dirty="0">
+              <a:rPr lang="en-US" sz="2000" dirty="0">
+                <a:solidFill>
+                  <a:schemeClr val="accent6"/>
+                </a:solidFill>
+              </a:rPr>
+              <a:t/>
+            </a:r>
+            <a:br>
+              <a:rPr lang="en-US" sz="2000" dirty="0">
                 <a:solidFill>
                   <a:schemeClr val="accent6"/>
                 </a:solidFill>
@@ -5608,45 +5614,186 @@
                   <a:schemeClr val="accent6"/>
                 </a:solidFill>
               </a:rPr>
-              <a:t>Did you see, we could get information about our nodes without loosing time to login and check, </a:t>
-            </a:r>
-            <a:r>
-              <a:rPr lang="en-US" sz="2000" smtClean="0">
-                <a:solidFill>
-                  <a:schemeClr val="accent6"/>
-                </a:solidFill>
-              </a:rPr>
-              <a:t>so great ! </a:t>
-            </a:r>
+              <a:t>Did you see, we could get information about our nodes without loosing time to login and check, so great ! </a:t>
+            </a:r>
+            <a:br>
+              <a:rPr lang="en-US" sz="2000" dirty="0" smtClean="0">
+                <a:solidFill>
+                  <a:schemeClr val="accent6"/>
+                </a:solidFill>
+              </a:rPr>
+            </a:br>
+            <a:r>
+              <a:rPr lang="en-US" sz="2000" dirty="0">
+                <a:solidFill>
+                  <a:schemeClr val="accent6"/>
+                </a:solidFill>
+              </a:rPr>
+              <a:t/>
+            </a:r>
+            <a:br>
+              <a:rPr lang="en-US" sz="2000" dirty="0">
+                <a:solidFill>
+                  <a:schemeClr val="accent6"/>
+                </a:solidFill>
+              </a:rPr>
+            </a:br>
+            <a:r>
+              <a:rPr lang="en-US" sz="2000" dirty="0">
+                <a:solidFill>
+                  <a:schemeClr val="accent6"/>
+                </a:solidFill>
+              </a:rPr>
+              <a:t>There is a large catalog of </a:t>
+            </a:r>
+            <a:r>
+              <a:rPr lang="en-US" sz="2000" dirty="0">
+                <a:solidFill>
+                  <a:schemeClr val="accent6"/>
+                </a:solidFill>
+                <a:hlinkClick r:id="rId2"/>
+              </a:rPr>
+              <a:t>modules</a:t>
+            </a:r>
+            <a:r>
+              <a:rPr lang="en-US" sz="2000" dirty="0">
+                <a:solidFill>
+                  <a:schemeClr val="accent6"/>
+                </a:solidFill>
+              </a:rPr>
+              <a:t> available for </a:t>
+            </a:r>
+            <a:r>
+              <a:rPr lang="en-US" sz="2000" dirty="0" err="1">
+                <a:solidFill>
+                  <a:schemeClr val="accent6"/>
+                </a:solidFill>
+              </a:rPr>
+              <a:t>Ansible</a:t>
+            </a:r>
+            <a:r>
+              <a:rPr lang="en-US" sz="2000" dirty="0">
+                <a:solidFill>
+                  <a:schemeClr val="accent6"/>
+                </a:solidFill>
+              </a:rPr>
+              <a:t> out of the </a:t>
+            </a:r>
+            <a:r>
+              <a:rPr lang="en-US" sz="2000" dirty="0" smtClean="0">
+                <a:solidFill>
+                  <a:schemeClr val="accent6"/>
+                </a:solidFill>
+              </a:rPr>
+              <a:t>box =&gt; </a:t>
+            </a:r>
+            <a:br>
+              <a:rPr lang="en-US" sz="2000" dirty="0" smtClean="0">
+                <a:solidFill>
+                  <a:schemeClr val="accent6"/>
+                </a:solidFill>
+              </a:rPr>
+            </a:br>
+            <a:r>
+              <a:rPr lang="en-US" sz="2000" dirty="0" smtClean="0">
+                <a:solidFill>
+                  <a:schemeClr val="accent6"/>
+                </a:solidFill>
+              </a:rPr>
+              <a:t>users, groups, packages, ACLs, files, firewall rules, </a:t>
+            </a:r>
+            <a:r>
+              <a:rPr lang="en-US" sz="2000" dirty="0" err="1" smtClean="0">
+                <a:solidFill>
+                  <a:schemeClr val="accent6"/>
+                </a:solidFill>
+              </a:rPr>
+              <a:t>mysql</a:t>
+            </a:r>
+            <a:r>
+              <a:rPr lang="en-US" sz="2000" dirty="0" smtClean="0">
+                <a:solidFill>
+                  <a:schemeClr val="accent6"/>
+                </a:solidFill>
+              </a:rPr>
+              <a:t> </a:t>
+            </a:r>
+            <a:r>
+              <a:rPr lang="en-US" sz="2000" dirty="0">
+                <a:solidFill>
+                  <a:schemeClr val="accent6"/>
+                </a:solidFill>
+              </a:rPr>
+              <a:t>and </a:t>
+            </a:r>
+            <a:r>
+              <a:rPr lang="en-US" sz="2000" dirty="0" err="1">
+                <a:solidFill>
+                  <a:schemeClr val="accent6"/>
+                </a:solidFill>
+              </a:rPr>
+              <a:t>postgresql</a:t>
+            </a:r>
+            <a:r>
+              <a:rPr lang="en-US" sz="2000" dirty="0">
+                <a:solidFill>
+                  <a:schemeClr val="accent6"/>
+                </a:solidFill>
+              </a:rPr>
+              <a:t> </a:t>
+            </a:r>
+            <a:r>
+              <a:rPr lang="en-US" sz="2000" dirty="0" smtClean="0">
+                <a:solidFill>
+                  <a:schemeClr val="accent6"/>
+                </a:solidFill>
+              </a:rPr>
+              <a:t>databases, </a:t>
+            </a:r>
+            <a:r>
+              <a:rPr lang="en-US" sz="2000" dirty="0" err="1" smtClean="0">
+                <a:solidFill>
+                  <a:schemeClr val="accent6"/>
+                </a:solidFill>
+              </a:rPr>
+              <a:t>docker</a:t>
+            </a:r>
+            <a:r>
+              <a:rPr lang="en-US" sz="2000" dirty="0" smtClean="0">
+                <a:solidFill>
+                  <a:schemeClr val="accent6"/>
+                </a:solidFill>
+              </a:rPr>
+              <a:t> </a:t>
+            </a:r>
+            <a:r>
+              <a:rPr lang="en-US" sz="2000" dirty="0">
+                <a:solidFill>
+                  <a:schemeClr val="accent6"/>
+                </a:solidFill>
+              </a:rPr>
+              <a:t>images</a:t>
+            </a:r>
+            <a:r>
+              <a:rPr lang="en-US" sz="1800" dirty="0">
+                <a:solidFill>
+                  <a:schemeClr val="accent6"/>
+                </a:solidFill>
+              </a:rPr>
+              <a:t/>
+            </a:r>
+            <a:br>
+              <a:rPr lang="en-US" sz="1800" dirty="0">
+                <a:solidFill>
+                  <a:schemeClr val="accent6"/>
+                </a:solidFill>
+              </a:rPr>
+            </a:br>
             <a:endParaRPr lang="en-US" sz="2000" dirty="0">
               <a:solidFill>
-                <a:schemeClr val="bg1"/>
+                <a:schemeClr val="accent6"/>
               </a:solidFill>
             </a:endParaRPr>
-          </a:p>
-        </p:txBody>
-      </p:sp>
-      <p:sp>
-        <p:nvSpPr>
-          <p:cNvPr id="3" name="Content Placeholder 2"/>
-          <p:cNvSpPr>
-            <a:spLocks noGrp="1"/>
-          </p:cNvSpPr>
-          <p:nvPr>
-            <p:ph idx="1"/>
-          </p:nvPr>
-        </p:nvSpPr>
-        <p:spPr>
-          <a:xfrm>
-            <a:off x="838200" y="3810000"/>
-            <a:ext cx="8229600" cy="4525963"/>
-          </a:xfrm>
-        </p:spPr>
-        <p:txBody>
-          <a:bodyPr/>
-          <a:lstStyle/>
-          <a:p>
-            <a:endParaRPr lang="en-US" dirty="0"/>
           </a:p>
         </p:txBody>
       </p:sp>
@@ -5654,6 +5801,200 @@
     <p:extLst>
       <p:ext uri="{BB962C8B-B14F-4D97-AF65-F5344CB8AC3E}">
         <p14:creationId xmlns:p14="http://schemas.microsoft.com/office/powerpoint/2010/main" val="2714741044"/>
+      </p:ext>
+    </p:extLst>
+  </p:cSld>
+  <p:clrMapOvr>
+    <a:masterClrMapping/>
+  </p:clrMapOvr>
+</p:sld>
+</file>
+
+<file path=ppt/slides/slide4.xml><?xml version="1.0" encoding="utf-8"?>
+<p:sld xmlns:a="http://schemas.openxmlformats.org/drawingml/2006/main" xmlns:r="http://schemas.openxmlformats.org/officeDocument/2006/relationships" xmlns:p="http://schemas.openxmlformats.org/presentationml/2006/main">
+  <p:cSld>
+    <p:spTree>
+      <p:nvGrpSpPr>
+        <p:cNvPr id="1" name=""/>
+        <p:cNvGrpSpPr/>
+        <p:nvPr/>
+      </p:nvGrpSpPr>
+      <p:grpSpPr>
+        <a:xfrm>
+          <a:off x="0" y="0"/>
+          <a:ext cx="0" cy="0"/>
+          <a:chOff x="0" y="0"/>
+          <a:chExt cx="0" cy="0"/>
+        </a:xfrm>
+      </p:grpSpPr>
+      <p:sp>
+        <p:nvSpPr>
+          <p:cNvPr id="2" name="Title 1"/>
+          <p:cNvSpPr>
+            <a:spLocks noGrp="1"/>
+          </p:cNvSpPr>
+          <p:nvPr>
+            <p:ph type="title"/>
+          </p:nvPr>
+        </p:nvSpPr>
+        <p:spPr/>
+        <p:txBody>
+          <a:bodyPr>
+            <a:normAutofit fontScale="90000"/>
+          </a:bodyPr>
+          <a:lstStyle/>
+          <a:p>
+            <a:r>
+              <a:rPr lang="en-US" sz="2200" dirty="0" smtClean="0">
+                <a:solidFill>
+                  <a:schemeClr val="accent6"/>
+                </a:solidFill>
+              </a:rPr>
+              <a:t/>
+            </a:r>
+            <a:br>
+              <a:rPr lang="en-US" sz="2200" dirty="0" smtClean="0">
+                <a:solidFill>
+                  <a:schemeClr val="accent6"/>
+                </a:solidFill>
+              </a:rPr>
+            </a:br>
+            <a:r>
+              <a:rPr lang="en-US" sz="2200" dirty="0">
+                <a:solidFill>
+                  <a:schemeClr val="accent6"/>
+                </a:solidFill>
+              </a:rPr>
+              <a:t/>
+            </a:r>
+            <a:br>
+              <a:rPr lang="en-US" sz="2200" dirty="0">
+                <a:solidFill>
+                  <a:schemeClr val="accent6"/>
+                </a:solidFill>
+              </a:rPr>
+            </a:br>
+            <a:r>
+              <a:rPr lang="en-US" sz="2200" dirty="0" smtClean="0">
+                <a:solidFill>
+                  <a:schemeClr val="accent6"/>
+                </a:solidFill>
+              </a:rPr>
+              <a:t/>
+            </a:r>
+            <a:br>
+              <a:rPr lang="en-US" sz="2200" dirty="0" smtClean="0">
+                <a:solidFill>
+                  <a:schemeClr val="accent6"/>
+                </a:solidFill>
+              </a:rPr>
+            </a:br>
+            <a:r>
+              <a:rPr lang="en-US" sz="2200" dirty="0" smtClean="0">
+                <a:solidFill>
+                  <a:schemeClr val="accent6"/>
+                </a:solidFill>
+              </a:rPr>
+              <a:t/>
+            </a:r>
+            <a:br>
+              <a:rPr lang="en-US" sz="2200" dirty="0" smtClean="0">
+                <a:solidFill>
+                  <a:schemeClr val="accent6"/>
+                </a:solidFill>
+              </a:rPr>
+            </a:br>
+            <a:r>
+              <a:rPr lang="en-US" sz="2200" dirty="0" smtClean="0">
+                <a:solidFill>
+                  <a:schemeClr val="accent6"/>
+                </a:solidFill>
+              </a:rPr>
+              <a:t>Playbooks </a:t>
+            </a:r>
+            <a:r>
+              <a:rPr lang="en-US" sz="2200" dirty="0">
+                <a:solidFill>
+                  <a:schemeClr val="accent6"/>
+                </a:solidFill>
+              </a:rPr>
+              <a:t>allow you to organize your configuration and management tasks in simple, human-readable files. Each playbook contains a list of tasks </a:t>
+            </a:r>
+            <a:r>
+              <a:rPr lang="en-US" sz="2200" dirty="0" smtClean="0">
+                <a:solidFill>
+                  <a:schemeClr val="accent6"/>
+                </a:solidFill>
+              </a:rPr>
+              <a:t>and </a:t>
+            </a:r>
+            <a:r>
+              <a:rPr lang="en-US" sz="2200" dirty="0">
+                <a:solidFill>
+                  <a:schemeClr val="accent6"/>
+                </a:solidFill>
+              </a:rPr>
+              <a:t>are defined in a </a:t>
+            </a:r>
+            <a:r>
+              <a:rPr lang="en-US" sz="2200" dirty="0" smtClean="0">
+                <a:solidFill>
+                  <a:schemeClr val="accent6"/>
+                </a:solidFill>
+              </a:rPr>
+              <a:t>YAML.  </a:t>
+            </a:r>
+            <a:br>
+              <a:rPr lang="en-US" sz="2200" dirty="0" smtClean="0">
+                <a:solidFill>
+                  <a:schemeClr val="accent6"/>
+                </a:solidFill>
+              </a:rPr>
+            </a:br>
+            <a:r>
+              <a:rPr lang="en-US" dirty="0" smtClean="0"/>
+              <a:t>file</a:t>
+            </a:r>
+            <a:r>
+              <a:rPr lang="en-US" dirty="0"/>
+              <a:t>.</a:t>
+            </a:r>
+          </a:p>
+        </p:txBody>
+      </p:sp>
+      <p:pic>
+        <p:nvPicPr>
+          <p:cNvPr id="4" name="Content Placeholder 3"/>
+          <p:cNvPicPr>
+            <a:picLocks noGrp="1" noChangeAspect="1"/>
+          </p:cNvPicPr>
+          <p:nvPr>
+            <p:ph idx="1"/>
+          </p:nvPr>
+        </p:nvPicPr>
+        <p:blipFill>
+          <a:blip r:embed="rId2">
+            <a:extLst>
+              <a:ext uri="{28A0092B-C50C-407E-A947-70E740481C1C}">
+                <a14:useLocalDpi xmlns:a14="http://schemas.microsoft.com/office/drawing/2010/main" val="0"/>
+              </a:ext>
+            </a:extLst>
+          </a:blip>
+          <a:stretch>
+            <a:fillRect/>
+          </a:stretch>
+        </p:blipFill>
+        <p:spPr>
+          <a:xfrm>
+            <a:off x="1981200" y="1752600"/>
+            <a:ext cx="5029902" cy="2638793"/>
+          </a:xfrm>
+        </p:spPr>
+      </p:pic>
+    </p:spTree>
+    <p:extLst>
+      <p:ext uri="{BB962C8B-B14F-4D97-AF65-F5344CB8AC3E}">
+        <p14:creationId xmlns:p14="http://schemas.microsoft.com/office/powerpoint/2010/main" val="1201697046"/>
       </p:ext>
     </p:extLst>
   </p:cSld>

--- a/16.ConfigurationManagement_With_Ansible/16-Conf_Man_Ansible.pptx
+++ b/16.ConfigurationManagement_With_Ansible/16-Conf_Man_Ansible.pptx
@@ -219,7 +219,7 @@
           <a:p>
             <a:fld id="{75861919-8521-4274-BB91-998CD62CEE44}" type="datetimeFigureOut">
               <a:rPr lang="en-US" smtClean="0"/>
-              <a:t>5/7/2017</a:t>
+              <a:t>5/8/2017</a:t>
             </a:fld>
             <a:endParaRPr lang="en-US"/>
           </a:p>
@@ -668,7 +668,7 @@
           <a:p>
             <a:fld id="{3EA744D9-3FBE-48D8-BF2A-85DF203E4D20}" type="datetimeFigureOut">
               <a:rPr lang="bg-BG" smtClean="0"/>
-              <a:t>7.5.2017 г.</a:t>
+              <a:t>8.5.2017 г.</a:t>
             </a:fld>
             <a:endParaRPr lang="bg-BG"/>
           </a:p>
@@ -838,7 +838,7 @@
           <a:p>
             <a:fld id="{3EA744D9-3FBE-48D8-BF2A-85DF203E4D20}" type="datetimeFigureOut">
               <a:rPr lang="bg-BG" smtClean="0"/>
-              <a:t>7.5.2017 г.</a:t>
+              <a:t>8.5.2017 г.</a:t>
             </a:fld>
             <a:endParaRPr lang="bg-BG"/>
           </a:p>
@@ -1018,7 +1018,7 @@
           <a:p>
             <a:fld id="{3EA744D9-3FBE-48D8-BF2A-85DF203E4D20}" type="datetimeFigureOut">
               <a:rPr lang="bg-BG" smtClean="0"/>
-              <a:t>7.5.2017 г.</a:t>
+              <a:t>8.5.2017 г.</a:t>
             </a:fld>
             <a:endParaRPr lang="bg-BG"/>
           </a:p>
@@ -1188,7 +1188,7 @@
           <a:p>
             <a:fld id="{3EA744D9-3FBE-48D8-BF2A-85DF203E4D20}" type="datetimeFigureOut">
               <a:rPr lang="bg-BG" smtClean="0"/>
-              <a:t>7.5.2017 г.</a:t>
+              <a:t>8.5.2017 г.</a:t>
             </a:fld>
             <a:endParaRPr lang="bg-BG"/>
           </a:p>
@@ -1434,7 +1434,7 @@
           <a:p>
             <a:fld id="{3EA744D9-3FBE-48D8-BF2A-85DF203E4D20}" type="datetimeFigureOut">
               <a:rPr lang="bg-BG" smtClean="0"/>
-              <a:t>7.5.2017 г.</a:t>
+              <a:t>8.5.2017 г.</a:t>
             </a:fld>
             <a:endParaRPr lang="bg-BG"/>
           </a:p>
@@ -1722,7 +1722,7 @@
           <a:p>
             <a:fld id="{3EA744D9-3FBE-48D8-BF2A-85DF203E4D20}" type="datetimeFigureOut">
               <a:rPr lang="bg-BG" smtClean="0"/>
-              <a:t>7.5.2017 г.</a:t>
+              <a:t>8.5.2017 г.</a:t>
             </a:fld>
             <a:endParaRPr lang="bg-BG"/>
           </a:p>
@@ -2144,7 +2144,7 @@
           <a:p>
             <a:fld id="{3EA744D9-3FBE-48D8-BF2A-85DF203E4D20}" type="datetimeFigureOut">
               <a:rPr lang="bg-BG" smtClean="0"/>
-              <a:t>7.5.2017 г.</a:t>
+              <a:t>8.5.2017 г.</a:t>
             </a:fld>
             <a:endParaRPr lang="bg-BG"/>
           </a:p>
@@ -2262,7 +2262,7 @@
           <a:p>
             <a:fld id="{3EA744D9-3FBE-48D8-BF2A-85DF203E4D20}" type="datetimeFigureOut">
               <a:rPr lang="bg-BG" smtClean="0"/>
-              <a:t>7.5.2017 г.</a:t>
+              <a:t>8.5.2017 г.</a:t>
             </a:fld>
             <a:endParaRPr lang="bg-BG"/>
           </a:p>
@@ -2357,7 +2357,7 @@
           <a:p>
             <a:fld id="{3EA744D9-3FBE-48D8-BF2A-85DF203E4D20}" type="datetimeFigureOut">
               <a:rPr lang="bg-BG" smtClean="0"/>
-              <a:t>7.5.2017 г.</a:t>
+              <a:t>8.5.2017 г.</a:t>
             </a:fld>
             <a:endParaRPr lang="bg-BG"/>
           </a:p>
@@ -2634,7 +2634,7 @@
           <a:p>
             <a:fld id="{3EA744D9-3FBE-48D8-BF2A-85DF203E4D20}" type="datetimeFigureOut">
               <a:rPr lang="bg-BG" smtClean="0"/>
-              <a:t>7.5.2017 г.</a:t>
+              <a:t>8.5.2017 г.</a:t>
             </a:fld>
             <a:endParaRPr lang="bg-BG"/>
           </a:p>
@@ -2887,7 +2887,7 @@
           <a:p>
             <a:fld id="{3EA744D9-3FBE-48D8-BF2A-85DF203E4D20}" type="datetimeFigureOut">
               <a:rPr lang="bg-BG" smtClean="0"/>
-              <a:t>7.5.2017 г.</a:t>
+              <a:t>8.5.2017 г.</a:t>
             </a:fld>
             <a:endParaRPr lang="bg-BG"/>
           </a:p>
@@ -3109,7 +3109,7 @@
           <a:p>
             <a:fld id="{3EA744D9-3FBE-48D8-BF2A-85DF203E4D20}" type="datetimeFigureOut">
               <a:rPr lang="bg-BG" smtClean="0"/>
-              <a:t>7.5.2017 г.</a:t>
+              <a:t>8.5.2017 г.</a:t>
             </a:fld>
             <a:endParaRPr lang="bg-BG"/>
           </a:p>
@@ -5837,7 +5837,12 @@
             <p:ph type="title"/>
           </p:nvPr>
         </p:nvSpPr>
-        <p:spPr/>
+        <p:spPr>
+          <a:xfrm>
+            <a:off x="228600" y="838200"/>
+            <a:ext cx="8229600" cy="1143000"/>
+          </a:xfrm>
+        </p:spPr>
         <p:txBody>
           <a:bodyPr>
             <a:normAutofit fontScale="90000"/>
@@ -5910,6 +5915,81 @@
                   <a:schemeClr val="accent6"/>
                 </a:solidFill>
               </a:rPr>
+              <a:t/>
+            </a:r>
+            <a:br>
+              <a:rPr lang="en-US" sz="2200" dirty="0" smtClean="0">
+                <a:solidFill>
+                  <a:schemeClr val="accent6"/>
+                </a:solidFill>
+              </a:rPr>
+            </a:br>
+            <a:r>
+              <a:rPr lang="en-US" sz="2200" dirty="0">
+                <a:solidFill>
+                  <a:schemeClr val="accent6"/>
+                </a:solidFill>
+              </a:rPr>
+              <a:t/>
+            </a:r>
+            <a:br>
+              <a:rPr lang="en-US" sz="2200" dirty="0">
+                <a:solidFill>
+                  <a:schemeClr val="accent6"/>
+                </a:solidFill>
+              </a:rPr>
+            </a:br>
+            <a:r>
+              <a:rPr lang="en-US" sz="2200" dirty="0" smtClean="0">
+                <a:solidFill>
+                  <a:schemeClr val="accent6"/>
+                </a:solidFill>
+              </a:rPr>
+              <a:t/>
+            </a:r>
+            <a:br>
+              <a:rPr lang="en-US" sz="2200" dirty="0" smtClean="0">
+                <a:solidFill>
+                  <a:schemeClr val="accent6"/>
+                </a:solidFill>
+              </a:rPr>
+            </a:br>
+            <a:r>
+              <a:rPr lang="en-US" sz="2200" dirty="0">
+                <a:solidFill>
+                  <a:schemeClr val="accent6"/>
+                </a:solidFill>
+              </a:rPr>
+              <a:t/>
+            </a:r>
+            <a:br>
+              <a:rPr lang="en-US" sz="2200" dirty="0">
+                <a:solidFill>
+                  <a:schemeClr val="accent6"/>
+                </a:solidFill>
+              </a:rPr>
+            </a:br>
+            <a:r>
+              <a:rPr lang="en-US" sz="2200" dirty="0" smtClean="0">
+                <a:solidFill>
+                  <a:schemeClr val="accent6"/>
+                </a:solidFill>
+              </a:rPr>
+              <a:t/>
+            </a:r>
+            <a:br>
+              <a:rPr lang="en-US" sz="2200" dirty="0" smtClean="0">
+                <a:solidFill>
+                  <a:schemeClr val="accent6"/>
+                </a:solidFill>
+              </a:rPr>
+            </a:br>
+            <a:r>
+              <a:rPr lang="en-US" sz="2200" dirty="0" smtClean="0">
+                <a:solidFill>
+                  <a:schemeClr val="accent6"/>
+                </a:solidFill>
+              </a:rPr>
               <a:t>Playbooks </a:t>
             </a:r>
             <a:r>
@@ -5939,10 +6019,165 @@
             <a:r>
               <a:rPr lang="en-US" sz="2200" dirty="0" smtClean="0">
                 <a:solidFill>
-                  <a:schemeClr val="accent6"/>
-                </a:solidFill>
-              </a:rPr>
-              <a:t>YAML.  </a:t>
+                  <a:schemeClr val="bg1"/>
+                </a:solidFill>
+              </a:rPr>
+              <a:t>YAML</a:t>
+            </a:r>
+            <a:r>
+              <a:rPr lang="en-US" sz="2200" dirty="0" smtClean="0">
+                <a:solidFill>
+                  <a:schemeClr val="accent6"/>
+                </a:solidFill>
+              </a:rPr>
+              <a:t>.  </a:t>
+            </a:r>
+            <a:r>
+              <a:rPr lang="en-US" sz="2200" dirty="0">
+                <a:solidFill>
+                  <a:schemeClr val="accent6"/>
+                </a:solidFill>
+              </a:rPr>
+              <a:t/>
+            </a:r>
+            <a:br>
+              <a:rPr lang="en-US" sz="2200" dirty="0">
+                <a:solidFill>
+                  <a:schemeClr val="accent6"/>
+                </a:solidFill>
+              </a:rPr>
+            </a:br>
+            <a:r>
+              <a:rPr lang="en-US" sz="2200" dirty="0" smtClean="0">
+                <a:solidFill>
+                  <a:schemeClr val="accent6"/>
+                </a:solidFill>
+              </a:rPr>
+              <a:t/>
+            </a:r>
+            <a:br>
+              <a:rPr lang="en-US" sz="2200" dirty="0" smtClean="0">
+                <a:solidFill>
+                  <a:schemeClr val="accent6"/>
+                </a:solidFill>
+              </a:rPr>
+            </a:br>
+            <a:r>
+              <a:rPr lang="en-US" sz="2200" dirty="0" smtClean="0">
+                <a:solidFill>
+                  <a:schemeClr val="accent6"/>
+                </a:solidFill>
+              </a:rPr>
+              <a:t>When </a:t>
+            </a:r>
+            <a:r>
+              <a:rPr lang="en-US" sz="2200" dirty="0" err="1" smtClean="0">
+                <a:solidFill>
+                  <a:schemeClr val="accent6"/>
+                </a:solidFill>
+              </a:rPr>
+              <a:t>ansible</a:t>
+            </a:r>
+            <a:r>
+              <a:rPr lang="en-US" sz="2200" dirty="0" smtClean="0">
+                <a:solidFill>
+                  <a:schemeClr val="accent6"/>
+                </a:solidFill>
+              </a:rPr>
+              <a:t>-playbook is executed with </a:t>
+            </a:r>
+            <a:r>
+              <a:rPr lang="en-US" sz="2200" dirty="0" smtClean="0">
+                <a:solidFill>
+                  <a:schemeClr val="bg1"/>
+                </a:solidFill>
+              </a:rPr>
+              <a:t>–check </a:t>
+            </a:r>
+            <a:r>
+              <a:rPr lang="en-US" sz="2200" dirty="0" smtClean="0">
+                <a:solidFill>
+                  <a:schemeClr val="accent6"/>
+                </a:solidFill>
+              </a:rPr>
+              <a:t>it will not make any changes on remote system. It will report what changes the would have made rather than making them.</a:t>
+            </a:r>
+            <a:br>
+              <a:rPr lang="en-US" sz="2200" dirty="0" smtClean="0">
+                <a:solidFill>
+                  <a:schemeClr val="accent6"/>
+                </a:solidFill>
+              </a:rPr>
+            </a:br>
+            <a:r>
+              <a:rPr lang="en-US" sz="2200" dirty="0">
+                <a:solidFill>
+                  <a:schemeClr val="accent6"/>
+                </a:solidFill>
+              </a:rPr>
+              <a:t/>
+            </a:r>
+            <a:br>
+              <a:rPr lang="en-US" sz="2200" dirty="0">
+                <a:solidFill>
+                  <a:schemeClr val="accent6"/>
+                </a:solidFill>
+              </a:rPr>
+            </a:br>
+            <a:r>
+              <a:rPr lang="en-US" sz="2200" dirty="0" smtClean="0">
+                <a:solidFill>
+                  <a:srgbClr val="FF0000"/>
+                </a:solidFill>
+              </a:rPr>
+              <a:t>Exercises:</a:t>
+            </a:r>
+            <a:r>
+              <a:rPr lang="en-US" sz="2200" dirty="0" smtClean="0">
+                <a:solidFill>
+                  <a:schemeClr val="accent6"/>
+                </a:solidFill>
+              </a:rPr>
+              <a:t/>
+            </a:r>
+            <a:br>
+              <a:rPr lang="en-US" sz="2200" dirty="0" smtClean="0">
+                <a:solidFill>
+                  <a:schemeClr val="accent6"/>
+                </a:solidFill>
+              </a:rPr>
+            </a:br>
+            <a:r>
+              <a:rPr lang="en-US" sz="2200" dirty="0" smtClean="0">
+                <a:solidFill>
+                  <a:schemeClr val="accent6"/>
+                </a:solidFill>
+              </a:rPr>
+              <a:t>1. Follow the playbook in the </a:t>
+            </a:r>
+            <a:r>
+              <a:rPr lang="en-US" sz="2200" dirty="0" err="1" smtClean="0">
+                <a:solidFill>
+                  <a:schemeClr val="accent6"/>
+                </a:solidFill>
+              </a:rPr>
+              <a:t>github</a:t>
+            </a:r>
+            <a:r>
+              <a:rPr lang="en-US" sz="2200" dirty="0" smtClean="0">
+                <a:solidFill>
+                  <a:schemeClr val="accent6"/>
+                </a:solidFill>
+              </a:rPr>
+              <a:t> repo and try to run it under our node.</a:t>
+            </a:r>
+            <a:r>
+              <a:rPr lang="en-US" sz="2200" dirty="0" smtClean="0">
+                <a:solidFill>
+                  <a:schemeClr val="accent6"/>
+                </a:solidFill>
+              </a:rPr>
+              <a:t/>
             </a:r>
             <a:br>
               <a:rPr lang="en-US" sz="2200" dirty="0" smtClean="0">
@@ -5962,35 +6197,30 @@
           </a:p>
         </p:txBody>
       </p:sp>
-      <p:pic>
-        <p:nvPicPr>
-          <p:cNvPr id="4" name="Content Placeholder 3"/>
-          <p:cNvPicPr>
-            <a:picLocks noGrp="1" noChangeAspect="1"/>
-          </p:cNvPicPr>
+      <p:sp>
+        <p:nvSpPr>
+          <p:cNvPr id="5" name="Content Placeholder 4"/>
+          <p:cNvSpPr>
+            <a:spLocks noGrp="1"/>
+          </p:cNvSpPr>
           <p:nvPr>
             <p:ph idx="1"/>
           </p:nvPr>
-        </p:nvPicPr>
-        <p:blipFill>
-          <a:blip r:embed="rId2">
-            <a:extLst>
-              <a:ext uri="{28A0092B-C50C-407E-A947-70E740481C1C}">
-                <a14:useLocalDpi xmlns:a14="http://schemas.microsoft.com/office/drawing/2010/main" val="0"/>
-              </a:ext>
-            </a:extLst>
-          </a:blip>
-          <a:stretch>
-            <a:fillRect/>
-          </a:stretch>
-        </p:blipFill>
+        </p:nvSpPr>
         <p:spPr>
           <a:xfrm>
-            <a:off x="1981200" y="1752600"/>
-            <a:ext cx="5029902" cy="2638793"/>
+            <a:off x="3886200" y="3505200"/>
+            <a:ext cx="4800600" cy="2620963"/>
           </a:xfrm>
         </p:spPr>
-      </p:pic>
+        <p:txBody>
+          <a:bodyPr/>
+          <a:lstStyle/>
+          <a:p>
+            <a:endParaRPr lang="en-US" dirty="0"/>
+          </a:p>
+        </p:txBody>
+      </p:sp>
     </p:spTree>
     <p:extLst>
       <p:ext uri="{BB962C8B-B14F-4D97-AF65-F5344CB8AC3E}">

--- a/16.ConfigurationManagement_With_Ansible/16-Conf_Man_Ansible.pptx
+++ b/16.ConfigurationManagement_With_Ansible/16-Conf_Man_Ansible.pptx
@@ -9,8 +9,8 @@
   </p:notesMasterIdLst>
   <p:sldIdLst>
     <p:sldId id="285" r:id="rId2"/>
-    <p:sldId id="294" r:id="rId3"/>
-    <p:sldId id="295" r:id="rId4"/>
+    <p:sldId id="295" r:id="rId3"/>
+    <p:sldId id="294" r:id="rId4"/>
     <p:sldId id="296" r:id="rId5"/>
   </p:sldIdLst>
   <p:sldSz cx="9144000" cy="6858000" type="screen4x3"/>
@@ -219,7 +219,7 @@
           <a:p>
             <a:fld id="{75861919-8521-4274-BB91-998CD62CEE44}" type="datetimeFigureOut">
               <a:rPr lang="en-US" smtClean="0"/>
-              <a:t>5/8/2017</a:t>
+              <a:t>6/1/17</a:t>
             </a:fld>
             <a:endParaRPr lang="en-US"/>
           </a:p>
@@ -487,6 +487,90 @@
 </p:notesMaster>
 </file>
 
+<file path=ppt/notesSlides/notesSlide1.xml><?xml version="1.0" encoding="utf-8"?>
+<p:notes xmlns:a="http://schemas.openxmlformats.org/drawingml/2006/main" xmlns:r="http://schemas.openxmlformats.org/officeDocument/2006/relationships" xmlns:p="http://schemas.openxmlformats.org/presentationml/2006/main">
+  <p:cSld>
+    <p:spTree>
+      <p:nvGrpSpPr>
+        <p:cNvPr id="1" name=""/>
+        <p:cNvGrpSpPr/>
+        <p:nvPr/>
+      </p:nvGrpSpPr>
+      <p:grpSpPr>
+        <a:xfrm>
+          <a:off x="0" y="0"/>
+          <a:ext cx="0" cy="0"/>
+          <a:chOff x="0" y="0"/>
+          <a:chExt cx="0" cy="0"/>
+        </a:xfrm>
+      </p:grpSpPr>
+      <p:sp>
+        <p:nvSpPr>
+          <p:cNvPr id="2" name="Slide Image Placeholder 1"/>
+          <p:cNvSpPr>
+            <a:spLocks noGrp="1" noRot="1" noChangeAspect="1"/>
+          </p:cNvSpPr>
+          <p:nvPr>
+            <p:ph type="sldImg"/>
+          </p:nvPr>
+        </p:nvSpPr>
+        <p:spPr/>
+      </p:sp>
+      <p:sp>
+        <p:nvSpPr>
+          <p:cNvPr id="3" name="Notes Placeholder 2"/>
+          <p:cNvSpPr>
+            <a:spLocks noGrp="1"/>
+          </p:cNvSpPr>
+          <p:nvPr>
+            <p:ph type="body" idx="1"/>
+          </p:nvPr>
+        </p:nvSpPr>
+        <p:spPr/>
+        <p:txBody>
+          <a:bodyPr/>
+          <a:lstStyle/>
+          <a:p>
+            <a:endParaRPr lang="en-US" dirty="0"/>
+          </a:p>
+        </p:txBody>
+      </p:sp>
+      <p:sp>
+        <p:nvSpPr>
+          <p:cNvPr id="4" name="Slide Number Placeholder 3"/>
+          <p:cNvSpPr>
+            <a:spLocks noGrp="1"/>
+          </p:cNvSpPr>
+          <p:nvPr>
+            <p:ph type="sldNum" sz="quarter" idx="10"/>
+          </p:nvPr>
+        </p:nvSpPr>
+        <p:spPr/>
+        <p:txBody>
+          <a:bodyPr/>
+          <a:lstStyle/>
+          <a:p>
+            <a:fld id="{2A2BCF9D-D7FD-459D-AAE8-97A0158967F9}" type="slidenum">
+              <a:rPr lang="en-US" smtClean="0"/>
+              <a:t>3</a:t>
+            </a:fld>
+            <a:endParaRPr lang="en-US"/>
+          </a:p>
+        </p:txBody>
+      </p:sp>
+    </p:spTree>
+    <p:extLst>
+      <p:ext uri="{BB962C8B-B14F-4D97-AF65-F5344CB8AC3E}">
+        <p14:creationId xmlns:p14="http://schemas.microsoft.com/office/powerpoint/2010/main" val="1801811507"/>
+      </p:ext>
+    </p:extLst>
+  </p:cSld>
+  <p:clrMapOvr>
+    <a:masterClrMapping/>
+  </p:clrMapOvr>
+</p:notes>
+</file>
+
 <file path=ppt/slideLayouts/slideLayout1.xml><?xml version="1.0" encoding="utf-8"?>
 <p:sldLayout xmlns:a="http://schemas.openxmlformats.org/drawingml/2006/main" xmlns:r="http://schemas.openxmlformats.org/officeDocument/2006/relationships" xmlns:p="http://schemas.openxmlformats.org/presentationml/2006/main" type="title" preserve="1">
   <p:cSld name="Title Slide">
@@ -668,7 +752,7 @@
           <a:p>
             <a:fld id="{3EA744D9-3FBE-48D8-BF2A-85DF203E4D20}" type="datetimeFigureOut">
               <a:rPr lang="bg-BG" smtClean="0"/>
-              <a:t>8.5.2017 г.</a:t>
+              <a:t>1.06.17 г.</a:t>
             </a:fld>
             <a:endParaRPr lang="bg-BG"/>
           </a:p>
@@ -838,7 +922,7 @@
           <a:p>
             <a:fld id="{3EA744D9-3FBE-48D8-BF2A-85DF203E4D20}" type="datetimeFigureOut">
               <a:rPr lang="bg-BG" smtClean="0"/>
-              <a:t>8.5.2017 г.</a:t>
+              <a:t>1.06.17 г.</a:t>
             </a:fld>
             <a:endParaRPr lang="bg-BG"/>
           </a:p>
@@ -1018,7 +1102,7 @@
           <a:p>
             <a:fld id="{3EA744D9-3FBE-48D8-BF2A-85DF203E4D20}" type="datetimeFigureOut">
               <a:rPr lang="bg-BG" smtClean="0"/>
-              <a:t>8.5.2017 г.</a:t>
+              <a:t>1.06.17 г.</a:t>
             </a:fld>
             <a:endParaRPr lang="bg-BG"/>
           </a:p>
@@ -1188,7 +1272,7 @@
           <a:p>
             <a:fld id="{3EA744D9-3FBE-48D8-BF2A-85DF203E4D20}" type="datetimeFigureOut">
               <a:rPr lang="bg-BG" smtClean="0"/>
-              <a:t>8.5.2017 г.</a:t>
+              <a:t>1.06.17 г.</a:t>
             </a:fld>
             <a:endParaRPr lang="bg-BG"/>
           </a:p>
@@ -1434,7 +1518,7 @@
           <a:p>
             <a:fld id="{3EA744D9-3FBE-48D8-BF2A-85DF203E4D20}" type="datetimeFigureOut">
               <a:rPr lang="bg-BG" smtClean="0"/>
-              <a:t>8.5.2017 г.</a:t>
+              <a:t>1.06.17 г.</a:t>
             </a:fld>
             <a:endParaRPr lang="bg-BG"/>
           </a:p>
@@ -1722,7 +1806,7 @@
           <a:p>
             <a:fld id="{3EA744D9-3FBE-48D8-BF2A-85DF203E4D20}" type="datetimeFigureOut">
               <a:rPr lang="bg-BG" smtClean="0"/>
-              <a:t>8.5.2017 г.</a:t>
+              <a:t>1.06.17 г.</a:t>
             </a:fld>
             <a:endParaRPr lang="bg-BG"/>
           </a:p>
@@ -2144,7 +2228,7 @@
           <a:p>
             <a:fld id="{3EA744D9-3FBE-48D8-BF2A-85DF203E4D20}" type="datetimeFigureOut">
               <a:rPr lang="bg-BG" smtClean="0"/>
-              <a:t>8.5.2017 г.</a:t>
+              <a:t>1.06.17 г.</a:t>
             </a:fld>
             <a:endParaRPr lang="bg-BG"/>
           </a:p>
@@ -2262,7 +2346,7 @@
           <a:p>
             <a:fld id="{3EA744D9-3FBE-48D8-BF2A-85DF203E4D20}" type="datetimeFigureOut">
               <a:rPr lang="bg-BG" smtClean="0"/>
-              <a:t>8.5.2017 г.</a:t>
+              <a:t>1.06.17 г.</a:t>
             </a:fld>
             <a:endParaRPr lang="bg-BG"/>
           </a:p>
@@ -2357,7 +2441,7 @@
           <a:p>
             <a:fld id="{3EA744D9-3FBE-48D8-BF2A-85DF203E4D20}" type="datetimeFigureOut">
               <a:rPr lang="bg-BG" smtClean="0"/>
-              <a:t>8.5.2017 г.</a:t>
+              <a:t>1.06.17 г.</a:t>
             </a:fld>
             <a:endParaRPr lang="bg-BG"/>
           </a:p>
@@ -2634,7 +2718,7 @@
           <a:p>
             <a:fld id="{3EA744D9-3FBE-48D8-BF2A-85DF203E4D20}" type="datetimeFigureOut">
               <a:rPr lang="bg-BG" smtClean="0"/>
-              <a:t>8.5.2017 г.</a:t>
+              <a:t>1.06.17 г.</a:t>
             </a:fld>
             <a:endParaRPr lang="bg-BG"/>
           </a:p>
@@ -2887,7 +2971,7 @@
           <a:p>
             <a:fld id="{3EA744D9-3FBE-48D8-BF2A-85DF203E4D20}" type="datetimeFigureOut">
               <a:rPr lang="bg-BG" smtClean="0"/>
-              <a:t>8.5.2017 г.</a:t>
+              <a:t>1.06.17 г.</a:t>
             </a:fld>
             <a:endParaRPr lang="bg-BG"/>
           </a:p>
@@ -3109,7 +3193,7 @@
           <a:p>
             <a:fld id="{3EA744D9-3FBE-48D8-BF2A-85DF203E4D20}" type="datetimeFigureOut">
               <a:rPr lang="bg-BG" smtClean="0"/>
-              <a:t>8.5.2017 г.</a:t>
+              <a:t>1.06.17 г.</a:t>
             </a:fld>
             <a:endParaRPr lang="bg-BG"/>
           </a:p>
@@ -4209,7 +4293,12 @@
             <p:ph type="title"/>
           </p:nvPr>
         </p:nvSpPr>
-        <p:spPr/>
+        <p:spPr>
+          <a:xfrm>
+            <a:off x="457200" y="762000"/>
+            <a:ext cx="8229600" cy="2590800"/>
+          </a:xfrm>
+        </p:spPr>
         <p:txBody>
           <a:bodyPr>
             <a:normAutofit fontScale="90000"/>
@@ -4217,561 +4306,434 @@
           <a:lstStyle/>
           <a:p>
             <a:r>
-              <a:rPr lang="en-US" sz="1600" dirty="0" smtClean="0">
-                <a:solidFill>
-                  <a:schemeClr val="accent6"/>
-                </a:solidFill>
-              </a:rPr>
-              <a:t/>
-            </a:r>
-            <a:br>
-              <a:rPr lang="en-US" sz="1600" dirty="0" smtClean="0">
-                <a:solidFill>
-                  <a:schemeClr val="accent6"/>
-                </a:solidFill>
-              </a:rPr>
-            </a:br>
-            <a:r>
-              <a:rPr lang="en-US" sz="1600" dirty="0">
-                <a:solidFill>
-                  <a:schemeClr val="accent6"/>
-                </a:solidFill>
-              </a:rPr>
-              <a:t/>
-            </a:r>
-            <a:br>
-              <a:rPr lang="en-US" sz="1600" dirty="0">
-                <a:solidFill>
-                  <a:schemeClr val="accent6"/>
-                </a:solidFill>
-              </a:rPr>
-            </a:br>
-            <a:r>
-              <a:rPr lang="en-US" sz="1600" dirty="0" smtClean="0">
-                <a:solidFill>
-                  <a:schemeClr val="accent6"/>
-                </a:solidFill>
-              </a:rPr>
-              <a:t/>
-            </a:r>
-            <a:br>
-              <a:rPr lang="en-US" sz="1600" dirty="0" smtClean="0">
-                <a:solidFill>
-                  <a:schemeClr val="accent6"/>
-                </a:solidFill>
-              </a:rPr>
-            </a:br>
-            <a:r>
-              <a:rPr lang="en-US" sz="1600" dirty="0">
-                <a:solidFill>
-                  <a:schemeClr val="accent6"/>
-                </a:solidFill>
-              </a:rPr>
-              <a:t/>
-            </a:r>
-            <a:br>
-              <a:rPr lang="en-US" sz="1600" dirty="0">
-                <a:solidFill>
-                  <a:schemeClr val="accent6"/>
-                </a:solidFill>
-              </a:rPr>
-            </a:br>
-            <a:r>
-              <a:rPr lang="en-US" sz="1600" dirty="0" smtClean="0">
-                <a:solidFill>
-                  <a:schemeClr val="accent6"/>
-                </a:solidFill>
-              </a:rPr>
-              <a:t/>
-            </a:r>
-            <a:br>
-              <a:rPr lang="en-US" sz="1600" dirty="0" smtClean="0">
-                <a:solidFill>
-                  <a:schemeClr val="accent6"/>
-                </a:solidFill>
-              </a:rPr>
-            </a:br>
-            <a:r>
-              <a:rPr lang="en-US" sz="1600" dirty="0">
-                <a:solidFill>
-                  <a:schemeClr val="accent6"/>
-                </a:solidFill>
-              </a:rPr>
-              <a:t/>
-            </a:r>
-            <a:br>
-              <a:rPr lang="en-US" sz="1600" dirty="0">
-                <a:solidFill>
-                  <a:schemeClr val="accent6"/>
-                </a:solidFill>
-              </a:rPr>
-            </a:br>
-            <a:r>
-              <a:rPr lang="en-US" sz="1600" dirty="0" smtClean="0">
-                <a:solidFill>
-                  <a:schemeClr val="accent6"/>
-                </a:solidFill>
-              </a:rPr>
-              <a:t/>
-            </a:r>
-            <a:br>
-              <a:rPr lang="en-US" sz="1600" dirty="0" smtClean="0">
-                <a:solidFill>
-                  <a:schemeClr val="accent6"/>
-                </a:solidFill>
-              </a:rPr>
-            </a:br>
-            <a:r>
-              <a:rPr lang="en-US" sz="1600" dirty="0">
-                <a:solidFill>
-                  <a:schemeClr val="accent6"/>
-                </a:solidFill>
-              </a:rPr>
-              <a:t/>
-            </a:r>
-            <a:br>
-              <a:rPr lang="en-US" sz="1600" dirty="0">
-                <a:solidFill>
-                  <a:schemeClr val="accent6"/>
-                </a:solidFill>
-              </a:rPr>
-            </a:br>
-            <a:r>
-              <a:rPr lang="en-US" sz="1600" dirty="0" smtClean="0">
-                <a:solidFill>
-                  <a:schemeClr val="accent6"/>
-                </a:solidFill>
-              </a:rPr>
-              <a:t/>
-            </a:r>
-            <a:br>
-              <a:rPr lang="en-US" sz="1600" dirty="0" smtClean="0">
-                <a:solidFill>
-                  <a:schemeClr val="accent6"/>
-                </a:solidFill>
-              </a:rPr>
-            </a:br>
-            <a:r>
-              <a:rPr lang="en-US" sz="1600" dirty="0">
-                <a:solidFill>
-                  <a:schemeClr val="accent6"/>
-                </a:solidFill>
-              </a:rPr>
-              <a:t/>
-            </a:r>
-            <a:br>
-              <a:rPr lang="en-US" sz="1600" dirty="0">
-                <a:solidFill>
-                  <a:schemeClr val="accent6"/>
-                </a:solidFill>
-              </a:rPr>
-            </a:br>
-            <a:r>
-              <a:rPr lang="en-US" sz="1600" dirty="0" smtClean="0">
-                <a:solidFill>
-                  <a:schemeClr val="accent6"/>
-                </a:solidFill>
-              </a:rPr>
-              <a:t/>
-            </a:r>
-            <a:br>
-              <a:rPr lang="en-US" sz="1600" dirty="0" smtClean="0">
-                <a:solidFill>
-                  <a:schemeClr val="accent6"/>
-                </a:solidFill>
-              </a:rPr>
-            </a:br>
-            <a:r>
-              <a:rPr lang="en-US" sz="1600" dirty="0">
-                <a:solidFill>
-                  <a:schemeClr val="accent6"/>
-                </a:solidFill>
-              </a:rPr>
-              <a:t/>
-            </a:r>
-            <a:br>
-              <a:rPr lang="en-US" sz="1600" dirty="0">
-                <a:solidFill>
-                  <a:schemeClr val="accent6"/>
-                </a:solidFill>
-              </a:rPr>
-            </a:br>
-            <a:r>
-              <a:rPr lang="en-US" sz="1600" dirty="0" smtClean="0">
-                <a:solidFill>
-                  <a:schemeClr val="accent6"/>
-                </a:solidFill>
-              </a:rPr>
-              <a:t/>
-            </a:r>
-            <a:br>
-              <a:rPr lang="en-US" sz="1600" dirty="0" smtClean="0">
-                <a:solidFill>
-                  <a:schemeClr val="accent6"/>
-                </a:solidFill>
-              </a:rPr>
-            </a:br>
-            <a:r>
-              <a:rPr lang="en-US" sz="1600" dirty="0">
-                <a:solidFill>
-                  <a:schemeClr val="accent6"/>
-                </a:solidFill>
-              </a:rPr>
-              <a:t/>
-            </a:r>
-            <a:br>
-              <a:rPr lang="en-US" sz="1600" dirty="0">
-                <a:solidFill>
-                  <a:schemeClr val="accent6"/>
-                </a:solidFill>
-              </a:rPr>
-            </a:br>
-            <a:r>
-              <a:rPr lang="en-US" sz="1600" dirty="0" smtClean="0">
-                <a:solidFill>
-                  <a:schemeClr val="accent6"/>
-                </a:solidFill>
-              </a:rPr>
-              <a:t/>
-            </a:r>
-            <a:br>
-              <a:rPr lang="en-US" sz="1600" dirty="0" smtClean="0">
-                <a:solidFill>
-                  <a:schemeClr val="accent6"/>
-                </a:solidFill>
-              </a:rPr>
-            </a:br>
-            <a:r>
-              <a:rPr lang="en-US" sz="1600" dirty="0">
-                <a:solidFill>
-                  <a:schemeClr val="accent6"/>
-                </a:solidFill>
-              </a:rPr>
-              <a:t/>
-            </a:r>
-            <a:br>
-              <a:rPr lang="en-US" sz="1600" dirty="0">
-                <a:solidFill>
-                  <a:schemeClr val="accent6"/>
-                </a:solidFill>
-              </a:rPr>
-            </a:br>
-            <a:r>
-              <a:rPr lang="en-US" sz="1600" dirty="0" smtClean="0">
-                <a:solidFill>
-                  <a:schemeClr val="accent6"/>
-                </a:solidFill>
-              </a:rPr>
-              <a:t/>
-            </a:r>
-            <a:br>
-              <a:rPr lang="en-US" sz="1600" dirty="0" smtClean="0">
-                <a:solidFill>
-                  <a:schemeClr val="accent6"/>
-                </a:solidFill>
-              </a:rPr>
-            </a:br>
-            <a:r>
-              <a:rPr lang="en-US" sz="1600" dirty="0">
-                <a:solidFill>
-                  <a:schemeClr val="accent6"/>
-                </a:solidFill>
-              </a:rPr>
-              <a:t/>
-            </a:r>
-            <a:br>
-              <a:rPr lang="en-US" sz="1600" dirty="0">
-                <a:solidFill>
-                  <a:schemeClr val="accent6"/>
-                </a:solidFill>
-              </a:rPr>
-            </a:br>
-            <a:r>
-              <a:rPr lang="en-US" sz="1600" dirty="0" smtClean="0">
-                <a:solidFill>
-                  <a:schemeClr val="accent6"/>
-                </a:solidFill>
-              </a:rPr>
-              <a:t/>
-            </a:r>
-            <a:br>
-              <a:rPr lang="en-US" sz="1600" dirty="0" smtClean="0">
-                <a:solidFill>
-                  <a:schemeClr val="accent6"/>
-                </a:solidFill>
-              </a:rPr>
-            </a:br>
-            <a:r>
-              <a:rPr lang="en-US" sz="1600" dirty="0">
-                <a:solidFill>
-                  <a:schemeClr val="accent6"/>
-                </a:solidFill>
-              </a:rPr>
-              <a:t/>
-            </a:r>
-            <a:br>
-              <a:rPr lang="en-US" sz="1600" dirty="0">
-                <a:solidFill>
-                  <a:schemeClr val="accent6"/>
-                </a:solidFill>
-              </a:rPr>
-            </a:br>
-            <a:r>
-              <a:rPr lang="en-US" sz="1600" dirty="0" smtClean="0">
-                <a:solidFill>
-                  <a:schemeClr val="accent6"/>
-                </a:solidFill>
-              </a:rPr>
-              <a:t/>
-            </a:r>
-            <a:br>
-              <a:rPr lang="en-US" sz="1600" dirty="0" smtClean="0">
-                <a:solidFill>
-                  <a:schemeClr val="accent6"/>
-                </a:solidFill>
-              </a:rPr>
-            </a:br>
-            <a:r>
-              <a:rPr lang="en-US" sz="1600" dirty="0">
-                <a:solidFill>
-                  <a:schemeClr val="accent6"/>
-                </a:solidFill>
-              </a:rPr>
-              <a:t/>
-            </a:r>
-            <a:br>
-              <a:rPr lang="en-US" sz="1600" dirty="0">
-                <a:solidFill>
-                  <a:schemeClr val="accent6"/>
-                </a:solidFill>
-              </a:rPr>
-            </a:br>
-            <a:r>
-              <a:rPr lang="en-US" sz="1600" dirty="0" smtClean="0">
-                <a:solidFill>
-                  <a:schemeClr val="accent6"/>
-                </a:solidFill>
-              </a:rPr>
-              <a:t/>
-            </a:r>
-            <a:br>
-              <a:rPr lang="en-US" sz="1600" dirty="0" smtClean="0">
-                <a:solidFill>
-                  <a:schemeClr val="accent6"/>
-                </a:solidFill>
-              </a:rPr>
-            </a:br>
-            <a:r>
-              <a:rPr lang="en-US" sz="1600" dirty="0">
-                <a:solidFill>
-                  <a:schemeClr val="accent6"/>
-                </a:solidFill>
-              </a:rPr>
-              <a:t/>
-            </a:r>
-            <a:br>
-              <a:rPr lang="en-US" sz="1600" dirty="0">
-                <a:solidFill>
-                  <a:schemeClr val="accent6"/>
-                </a:solidFill>
-              </a:rPr>
-            </a:br>
-            <a:r>
-              <a:rPr lang="en-US" sz="1600" dirty="0" smtClean="0">
-                <a:solidFill>
-                  <a:schemeClr val="accent6"/>
-                </a:solidFill>
-              </a:rPr>
-              <a:t/>
-            </a:r>
-            <a:br>
-              <a:rPr lang="en-US" sz="1600" dirty="0" smtClean="0">
-                <a:solidFill>
-                  <a:schemeClr val="accent6"/>
-                </a:solidFill>
-              </a:rPr>
-            </a:br>
-            <a:r>
-              <a:rPr lang="en-US" sz="1600" dirty="0">
-                <a:solidFill>
-                  <a:schemeClr val="accent6"/>
-                </a:solidFill>
-              </a:rPr>
-              <a:t/>
-            </a:r>
-            <a:br>
-              <a:rPr lang="en-US" sz="1600" dirty="0">
-                <a:solidFill>
-                  <a:schemeClr val="accent6"/>
-                </a:solidFill>
-              </a:rPr>
-            </a:br>
-            <a:r>
-              <a:rPr lang="en-US" sz="1600" dirty="0" smtClean="0">
-                <a:solidFill>
-                  <a:schemeClr val="accent6"/>
-                </a:solidFill>
-              </a:rPr>
-              <a:t/>
-            </a:r>
-            <a:br>
-              <a:rPr lang="en-US" sz="1600" dirty="0" smtClean="0">
-                <a:solidFill>
-                  <a:schemeClr val="accent6"/>
-                </a:solidFill>
-              </a:rPr>
-            </a:br>
-            <a:r>
-              <a:rPr lang="en-US" sz="1600" dirty="0">
-                <a:solidFill>
-                  <a:schemeClr val="accent6"/>
-                </a:solidFill>
-              </a:rPr>
-              <a:t/>
-            </a:r>
-            <a:br>
-              <a:rPr lang="en-US" sz="1600" dirty="0">
-                <a:solidFill>
-                  <a:schemeClr val="accent6"/>
-                </a:solidFill>
-              </a:rPr>
-            </a:br>
-            <a:r>
-              <a:rPr lang="en-US" sz="1600" dirty="0" smtClean="0">
-                <a:solidFill>
-                  <a:schemeClr val="accent6"/>
-                </a:solidFill>
-              </a:rPr>
-              <a:t/>
-            </a:r>
-            <a:br>
-              <a:rPr lang="en-US" sz="1600" dirty="0" smtClean="0">
-                <a:solidFill>
-                  <a:schemeClr val="accent6"/>
-                </a:solidFill>
-              </a:rPr>
-            </a:br>
-            <a:r>
-              <a:rPr lang="en-US" sz="1600" dirty="0">
-                <a:solidFill>
-                  <a:schemeClr val="accent6"/>
-                </a:solidFill>
-              </a:rPr>
-              <a:t/>
-            </a:r>
-            <a:br>
-              <a:rPr lang="en-US" sz="1600" dirty="0">
-                <a:solidFill>
-                  <a:schemeClr val="accent6"/>
-                </a:solidFill>
-              </a:rPr>
-            </a:br>
-            <a:r>
-              <a:rPr lang="en-US" sz="1600" dirty="0" smtClean="0">
-                <a:solidFill>
-                  <a:schemeClr val="accent6"/>
-                </a:solidFill>
-              </a:rPr>
-              <a:t/>
-            </a:r>
-            <a:br>
-              <a:rPr lang="en-US" sz="1600" dirty="0" smtClean="0">
-                <a:solidFill>
-                  <a:schemeClr val="accent6"/>
-                </a:solidFill>
-              </a:rPr>
-            </a:br>
-            <a:r>
-              <a:rPr lang="en-US" sz="1600" dirty="0" smtClean="0">
-                <a:solidFill>
-                  <a:schemeClr val="accent6"/>
-                </a:solidFill>
-              </a:rPr>
-              <a:t/>
-            </a:r>
-            <a:br>
-              <a:rPr lang="en-US" sz="1600" dirty="0" smtClean="0">
-                <a:solidFill>
-                  <a:schemeClr val="accent6"/>
-                </a:solidFill>
-              </a:rPr>
-            </a:br>
-            <a:r>
-              <a:rPr lang="en-US" sz="1600" dirty="0" smtClean="0">
-                <a:solidFill>
-                  <a:schemeClr val="accent6"/>
-                </a:solidFill>
-              </a:rPr>
-              <a:t/>
-            </a:r>
-            <a:br>
-              <a:rPr lang="en-US" sz="1600" dirty="0" smtClean="0">
-                <a:solidFill>
-                  <a:schemeClr val="accent6"/>
-                </a:solidFill>
-              </a:rPr>
-            </a:br>
-            <a:r>
-              <a:rPr lang="en-US" sz="1600" dirty="0">
-                <a:solidFill>
-                  <a:schemeClr val="accent6"/>
-                </a:solidFill>
-              </a:rPr>
-              <a:t/>
-            </a:r>
-            <a:br>
-              <a:rPr lang="en-US" sz="1600" dirty="0">
-                <a:solidFill>
-                  <a:schemeClr val="accent6"/>
-                </a:solidFill>
-              </a:rPr>
-            </a:br>
-            <a:r>
-              <a:rPr lang="en-US" sz="1600" dirty="0" smtClean="0">
-                <a:solidFill>
-                  <a:schemeClr val="accent6"/>
-                </a:solidFill>
-              </a:rPr>
-              <a:t/>
-            </a:r>
-            <a:br>
-              <a:rPr lang="en-US" sz="1600" dirty="0" smtClean="0">
-                <a:solidFill>
-                  <a:schemeClr val="accent6"/>
-                </a:solidFill>
-              </a:rPr>
-            </a:br>
-            <a:r>
-              <a:rPr lang="en-US" sz="1600" dirty="0">
-                <a:solidFill>
-                  <a:schemeClr val="accent6"/>
-                </a:solidFill>
-              </a:rPr>
-              <a:t/>
-            </a:r>
-            <a:br>
-              <a:rPr lang="en-US" sz="1600" dirty="0">
-                <a:solidFill>
-                  <a:schemeClr val="accent6"/>
-                </a:solidFill>
-              </a:rPr>
-            </a:br>
-            <a:r>
-              <a:rPr lang="en-US" sz="1600" dirty="0" smtClean="0">
-                <a:solidFill>
-                  <a:schemeClr val="accent6"/>
-                </a:solidFill>
-              </a:rPr>
-              <a:t/>
-            </a:r>
-            <a:br>
-              <a:rPr lang="en-US" sz="1600" dirty="0" smtClean="0">
-                <a:solidFill>
-                  <a:schemeClr val="accent6"/>
-                </a:solidFill>
-              </a:rPr>
-            </a:br>
-            <a:endParaRPr lang="en-US" sz="1600" dirty="0">
+              <a:rPr lang="en-US" dirty="0" smtClean="0">
+                <a:solidFill>
+                  <a:schemeClr val="accent6"/>
+                </a:solidFill>
+              </a:rPr>
+              <a:t/>
+            </a:r>
+            <a:br>
+              <a:rPr lang="en-US" dirty="0" smtClean="0">
+                <a:solidFill>
+                  <a:schemeClr val="accent6"/>
+                </a:solidFill>
+              </a:rPr>
+            </a:br>
+            <a:r>
+              <a:rPr lang="en-US" dirty="0">
+                <a:solidFill>
+                  <a:schemeClr val="accent6"/>
+                </a:solidFill>
+              </a:rPr>
+              <a:t/>
+            </a:r>
+            <a:br>
+              <a:rPr lang="en-US" dirty="0">
+                <a:solidFill>
+                  <a:schemeClr val="accent6"/>
+                </a:solidFill>
+              </a:rPr>
+            </a:br>
+            <a:r>
+              <a:rPr lang="en-US" dirty="0" smtClean="0">
+                <a:solidFill>
+                  <a:schemeClr val="accent6"/>
+                </a:solidFill>
+              </a:rPr>
+              <a:t/>
+            </a:r>
+            <a:br>
+              <a:rPr lang="en-US" dirty="0" smtClean="0">
+                <a:solidFill>
+                  <a:schemeClr val="accent6"/>
+                </a:solidFill>
+              </a:rPr>
+            </a:br>
+            <a:r>
+              <a:rPr lang="en-US" sz="2000" dirty="0">
+                <a:solidFill>
+                  <a:schemeClr val="accent6"/>
+                </a:solidFill>
+              </a:rPr>
+              <a:t/>
+            </a:r>
+            <a:br>
+              <a:rPr lang="en-US" sz="2000" dirty="0">
+                <a:solidFill>
+                  <a:schemeClr val="accent6"/>
+                </a:solidFill>
+              </a:rPr>
+            </a:br>
+            <a:r>
+              <a:rPr lang="en-US" sz="2000" dirty="0" smtClean="0">
+                <a:solidFill>
+                  <a:schemeClr val="accent6"/>
+                </a:solidFill>
+              </a:rPr>
+              <a:t>Running a live command on all nodes</a:t>
+            </a:r>
+            <a:r>
+              <a:rPr lang="en-US" sz="2000" dirty="0">
+                <a:solidFill>
+                  <a:schemeClr val="accent6"/>
+                </a:solidFill>
+              </a:rPr>
+              <a:t/>
+            </a:r>
+            <a:br>
+              <a:rPr lang="en-US" sz="2000" dirty="0">
+                <a:solidFill>
+                  <a:schemeClr val="accent6"/>
+                </a:solidFill>
+              </a:rPr>
+            </a:br>
+            <a:r>
+              <a:rPr lang="en-US" sz="2000" dirty="0">
+                <a:solidFill>
+                  <a:srgbClr val="FF0000"/>
+                </a:solidFill>
+              </a:rPr>
+              <a:t>Exercises:</a:t>
+            </a:r>
+            <a:r>
+              <a:rPr lang="en-US" sz="2000" dirty="0">
+                <a:solidFill>
+                  <a:schemeClr val="accent6"/>
+                </a:solidFill>
+              </a:rPr>
+              <a:t/>
+            </a:r>
+            <a:br>
+              <a:rPr lang="en-US" sz="2000" dirty="0">
+                <a:solidFill>
+                  <a:schemeClr val="accent6"/>
+                </a:solidFill>
+              </a:rPr>
+            </a:br>
+            <a:r>
+              <a:rPr lang="en-US" sz="2000" dirty="0" err="1" smtClean="0">
+                <a:solidFill>
+                  <a:schemeClr val="bg1"/>
+                </a:solidFill>
+              </a:rPr>
+              <a:t>ansible</a:t>
+            </a:r>
+            <a:r>
+              <a:rPr lang="en-US" sz="2000" dirty="0" smtClean="0">
+                <a:solidFill>
+                  <a:schemeClr val="bg1"/>
+                </a:solidFill>
+              </a:rPr>
+              <a:t> </a:t>
+            </a:r>
+            <a:r>
+              <a:rPr lang="en-US" sz="2000" dirty="0">
+                <a:solidFill>
+                  <a:schemeClr val="bg1"/>
+                </a:solidFill>
+              </a:rPr>
+              <a:t>all -a "/bin/echo </a:t>
+            </a:r>
+            <a:r>
+              <a:rPr lang="en-US" sz="2000" dirty="0" smtClean="0">
+                <a:solidFill>
+                  <a:schemeClr val="bg1"/>
+                </a:solidFill>
+              </a:rPr>
+              <a:t>hello“</a:t>
+            </a:r>
+            <a:br>
+              <a:rPr lang="en-US" sz="2000" dirty="0" smtClean="0">
+                <a:solidFill>
+                  <a:schemeClr val="bg1"/>
+                </a:solidFill>
+              </a:rPr>
+            </a:br>
+            <a:r>
+              <a:rPr lang="en-US" sz="2000" dirty="0" err="1" smtClean="0">
+                <a:solidFill>
+                  <a:schemeClr val="bg1"/>
+                </a:solidFill>
+              </a:rPr>
+              <a:t>ansible</a:t>
+            </a:r>
+            <a:r>
+              <a:rPr lang="en-US" sz="2000" dirty="0" smtClean="0">
+                <a:solidFill>
+                  <a:schemeClr val="bg1"/>
+                </a:solidFill>
+              </a:rPr>
+              <a:t> all -a “</a:t>
+            </a:r>
+            <a:r>
+              <a:rPr lang="en-US" sz="2000" dirty="0" err="1" smtClean="0">
+                <a:solidFill>
+                  <a:schemeClr val="bg1"/>
+                </a:solidFill>
+              </a:rPr>
+              <a:t>df</a:t>
+            </a:r>
+            <a:r>
+              <a:rPr lang="en-US" sz="2000" dirty="0" smtClean="0">
+                <a:solidFill>
+                  <a:schemeClr val="bg1"/>
+                </a:solidFill>
+              </a:rPr>
+              <a:t> –</a:t>
+            </a:r>
+            <a:r>
+              <a:rPr lang="en-US" sz="2000" dirty="0" err="1" smtClean="0">
+                <a:solidFill>
+                  <a:schemeClr val="bg1"/>
+                </a:solidFill>
+              </a:rPr>
+              <a:t>hT</a:t>
+            </a:r>
+            <a:r>
+              <a:rPr lang="en-US" sz="2000" dirty="0" smtClean="0">
+                <a:solidFill>
+                  <a:schemeClr val="bg1"/>
+                </a:solidFill>
+              </a:rPr>
+              <a:t> | </a:t>
+            </a:r>
+            <a:r>
+              <a:rPr lang="en-US" sz="2000" dirty="0" err="1" smtClean="0">
+                <a:solidFill>
+                  <a:schemeClr val="bg1"/>
+                </a:solidFill>
+              </a:rPr>
+              <a:t>grep</a:t>
+            </a:r>
+            <a:r>
+              <a:rPr lang="en-US" sz="2000" dirty="0" smtClean="0">
+                <a:solidFill>
+                  <a:schemeClr val="bg1"/>
+                </a:solidFill>
+              </a:rPr>
+              <a:t> –v </a:t>
+            </a:r>
+            <a:r>
+              <a:rPr lang="en-US" sz="2000" dirty="0" err="1" smtClean="0">
+                <a:solidFill>
+                  <a:schemeClr val="bg1"/>
+                </a:solidFill>
+              </a:rPr>
+              <a:t>tmfs</a:t>
+            </a:r>
+            <a:r>
+              <a:rPr lang="en-US" sz="2000" dirty="0" smtClean="0">
+                <a:solidFill>
+                  <a:schemeClr val="bg1"/>
+                </a:solidFill>
+              </a:rPr>
+              <a:t>”</a:t>
+            </a:r>
+            <a:br>
+              <a:rPr lang="en-US" sz="2000" dirty="0" smtClean="0">
+                <a:solidFill>
+                  <a:schemeClr val="bg1"/>
+                </a:solidFill>
+              </a:rPr>
+            </a:br>
+            <a:r>
+              <a:rPr lang="en-US" sz="2000" dirty="0">
+                <a:solidFill>
+                  <a:schemeClr val="bg1"/>
+                </a:solidFill>
+              </a:rPr>
+              <a:t/>
+            </a:r>
+            <a:br>
+              <a:rPr lang="en-US" sz="2000" dirty="0">
+                <a:solidFill>
+                  <a:schemeClr val="bg1"/>
+                </a:solidFill>
+              </a:rPr>
+            </a:br>
+            <a:r>
+              <a:rPr lang="en-US" sz="2000" dirty="0" smtClean="0">
+                <a:solidFill>
+                  <a:schemeClr val="accent6"/>
+                </a:solidFill>
+              </a:rPr>
+              <a:t>Did you see, we could get information about our nodes without loosing time to login and check, so great ! </a:t>
+            </a:r>
+            <a:br>
+              <a:rPr lang="en-US" sz="2000" dirty="0" smtClean="0">
+                <a:solidFill>
+                  <a:schemeClr val="accent6"/>
+                </a:solidFill>
+              </a:rPr>
+            </a:br>
+            <a:r>
+              <a:rPr lang="en-US" sz="2000" dirty="0">
+                <a:solidFill>
+                  <a:schemeClr val="accent6"/>
+                </a:solidFill>
+              </a:rPr>
+              <a:t/>
+            </a:r>
+            <a:br>
+              <a:rPr lang="en-US" sz="2000" dirty="0">
+                <a:solidFill>
+                  <a:schemeClr val="accent6"/>
+                </a:solidFill>
+              </a:rPr>
+            </a:br>
+            <a:r>
+              <a:rPr lang="en-US" sz="2000" dirty="0">
+                <a:solidFill>
+                  <a:schemeClr val="accent6"/>
+                </a:solidFill>
+              </a:rPr>
+              <a:t>There is a large catalog of </a:t>
+            </a:r>
+            <a:r>
+              <a:rPr lang="en-US" sz="2000" dirty="0">
+                <a:solidFill>
+                  <a:schemeClr val="accent6"/>
+                </a:solidFill>
+                <a:hlinkClick r:id="rId2"/>
+              </a:rPr>
+              <a:t>modules</a:t>
+            </a:r>
+            <a:r>
+              <a:rPr lang="en-US" sz="2000" dirty="0">
+                <a:solidFill>
+                  <a:schemeClr val="accent6"/>
+                </a:solidFill>
+              </a:rPr>
+              <a:t> available for </a:t>
+            </a:r>
+            <a:r>
+              <a:rPr lang="en-US" sz="2000" dirty="0" err="1">
+                <a:solidFill>
+                  <a:schemeClr val="accent6"/>
+                </a:solidFill>
+              </a:rPr>
+              <a:t>Ansible</a:t>
+            </a:r>
+            <a:r>
+              <a:rPr lang="en-US" sz="2000" dirty="0">
+                <a:solidFill>
+                  <a:schemeClr val="accent6"/>
+                </a:solidFill>
+              </a:rPr>
+              <a:t> out of the </a:t>
+            </a:r>
+            <a:r>
+              <a:rPr lang="en-US" sz="2000" dirty="0" smtClean="0">
+                <a:solidFill>
+                  <a:schemeClr val="accent6"/>
+                </a:solidFill>
+              </a:rPr>
+              <a:t>box =&gt; </a:t>
+            </a:r>
+            <a:br>
+              <a:rPr lang="en-US" sz="2000" dirty="0" smtClean="0">
+                <a:solidFill>
+                  <a:schemeClr val="accent6"/>
+                </a:solidFill>
+              </a:rPr>
+            </a:br>
+            <a:r>
+              <a:rPr lang="en-US" sz="2000" dirty="0" smtClean="0">
+                <a:solidFill>
+                  <a:schemeClr val="accent6"/>
+                </a:solidFill>
+              </a:rPr>
+              <a:t>users, groups, packages, ACLs, files, firewall rules, </a:t>
+            </a:r>
+            <a:r>
+              <a:rPr lang="en-US" sz="2000" dirty="0" err="1" smtClean="0">
+                <a:solidFill>
+                  <a:schemeClr val="accent6"/>
+                </a:solidFill>
+              </a:rPr>
+              <a:t>mysql</a:t>
+            </a:r>
+            <a:r>
+              <a:rPr lang="en-US" sz="2000" dirty="0" smtClean="0">
+                <a:solidFill>
+                  <a:schemeClr val="accent6"/>
+                </a:solidFill>
+              </a:rPr>
+              <a:t> </a:t>
+            </a:r>
+            <a:r>
+              <a:rPr lang="en-US" sz="2000" dirty="0">
+                <a:solidFill>
+                  <a:schemeClr val="accent6"/>
+                </a:solidFill>
+              </a:rPr>
+              <a:t>and </a:t>
+            </a:r>
+            <a:r>
+              <a:rPr lang="en-US" sz="2000" dirty="0" err="1">
+                <a:solidFill>
+                  <a:schemeClr val="accent6"/>
+                </a:solidFill>
+              </a:rPr>
+              <a:t>postgresql</a:t>
+            </a:r>
+            <a:r>
+              <a:rPr lang="en-US" sz="2000" dirty="0">
+                <a:solidFill>
+                  <a:schemeClr val="accent6"/>
+                </a:solidFill>
+              </a:rPr>
+              <a:t> </a:t>
+            </a:r>
+            <a:r>
+              <a:rPr lang="en-US" sz="2000" dirty="0" smtClean="0">
+                <a:solidFill>
+                  <a:schemeClr val="accent6"/>
+                </a:solidFill>
+              </a:rPr>
+              <a:t>databases, </a:t>
+            </a:r>
+            <a:r>
+              <a:rPr lang="en-US" sz="2000" dirty="0" err="1" smtClean="0">
+                <a:solidFill>
+                  <a:schemeClr val="accent6"/>
+                </a:solidFill>
+              </a:rPr>
+              <a:t>docker</a:t>
+            </a:r>
+            <a:r>
+              <a:rPr lang="en-US" sz="2000" dirty="0" smtClean="0">
+                <a:solidFill>
+                  <a:schemeClr val="accent6"/>
+                </a:solidFill>
+              </a:rPr>
+              <a:t> </a:t>
+            </a:r>
+            <a:r>
+              <a:rPr lang="en-US" sz="2000" dirty="0">
+                <a:solidFill>
+                  <a:schemeClr val="accent6"/>
+                </a:solidFill>
+              </a:rPr>
+              <a:t>images</a:t>
+            </a:r>
+            <a:r>
+              <a:rPr lang="en-US" sz="1800" dirty="0">
+                <a:solidFill>
+                  <a:schemeClr val="accent6"/>
+                </a:solidFill>
+              </a:rPr>
+              <a:t/>
+            </a:r>
+            <a:br>
+              <a:rPr lang="en-US" sz="1800" dirty="0">
+                <a:solidFill>
+                  <a:schemeClr val="accent6"/>
+                </a:solidFill>
+              </a:rPr>
+            </a:br>
+            <a:endParaRPr lang="en-US" sz="2000" dirty="0">
               <a:solidFill>
                 <a:schemeClr val="accent6"/>
               </a:solidFill>
@@ -4779,540 +4741,10 @@
           </a:p>
         </p:txBody>
       </p:sp>
-      <p:sp>
-        <p:nvSpPr>
-          <p:cNvPr id="3" name="TextBox 2"/>
-          <p:cNvSpPr txBox="1"/>
-          <p:nvPr/>
-        </p:nvSpPr>
-        <p:spPr>
-          <a:xfrm>
-            <a:off x="304800" y="846138"/>
-            <a:ext cx="8839200" cy="6186309"/>
-          </a:xfrm>
-          <a:prstGeom prst="rect">
-            <a:avLst/>
-          </a:prstGeom>
-          <a:noFill/>
-        </p:spPr>
-        <p:txBody>
-          <a:bodyPr wrap="square" rtlCol="0">
-            <a:spAutoFit/>
-          </a:bodyPr>
-          <a:lstStyle/>
-          <a:p>
-            <a:r>
-              <a:rPr lang="en-US" dirty="0" err="1" smtClean="0">
-                <a:solidFill>
-                  <a:schemeClr val="accent6"/>
-                </a:solidFill>
-              </a:rPr>
-              <a:t>Ansible</a:t>
-            </a:r>
-            <a:r>
-              <a:rPr lang="en-US" dirty="0" smtClean="0">
-                <a:solidFill>
-                  <a:schemeClr val="accent6"/>
-                </a:solidFill>
-              </a:rPr>
-              <a:t> </a:t>
-            </a:r>
-            <a:r>
-              <a:rPr lang="en-US" dirty="0">
-                <a:solidFill>
-                  <a:schemeClr val="accent6"/>
-                </a:solidFill>
-              </a:rPr>
-              <a:t>depends on SSH access to the servers you are managing. </a:t>
-            </a:r>
-            <a:r>
-              <a:rPr lang="en-US" dirty="0" err="1" smtClean="0">
-                <a:solidFill>
-                  <a:schemeClr val="accent6"/>
-                </a:solidFill>
-              </a:rPr>
-              <a:t>Ansible</a:t>
-            </a:r>
-            <a:r>
-              <a:rPr lang="en-US" dirty="0" smtClean="0">
-                <a:solidFill>
-                  <a:schemeClr val="accent6"/>
-                </a:solidFill>
-              </a:rPr>
-              <a:t> </a:t>
-            </a:r>
-            <a:r>
-              <a:rPr lang="en-US" dirty="0">
-                <a:solidFill>
-                  <a:schemeClr val="accent6"/>
-                </a:solidFill>
-              </a:rPr>
-              <a:t>works best when you have SSH public key authentication configured so that you don’t have to use passwords to access your hosts.</a:t>
-            </a:r>
-          </a:p>
-          <a:p>
-            <a:endParaRPr lang="en-US" dirty="0" smtClean="0">
-              <a:solidFill>
-                <a:schemeClr val="accent6"/>
-              </a:solidFill>
-            </a:endParaRPr>
-          </a:p>
-          <a:p>
-            <a:r>
-              <a:rPr lang="en-US" dirty="0" err="1" smtClean="0">
-                <a:solidFill>
-                  <a:schemeClr val="accent6"/>
-                </a:solidFill>
-              </a:rPr>
-              <a:t>Ansible</a:t>
-            </a:r>
-            <a:r>
-              <a:rPr lang="en-US" dirty="0" smtClean="0">
-                <a:solidFill>
-                  <a:schemeClr val="accent6"/>
-                </a:solidFill>
-              </a:rPr>
-              <a:t> </a:t>
-            </a:r>
-            <a:r>
-              <a:rPr lang="en-US" dirty="0">
-                <a:solidFill>
-                  <a:schemeClr val="accent6"/>
-                </a:solidFill>
-              </a:rPr>
-              <a:t>uses an inventory file to determine what hosts to work against. In its simplest form, an inventory file is just a text file containing a list of host names or IP addresses - one on each line. </a:t>
-            </a:r>
-          </a:p>
-          <a:p>
-            <a:endParaRPr lang="en-US" dirty="0" smtClean="0">
-              <a:solidFill>
-                <a:schemeClr val="accent6"/>
-              </a:solidFill>
-            </a:endParaRPr>
-          </a:p>
-          <a:p>
-            <a:r>
-              <a:rPr lang="en-US" dirty="0" smtClean="0">
-                <a:solidFill>
-                  <a:schemeClr val="accent6"/>
-                </a:solidFill>
-              </a:rPr>
-              <a:t>The default location is </a:t>
-            </a:r>
-            <a:r>
-              <a:rPr lang="en-US" dirty="0" smtClean="0">
-                <a:solidFill>
-                  <a:schemeClr val="bg1"/>
-                </a:solidFill>
-              </a:rPr>
-              <a:t>/</a:t>
-            </a:r>
-            <a:r>
-              <a:rPr lang="en-US" dirty="0" err="1" smtClean="0">
-                <a:solidFill>
-                  <a:schemeClr val="bg1"/>
-                </a:solidFill>
-              </a:rPr>
-              <a:t>etc</a:t>
-            </a:r>
-            <a:r>
-              <a:rPr lang="en-US" dirty="0" smtClean="0">
-                <a:solidFill>
-                  <a:schemeClr val="bg1"/>
-                </a:solidFill>
-              </a:rPr>
-              <a:t>/</a:t>
-            </a:r>
-            <a:r>
-              <a:rPr lang="en-US" dirty="0" err="1" smtClean="0">
-                <a:solidFill>
-                  <a:schemeClr val="bg1"/>
-                </a:solidFill>
-              </a:rPr>
-              <a:t>ansible</a:t>
-            </a:r>
-            <a:r>
-              <a:rPr lang="en-US" dirty="0" smtClean="0">
-                <a:solidFill>
-                  <a:schemeClr val="bg1"/>
-                </a:solidFill>
-              </a:rPr>
-              <a:t>/hosts</a:t>
-            </a:r>
-          </a:p>
-          <a:p>
-            <a:endParaRPr lang="en-US" dirty="0">
-              <a:solidFill>
-                <a:schemeClr val="bg1"/>
-              </a:solidFill>
-            </a:endParaRPr>
-          </a:p>
-          <a:p>
-            <a:r>
-              <a:rPr lang="en-US" dirty="0" err="1">
-                <a:solidFill>
-                  <a:schemeClr val="accent6"/>
-                </a:solidFill>
-              </a:rPr>
-              <a:t>Ansible</a:t>
-            </a:r>
-            <a:r>
-              <a:rPr lang="en-US" dirty="0">
-                <a:solidFill>
-                  <a:schemeClr val="accent6"/>
-                </a:solidFill>
-              </a:rPr>
-              <a:t> will attempt to remote connect to the machines using your current user name, just like SSH would. To override the remote user name, just use the ‘</a:t>
-            </a:r>
-            <a:r>
-              <a:rPr lang="en-US" dirty="0">
-                <a:solidFill>
-                  <a:schemeClr val="bg1"/>
-                </a:solidFill>
-              </a:rPr>
-              <a:t>-u</a:t>
-            </a:r>
-            <a:r>
-              <a:rPr lang="en-US" dirty="0">
-                <a:solidFill>
-                  <a:schemeClr val="accent6"/>
-                </a:solidFill>
-              </a:rPr>
-              <a:t>’ parameter.</a:t>
-            </a:r>
-            <a:endParaRPr lang="en-US" dirty="0" smtClean="0">
-              <a:solidFill>
-                <a:schemeClr val="accent6"/>
-              </a:solidFill>
-            </a:endParaRPr>
-          </a:p>
-          <a:p>
-            <a:endParaRPr lang="en-US" dirty="0" smtClean="0">
-              <a:solidFill>
-                <a:schemeClr val="accent6"/>
-              </a:solidFill>
-            </a:endParaRPr>
-          </a:p>
-          <a:p>
-            <a:r>
-              <a:rPr lang="en-US" dirty="0" smtClean="0">
-                <a:solidFill>
-                  <a:srgbClr val="FF0000"/>
-                </a:solidFill>
-              </a:rPr>
-              <a:t>Exercises:</a:t>
-            </a:r>
-          </a:p>
-          <a:p>
-            <a:r>
-              <a:rPr lang="en-US" dirty="0" smtClean="0">
-                <a:solidFill>
-                  <a:schemeClr val="accent6"/>
-                </a:solidFill>
-              </a:rPr>
-              <a:t>	1. add ‘</a:t>
-            </a:r>
-            <a:r>
-              <a:rPr lang="en-US" dirty="0" err="1" smtClean="0">
-                <a:solidFill>
-                  <a:schemeClr val="bg1"/>
-                </a:solidFill>
-              </a:rPr>
-              <a:t>ansible</a:t>
-            </a:r>
-            <a:r>
-              <a:rPr lang="en-US" dirty="0" smtClean="0">
-                <a:solidFill>
-                  <a:schemeClr val="accent6"/>
-                </a:solidFill>
-              </a:rPr>
-              <a:t>’ user to the </a:t>
-            </a:r>
-            <a:r>
-              <a:rPr lang="en-US" dirty="0" err="1" smtClean="0">
-                <a:solidFill>
-                  <a:schemeClr val="accent6"/>
-                </a:solidFill>
-              </a:rPr>
-              <a:t>ansible</a:t>
-            </a:r>
-            <a:r>
-              <a:rPr lang="en-US" dirty="0" smtClean="0">
-                <a:solidFill>
-                  <a:schemeClr val="accent6"/>
-                </a:solidFill>
-              </a:rPr>
-              <a:t> server as </a:t>
-            </a:r>
-            <a:r>
-              <a:rPr lang="en-US" dirty="0" err="1" smtClean="0">
-                <a:solidFill>
-                  <a:schemeClr val="bg1"/>
-                </a:solidFill>
-              </a:rPr>
-              <a:t>sudo</a:t>
-            </a:r>
-            <a:r>
-              <a:rPr lang="en-US" dirty="0" smtClean="0">
-                <a:solidFill>
-                  <a:schemeClr val="accent6"/>
-                </a:solidFill>
-              </a:rPr>
-              <a:t>. Generate </a:t>
-            </a:r>
-            <a:r>
-              <a:rPr lang="en-US" dirty="0" err="1" smtClean="0">
-                <a:solidFill>
-                  <a:schemeClr val="bg1"/>
-                </a:solidFill>
-              </a:rPr>
-              <a:t>ssh</a:t>
-            </a:r>
-            <a:r>
-              <a:rPr lang="en-US" dirty="0" smtClean="0">
-                <a:solidFill>
-                  <a:schemeClr val="bg1"/>
-                </a:solidFill>
-              </a:rPr>
-              <a:t>-keys</a:t>
-            </a:r>
-            <a:r>
-              <a:rPr lang="en-US" dirty="0" smtClean="0">
-                <a:solidFill>
-                  <a:schemeClr val="accent6"/>
-                </a:solidFill>
-              </a:rPr>
-              <a:t> for him, set its password to ‘</a:t>
-            </a:r>
-            <a:r>
-              <a:rPr lang="en-US" dirty="0" err="1" smtClean="0">
-                <a:solidFill>
-                  <a:schemeClr val="bg1"/>
-                </a:solidFill>
-              </a:rPr>
-              <a:t>linuxacademy</a:t>
-            </a:r>
-            <a:r>
-              <a:rPr lang="en-US" dirty="0" smtClean="0">
-                <a:solidFill>
-                  <a:schemeClr val="accent6"/>
-                </a:solidFill>
-              </a:rPr>
-              <a:t>’</a:t>
-            </a:r>
-          </a:p>
-          <a:p>
-            <a:r>
-              <a:rPr lang="en-US" dirty="0" smtClean="0">
-                <a:solidFill>
-                  <a:schemeClr val="accent6"/>
-                </a:solidFill>
-              </a:rPr>
-              <a:t>	2. add ‘</a:t>
-            </a:r>
-            <a:r>
-              <a:rPr lang="en-US" dirty="0" err="1" smtClean="0">
-                <a:solidFill>
-                  <a:schemeClr val="bg1"/>
-                </a:solidFill>
-              </a:rPr>
-              <a:t>ansible</a:t>
-            </a:r>
-            <a:r>
-              <a:rPr lang="en-US" dirty="0" smtClean="0">
-                <a:solidFill>
-                  <a:schemeClr val="accent6"/>
-                </a:solidFill>
-              </a:rPr>
-              <a:t>’ user to the </a:t>
-            </a:r>
-            <a:r>
-              <a:rPr lang="en-US" dirty="0" err="1" smtClean="0">
-                <a:solidFill>
-                  <a:schemeClr val="accent6"/>
-                </a:solidFill>
-              </a:rPr>
-              <a:t>ansible</a:t>
-            </a:r>
-            <a:r>
-              <a:rPr lang="en-US" dirty="0" smtClean="0">
-                <a:solidFill>
-                  <a:schemeClr val="accent6"/>
-                </a:solidFill>
-              </a:rPr>
-              <a:t> slave node. Repeat the password.</a:t>
-            </a:r>
-          </a:p>
-          <a:p>
-            <a:r>
-              <a:rPr lang="en-US" dirty="0" smtClean="0">
-                <a:solidFill>
-                  <a:schemeClr val="accent6"/>
-                </a:solidFill>
-              </a:rPr>
-              <a:t>	3. </a:t>
-            </a:r>
-            <a:r>
-              <a:rPr lang="en-US" dirty="0" err="1" smtClean="0">
-                <a:solidFill>
-                  <a:schemeClr val="bg1"/>
-                </a:solidFill>
-              </a:rPr>
-              <a:t>ansible</a:t>
-            </a:r>
-            <a:r>
-              <a:rPr lang="en-US" dirty="0" smtClean="0">
-                <a:solidFill>
-                  <a:schemeClr val="bg1"/>
-                </a:solidFill>
-              </a:rPr>
-              <a:t> all –m ping</a:t>
-            </a:r>
-          </a:p>
-          <a:p>
-            <a:r>
-              <a:rPr lang="en-US" dirty="0">
-                <a:solidFill>
-                  <a:schemeClr val="bg1"/>
-                </a:solidFill>
-              </a:rPr>
-              <a:t>	</a:t>
-            </a:r>
-            <a:r>
-              <a:rPr lang="en-US" dirty="0" smtClean="0">
-                <a:solidFill>
-                  <a:schemeClr val="accent6"/>
-                </a:solidFill>
-              </a:rPr>
-              <a:t>4</a:t>
-            </a:r>
-            <a:r>
-              <a:rPr lang="en-US" dirty="0" smtClean="0">
-                <a:solidFill>
-                  <a:schemeClr val="bg1"/>
-                </a:solidFill>
-              </a:rPr>
-              <a:t>. </a:t>
-            </a:r>
-            <a:r>
-              <a:rPr lang="en-US" dirty="0" err="1" smtClean="0">
-                <a:solidFill>
-                  <a:schemeClr val="bg1"/>
-                </a:solidFill>
-              </a:rPr>
-              <a:t>ansible</a:t>
-            </a:r>
-            <a:r>
-              <a:rPr lang="en-US" dirty="0" smtClean="0">
-                <a:solidFill>
-                  <a:schemeClr val="bg1"/>
-                </a:solidFill>
-              </a:rPr>
-              <a:t> </a:t>
-            </a:r>
-            <a:r>
-              <a:rPr lang="en-US" dirty="0">
-                <a:solidFill>
-                  <a:schemeClr val="bg1"/>
-                </a:solidFill>
-              </a:rPr>
-              <a:t>all -m ping -u </a:t>
-            </a:r>
-            <a:r>
-              <a:rPr lang="en-US" dirty="0" err="1">
-                <a:solidFill>
-                  <a:schemeClr val="bg1"/>
-                </a:solidFill>
-              </a:rPr>
-              <a:t>ansible</a:t>
-            </a:r>
-            <a:r>
-              <a:rPr lang="en-US" dirty="0">
-                <a:solidFill>
-                  <a:schemeClr val="bg1"/>
-                </a:solidFill>
-              </a:rPr>
-              <a:t> --ask-pass</a:t>
-            </a:r>
-            <a:endParaRPr lang="en-US" dirty="0" smtClean="0">
-              <a:solidFill>
-                <a:schemeClr val="bg1"/>
-              </a:solidFill>
-            </a:endParaRPr>
-          </a:p>
-          <a:p>
-            <a:r>
-              <a:rPr lang="en-US" dirty="0">
-                <a:solidFill>
-                  <a:schemeClr val="bg1"/>
-                </a:solidFill>
-              </a:rPr>
-              <a:t>	</a:t>
-            </a:r>
-            <a:r>
-              <a:rPr lang="en-US" dirty="0" smtClean="0">
-                <a:solidFill>
-                  <a:schemeClr val="accent6"/>
-                </a:solidFill>
-              </a:rPr>
-              <a:t>5. Google search about </a:t>
-            </a:r>
-            <a:r>
-              <a:rPr lang="en-US" dirty="0" err="1" smtClean="0">
-                <a:solidFill>
-                  <a:schemeClr val="accent6"/>
-                </a:solidFill>
-              </a:rPr>
-              <a:t>Ansible</a:t>
-            </a:r>
-            <a:r>
-              <a:rPr lang="en-US" dirty="0" smtClean="0">
-                <a:solidFill>
-                  <a:schemeClr val="accent6"/>
-                </a:solidFill>
-              </a:rPr>
-              <a:t> modules.</a:t>
-            </a:r>
-          </a:p>
-          <a:p>
-            <a:r>
-              <a:rPr lang="en-US" dirty="0">
-                <a:solidFill>
-                  <a:schemeClr val="accent6"/>
-                </a:solidFill>
-              </a:rPr>
-              <a:t>	</a:t>
-            </a:r>
-            <a:r>
-              <a:rPr lang="en-US" dirty="0" smtClean="0">
-                <a:solidFill>
-                  <a:schemeClr val="accent6"/>
-                </a:solidFill>
-              </a:rPr>
-              <a:t>6. Discussion between 3 and 4.</a:t>
-            </a:r>
-            <a:endParaRPr lang="en-US" dirty="0">
-              <a:solidFill>
-                <a:schemeClr val="accent6"/>
-              </a:solidFill>
-            </a:endParaRPr>
-          </a:p>
-          <a:p>
-            <a:r>
-              <a:rPr lang="en-US" dirty="0" smtClean="0"/>
-              <a:t>- </a:t>
-            </a:r>
-            <a:r>
-              <a:rPr lang="en-US" dirty="0"/>
-              <a:t>one on each line. For example:</a:t>
-            </a:r>
-          </a:p>
-        </p:txBody>
-      </p:sp>
     </p:spTree>
     <p:extLst>
       <p:ext uri="{BB962C8B-B14F-4D97-AF65-F5344CB8AC3E}">
-        <p14:creationId xmlns:p14="http://schemas.microsoft.com/office/powerpoint/2010/main" val="189524524"/>
+        <p14:creationId xmlns:p14="http://schemas.microsoft.com/office/powerpoint/2010/main" val="2714741044"/>
       </p:ext>
     </p:extLst>
   </p:cSld>
@@ -5349,12 +4781,7 @@
             <p:ph type="title"/>
           </p:nvPr>
         </p:nvSpPr>
-        <p:spPr>
-          <a:xfrm>
-            <a:off x="457200" y="762000"/>
-            <a:ext cx="8229600" cy="2590800"/>
-          </a:xfrm>
-        </p:spPr>
+        <p:spPr/>
         <p:txBody>
           <a:bodyPr>
             <a:normAutofit fontScale="90000"/>
@@ -5362,434 +4789,561 @@
           <a:lstStyle/>
           <a:p>
             <a:r>
-              <a:rPr lang="en-US" dirty="0" smtClean="0">
-                <a:solidFill>
-                  <a:schemeClr val="accent6"/>
-                </a:solidFill>
-              </a:rPr>
-              <a:t/>
-            </a:r>
-            <a:br>
-              <a:rPr lang="en-US" dirty="0" smtClean="0">
-                <a:solidFill>
-                  <a:schemeClr val="accent6"/>
-                </a:solidFill>
-              </a:rPr>
-            </a:br>
-            <a:r>
-              <a:rPr lang="en-US" dirty="0">
-                <a:solidFill>
-                  <a:schemeClr val="accent6"/>
-                </a:solidFill>
-              </a:rPr>
-              <a:t/>
-            </a:r>
-            <a:br>
-              <a:rPr lang="en-US" dirty="0">
-                <a:solidFill>
-                  <a:schemeClr val="accent6"/>
-                </a:solidFill>
-              </a:rPr>
-            </a:br>
-            <a:r>
-              <a:rPr lang="en-US" dirty="0" smtClean="0">
-                <a:solidFill>
-                  <a:schemeClr val="accent6"/>
-                </a:solidFill>
-              </a:rPr>
-              <a:t/>
-            </a:r>
-            <a:br>
-              <a:rPr lang="en-US" dirty="0" smtClean="0">
-                <a:solidFill>
-                  <a:schemeClr val="accent6"/>
-                </a:solidFill>
-              </a:rPr>
-            </a:br>
-            <a:r>
-              <a:rPr lang="en-US" sz="2000" dirty="0">
-                <a:solidFill>
-                  <a:schemeClr val="accent6"/>
-                </a:solidFill>
-              </a:rPr>
-              <a:t/>
-            </a:r>
-            <a:br>
-              <a:rPr lang="en-US" sz="2000" dirty="0">
-                <a:solidFill>
-                  <a:schemeClr val="accent6"/>
-                </a:solidFill>
-              </a:rPr>
-            </a:br>
-            <a:r>
-              <a:rPr lang="en-US" sz="2000" dirty="0" smtClean="0">
-                <a:solidFill>
-                  <a:schemeClr val="accent6"/>
-                </a:solidFill>
-              </a:rPr>
-              <a:t>Running a live command on all nodes</a:t>
-            </a:r>
-            <a:r>
-              <a:rPr lang="en-US" sz="2000" dirty="0">
-                <a:solidFill>
-                  <a:schemeClr val="accent6"/>
-                </a:solidFill>
-              </a:rPr>
-              <a:t/>
-            </a:r>
-            <a:br>
-              <a:rPr lang="en-US" sz="2000" dirty="0">
-                <a:solidFill>
-                  <a:schemeClr val="accent6"/>
-                </a:solidFill>
-              </a:rPr>
-            </a:br>
-            <a:r>
-              <a:rPr lang="en-US" sz="2000" dirty="0">
-                <a:solidFill>
-                  <a:srgbClr val="FF0000"/>
-                </a:solidFill>
-              </a:rPr>
-              <a:t>Exercises:</a:t>
-            </a:r>
-            <a:r>
-              <a:rPr lang="en-US" sz="2000" dirty="0">
-                <a:solidFill>
-                  <a:schemeClr val="accent6"/>
-                </a:solidFill>
-              </a:rPr>
-              <a:t/>
-            </a:r>
-            <a:br>
-              <a:rPr lang="en-US" sz="2000" dirty="0">
-                <a:solidFill>
-                  <a:schemeClr val="accent6"/>
-                </a:solidFill>
-              </a:rPr>
-            </a:br>
-            <a:r>
-              <a:rPr lang="en-US" sz="2000" dirty="0" err="1" smtClean="0">
-                <a:solidFill>
-                  <a:schemeClr val="bg1"/>
-                </a:solidFill>
-              </a:rPr>
-              <a:t>ansible</a:t>
-            </a:r>
-            <a:r>
-              <a:rPr lang="en-US" sz="2000" dirty="0" smtClean="0">
-                <a:solidFill>
-                  <a:schemeClr val="bg1"/>
-                </a:solidFill>
-              </a:rPr>
-              <a:t> </a:t>
-            </a:r>
-            <a:r>
-              <a:rPr lang="en-US" sz="2000" dirty="0">
-                <a:solidFill>
-                  <a:schemeClr val="bg1"/>
-                </a:solidFill>
-              </a:rPr>
-              <a:t>all -a "/bin/echo </a:t>
-            </a:r>
-            <a:r>
-              <a:rPr lang="en-US" sz="2000" dirty="0" smtClean="0">
-                <a:solidFill>
-                  <a:schemeClr val="bg1"/>
-                </a:solidFill>
-              </a:rPr>
-              <a:t>hello“</a:t>
-            </a:r>
-            <a:br>
-              <a:rPr lang="en-US" sz="2000" dirty="0" smtClean="0">
-                <a:solidFill>
-                  <a:schemeClr val="bg1"/>
-                </a:solidFill>
-              </a:rPr>
-            </a:br>
-            <a:r>
-              <a:rPr lang="en-US" sz="2000" dirty="0" err="1" smtClean="0">
-                <a:solidFill>
-                  <a:schemeClr val="bg1"/>
-                </a:solidFill>
-              </a:rPr>
-              <a:t>ansible</a:t>
-            </a:r>
-            <a:r>
-              <a:rPr lang="en-US" sz="2000" dirty="0" smtClean="0">
-                <a:solidFill>
-                  <a:schemeClr val="bg1"/>
-                </a:solidFill>
-              </a:rPr>
-              <a:t> all -a “</a:t>
-            </a:r>
-            <a:r>
-              <a:rPr lang="en-US" sz="2000" dirty="0" err="1" smtClean="0">
-                <a:solidFill>
-                  <a:schemeClr val="bg1"/>
-                </a:solidFill>
-              </a:rPr>
-              <a:t>df</a:t>
-            </a:r>
-            <a:r>
-              <a:rPr lang="en-US" sz="2000" dirty="0" smtClean="0">
-                <a:solidFill>
-                  <a:schemeClr val="bg1"/>
-                </a:solidFill>
-              </a:rPr>
-              <a:t> –</a:t>
-            </a:r>
-            <a:r>
-              <a:rPr lang="en-US" sz="2000" dirty="0" err="1" smtClean="0">
-                <a:solidFill>
-                  <a:schemeClr val="bg1"/>
-                </a:solidFill>
-              </a:rPr>
-              <a:t>hT</a:t>
-            </a:r>
-            <a:r>
-              <a:rPr lang="en-US" sz="2000" dirty="0" smtClean="0">
-                <a:solidFill>
-                  <a:schemeClr val="bg1"/>
-                </a:solidFill>
-              </a:rPr>
-              <a:t> | </a:t>
-            </a:r>
-            <a:r>
-              <a:rPr lang="en-US" sz="2000" dirty="0" err="1" smtClean="0">
-                <a:solidFill>
-                  <a:schemeClr val="bg1"/>
-                </a:solidFill>
-              </a:rPr>
-              <a:t>grep</a:t>
-            </a:r>
-            <a:r>
-              <a:rPr lang="en-US" sz="2000" dirty="0" smtClean="0">
-                <a:solidFill>
-                  <a:schemeClr val="bg1"/>
-                </a:solidFill>
-              </a:rPr>
-              <a:t> –v </a:t>
-            </a:r>
-            <a:r>
-              <a:rPr lang="en-US" sz="2000" dirty="0" err="1" smtClean="0">
-                <a:solidFill>
-                  <a:schemeClr val="bg1"/>
-                </a:solidFill>
-              </a:rPr>
-              <a:t>tmfs</a:t>
-            </a:r>
-            <a:r>
-              <a:rPr lang="en-US" sz="2000" dirty="0" smtClean="0">
-                <a:solidFill>
-                  <a:schemeClr val="bg1"/>
-                </a:solidFill>
-              </a:rPr>
-              <a:t>”</a:t>
-            </a:r>
-            <a:br>
-              <a:rPr lang="en-US" sz="2000" dirty="0" smtClean="0">
-                <a:solidFill>
-                  <a:schemeClr val="bg1"/>
-                </a:solidFill>
-              </a:rPr>
-            </a:br>
-            <a:r>
-              <a:rPr lang="en-US" sz="2000" dirty="0">
-                <a:solidFill>
-                  <a:schemeClr val="bg1"/>
-                </a:solidFill>
-              </a:rPr>
-              <a:t/>
-            </a:r>
-            <a:br>
-              <a:rPr lang="en-US" sz="2000" dirty="0">
-                <a:solidFill>
-                  <a:schemeClr val="bg1"/>
-                </a:solidFill>
-              </a:rPr>
-            </a:br>
-            <a:r>
-              <a:rPr lang="en-US" sz="2000" dirty="0" smtClean="0">
-                <a:solidFill>
-                  <a:schemeClr val="accent6"/>
-                </a:solidFill>
-              </a:rPr>
-              <a:t>Did you see, we could get information about our nodes without loosing time to login and check, so great ! </a:t>
-            </a:r>
-            <a:br>
-              <a:rPr lang="en-US" sz="2000" dirty="0" smtClean="0">
-                <a:solidFill>
-                  <a:schemeClr val="accent6"/>
-                </a:solidFill>
-              </a:rPr>
-            </a:br>
-            <a:r>
-              <a:rPr lang="en-US" sz="2000" dirty="0">
-                <a:solidFill>
-                  <a:schemeClr val="accent6"/>
-                </a:solidFill>
-              </a:rPr>
-              <a:t/>
-            </a:r>
-            <a:br>
-              <a:rPr lang="en-US" sz="2000" dirty="0">
-                <a:solidFill>
-                  <a:schemeClr val="accent6"/>
-                </a:solidFill>
-              </a:rPr>
-            </a:br>
-            <a:r>
-              <a:rPr lang="en-US" sz="2000" dirty="0">
-                <a:solidFill>
-                  <a:schemeClr val="accent6"/>
-                </a:solidFill>
-              </a:rPr>
-              <a:t>There is a large catalog of </a:t>
-            </a:r>
-            <a:r>
-              <a:rPr lang="en-US" sz="2000" dirty="0">
-                <a:solidFill>
-                  <a:schemeClr val="accent6"/>
-                </a:solidFill>
-                <a:hlinkClick r:id="rId2"/>
-              </a:rPr>
-              <a:t>modules</a:t>
-            </a:r>
-            <a:r>
-              <a:rPr lang="en-US" sz="2000" dirty="0">
-                <a:solidFill>
-                  <a:schemeClr val="accent6"/>
-                </a:solidFill>
-              </a:rPr>
-              <a:t> available for </a:t>
-            </a:r>
-            <a:r>
-              <a:rPr lang="en-US" sz="2000" dirty="0" err="1">
-                <a:solidFill>
-                  <a:schemeClr val="accent6"/>
-                </a:solidFill>
-              </a:rPr>
-              <a:t>Ansible</a:t>
-            </a:r>
-            <a:r>
-              <a:rPr lang="en-US" sz="2000" dirty="0">
-                <a:solidFill>
-                  <a:schemeClr val="accent6"/>
-                </a:solidFill>
-              </a:rPr>
-              <a:t> out of the </a:t>
-            </a:r>
-            <a:r>
-              <a:rPr lang="en-US" sz="2000" dirty="0" smtClean="0">
-                <a:solidFill>
-                  <a:schemeClr val="accent6"/>
-                </a:solidFill>
-              </a:rPr>
-              <a:t>box =&gt; </a:t>
-            </a:r>
-            <a:br>
-              <a:rPr lang="en-US" sz="2000" dirty="0" smtClean="0">
-                <a:solidFill>
-                  <a:schemeClr val="accent6"/>
-                </a:solidFill>
-              </a:rPr>
-            </a:br>
-            <a:r>
-              <a:rPr lang="en-US" sz="2000" dirty="0" smtClean="0">
-                <a:solidFill>
-                  <a:schemeClr val="accent6"/>
-                </a:solidFill>
-              </a:rPr>
-              <a:t>users, groups, packages, ACLs, files, firewall rules, </a:t>
-            </a:r>
-            <a:r>
-              <a:rPr lang="en-US" sz="2000" dirty="0" err="1" smtClean="0">
-                <a:solidFill>
-                  <a:schemeClr val="accent6"/>
-                </a:solidFill>
-              </a:rPr>
-              <a:t>mysql</a:t>
-            </a:r>
-            <a:r>
-              <a:rPr lang="en-US" sz="2000" dirty="0" smtClean="0">
-                <a:solidFill>
-                  <a:schemeClr val="accent6"/>
-                </a:solidFill>
-              </a:rPr>
-              <a:t> </a:t>
-            </a:r>
-            <a:r>
-              <a:rPr lang="en-US" sz="2000" dirty="0">
-                <a:solidFill>
-                  <a:schemeClr val="accent6"/>
-                </a:solidFill>
-              </a:rPr>
-              <a:t>and </a:t>
-            </a:r>
-            <a:r>
-              <a:rPr lang="en-US" sz="2000" dirty="0" err="1">
-                <a:solidFill>
-                  <a:schemeClr val="accent6"/>
-                </a:solidFill>
-              </a:rPr>
-              <a:t>postgresql</a:t>
-            </a:r>
-            <a:r>
-              <a:rPr lang="en-US" sz="2000" dirty="0">
-                <a:solidFill>
-                  <a:schemeClr val="accent6"/>
-                </a:solidFill>
-              </a:rPr>
-              <a:t> </a:t>
-            </a:r>
-            <a:r>
-              <a:rPr lang="en-US" sz="2000" dirty="0" smtClean="0">
-                <a:solidFill>
-                  <a:schemeClr val="accent6"/>
-                </a:solidFill>
-              </a:rPr>
-              <a:t>databases, </a:t>
-            </a:r>
-            <a:r>
-              <a:rPr lang="en-US" sz="2000" dirty="0" err="1" smtClean="0">
-                <a:solidFill>
-                  <a:schemeClr val="accent6"/>
-                </a:solidFill>
-              </a:rPr>
-              <a:t>docker</a:t>
-            </a:r>
-            <a:r>
-              <a:rPr lang="en-US" sz="2000" dirty="0" smtClean="0">
-                <a:solidFill>
-                  <a:schemeClr val="accent6"/>
-                </a:solidFill>
-              </a:rPr>
-              <a:t> </a:t>
-            </a:r>
-            <a:r>
-              <a:rPr lang="en-US" sz="2000" dirty="0">
-                <a:solidFill>
-                  <a:schemeClr val="accent6"/>
-                </a:solidFill>
-              </a:rPr>
-              <a:t>images</a:t>
-            </a:r>
-            <a:r>
-              <a:rPr lang="en-US" sz="1800" dirty="0">
-                <a:solidFill>
-                  <a:schemeClr val="accent6"/>
-                </a:solidFill>
-              </a:rPr>
-              <a:t/>
-            </a:r>
-            <a:br>
-              <a:rPr lang="en-US" sz="1800" dirty="0">
-                <a:solidFill>
-                  <a:schemeClr val="accent6"/>
-                </a:solidFill>
-              </a:rPr>
-            </a:br>
-            <a:endParaRPr lang="en-US" sz="2000" dirty="0">
+              <a:rPr lang="en-US" sz="1600" dirty="0" smtClean="0">
+                <a:solidFill>
+                  <a:schemeClr val="accent6"/>
+                </a:solidFill>
+              </a:rPr>
+              <a:t/>
+            </a:r>
+            <a:br>
+              <a:rPr lang="en-US" sz="1600" dirty="0" smtClean="0">
+                <a:solidFill>
+                  <a:schemeClr val="accent6"/>
+                </a:solidFill>
+              </a:rPr>
+            </a:br>
+            <a:r>
+              <a:rPr lang="en-US" sz="1600" dirty="0">
+                <a:solidFill>
+                  <a:schemeClr val="accent6"/>
+                </a:solidFill>
+              </a:rPr>
+              <a:t/>
+            </a:r>
+            <a:br>
+              <a:rPr lang="en-US" sz="1600" dirty="0">
+                <a:solidFill>
+                  <a:schemeClr val="accent6"/>
+                </a:solidFill>
+              </a:rPr>
+            </a:br>
+            <a:r>
+              <a:rPr lang="en-US" sz="1600" dirty="0" smtClean="0">
+                <a:solidFill>
+                  <a:schemeClr val="accent6"/>
+                </a:solidFill>
+              </a:rPr>
+              <a:t/>
+            </a:r>
+            <a:br>
+              <a:rPr lang="en-US" sz="1600" dirty="0" smtClean="0">
+                <a:solidFill>
+                  <a:schemeClr val="accent6"/>
+                </a:solidFill>
+              </a:rPr>
+            </a:br>
+            <a:r>
+              <a:rPr lang="en-US" sz="1600" dirty="0">
+                <a:solidFill>
+                  <a:schemeClr val="accent6"/>
+                </a:solidFill>
+              </a:rPr>
+              <a:t/>
+            </a:r>
+            <a:br>
+              <a:rPr lang="en-US" sz="1600" dirty="0">
+                <a:solidFill>
+                  <a:schemeClr val="accent6"/>
+                </a:solidFill>
+              </a:rPr>
+            </a:br>
+            <a:r>
+              <a:rPr lang="en-US" sz="1600" dirty="0" smtClean="0">
+                <a:solidFill>
+                  <a:schemeClr val="accent6"/>
+                </a:solidFill>
+              </a:rPr>
+              <a:t/>
+            </a:r>
+            <a:br>
+              <a:rPr lang="en-US" sz="1600" dirty="0" smtClean="0">
+                <a:solidFill>
+                  <a:schemeClr val="accent6"/>
+                </a:solidFill>
+              </a:rPr>
+            </a:br>
+            <a:r>
+              <a:rPr lang="en-US" sz="1600" dirty="0">
+                <a:solidFill>
+                  <a:schemeClr val="accent6"/>
+                </a:solidFill>
+              </a:rPr>
+              <a:t/>
+            </a:r>
+            <a:br>
+              <a:rPr lang="en-US" sz="1600" dirty="0">
+                <a:solidFill>
+                  <a:schemeClr val="accent6"/>
+                </a:solidFill>
+              </a:rPr>
+            </a:br>
+            <a:r>
+              <a:rPr lang="en-US" sz="1600" dirty="0" smtClean="0">
+                <a:solidFill>
+                  <a:schemeClr val="accent6"/>
+                </a:solidFill>
+              </a:rPr>
+              <a:t/>
+            </a:r>
+            <a:br>
+              <a:rPr lang="en-US" sz="1600" dirty="0" smtClean="0">
+                <a:solidFill>
+                  <a:schemeClr val="accent6"/>
+                </a:solidFill>
+              </a:rPr>
+            </a:br>
+            <a:r>
+              <a:rPr lang="en-US" sz="1600" dirty="0">
+                <a:solidFill>
+                  <a:schemeClr val="accent6"/>
+                </a:solidFill>
+              </a:rPr>
+              <a:t/>
+            </a:r>
+            <a:br>
+              <a:rPr lang="en-US" sz="1600" dirty="0">
+                <a:solidFill>
+                  <a:schemeClr val="accent6"/>
+                </a:solidFill>
+              </a:rPr>
+            </a:br>
+            <a:r>
+              <a:rPr lang="en-US" sz="1600" dirty="0" smtClean="0">
+                <a:solidFill>
+                  <a:schemeClr val="accent6"/>
+                </a:solidFill>
+              </a:rPr>
+              <a:t/>
+            </a:r>
+            <a:br>
+              <a:rPr lang="en-US" sz="1600" dirty="0" smtClean="0">
+                <a:solidFill>
+                  <a:schemeClr val="accent6"/>
+                </a:solidFill>
+              </a:rPr>
+            </a:br>
+            <a:r>
+              <a:rPr lang="en-US" sz="1600" dirty="0">
+                <a:solidFill>
+                  <a:schemeClr val="accent6"/>
+                </a:solidFill>
+              </a:rPr>
+              <a:t/>
+            </a:r>
+            <a:br>
+              <a:rPr lang="en-US" sz="1600" dirty="0">
+                <a:solidFill>
+                  <a:schemeClr val="accent6"/>
+                </a:solidFill>
+              </a:rPr>
+            </a:br>
+            <a:r>
+              <a:rPr lang="en-US" sz="1600" dirty="0" smtClean="0">
+                <a:solidFill>
+                  <a:schemeClr val="accent6"/>
+                </a:solidFill>
+              </a:rPr>
+              <a:t/>
+            </a:r>
+            <a:br>
+              <a:rPr lang="en-US" sz="1600" dirty="0" smtClean="0">
+                <a:solidFill>
+                  <a:schemeClr val="accent6"/>
+                </a:solidFill>
+              </a:rPr>
+            </a:br>
+            <a:r>
+              <a:rPr lang="en-US" sz="1600" dirty="0">
+                <a:solidFill>
+                  <a:schemeClr val="accent6"/>
+                </a:solidFill>
+              </a:rPr>
+              <a:t/>
+            </a:r>
+            <a:br>
+              <a:rPr lang="en-US" sz="1600" dirty="0">
+                <a:solidFill>
+                  <a:schemeClr val="accent6"/>
+                </a:solidFill>
+              </a:rPr>
+            </a:br>
+            <a:r>
+              <a:rPr lang="en-US" sz="1600" dirty="0" smtClean="0">
+                <a:solidFill>
+                  <a:schemeClr val="accent6"/>
+                </a:solidFill>
+              </a:rPr>
+              <a:t/>
+            </a:r>
+            <a:br>
+              <a:rPr lang="en-US" sz="1600" dirty="0" smtClean="0">
+                <a:solidFill>
+                  <a:schemeClr val="accent6"/>
+                </a:solidFill>
+              </a:rPr>
+            </a:br>
+            <a:r>
+              <a:rPr lang="en-US" sz="1600" dirty="0">
+                <a:solidFill>
+                  <a:schemeClr val="accent6"/>
+                </a:solidFill>
+              </a:rPr>
+              <a:t/>
+            </a:r>
+            <a:br>
+              <a:rPr lang="en-US" sz="1600" dirty="0">
+                <a:solidFill>
+                  <a:schemeClr val="accent6"/>
+                </a:solidFill>
+              </a:rPr>
+            </a:br>
+            <a:r>
+              <a:rPr lang="en-US" sz="1600" dirty="0" smtClean="0">
+                <a:solidFill>
+                  <a:schemeClr val="accent6"/>
+                </a:solidFill>
+              </a:rPr>
+              <a:t/>
+            </a:r>
+            <a:br>
+              <a:rPr lang="en-US" sz="1600" dirty="0" smtClean="0">
+                <a:solidFill>
+                  <a:schemeClr val="accent6"/>
+                </a:solidFill>
+              </a:rPr>
+            </a:br>
+            <a:r>
+              <a:rPr lang="en-US" sz="1600" dirty="0">
+                <a:solidFill>
+                  <a:schemeClr val="accent6"/>
+                </a:solidFill>
+              </a:rPr>
+              <a:t/>
+            </a:r>
+            <a:br>
+              <a:rPr lang="en-US" sz="1600" dirty="0">
+                <a:solidFill>
+                  <a:schemeClr val="accent6"/>
+                </a:solidFill>
+              </a:rPr>
+            </a:br>
+            <a:r>
+              <a:rPr lang="en-US" sz="1600" dirty="0" smtClean="0">
+                <a:solidFill>
+                  <a:schemeClr val="accent6"/>
+                </a:solidFill>
+              </a:rPr>
+              <a:t/>
+            </a:r>
+            <a:br>
+              <a:rPr lang="en-US" sz="1600" dirty="0" smtClean="0">
+                <a:solidFill>
+                  <a:schemeClr val="accent6"/>
+                </a:solidFill>
+              </a:rPr>
+            </a:br>
+            <a:r>
+              <a:rPr lang="en-US" sz="1600" dirty="0">
+                <a:solidFill>
+                  <a:schemeClr val="accent6"/>
+                </a:solidFill>
+              </a:rPr>
+              <a:t/>
+            </a:r>
+            <a:br>
+              <a:rPr lang="en-US" sz="1600" dirty="0">
+                <a:solidFill>
+                  <a:schemeClr val="accent6"/>
+                </a:solidFill>
+              </a:rPr>
+            </a:br>
+            <a:r>
+              <a:rPr lang="en-US" sz="1600" dirty="0" smtClean="0">
+                <a:solidFill>
+                  <a:schemeClr val="accent6"/>
+                </a:solidFill>
+              </a:rPr>
+              <a:t/>
+            </a:r>
+            <a:br>
+              <a:rPr lang="en-US" sz="1600" dirty="0" smtClean="0">
+                <a:solidFill>
+                  <a:schemeClr val="accent6"/>
+                </a:solidFill>
+              </a:rPr>
+            </a:br>
+            <a:r>
+              <a:rPr lang="en-US" sz="1600" dirty="0">
+                <a:solidFill>
+                  <a:schemeClr val="accent6"/>
+                </a:solidFill>
+              </a:rPr>
+              <a:t/>
+            </a:r>
+            <a:br>
+              <a:rPr lang="en-US" sz="1600" dirty="0">
+                <a:solidFill>
+                  <a:schemeClr val="accent6"/>
+                </a:solidFill>
+              </a:rPr>
+            </a:br>
+            <a:r>
+              <a:rPr lang="en-US" sz="1600" dirty="0" smtClean="0">
+                <a:solidFill>
+                  <a:schemeClr val="accent6"/>
+                </a:solidFill>
+              </a:rPr>
+              <a:t/>
+            </a:r>
+            <a:br>
+              <a:rPr lang="en-US" sz="1600" dirty="0" smtClean="0">
+                <a:solidFill>
+                  <a:schemeClr val="accent6"/>
+                </a:solidFill>
+              </a:rPr>
+            </a:br>
+            <a:r>
+              <a:rPr lang="en-US" sz="1600" dirty="0">
+                <a:solidFill>
+                  <a:schemeClr val="accent6"/>
+                </a:solidFill>
+              </a:rPr>
+              <a:t/>
+            </a:r>
+            <a:br>
+              <a:rPr lang="en-US" sz="1600" dirty="0">
+                <a:solidFill>
+                  <a:schemeClr val="accent6"/>
+                </a:solidFill>
+              </a:rPr>
+            </a:br>
+            <a:r>
+              <a:rPr lang="en-US" sz="1600" dirty="0" smtClean="0">
+                <a:solidFill>
+                  <a:schemeClr val="accent6"/>
+                </a:solidFill>
+              </a:rPr>
+              <a:t/>
+            </a:r>
+            <a:br>
+              <a:rPr lang="en-US" sz="1600" dirty="0" smtClean="0">
+                <a:solidFill>
+                  <a:schemeClr val="accent6"/>
+                </a:solidFill>
+              </a:rPr>
+            </a:br>
+            <a:r>
+              <a:rPr lang="en-US" sz="1600" dirty="0">
+                <a:solidFill>
+                  <a:schemeClr val="accent6"/>
+                </a:solidFill>
+              </a:rPr>
+              <a:t/>
+            </a:r>
+            <a:br>
+              <a:rPr lang="en-US" sz="1600" dirty="0">
+                <a:solidFill>
+                  <a:schemeClr val="accent6"/>
+                </a:solidFill>
+              </a:rPr>
+            </a:br>
+            <a:r>
+              <a:rPr lang="en-US" sz="1600" dirty="0" smtClean="0">
+                <a:solidFill>
+                  <a:schemeClr val="accent6"/>
+                </a:solidFill>
+              </a:rPr>
+              <a:t/>
+            </a:r>
+            <a:br>
+              <a:rPr lang="en-US" sz="1600" dirty="0" smtClean="0">
+                <a:solidFill>
+                  <a:schemeClr val="accent6"/>
+                </a:solidFill>
+              </a:rPr>
+            </a:br>
+            <a:r>
+              <a:rPr lang="en-US" sz="1600" dirty="0">
+                <a:solidFill>
+                  <a:schemeClr val="accent6"/>
+                </a:solidFill>
+              </a:rPr>
+              <a:t/>
+            </a:r>
+            <a:br>
+              <a:rPr lang="en-US" sz="1600" dirty="0">
+                <a:solidFill>
+                  <a:schemeClr val="accent6"/>
+                </a:solidFill>
+              </a:rPr>
+            </a:br>
+            <a:r>
+              <a:rPr lang="en-US" sz="1600" dirty="0" smtClean="0">
+                <a:solidFill>
+                  <a:schemeClr val="accent6"/>
+                </a:solidFill>
+              </a:rPr>
+              <a:t/>
+            </a:r>
+            <a:br>
+              <a:rPr lang="en-US" sz="1600" dirty="0" smtClean="0">
+                <a:solidFill>
+                  <a:schemeClr val="accent6"/>
+                </a:solidFill>
+              </a:rPr>
+            </a:br>
+            <a:r>
+              <a:rPr lang="en-US" sz="1600" dirty="0">
+                <a:solidFill>
+                  <a:schemeClr val="accent6"/>
+                </a:solidFill>
+              </a:rPr>
+              <a:t/>
+            </a:r>
+            <a:br>
+              <a:rPr lang="en-US" sz="1600" dirty="0">
+                <a:solidFill>
+                  <a:schemeClr val="accent6"/>
+                </a:solidFill>
+              </a:rPr>
+            </a:br>
+            <a:r>
+              <a:rPr lang="en-US" sz="1600" dirty="0" smtClean="0">
+                <a:solidFill>
+                  <a:schemeClr val="accent6"/>
+                </a:solidFill>
+              </a:rPr>
+              <a:t/>
+            </a:r>
+            <a:br>
+              <a:rPr lang="en-US" sz="1600" dirty="0" smtClean="0">
+                <a:solidFill>
+                  <a:schemeClr val="accent6"/>
+                </a:solidFill>
+              </a:rPr>
+            </a:br>
+            <a:r>
+              <a:rPr lang="en-US" sz="1600" dirty="0">
+                <a:solidFill>
+                  <a:schemeClr val="accent6"/>
+                </a:solidFill>
+              </a:rPr>
+              <a:t/>
+            </a:r>
+            <a:br>
+              <a:rPr lang="en-US" sz="1600" dirty="0">
+                <a:solidFill>
+                  <a:schemeClr val="accent6"/>
+                </a:solidFill>
+              </a:rPr>
+            </a:br>
+            <a:r>
+              <a:rPr lang="en-US" sz="1600" dirty="0" smtClean="0">
+                <a:solidFill>
+                  <a:schemeClr val="accent6"/>
+                </a:solidFill>
+              </a:rPr>
+              <a:t/>
+            </a:r>
+            <a:br>
+              <a:rPr lang="en-US" sz="1600" dirty="0" smtClean="0">
+                <a:solidFill>
+                  <a:schemeClr val="accent6"/>
+                </a:solidFill>
+              </a:rPr>
+            </a:br>
+            <a:r>
+              <a:rPr lang="en-US" sz="1600" dirty="0" smtClean="0">
+                <a:solidFill>
+                  <a:schemeClr val="accent6"/>
+                </a:solidFill>
+              </a:rPr>
+              <a:t/>
+            </a:r>
+            <a:br>
+              <a:rPr lang="en-US" sz="1600" dirty="0" smtClean="0">
+                <a:solidFill>
+                  <a:schemeClr val="accent6"/>
+                </a:solidFill>
+              </a:rPr>
+            </a:br>
+            <a:r>
+              <a:rPr lang="en-US" sz="1600" dirty="0" smtClean="0">
+                <a:solidFill>
+                  <a:schemeClr val="accent6"/>
+                </a:solidFill>
+              </a:rPr>
+              <a:t/>
+            </a:r>
+            <a:br>
+              <a:rPr lang="en-US" sz="1600" dirty="0" smtClean="0">
+                <a:solidFill>
+                  <a:schemeClr val="accent6"/>
+                </a:solidFill>
+              </a:rPr>
+            </a:br>
+            <a:r>
+              <a:rPr lang="en-US" sz="1600" dirty="0">
+                <a:solidFill>
+                  <a:schemeClr val="accent6"/>
+                </a:solidFill>
+              </a:rPr>
+              <a:t/>
+            </a:r>
+            <a:br>
+              <a:rPr lang="en-US" sz="1600" dirty="0">
+                <a:solidFill>
+                  <a:schemeClr val="accent6"/>
+                </a:solidFill>
+              </a:rPr>
+            </a:br>
+            <a:r>
+              <a:rPr lang="en-US" sz="1600" dirty="0" smtClean="0">
+                <a:solidFill>
+                  <a:schemeClr val="accent6"/>
+                </a:solidFill>
+              </a:rPr>
+              <a:t/>
+            </a:r>
+            <a:br>
+              <a:rPr lang="en-US" sz="1600" dirty="0" smtClean="0">
+                <a:solidFill>
+                  <a:schemeClr val="accent6"/>
+                </a:solidFill>
+              </a:rPr>
+            </a:br>
+            <a:r>
+              <a:rPr lang="en-US" sz="1600" dirty="0">
+                <a:solidFill>
+                  <a:schemeClr val="accent6"/>
+                </a:solidFill>
+              </a:rPr>
+              <a:t/>
+            </a:r>
+            <a:br>
+              <a:rPr lang="en-US" sz="1600" dirty="0">
+                <a:solidFill>
+                  <a:schemeClr val="accent6"/>
+                </a:solidFill>
+              </a:rPr>
+            </a:br>
+            <a:r>
+              <a:rPr lang="en-US" sz="1600" dirty="0" smtClean="0">
+                <a:solidFill>
+                  <a:schemeClr val="accent6"/>
+                </a:solidFill>
+              </a:rPr>
+              <a:t/>
+            </a:r>
+            <a:br>
+              <a:rPr lang="en-US" sz="1600" dirty="0" smtClean="0">
+                <a:solidFill>
+                  <a:schemeClr val="accent6"/>
+                </a:solidFill>
+              </a:rPr>
+            </a:br>
+            <a:endParaRPr lang="en-US" sz="1600" dirty="0">
               <a:solidFill>
                 <a:schemeClr val="accent6"/>
               </a:solidFill>
@@ -5797,10 +5351,540 @@
           </a:p>
         </p:txBody>
       </p:sp>
+      <p:sp>
+        <p:nvSpPr>
+          <p:cNvPr id="3" name="TextBox 2"/>
+          <p:cNvSpPr txBox="1"/>
+          <p:nvPr/>
+        </p:nvSpPr>
+        <p:spPr>
+          <a:xfrm>
+            <a:off x="304800" y="846138"/>
+            <a:ext cx="8839200" cy="6186309"/>
+          </a:xfrm>
+          <a:prstGeom prst="rect">
+            <a:avLst/>
+          </a:prstGeom>
+          <a:noFill/>
+        </p:spPr>
+        <p:txBody>
+          <a:bodyPr wrap="square" rtlCol="0">
+            <a:spAutoFit/>
+          </a:bodyPr>
+          <a:lstStyle/>
+          <a:p>
+            <a:r>
+              <a:rPr lang="en-US" dirty="0" err="1" smtClean="0">
+                <a:solidFill>
+                  <a:schemeClr val="accent6"/>
+                </a:solidFill>
+              </a:rPr>
+              <a:t>Ansible</a:t>
+            </a:r>
+            <a:r>
+              <a:rPr lang="en-US" dirty="0" smtClean="0">
+                <a:solidFill>
+                  <a:schemeClr val="accent6"/>
+                </a:solidFill>
+              </a:rPr>
+              <a:t> </a:t>
+            </a:r>
+            <a:r>
+              <a:rPr lang="en-US" dirty="0">
+                <a:solidFill>
+                  <a:schemeClr val="accent6"/>
+                </a:solidFill>
+              </a:rPr>
+              <a:t>depends on SSH access to the servers you are managing. </a:t>
+            </a:r>
+            <a:r>
+              <a:rPr lang="en-US" dirty="0" err="1" smtClean="0">
+                <a:solidFill>
+                  <a:schemeClr val="accent6"/>
+                </a:solidFill>
+              </a:rPr>
+              <a:t>Ansible</a:t>
+            </a:r>
+            <a:r>
+              <a:rPr lang="en-US" dirty="0" smtClean="0">
+                <a:solidFill>
+                  <a:schemeClr val="accent6"/>
+                </a:solidFill>
+              </a:rPr>
+              <a:t> </a:t>
+            </a:r>
+            <a:r>
+              <a:rPr lang="en-US" dirty="0">
+                <a:solidFill>
+                  <a:schemeClr val="accent6"/>
+                </a:solidFill>
+              </a:rPr>
+              <a:t>works best when you have SSH public key authentication configured so that you don’t have to use passwords to access your hosts.</a:t>
+            </a:r>
+          </a:p>
+          <a:p>
+            <a:endParaRPr lang="en-US" dirty="0" smtClean="0">
+              <a:solidFill>
+                <a:schemeClr val="accent6"/>
+              </a:solidFill>
+            </a:endParaRPr>
+          </a:p>
+          <a:p>
+            <a:r>
+              <a:rPr lang="en-US" dirty="0" err="1" smtClean="0">
+                <a:solidFill>
+                  <a:schemeClr val="accent6"/>
+                </a:solidFill>
+              </a:rPr>
+              <a:t>Ansible</a:t>
+            </a:r>
+            <a:r>
+              <a:rPr lang="en-US" dirty="0" smtClean="0">
+                <a:solidFill>
+                  <a:schemeClr val="accent6"/>
+                </a:solidFill>
+              </a:rPr>
+              <a:t> </a:t>
+            </a:r>
+            <a:r>
+              <a:rPr lang="en-US" dirty="0">
+                <a:solidFill>
+                  <a:schemeClr val="accent6"/>
+                </a:solidFill>
+              </a:rPr>
+              <a:t>uses an inventory file to determine what hosts to work against. In its simplest form, an inventory file is just a text file containing a list of host names or IP addresses - one on each line. </a:t>
+            </a:r>
+          </a:p>
+          <a:p>
+            <a:endParaRPr lang="en-US" dirty="0" smtClean="0">
+              <a:solidFill>
+                <a:schemeClr val="accent6"/>
+              </a:solidFill>
+            </a:endParaRPr>
+          </a:p>
+          <a:p>
+            <a:r>
+              <a:rPr lang="en-US" dirty="0" smtClean="0">
+                <a:solidFill>
+                  <a:schemeClr val="accent6"/>
+                </a:solidFill>
+              </a:rPr>
+              <a:t>The default location is </a:t>
+            </a:r>
+            <a:r>
+              <a:rPr lang="en-US" dirty="0" smtClean="0">
+                <a:solidFill>
+                  <a:schemeClr val="bg1"/>
+                </a:solidFill>
+              </a:rPr>
+              <a:t>/</a:t>
+            </a:r>
+            <a:r>
+              <a:rPr lang="en-US" dirty="0" err="1" smtClean="0">
+                <a:solidFill>
+                  <a:schemeClr val="bg1"/>
+                </a:solidFill>
+              </a:rPr>
+              <a:t>etc</a:t>
+            </a:r>
+            <a:r>
+              <a:rPr lang="en-US" dirty="0" smtClean="0">
+                <a:solidFill>
+                  <a:schemeClr val="bg1"/>
+                </a:solidFill>
+              </a:rPr>
+              <a:t>/</a:t>
+            </a:r>
+            <a:r>
+              <a:rPr lang="en-US" dirty="0" err="1" smtClean="0">
+                <a:solidFill>
+                  <a:schemeClr val="bg1"/>
+                </a:solidFill>
+              </a:rPr>
+              <a:t>ansible</a:t>
+            </a:r>
+            <a:r>
+              <a:rPr lang="en-US" dirty="0" smtClean="0">
+                <a:solidFill>
+                  <a:schemeClr val="bg1"/>
+                </a:solidFill>
+              </a:rPr>
+              <a:t>/hosts</a:t>
+            </a:r>
+          </a:p>
+          <a:p>
+            <a:endParaRPr lang="en-US" dirty="0">
+              <a:solidFill>
+                <a:schemeClr val="bg1"/>
+              </a:solidFill>
+            </a:endParaRPr>
+          </a:p>
+          <a:p>
+            <a:r>
+              <a:rPr lang="en-US" dirty="0" err="1">
+                <a:solidFill>
+                  <a:schemeClr val="accent6"/>
+                </a:solidFill>
+              </a:rPr>
+              <a:t>Ansible</a:t>
+            </a:r>
+            <a:r>
+              <a:rPr lang="en-US" dirty="0">
+                <a:solidFill>
+                  <a:schemeClr val="accent6"/>
+                </a:solidFill>
+              </a:rPr>
+              <a:t> will attempt to remote connect to the machines using your current user name, just like SSH would. To override the remote user name, just use the ‘</a:t>
+            </a:r>
+            <a:r>
+              <a:rPr lang="en-US" dirty="0">
+                <a:solidFill>
+                  <a:schemeClr val="bg1"/>
+                </a:solidFill>
+              </a:rPr>
+              <a:t>-u</a:t>
+            </a:r>
+            <a:r>
+              <a:rPr lang="en-US" dirty="0">
+                <a:solidFill>
+                  <a:schemeClr val="accent6"/>
+                </a:solidFill>
+              </a:rPr>
+              <a:t>’ parameter.</a:t>
+            </a:r>
+            <a:endParaRPr lang="en-US" dirty="0" smtClean="0">
+              <a:solidFill>
+                <a:schemeClr val="accent6"/>
+              </a:solidFill>
+            </a:endParaRPr>
+          </a:p>
+          <a:p>
+            <a:endParaRPr lang="en-US" dirty="0" smtClean="0">
+              <a:solidFill>
+                <a:schemeClr val="accent6"/>
+              </a:solidFill>
+            </a:endParaRPr>
+          </a:p>
+          <a:p>
+            <a:r>
+              <a:rPr lang="en-US" dirty="0" smtClean="0">
+                <a:solidFill>
+                  <a:srgbClr val="FF0000"/>
+                </a:solidFill>
+              </a:rPr>
+              <a:t>Exercises:</a:t>
+            </a:r>
+          </a:p>
+          <a:p>
+            <a:r>
+              <a:rPr lang="en-US" dirty="0" smtClean="0">
+                <a:solidFill>
+                  <a:schemeClr val="accent6"/>
+                </a:solidFill>
+              </a:rPr>
+              <a:t>	1. add ‘</a:t>
+            </a:r>
+            <a:r>
+              <a:rPr lang="en-US" dirty="0" err="1" smtClean="0">
+                <a:solidFill>
+                  <a:schemeClr val="bg1"/>
+                </a:solidFill>
+              </a:rPr>
+              <a:t>ansible</a:t>
+            </a:r>
+            <a:r>
+              <a:rPr lang="en-US" dirty="0" smtClean="0">
+                <a:solidFill>
+                  <a:schemeClr val="accent6"/>
+                </a:solidFill>
+              </a:rPr>
+              <a:t>’ user to the </a:t>
+            </a:r>
+            <a:r>
+              <a:rPr lang="en-US" dirty="0" err="1" smtClean="0">
+                <a:solidFill>
+                  <a:schemeClr val="accent6"/>
+                </a:solidFill>
+              </a:rPr>
+              <a:t>ansible</a:t>
+            </a:r>
+            <a:r>
+              <a:rPr lang="en-US" dirty="0" smtClean="0">
+                <a:solidFill>
+                  <a:schemeClr val="accent6"/>
+                </a:solidFill>
+              </a:rPr>
+              <a:t> server as </a:t>
+            </a:r>
+            <a:r>
+              <a:rPr lang="en-US" dirty="0" err="1" smtClean="0">
+                <a:solidFill>
+                  <a:schemeClr val="bg1"/>
+                </a:solidFill>
+              </a:rPr>
+              <a:t>sudo</a:t>
+            </a:r>
+            <a:r>
+              <a:rPr lang="en-US" dirty="0" smtClean="0">
+                <a:solidFill>
+                  <a:schemeClr val="accent6"/>
+                </a:solidFill>
+              </a:rPr>
+              <a:t>. Generate </a:t>
+            </a:r>
+            <a:r>
+              <a:rPr lang="en-US" dirty="0" err="1" smtClean="0">
+                <a:solidFill>
+                  <a:schemeClr val="bg1"/>
+                </a:solidFill>
+              </a:rPr>
+              <a:t>ssh</a:t>
+            </a:r>
+            <a:r>
+              <a:rPr lang="en-US" dirty="0" smtClean="0">
+                <a:solidFill>
+                  <a:schemeClr val="bg1"/>
+                </a:solidFill>
+              </a:rPr>
+              <a:t>-keys</a:t>
+            </a:r>
+            <a:r>
+              <a:rPr lang="en-US" dirty="0" smtClean="0">
+                <a:solidFill>
+                  <a:schemeClr val="accent6"/>
+                </a:solidFill>
+              </a:rPr>
+              <a:t> for him, set its password to ‘</a:t>
+            </a:r>
+            <a:r>
+              <a:rPr lang="en-US" dirty="0" err="1" smtClean="0">
+                <a:solidFill>
+                  <a:schemeClr val="bg1"/>
+                </a:solidFill>
+              </a:rPr>
+              <a:t>linuxacademy</a:t>
+            </a:r>
+            <a:r>
+              <a:rPr lang="en-US" dirty="0" smtClean="0">
+                <a:solidFill>
+                  <a:schemeClr val="accent6"/>
+                </a:solidFill>
+              </a:rPr>
+              <a:t>’</a:t>
+            </a:r>
+          </a:p>
+          <a:p>
+            <a:r>
+              <a:rPr lang="en-US" dirty="0" smtClean="0">
+                <a:solidFill>
+                  <a:schemeClr val="accent6"/>
+                </a:solidFill>
+              </a:rPr>
+              <a:t>	2. add ‘</a:t>
+            </a:r>
+            <a:r>
+              <a:rPr lang="en-US" dirty="0" err="1" smtClean="0">
+                <a:solidFill>
+                  <a:schemeClr val="bg1"/>
+                </a:solidFill>
+              </a:rPr>
+              <a:t>ansible</a:t>
+            </a:r>
+            <a:r>
+              <a:rPr lang="en-US" dirty="0" smtClean="0">
+                <a:solidFill>
+                  <a:schemeClr val="accent6"/>
+                </a:solidFill>
+              </a:rPr>
+              <a:t>’ user to the </a:t>
+            </a:r>
+            <a:r>
+              <a:rPr lang="en-US" dirty="0" err="1" smtClean="0">
+                <a:solidFill>
+                  <a:schemeClr val="accent6"/>
+                </a:solidFill>
+              </a:rPr>
+              <a:t>ansible</a:t>
+            </a:r>
+            <a:r>
+              <a:rPr lang="en-US" dirty="0" smtClean="0">
+                <a:solidFill>
+                  <a:schemeClr val="accent6"/>
+                </a:solidFill>
+              </a:rPr>
+              <a:t> slave node. Repeat the password.</a:t>
+            </a:r>
+          </a:p>
+          <a:p>
+            <a:r>
+              <a:rPr lang="en-US" dirty="0" smtClean="0">
+                <a:solidFill>
+                  <a:schemeClr val="accent6"/>
+                </a:solidFill>
+              </a:rPr>
+              <a:t>	3. </a:t>
+            </a:r>
+            <a:r>
+              <a:rPr lang="en-US" dirty="0" err="1" smtClean="0">
+                <a:solidFill>
+                  <a:schemeClr val="bg1"/>
+                </a:solidFill>
+              </a:rPr>
+              <a:t>ansible</a:t>
+            </a:r>
+            <a:r>
+              <a:rPr lang="en-US" dirty="0" smtClean="0">
+                <a:solidFill>
+                  <a:schemeClr val="bg1"/>
+                </a:solidFill>
+              </a:rPr>
+              <a:t> all –m ping</a:t>
+            </a:r>
+          </a:p>
+          <a:p>
+            <a:r>
+              <a:rPr lang="en-US" dirty="0">
+                <a:solidFill>
+                  <a:schemeClr val="bg1"/>
+                </a:solidFill>
+              </a:rPr>
+              <a:t>	</a:t>
+            </a:r>
+            <a:r>
+              <a:rPr lang="en-US" dirty="0" smtClean="0">
+                <a:solidFill>
+                  <a:schemeClr val="accent6"/>
+                </a:solidFill>
+              </a:rPr>
+              <a:t>4</a:t>
+            </a:r>
+            <a:r>
+              <a:rPr lang="en-US" dirty="0" smtClean="0">
+                <a:solidFill>
+                  <a:schemeClr val="bg1"/>
+                </a:solidFill>
+              </a:rPr>
+              <a:t>. </a:t>
+            </a:r>
+            <a:r>
+              <a:rPr lang="en-US" dirty="0" err="1" smtClean="0">
+                <a:solidFill>
+                  <a:schemeClr val="bg1"/>
+                </a:solidFill>
+              </a:rPr>
+              <a:t>ansible</a:t>
+            </a:r>
+            <a:r>
+              <a:rPr lang="en-US" dirty="0" smtClean="0">
+                <a:solidFill>
+                  <a:schemeClr val="bg1"/>
+                </a:solidFill>
+              </a:rPr>
+              <a:t> </a:t>
+            </a:r>
+            <a:r>
+              <a:rPr lang="en-US" dirty="0">
+                <a:solidFill>
+                  <a:schemeClr val="bg1"/>
+                </a:solidFill>
+              </a:rPr>
+              <a:t>all -m ping -u </a:t>
+            </a:r>
+            <a:r>
+              <a:rPr lang="en-US" dirty="0" err="1">
+                <a:solidFill>
+                  <a:schemeClr val="bg1"/>
+                </a:solidFill>
+              </a:rPr>
+              <a:t>ansible</a:t>
+            </a:r>
+            <a:r>
+              <a:rPr lang="en-US" dirty="0">
+                <a:solidFill>
+                  <a:schemeClr val="bg1"/>
+                </a:solidFill>
+              </a:rPr>
+              <a:t> --ask-pass</a:t>
+            </a:r>
+            <a:endParaRPr lang="en-US" dirty="0" smtClean="0">
+              <a:solidFill>
+                <a:schemeClr val="bg1"/>
+              </a:solidFill>
+            </a:endParaRPr>
+          </a:p>
+          <a:p>
+            <a:r>
+              <a:rPr lang="en-US" dirty="0">
+                <a:solidFill>
+                  <a:schemeClr val="bg1"/>
+                </a:solidFill>
+              </a:rPr>
+              <a:t>	</a:t>
+            </a:r>
+            <a:r>
+              <a:rPr lang="en-US" dirty="0" smtClean="0">
+                <a:solidFill>
+                  <a:schemeClr val="accent6"/>
+                </a:solidFill>
+              </a:rPr>
+              <a:t>5. Google search about </a:t>
+            </a:r>
+            <a:r>
+              <a:rPr lang="en-US" dirty="0" err="1" smtClean="0">
+                <a:solidFill>
+                  <a:schemeClr val="accent6"/>
+                </a:solidFill>
+              </a:rPr>
+              <a:t>Ansible</a:t>
+            </a:r>
+            <a:r>
+              <a:rPr lang="en-US" dirty="0" smtClean="0">
+                <a:solidFill>
+                  <a:schemeClr val="accent6"/>
+                </a:solidFill>
+              </a:rPr>
+              <a:t> modules.</a:t>
+            </a:r>
+          </a:p>
+          <a:p>
+            <a:r>
+              <a:rPr lang="en-US" dirty="0">
+                <a:solidFill>
+                  <a:schemeClr val="accent6"/>
+                </a:solidFill>
+              </a:rPr>
+              <a:t>	</a:t>
+            </a:r>
+            <a:r>
+              <a:rPr lang="en-US" dirty="0" smtClean="0">
+                <a:solidFill>
+                  <a:schemeClr val="accent6"/>
+                </a:solidFill>
+              </a:rPr>
+              <a:t>6. Discussion between 3 and 4.</a:t>
+            </a:r>
+            <a:endParaRPr lang="en-US" dirty="0">
+              <a:solidFill>
+                <a:schemeClr val="accent6"/>
+              </a:solidFill>
+            </a:endParaRPr>
+          </a:p>
+          <a:p>
+            <a:r>
+              <a:rPr lang="en-US" dirty="0" smtClean="0"/>
+              <a:t>- </a:t>
+            </a:r>
+            <a:r>
+              <a:rPr lang="en-US" dirty="0"/>
+              <a:t>one on each line. For example:</a:t>
+            </a:r>
+          </a:p>
+        </p:txBody>
+      </p:sp>
     </p:spTree>
     <p:extLst>
       <p:ext uri="{BB962C8B-B14F-4D97-AF65-F5344CB8AC3E}">
-        <p14:creationId xmlns:p14="http://schemas.microsoft.com/office/powerpoint/2010/main" val="2714741044"/>
+        <p14:creationId xmlns:p14="http://schemas.microsoft.com/office/powerpoint/2010/main" val="189524524"/>
       </p:ext>
     </p:extLst>
   </p:cSld>
@@ -6171,14 +6255,6 @@
               </a:rPr>
               <a:t> repo and try to run it under our node.</a:t>
             </a:r>
-            <a:r>
-              <a:rPr lang="en-US" sz="2200" dirty="0" smtClean="0">
-                <a:solidFill>
-                  <a:schemeClr val="accent6"/>
-                </a:solidFill>
-              </a:rPr>
-              <a:t/>
-            </a:r>
             <a:br>
               <a:rPr lang="en-US" sz="2200" dirty="0" smtClean="0">
                 <a:solidFill>
@@ -6209,12 +6285,14 @@
         </p:nvSpPr>
         <p:spPr>
           <a:xfrm>
-            <a:off x="3886200" y="3505200"/>
-            <a:ext cx="4800600" cy="2620963"/>
+            <a:off x="5943600" y="5715000"/>
+            <a:ext cx="2743200" cy="411163"/>
           </a:xfrm>
         </p:spPr>
         <p:txBody>
-          <a:bodyPr/>
+          <a:bodyPr>
+            <a:normAutofit fontScale="77500" lnSpcReduction="20000"/>
+          </a:bodyPr>
           <a:lstStyle/>
           <a:p>
             <a:endParaRPr lang="en-US" dirty="0"/>

--- a/16.ConfigurationManagement_With_Ansible/16-Conf_Man_Ansible.pptx
+++ b/16.ConfigurationManagement_With_Ansible/16-Conf_Man_Ansible.pptx
@@ -9,8 +9,8 @@
   </p:notesMasterIdLst>
   <p:sldIdLst>
     <p:sldId id="285" r:id="rId2"/>
-    <p:sldId id="295" r:id="rId3"/>
-    <p:sldId id="294" r:id="rId4"/>
+    <p:sldId id="294" r:id="rId3"/>
+    <p:sldId id="295" r:id="rId4"/>
     <p:sldId id="296" r:id="rId5"/>
   </p:sldIdLst>
   <p:sldSz cx="9144000" cy="6858000" type="screen4x3"/>
@@ -219,7 +219,7 @@
           <a:p>
             <a:fld id="{75861919-8521-4274-BB91-998CD62CEE44}" type="datetimeFigureOut">
               <a:rPr lang="en-US" smtClean="0"/>
-              <a:t>6/1/17</a:t>
+              <a:t>6/7/17</a:t>
             </a:fld>
             <a:endParaRPr lang="en-US"/>
           </a:p>
@@ -552,7 +552,7 @@
           <a:p>
             <a:fld id="{2A2BCF9D-D7FD-459D-AAE8-97A0158967F9}" type="slidenum">
               <a:rPr lang="en-US" smtClean="0"/>
-              <a:t>3</a:t>
+              <a:t>2</a:t>
             </a:fld>
             <a:endParaRPr lang="en-US"/>
           </a:p>
@@ -752,7 +752,7 @@
           <a:p>
             <a:fld id="{3EA744D9-3FBE-48D8-BF2A-85DF203E4D20}" type="datetimeFigureOut">
               <a:rPr lang="bg-BG" smtClean="0"/>
-              <a:t>1.06.17 г.</a:t>
+              <a:t>7.06.17 г.</a:t>
             </a:fld>
             <a:endParaRPr lang="bg-BG"/>
           </a:p>
@@ -922,7 +922,7 @@
           <a:p>
             <a:fld id="{3EA744D9-3FBE-48D8-BF2A-85DF203E4D20}" type="datetimeFigureOut">
               <a:rPr lang="bg-BG" smtClean="0"/>
-              <a:t>1.06.17 г.</a:t>
+              <a:t>7.06.17 г.</a:t>
             </a:fld>
             <a:endParaRPr lang="bg-BG"/>
           </a:p>
@@ -1102,7 +1102,7 @@
           <a:p>
             <a:fld id="{3EA744D9-3FBE-48D8-BF2A-85DF203E4D20}" type="datetimeFigureOut">
               <a:rPr lang="bg-BG" smtClean="0"/>
-              <a:t>1.06.17 г.</a:t>
+              <a:t>7.06.17 г.</a:t>
             </a:fld>
             <a:endParaRPr lang="bg-BG"/>
           </a:p>
@@ -1272,7 +1272,7 @@
           <a:p>
             <a:fld id="{3EA744D9-3FBE-48D8-BF2A-85DF203E4D20}" type="datetimeFigureOut">
               <a:rPr lang="bg-BG" smtClean="0"/>
-              <a:t>1.06.17 г.</a:t>
+              <a:t>7.06.17 г.</a:t>
             </a:fld>
             <a:endParaRPr lang="bg-BG"/>
           </a:p>
@@ -1518,7 +1518,7 @@
           <a:p>
             <a:fld id="{3EA744D9-3FBE-48D8-BF2A-85DF203E4D20}" type="datetimeFigureOut">
               <a:rPr lang="bg-BG" smtClean="0"/>
-              <a:t>1.06.17 г.</a:t>
+              <a:t>7.06.17 г.</a:t>
             </a:fld>
             <a:endParaRPr lang="bg-BG"/>
           </a:p>
@@ -1806,7 +1806,7 @@
           <a:p>
             <a:fld id="{3EA744D9-3FBE-48D8-BF2A-85DF203E4D20}" type="datetimeFigureOut">
               <a:rPr lang="bg-BG" smtClean="0"/>
-              <a:t>1.06.17 г.</a:t>
+              <a:t>7.06.17 г.</a:t>
             </a:fld>
             <a:endParaRPr lang="bg-BG"/>
           </a:p>
@@ -2228,7 +2228,7 @@
           <a:p>
             <a:fld id="{3EA744D9-3FBE-48D8-BF2A-85DF203E4D20}" type="datetimeFigureOut">
               <a:rPr lang="bg-BG" smtClean="0"/>
-              <a:t>1.06.17 г.</a:t>
+              <a:t>7.06.17 г.</a:t>
             </a:fld>
             <a:endParaRPr lang="bg-BG"/>
           </a:p>
@@ -2346,7 +2346,7 @@
           <a:p>
             <a:fld id="{3EA744D9-3FBE-48D8-BF2A-85DF203E4D20}" type="datetimeFigureOut">
               <a:rPr lang="bg-BG" smtClean="0"/>
-              <a:t>1.06.17 г.</a:t>
+              <a:t>7.06.17 г.</a:t>
             </a:fld>
             <a:endParaRPr lang="bg-BG"/>
           </a:p>
@@ -2441,7 +2441,7 @@
           <a:p>
             <a:fld id="{3EA744D9-3FBE-48D8-BF2A-85DF203E4D20}" type="datetimeFigureOut">
               <a:rPr lang="bg-BG" smtClean="0"/>
-              <a:t>1.06.17 г.</a:t>
+              <a:t>7.06.17 г.</a:t>
             </a:fld>
             <a:endParaRPr lang="bg-BG"/>
           </a:p>
@@ -2718,7 +2718,7 @@
           <a:p>
             <a:fld id="{3EA744D9-3FBE-48D8-BF2A-85DF203E4D20}" type="datetimeFigureOut">
               <a:rPr lang="bg-BG" smtClean="0"/>
-              <a:t>1.06.17 г.</a:t>
+              <a:t>7.06.17 г.</a:t>
             </a:fld>
             <a:endParaRPr lang="bg-BG"/>
           </a:p>
@@ -2971,7 +2971,7 @@
           <a:p>
             <a:fld id="{3EA744D9-3FBE-48D8-BF2A-85DF203E4D20}" type="datetimeFigureOut">
               <a:rPr lang="bg-BG" smtClean="0"/>
-              <a:t>1.06.17 г.</a:t>
+              <a:t>7.06.17 г.</a:t>
             </a:fld>
             <a:endParaRPr lang="bg-BG"/>
           </a:p>
@@ -3193,7 +3193,7 @@
           <a:p>
             <a:fld id="{3EA744D9-3FBE-48D8-BF2A-85DF203E4D20}" type="datetimeFigureOut">
               <a:rPr lang="bg-BG" smtClean="0"/>
-              <a:t>1.06.17 г.</a:t>
+              <a:t>7.06.17 г.</a:t>
             </a:fld>
             <a:endParaRPr lang="bg-BG"/>
           </a:p>
@@ -4041,13 +4041,31 @@
               </a:rPr>
               <a:t> </a:t>
             </a:r>
-            <a:br>
+            <a:r>
               <a:rPr lang="en-US" sz="2000" dirty="0" smtClean="0">
                 <a:solidFill>
                   <a:schemeClr val="accent6"/>
                 </a:solidFill>
                 <a:sym typeface="Wingdings" panose="05000000000000000000" pitchFamily="2" charset="2"/>
               </a:rPr>
+              <a:t>Transforming the servers in a state that we desire.</a:t>
+            </a:r>
+            <a:r>
+              <a:rPr lang="en-US" sz="2000" dirty="0" smtClean="0">
+                <a:solidFill>
+                  <a:schemeClr val="accent6"/>
+                </a:solidFill>
+                <a:sym typeface="Wingdings" panose="05000000000000000000" pitchFamily="2" charset="2"/>
+              </a:rPr>
+              <a:t/>
+            </a:r>
+            <a:br>
+              <a:rPr lang="en-US" sz="2000" dirty="0" smtClean="0">
+                <a:solidFill>
+                  <a:schemeClr val="accent6"/>
+                </a:solidFill>
+                <a:sym typeface="Wingdings" panose="05000000000000000000" pitchFamily="2" charset="2"/>
+              </a:rPr>
             </a:br>
             <a:r>
               <a:rPr lang="en-US" sz="2000" dirty="0">
@@ -4073,21 +4091,100 @@
                 </a:solidFill>
                 <a:sym typeface="Wingdings" panose="05000000000000000000" pitchFamily="2" charset="2"/>
               </a:rPr>
-              <a:t>Exercises:</a:t>
+              <a:t>Exercises</a:t>
             </a:r>
             <a:r>
               <a:rPr lang="en-US" sz="2000" dirty="0" smtClean="0">
                 <a:solidFill>
-                  <a:schemeClr val="accent6"/>
+                  <a:srgbClr val="FF0000"/>
                 </a:solidFill>
                 <a:sym typeface="Wingdings" panose="05000000000000000000" pitchFamily="2" charset="2"/>
               </a:rPr>
-              <a:t/>
+              <a:t>:</a:t>
             </a:r>
             <a:br>
               <a:rPr lang="en-US" sz="2000" dirty="0" smtClean="0">
                 <a:solidFill>
-                  <a:schemeClr val="accent6"/>
+                  <a:srgbClr val="FF0000"/>
+                </a:solidFill>
+                <a:sym typeface="Wingdings" panose="05000000000000000000" pitchFamily="2" charset="2"/>
+              </a:rPr>
+            </a:br>
+            <a:r>
+              <a:rPr lang="en-US" sz="2000" dirty="0" smtClean="0">
+                <a:solidFill>
+                  <a:schemeClr val="accent6"/>
+                </a:solidFill>
+                <a:sym typeface="Wingdings" panose="05000000000000000000" pitchFamily="2" charset="2"/>
+              </a:rPr>
+              <a:t>0.</a:t>
+            </a:r>
+            <a:r>
+              <a:rPr lang="en-US" sz="2000" dirty="0" smtClean="0">
+                <a:solidFill>
+                  <a:srgbClr val="FF0000"/>
+                </a:solidFill>
+                <a:sym typeface="Wingdings" panose="05000000000000000000" pitchFamily="2" charset="2"/>
+              </a:rPr>
+              <a:t> </a:t>
+            </a:r>
+            <a:r>
+              <a:rPr lang="en-US" sz="2000" dirty="0" smtClean="0">
+                <a:solidFill>
+                  <a:schemeClr val="bg1"/>
+                </a:solidFill>
+                <a:sym typeface="Wingdings" panose="05000000000000000000" pitchFamily="2" charset="2"/>
+              </a:rPr>
+              <a:t>You should have EPEL repo already installed.</a:t>
+            </a:r>
+            <a:br>
+              <a:rPr lang="en-US" sz="2000" dirty="0" smtClean="0">
+                <a:solidFill>
+                  <a:schemeClr val="bg1"/>
+                </a:solidFill>
+                <a:sym typeface="Wingdings" panose="05000000000000000000" pitchFamily="2" charset="2"/>
+              </a:rPr>
+            </a:br>
+            <a:r>
+              <a:rPr lang="en-US" sz="2000" dirty="0" smtClean="0">
+                <a:solidFill>
+                  <a:schemeClr val="bg1"/>
+                </a:solidFill>
+                <a:sym typeface="Wingdings" panose="05000000000000000000" pitchFamily="2" charset="2"/>
+              </a:rPr>
+              <a:t>‘yum install </a:t>
+            </a:r>
+            <a:r>
+              <a:rPr lang="en-US" sz="2000" dirty="0" err="1" smtClean="0">
+                <a:solidFill>
+                  <a:schemeClr val="bg1"/>
+                </a:solidFill>
+                <a:sym typeface="Wingdings" panose="05000000000000000000" pitchFamily="2" charset="2"/>
+              </a:rPr>
+              <a:t>epel</a:t>
+            </a:r>
+            <a:r>
+              <a:rPr lang="en-US" sz="2000" dirty="0" smtClean="0">
+                <a:solidFill>
+                  <a:schemeClr val="bg1"/>
+                </a:solidFill>
+                <a:sym typeface="Wingdings" panose="05000000000000000000" pitchFamily="2" charset="2"/>
+              </a:rPr>
+              <a:t>-release’ if not.</a:t>
+            </a:r>
+            <a:r>
+              <a:rPr lang="en-US" sz="2000" dirty="0" smtClean="0">
+                <a:solidFill>
+                  <a:schemeClr val="bg1"/>
+                </a:solidFill>
+                <a:sym typeface="Wingdings" panose="05000000000000000000" pitchFamily="2" charset="2"/>
+              </a:rPr>
+              <a:t/>
+            </a:r>
+            <a:br>
+              <a:rPr lang="en-US" sz="2000" dirty="0" smtClean="0">
+                <a:solidFill>
+                  <a:schemeClr val="bg1"/>
                 </a:solidFill>
                 <a:sym typeface="Wingdings" panose="05000000000000000000" pitchFamily="2" charset="2"/>
               </a:rPr>
@@ -4293,12 +4390,7 @@
             <p:ph type="title"/>
           </p:nvPr>
         </p:nvSpPr>
-        <p:spPr>
-          <a:xfrm>
-            <a:off x="457200" y="762000"/>
-            <a:ext cx="8229600" cy="2590800"/>
-          </a:xfrm>
-        </p:spPr>
+        <p:spPr/>
         <p:txBody>
           <a:bodyPr>
             <a:normAutofit fontScale="90000"/>
@@ -4306,434 +4398,561 @@
           <a:lstStyle/>
           <a:p>
             <a:r>
-              <a:rPr lang="en-US" dirty="0" smtClean="0">
-                <a:solidFill>
-                  <a:schemeClr val="accent6"/>
-                </a:solidFill>
-              </a:rPr>
-              <a:t/>
-            </a:r>
-            <a:br>
-              <a:rPr lang="en-US" dirty="0" smtClean="0">
-                <a:solidFill>
-                  <a:schemeClr val="accent6"/>
-                </a:solidFill>
-              </a:rPr>
-            </a:br>
-            <a:r>
-              <a:rPr lang="en-US" dirty="0">
-                <a:solidFill>
-                  <a:schemeClr val="accent6"/>
-                </a:solidFill>
-              </a:rPr>
-              <a:t/>
-            </a:r>
-            <a:br>
-              <a:rPr lang="en-US" dirty="0">
-                <a:solidFill>
-                  <a:schemeClr val="accent6"/>
-                </a:solidFill>
-              </a:rPr>
-            </a:br>
-            <a:r>
-              <a:rPr lang="en-US" dirty="0" smtClean="0">
-                <a:solidFill>
-                  <a:schemeClr val="accent6"/>
-                </a:solidFill>
-              </a:rPr>
-              <a:t/>
-            </a:r>
-            <a:br>
-              <a:rPr lang="en-US" dirty="0" smtClean="0">
-                <a:solidFill>
-                  <a:schemeClr val="accent6"/>
-                </a:solidFill>
-              </a:rPr>
-            </a:br>
-            <a:r>
-              <a:rPr lang="en-US" sz="2000" dirty="0">
-                <a:solidFill>
-                  <a:schemeClr val="accent6"/>
-                </a:solidFill>
-              </a:rPr>
-              <a:t/>
-            </a:r>
-            <a:br>
-              <a:rPr lang="en-US" sz="2000" dirty="0">
-                <a:solidFill>
-                  <a:schemeClr val="accent6"/>
-                </a:solidFill>
-              </a:rPr>
-            </a:br>
-            <a:r>
-              <a:rPr lang="en-US" sz="2000" dirty="0" smtClean="0">
-                <a:solidFill>
-                  <a:schemeClr val="accent6"/>
-                </a:solidFill>
-              </a:rPr>
-              <a:t>Running a live command on all nodes</a:t>
-            </a:r>
-            <a:r>
-              <a:rPr lang="en-US" sz="2000" dirty="0">
-                <a:solidFill>
-                  <a:schemeClr val="accent6"/>
-                </a:solidFill>
-              </a:rPr>
-              <a:t/>
-            </a:r>
-            <a:br>
-              <a:rPr lang="en-US" sz="2000" dirty="0">
-                <a:solidFill>
-                  <a:schemeClr val="accent6"/>
-                </a:solidFill>
-              </a:rPr>
-            </a:br>
-            <a:r>
-              <a:rPr lang="en-US" sz="2000" dirty="0">
-                <a:solidFill>
-                  <a:srgbClr val="FF0000"/>
-                </a:solidFill>
-              </a:rPr>
-              <a:t>Exercises:</a:t>
-            </a:r>
-            <a:r>
-              <a:rPr lang="en-US" sz="2000" dirty="0">
-                <a:solidFill>
-                  <a:schemeClr val="accent6"/>
-                </a:solidFill>
-              </a:rPr>
-              <a:t/>
-            </a:r>
-            <a:br>
-              <a:rPr lang="en-US" sz="2000" dirty="0">
-                <a:solidFill>
-                  <a:schemeClr val="accent6"/>
-                </a:solidFill>
-              </a:rPr>
-            </a:br>
-            <a:r>
-              <a:rPr lang="en-US" sz="2000" dirty="0" err="1" smtClean="0">
-                <a:solidFill>
-                  <a:schemeClr val="bg1"/>
-                </a:solidFill>
-              </a:rPr>
-              <a:t>ansible</a:t>
-            </a:r>
-            <a:r>
-              <a:rPr lang="en-US" sz="2000" dirty="0" smtClean="0">
-                <a:solidFill>
-                  <a:schemeClr val="bg1"/>
-                </a:solidFill>
-              </a:rPr>
-              <a:t> </a:t>
-            </a:r>
-            <a:r>
-              <a:rPr lang="en-US" sz="2000" dirty="0">
-                <a:solidFill>
-                  <a:schemeClr val="bg1"/>
-                </a:solidFill>
-              </a:rPr>
-              <a:t>all -a "/bin/echo </a:t>
-            </a:r>
-            <a:r>
-              <a:rPr lang="en-US" sz="2000" dirty="0" smtClean="0">
-                <a:solidFill>
-                  <a:schemeClr val="bg1"/>
-                </a:solidFill>
-              </a:rPr>
-              <a:t>hello“</a:t>
-            </a:r>
-            <a:br>
-              <a:rPr lang="en-US" sz="2000" dirty="0" smtClean="0">
-                <a:solidFill>
-                  <a:schemeClr val="bg1"/>
-                </a:solidFill>
-              </a:rPr>
-            </a:br>
-            <a:r>
-              <a:rPr lang="en-US" sz="2000" dirty="0" err="1" smtClean="0">
-                <a:solidFill>
-                  <a:schemeClr val="bg1"/>
-                </a:solidFill>
-              </a:rPr>
-              <a:t>ansible</a:t>
-            </a:r>
-            <a:r>
-              <a:rPr lang="en-US" sz="2000" dirty="0" smtClean="0">
-                <a:solidFill>
-                  <a:schemeClr val="bg1"/>
-                </a:solidFill>
-              </a:rPr>
-              <a:t> all -a “</a:t>
-            </a:r>
-            <a:r>
-              <a:rPr lang="en-US" sz="2000" dirty="0" err="1" smtClean="0">
-                <a:solidFill>
-                  <a:schemeClr val="bg1"/>
-                </a:solidFill>
-              </a:rPr>
-              <a:t>df</a:t>
-            </a:r>
-            <a:r>
-              <a:rPr lang="en-US" sz="2000" dirty="0" smtClean="0">
-                <a:solidFill>
-                  <a:schemeClr val="bg1"/>
-                </a:solidFill>
-              </a:rPr>
-              <a:t> –</a:t>
-            </a:r>
-            <a:r>
-              <a:rPr lang="en-US" sz="2000" dirty="0" err="1" smtClean="0">
-                <a:solidFill>
-                  <a:schemeClr val="bg1"/>
-                </a:solidFill>
-              </a:rPr>
-              <a:t>hT</a:t>
-            </a:r>
-            <a:r>
-              <a:rPr lang="en-US" sz="2000" dirty="0" smtClean="0">
-                <a:solidFill>
-                  <a:schemeClr val="bg1"/>
-                </a:solidFill>
-              </a:rPr>
-              <a:t> | </a:t>
-            </a:r>
-            <a:r>
-              <a:rPr lang="en-US" sz="2000" dirty="0" err="1" smtClean="0">
-                <a:solidFill>
-                  <a:schemeClr val="bg1"/>
-                </a:solidFill>
-              </a:rPr>
-              <a:t>grep</a:t>
-            </a:r>
-            <a:r>
-              <a:rPr lang="en-US" sz="2000" dirty="0" smtClean="0">
-                <a:solidFill>
-                  <a:schemeClr val="bg1"/>
-                </a:solidFill>
-              </a:rPr>
-              <a:t> –v </a:t>
-            </a:r>
-            <a:r>
-              <a:rPr lang="en-US" sz="2000" dirty="0" err="1" smtClean="0">
-                <a:solidFill>
-                  <a:schemeClr val="bg1"/>
-                </a:solidFill>
-              </a:rPr>
-              <a:t>tmfs</a:t>
-            </a:r>
-            <a:r>
-              <a:rPr lang="en-US" sz="2000" dirty="0" smtClean="0">
-                <a:solidFill>
-                  <a:schemeClr val="bg1"/>
-                </a:solidFill>
-              </a:rPr>
-              <a:t>”</a:t>
-            </a:r>
-            <a:br>
-              <a:rPr lang="en-US" sz="2000" dirty="0" smtClean="0">
-                <a:solidFill>
-                  <a:schemeClr val="bg1"/>
-                </a:solidFill>
-              </a:rPr>
-            </a:br>
-            <a:r>
-              <a:rPr lang="en-US" sz="2000" dirty="0">
-                <a:solidFill>
-                  <a:schemeClr val="bg1"/>
-                </a:solidFill>
-              </a:rPr>
-              <a:t/>
-            </a:r>
-            <a:br>
-              <a:rPr lang="en-US" sz="2000" dirty="0">
-                <a:solidFill>
-                  <a:schemeClr val="bg1"/>
-                </a:solidFill>
-              </a:rPr>
-            </a:br>
-            <a:r>
-              <a:rPr lang="en-US" sz="2000" dirty="0" smtClean="0">
-                <a:solidFill>
-                  <a:schemeClr val="accent6"/>
-                </a:solidFill>
-              </a:rPr>
-              <a:t>Did you see, we could get information about our nodes without loosing time to login and check, so great ! </a:t>
-            </a:r>
-            <a:br>
-              <a:rPr lang="en-US" sz="2000" dirty="0" smtClean="0">
-                <a:solidFill>
-                  <a:schemeClr val="accent6"/>
-                </a:solidFill>
-              </a:rPr>
-            </a:br>
-            <a:r>
-              <a:rPr lang="en-US" sz="2000" dirty="0">
-                <a:solidFill>
-                  <a:schemeClr val="accent6"/>
-                </a:solidFill>
-              </a:rPr>
-              <a:t/>
-            </a:r>
-            <a:br>
-              <a:rPr lang="en-US" sz="2000" dirty="0">
-                <a:solidFill>
-                  <a:schemeClr val="accent6"/>
-                </a:solidFill>
-              </a:rPr>
-            </a:br>
-            <a:r>
-              <a:rPr lang="en-US" sz="2000" dirty="0">
-                <a:solidFill>
-                  <a:schemeClr val="accent6"/>
-                </a:solidFill>
-              </a:rPr>
-              <a:t>There is a large catalog of </a:t>
-            </a:r>
-            <a:r>
-              <a:rPr lang="en-US" sz="2000" dirty="0">
-                <a:solidFill>
-                  <a:schemeClr val="accent6"/>
-                </a:solidFill>
-                <a:hlinkClick r:id="rId2"/>
-              </a:rPr>
-              <a:t>modules</a:t>
-            </a:r>
-            <a:r>
-              <a:rPr lang="en-US" sz="2000" dirty="0">
-                <a:solidFill>
-                  <a:schemeClr val="accent6"/>
-                </a:solidFill>
-              </a:rPr>
-              <a:t> available for </a:t>
-            </a:r>
-            <a:r>
-              <a:rPr lang="en-US" sz="2000" dirty="0" err="1">
-                <a:solidFill>
-                  <a:schemeClr val="accent6"/>
-                </a:solidFill>
-              </a:rPr>
-              <a:t>Ansible</a:t>
-            </a:r>
-            <a:r>
-              <a:rPr lang="en-US" sz="2000" dirty="0">
-                <a:solidFill>
-                  <a:schemeClr val="accent6"/>
-                </a:solidFill>
-              </a:rPr>
-              <a:t> out of the </a:t>
-            </a:r>
-            <a:r>
-              <a:rPr lang="en-US" sz="2000" dirty="0" smtClean="0">
-                <a:solidFill>
-                  <a:schemeClr val="accent6"/>
-                </a:solidFill>
-              </a:rPr>
-              <a:t>box =&gt; </a:t>
-            </a:r>
-            <a:br>
-              <a:rPr lang="en-US" sz="2000" dirty="0" smtClean="0">
-                <a:solidFill>
-                  <a:schemeClr val="accent6"/>
-                </a:solidFill>
-              </a:rPr>
-            </a:br>
-            <a:r>
-              <a:rPr lang="en-US" sz="2000" dirty="0" smtClean="0">
-                <a:solidFill>
-                  <a:schemeClr val="accent6"/>
-                </a:solidFill>
-              </a:rPr>
-              <a:t>users, groups, packages, ACLs, files, firewall rules, </a:t>
-            </a:r>
-            <a:r>
-              <a:rPr lang="en-US" sz="2000" dirty="0" err="1" smtClean="0">
-                <a:solidFill>
-                  <a:schemeClr val="accent6"/>
-                </a:solidFill>
-              </a:rPr>
-              <a:t>mysql</a:t>
-            </a:r>
-            <a:r>
-              <a:rPr lang="en-US" sz="2000" dirty="0" smtClean="0">
-                <a:solidFill>
-                  <a:schemeClr val="accent6"/>
-                </a:solidFill>
-              </a:rPr>
-              <a:t> </a:t>
-            </a:r>
-            <a:r>
-              <a:rPr lang="en-US" sz="2000" dirty="0">
-                <a:solidFill>
-                  <a:schemeClr val="accent6"/>
-                </a:solidFill>
-              </a:rPr>
-              <a:t>and </a:t>
-            </a:r>
-            <a:r>
-              <a:rPr lang="en-US" sz="2000" dirty="0" err="1">
-                <a:solidFill>
-                  <a:schemeClr val="accent6"/>
-                </a:solidFill>
-              </a:rPr>
-              <a:t>postgresql</a:t>
-            </a:r>
-            <a:r>
-              <a:rPr lang="en-US" sz="2000" dirty="0">
-                <a:solidFill>
-                  <a:schemeClr val="accent6"/>
-                </a:solidFill>
-              </a:rPr>
-              <a:t> </a:t>
-            </a:r>
-            <a:r>
-              <a:rPr lang="en-US" sz="2000" dirty="0" smtClean="0">
-                <a:solidFill>
-                  <a:schemeClr val="accent6"/>
-                </a:solidFill>
-              </a:rPr>
-              <a:t>databases, </a:t>
-            </a:r>
-            <a:r>
-              <a:rPr lang="en-US" sz="2000" dirty="0" err="1" smtClean="0">
-                <a:solidFill>
-                  <a:schemeClr val="accent6"/>
-                </a:solidFill>
-              </a:rPr>
-              <a:t>docker</a:t>
-            </a:r>
-            <a:r>
-              <a:rPr lang="en-US" sz="2000" dirty="0" smtClean="0">
-                <a:solidFill>
-                  <a:schemeClr val="accent6"/>
-                </a:solidFill>
-              </a:rPr>
-              <a:t> </a:t>
-            </a:r>
-            <a:r>
-              <a:rPr lang="en-US" sz="2000" dirty="0">
-                <a:solidFill>
-                  <a:schemeClr val="accent6"/>
-                </a:solidFill>
-              </a:rPr>
-              <a:t>images</a:t>
-            </a:r>
-            <a:r>
-              <a:rPr lang="en-US" sz="1800" dirty="0">
-                <a:solidFill>
-                  <a:schemeClr val="accent6"/>
-                </a:solidFill>
-              </a:rPr>
-              <a:t/>
-            </a:r>
-            <a:br>
-              <a:rPr lang="en-US" sz="1800" dirty="0">
-                <a:solidFill>
-                  <a:schemeClr val="accent6"/>
-                </a:solidFill>
-              </a:rPr>
-            </a:br>
-            <a:endParaRPr lang="en-US" sz="2000" dirty="0">
+              <a:rPr lang="en-US" sz="1600" dirty="0" smtClean="0">
+                <a:solidFill>
+                  <a:schemeClr val="accent6"/>
+                </a:solidFill>
+              </a:rPr>
+              <a:t/>
+            </a:r>
+            <a:br>
+              <a:rPr lang="en-US" sz="1600" dirty="0" smtClean="0">
+                <a:solidFill>
+                  <a:schemeClr val="accent6"/>
+                </a:solidFill>
+              </a:rPr>
+            </a:br>
+            <a:r>
+              <a:rPr lang="en-US" sz="1600" dirty="0">
+                <a:solidFill>
+                  <a:schemeClr val="accent6"/>
+                </a:solidFill>
+              </a:rPr>
+              <a:t/>
+            </a:r>
+            <a:br>
+              <a:rPr lang="en-US" sz="1600" dirty="0">
+                <a:solidFill>
+                  <a:schemeClr val="accent6"/>
+                </a:solidFill>
+              </a:rPr>
+            </a:br>
+            <a:r>
+              <a:rPr lang="en-US" sz="1600" dirty="0" smtClean="0">
+                <a:solidFill>
+                  <a:schemeClr val="accent6"/>
+                </a:solidFill>
+              </a:rPr>
+              <a:t/>
+            </a:r>
+            <a:br>
+              <a:rPr lang="en-US" sz="1600" dirty="0" smtClean="0">
+                <a:solidFill>
+                  <a:schemeClr val="accent6"/>
+                </a:solidFill>
+              </a:rPr>
+            </a:br>
+            <a:r>
+              <a:rPr lang="en-US" sz="1600" dirty="0">
+                <a:solidFill>
+                  <a:schemeClr val="accent6"/>
+                </a:solidFill>
+              </a:rPr>
+              <a:t/>
+            </a:r>
+            <a:br>
+              <a:rPr lang="en-US" sz="1600" dirty="0">
+                <a:solidFill>
+                  <a:schemeClr val="accent6"/>
+                </a:solidFill>
+              </a:rPr>
+            </a:br>
+            <a:r>
+              <a:rPr lang="en-US" sz="1600" dirty="0" smtClean="0">
+                <a:solidFill>
+                  <a:schemeClr val="accent6"/>
+                </a:solidFill>
+              </a:rPr>
+              <a:t/>
+            </a:r>
+            <a:br>
+              <a:rPr lang="en-US" sz="1600" dirty="0" smtClean="0">
+                <a:solidFill>
+                  <a:schemeClr val="accent6"/>
+                </a:solidFill>
+              </a:rPr>
+            </a:br>
+            <a:r>
+              <a:rPr lang="en-US" sz="1600" dirty="0">
+                <a:solidFill>
+                  <a:schemeClr val="accent6"/>
+                </a:solidFill>
+              </a:rPr>
+              <a:t/>
+            </a:r>
+            <a:br>
+              <a:rPr lang="en-US" sz="1600" dirty="0">
+                <a:solidFill>
+                  <a:schemeClr val="accent6"/>
+                </a:solidFill>
+              </a:rPr>
+            </a:br>
+            <a:r>
+              <a:rPr lang="en-US" sz="1600" dirty="0" smtClean="0">
+                <a:solidFill>
+                  <a:schemeClr val="accent6"/>
+                </a:solidFill>
+              </a:rPr>
+              <a:t/>
+            </a:r>
+            <a:br>
+              <a:rPr lang="en-US" sz="1600" dirty="0" smtClean="0">
+                <a:solidFill>
+                  <a:schemeClr val="accent6"/>
+                </a:solidFill>
+              </a:rPr>
+            </a:br>
+            <a:r>
+              <a:rPr lang="en-US" sz="1600" dirty="0">
+                <a:solidFill>
+                  <a:schemeClr val="accent6"/>
+                </a:solidFill>
+              </a:rPr>
+              <a:t/>
+            </a:r>
+            <a:br>
+              <a:rPr lang="en-US" sz="1600" dirty="0">
+                <a:solidFill>
+                  <a:schemeClr val="accent6"/>
+                </a:solidFill>
+              </a:rPr>
+            </a:br>
+            <a:r>
+              <a:rPr lang="en-US" sz="1600" dirty="0" smtClean="0">
+                <a:solidFill>
+                  <a:schemeClr val="accent6"/>
+                </a:solidFill>
+              </a:rPr>
+              <a:t/>
+            </a:r>
+            <a:br>
+              <a:rPr lang="en-US" sz="1600" dirty="0" smtClean="0">
+                <a:solidFill>
+                  <a:schemeClr val="accent6"/>
+                </a:solidFill>
+              </a:rPr>
+            </a:br>
+            <a:r>
+              <a:rPr lang="en-US" sz="1600" dirty="0">
+                <a:solidFill>
+                  <a:schemeClr val="accent6"/>
+                </a:solidFill>
+              </a:rPr>
+              <a:t/>
+            </a:r>
+            <a:br>
+              <a:rPr lang="en-US" sz="1600" dirty="0">
+                <a:solidFill>
+                  <a:schemeClr val="accent6"/>
+                </a:solidFill>
+              </a:rPr>
+            </a:br>
+            <a:r>
+              <a:rPr lang="en-US" sz="1600" dirty="0" smtClean="0">
+                <a:solidFill>
+                  <a:schemeClr val="accent6"/>
+                </a:solidFill>
+              </a:rPr>
+              <a:t/>
+            </a:r>
+            <a:br>
+              <a:rPr lang="en-US" sz="1600" dirty="0" smtClean="0">
+                <a:solidFill>
+                  <a:schemeClr val="accent6"/>
+                </a:solidFill>
+              </a:rPr>
+            </a:br>
+            <a:r>
+              <a:rPr lang="en-US" sz="1600" dirty="0">
+                <a:solidFill>
+                  <a:schemeClr val="accent6"/>
+                </a:solidFill>
+              </a:rPr>
+              <a:t/>
+            </a:r>
+            <a:br>
+              <a:rPr lang="en-US" sz="1600" dirty="0">
+                <a:solidFill>
+                  <a:schemeClr val="accent6"/>
+                </a:solidFill>
+              </a:rPr>
+            </a:br>
+            <a:r>
+              <a:rPr lang="en-US" sz="1600" dirty="0" smtClean="0">
+                <a:solidFill>
+                  <a:schemeClr val="accent6"/>
+                </a:solidFill>
+              </a:rPr>
+              <a:t/>
+            </a:r>
+            <a:br>
+              <a:rPr lang="en-US" sz="1600" dirty="0" smtClean="0">
+                <a:solidFill>
+                  <a:schemeClr val="accent6"/>
+                </a:solidFill>
+              </a:rPr>
+            </a:br>
+            <a:r>
+              <a:rPr lang="en-US" sz="1600" dirty="0">
+                <a:solidFill>
+                  <a:schemeClr val="accent6"/>
+                </a:solidFill>
+              </a:rPr>
+              <a:t/>
+            </a:r>
+            <a:br>
+              <a:rPr lang="en-US" sz="1600" dirty="0">
+                <a:solidFill>
+                  <a:schemeClr val="accent6"/>
+                </a:solidFill>
+              </a:rPr>
+            </a:br>
+            <a:r>
+              <a:rPr lang="en-US" sz="1600" dirty="0" smtClean="0">
+                <a:solidFill>
+                  <a:schemeClr val="accent6"/>
+                </a:solidFill>
+              </a:rPr>
+              <a:t/>
+            </a:r>
+            <a:br>
+              <a:rPr lang="en-US" sz="1600" dirty="0" smtClean="0">
+                <a:solidFill>
+                  <a:schemeClr val="accent6"/>
+                </a:solidFill>
+              </a:rPr>
+            </a:br>
+            <a:r>
+              <a:rPr lang="en-US" sz="1600" dirty="0">
+                <a:solidFill>
+                  <a:schemeClr val="accent6"/>
+                </a:solidFill>
+              </a:rPr>
+              <a:t/>
+            </a:r>
+            <a:br>
+              <a:rPr lang="en-US" sz="1600" dirty="0">
+                <a:solidFill>
+                  <a:schemeClr val="accent6"/>
+                </a:solidFill>
+              </a:rPr>
+            </a:br>
+            <a:r>
+              <a:rPr lang="en-US" sz="1600" dirty="0" smtClean="0">
+                <a:solidFill>
+                  <a:schemeClr val="accent6"/>
+                </a:solidFill>
+              </a:rPr>
+              <a:t/>
+            </a:r>
+            <a:br>
+              <a:rPr lang="en-US" sz="1600" dirty="0" smtClean="0">
+                <a:solidFill>
+                  <a:schemeClr val="accent6"/>
+                </a:solidFill>
+              </a:rPr>
+            </a:br>
+            <a:r>
+              <a:rPr lang="en-US" sz="1600" dirty="0">
+                <a:solidFill>
+                  <a:schemeClr val="accent6"/>
+                </a:solidFill>
+              </a:rPr>
+              <a:t/>
+            </a:r>
+            <a:br>
+              <a:rPr lang="en-US" sz="1600" dirty="0">
+                <a:solidFill>
+                  <a:schemeClr val="accent6"/>
+                </a:solidFill>
+              </a:rPr>
+            </a:br>
+            <a:r>
+              <a:rPr lang="en-US" sz="1600" dirty="0" smtClean="0">
+                <a:solidFill>
+                  <a:schemeClr val="accent6"/>
+                </a:solidFill>
+              </a:rPr>
+              <a:t/>
+            </a:r>
+            <a:br>
+              <a:rPr lang="en-US" sz="1600" dirty="0" smtClean="0">
+                <a:solidFill>
+                  <a:schemeClr val="accent6"/>
+                </a:solidFill>
+              </a:rPr>
+            </a:br>
+            <a:r>
+              <a:rPr lang="en-US" sz="1600" dirty="0">
+                <a:solidFill>
+                  <a:schemeClr val="accent6"/>
+                </a:solidFill>
+              </a:rPr>
+              <a:t/>
+            </a:r>
+            <a:br>
+              <a:rPr lang="en-US" sz="1600" dirty="0">
+                <a:solidFill>
+                  <a:schemeClr val="accent6"/>
+                </a:solidFill>
+              </a:rPr>
+            </a:br>
+            <a:r>
+              <a:rPr lang="en-US" sz="1600" dirty="0" smtClean="0">
+                <a:solidFill>
+                  <a:schemeClr val="accent6"/>
+                </a:solidFill>
+              </a:rPr>
+              <a:t/>
+            </a:r>
+            <a:br>
+              <a:rPr lang="en-US" sz="1600" dirty="0" smtClean="0">
+                <a:solidFill>
+                  <a:schemeClr val="accent6"/>
+                </a:solidFill>
+              </a:rPr>
+            </a:br>
+            <a:r>
+              <a:rPr lang="en-US" sz="1600" dirty="0">
+                <a:solidFill>
+                  <a:schemeClr val="accent6"/>
+                </a:solidFill>
+              </a:rPr>
+              <a:t/>
+            </a:r>
+            <a:br>
+              <a:rPr lang="en-US" sz="1600" dirty="0">
+                <a:solidFill>
+                  <a:schemeClr val="accent6"/>
+                </a:solidFill>
+              </a:rPr>
+            </a:br>
+            <a:r>
+              <a:rPr lang="en-US" sz="1600" dirty="0" smtClean="0">
+                <a:solidFill>
+                  <a:schemeClr val="accent6"/>
+                </a:solidFill>
+              </a:rPr>
+              <a:t/>
+            </a:r>
+            <a:br>
+              <a:rPr lang="en-US" sz="1600" dirty="0" smtClean="0">
+                <a:solidFill>
+                  <a:schemeClr val="accent6"/>
+                </a:solidFill>
+              </a:rPr>
+            </a:br>
+            <a:r>
+              <a:rPr lang="en-US" sz="1600" dirty="0">
+                <a:solidFill>
+                  <a:schemeClr val="accent6"/>
+                </a:solidFill>
+              </a:rPr>
+              <a:t/>
+            </a:r>
+            <a:br>
+              <a:rPr lang="en-US" sz="1600" dirty="0">
+                <a:solidFill>
+                  <a:schemeClr val="accent6"/>
+                </a:solidFill>
+              </a:rPr>
+            </a:br>
+            <a:r>
+              <a:rPr lang="en-US" sz="1600" dirty="0" smtClean="0">
+                <a:solidFill>
+                  <a:schemeClr val="accent6"/>
+                </a:solidFill>
+              </a:rPr>
+              <a:t/>
+            </a:r>
+            <a:br>
+              <a:rPr lang="en-US" sz="1600" dirty="0" smtClean="0">
+                <a:solidFill>
+                  <a:schemeClr val="accent6"/>
+                </a:solidFill>
+              </a:rPr>
+            </a:br>
+            <a:r>
+              <a:rPr lang="en-US" sz="1600" dirty="0">
+                <a:solidFill>
+                  <a:schemeClr val="accent6"/>
+                </a:solidFill>
+              </a:rPr>
+              <a:t/>
+            </a:r>
+            <a:br>
+              <a:rPr lang="en-US" sz="1600" dirty="0">
+                <a:solidFill>
+                  <a:schemeClr val="accent6"/>
+                </a:solidFill>
+              </a:rPr>
+            </a:br>
+            <a:r>
+              <a:rPr lang="en-US" sz="1600" dirty="0" smtClean="0">
+                <a:solidFill>
+                  <a:schemeClr val="accent6"/>
+                </a:solidFill>
+              </a:rPr>
+              <a:t/>
+            </a:r>
+            <a:br>
+              <a:rPr lang="en-US" sz="1600" dirty="0" smtClean="0">
+                <a:solidFill>
+                  <a:schemeClr val="accent6"/>
+                </a:solidFill>
+              </a:rPr>
+            </a:br>
+            <a:r>
+              <a:rPr lang="en-US" sz="1600" dirty="0">
+                <a:solidFill>
+                  <a:schemeClr val="accent6"/>
+                </a:solidFill>
+              </a:rPr>
+              <a:t/>
+            </a:r>
+            <a:br>
+              <a:rPr lang="en-US" sz="1600" dirty="0">
+                <a:solidFill>
+                  <a:schemeClr val="accent6"/>
+                </a:solidFill>
+              </a:rPr>
+            </a:br>
+            <a:r>
+              <a:rPr lang="en-US" sz="1600" dirty="0" smtClean="0">
+                <a:solidFill>
+                  <a:schemeClr val="accent6"/>
+                </a:solidFill>
+              </a:rPr>
+              <a:t/>
+            </a:r>
+            <a:br>
+              <a:rPr lang="en-US" sz="1600" dirty="0" smtClean="0">
+                <a:solidFill>
+                  <a:schemeClr val="accent6"/>
+                </a:solidFill>
+              </a:rPr>
+            </a:br>
+            <a:r>
+              <a:rPr lang="en-US" sz="1600" dirty="0">
+                <a:solidFill>
+                  <a:schemeClr val="accent6"/>
+                </a:solidFill>
+              </a:rPr>
+              <a:t/>
+            </a:r>
+            <a:br>
+              <a:rPr lang="en-US" sz="1600" dirty="0">
+                <a:solidFill>
+                  <a:schemeClr val="accent6"/>
+                </a:solidFill>
+              </a:rPr>
+            </a:br>
+            <a:r>
+              <a:rPr lang="en-US" sz="1600" dirty="0" smtClean="0">
+                <a:solidFill>
+                  <a:schemeClr val="accent6"/>
+                </a:solidFill>
+              </a:rPr>
+              <a:t/>
+            </a:r>
+            <a:br>
+              <a:rPr lang="en-US" sz="1600" dirty="0" smtClean="0">
+                <a:solidFill>
+                  <a:schemeClr val="accent6"/>
+                </a:solidFill>
+              </a:rPr>
+            </a:br>
+            <a:r>
+              <a:rPr lang="en-US" sz="1600" dirty="0" smtClean="0">
+                <a:solidFill>
+                  <a:schemeClr val="accent6"/>
+                </a:solidFill>
+              </a:rPr>
+              <a:t/>
+            </a:r>
+            <a:br>
+              <a:rPr lang="en-US" sz="1600" dirty="0" smtClean="0">
+                <a:solidFill>
+                  <a:schemeClr val="accent6"/>
+                </a:solidFill>
+              </a:rPr>
+            </a:br>
+            <a:r>
+              <a:rPr lang="en-US" sz="1600" dirty="0" smtClean="0">
+                <a:solidFill>
+                  <a:schemeClr val="accent6"/>
+                </a:solidFill>
+              </a:rPr>
+              <a:t/>
+            </a:r>
+            <a:br>
+              <a:rPr lang="en-US" sz="1600" dirty="0" smtClean="0">
+                <a:solidFill>
+                  <a:schemeClr val="accent6"/>
+                </a:solidFill>
+              </a:rPr>
+            </a:br>
+            <a:r>
+              <a:rPr lang="en-US" sz="1600" dirty="0">
+                <a:solidFill>
+                  <a:schemeClr val="accent6"/>
+                </a:solidFill>
+              </a:rPr>
+              <a:t/>
+            </a:r>
+            <a:br>
+              <a:rPr lang="en-US" sz="1600" dirty="0">
+                <a:solidFill>
+                  <a:schemeClr val="accent6"/>
+                </a:solidFill>
+              </a:rPr>
+            </a:br>
+            <a:r>
+              <a:rPr lang="en-US" sz="1600" dirty="0" smtClean="0">
+                <a:solidFill>
+                  <a:schemeClr val="accent6"/>
+                </a:solidFill>
+              </a:rPr>
+              <a:t/>
+            </a:r>
+            <a:br>
+              <a:rPr lang="en-US" sz="1600" dirty="0" smtClean="0">
+                <a:solidFill>
+                  <a:schemeClr val="accent6"/>
+                </a:solidFill>
+              </a:rPr>
+            </a:br>
+            <a:r>
+              <a:rPr lang="en-US" sz="1600" dirty="0">
+                <a:solidFill>
+                  <a:schemeClr val="accent6"/>
+                </a:solidFill>
+              </a:rPr>
+              <a:t/>
+            </a:r>
+            <a:br>
+              <a:rPr lang="en-US" sz="1600" dirty="0">
+                <a:solidFill>
+                  <a:schemeClr val="accent6"/>
+                </a:solidFill>
+              </a:rPr>
+            </a:br>
+            <a:r>
+              <a:rPr lang="en-US" sz="1600" dirty="0" smtClean="0">
+                <a:solidFill>
+                  <a:schemeClr val="accent6"/>
+                </a:solidFill>
+              </a:rPr>
+              <a:t/>
+            </a:r>
+            <a:br>
+              <a:rPr lang="en-US" sz="1600" dirty="0" smtClean="0">
+                <a:solidFill>
+                  <a:schemeClr val="accent6"/>
+                </a:solidFill>
+              </a:rPr>
+            </a:br>
+            <a:endParaRPr lang="en-US" sz="1600" dirty="0">
               <a:solidFill>
                 <a:schemeClr val="accent6"/>
               </a:solidFill>
@@ -4741,10 +4960,612 @@
           </a:p>
         </p:txBody>
       </p:sp>
+      <p:sp>
+        <p:nvSpPr>
+          <p:cNvPr id="3" name="TextBox 2"/>
+          <p:cNvSpPr txBox="1"/>
+          <p:nvPr/>
+        </p:nvSpPr>
+        <p:spPr>
+          <a:xfrm>
+            <a:off x="304800" y="846138"/>
+            <a:ext cx="8839200" cy="6186309"/>
+          </a:xfrm>
+          <a:prstGeom prst="rect">
+            <a:avLst/>
+          </a:prstGeom>
+          <a:noFill/>
+        </p:spPr>
+        <p:txBody>
+          <a:bodyPr wrap="square" rtlCol="0">
+            <a:spAutoFit/>
+          </a:bodyPr>
+          <a:lstStyle/>
+          <a:p>
+            <a:r>
+              <a:rPr lang="en-US" dirty="0" err="1" smtClean="0">
+                <a:solidFill>
+                  <a:schemeClr val="accent6"/>
+                </a:solidFill>
+              </a:rPr>
+              <a:t>Ansible</a:t>
+            </a:r>
+            <a:r>
+              <a:rPr lang="en-US" dirty="0" smtClean="0">
+                <a:solidFill>
+                  <a:schemeClr val="accent6"/>
+                </a:solidFill>
+              </a:rPr>
+              <a:t> </a:t>
+            </a:r>
+            <a:r>
+              <a:rPr lang="en-US" dirty="0">
+                <a:solidFill>
+                  <a:schemeClr val="accent6"/>
+                </a:solidFill>
+              </a:rPr>
+              <a:t>depends on SSH access to the servers you are managing. </a:t>
+            </a:r>
+            <a:r>
+              <a:rPr lang="en-US" dirty="0" err="1" smtClean="0">
+                <a:solidFill>
+                  <a:schemeClr val="accent6"/>
+                </a:solidFill>
+              </a:rPr>
+              <a:t>Ansible</a:t>
+            </a:r>
+            <a:r>
+              <a:rPr lang="en-US" dirty="0" smtClean="0">
+                <a:solidFill>
+                  <a:schemeClr val="accent6"/>
+                </a:solidFill>
+              </a:rPr>
+              <a:t> </a:t>
+            </a:r>
+            <a:r>
+              <a:rPr lang="en-US" dirty="0">
+                <a:solidFill>
+                  <a:schemeClr val="accent6"/>
+                </a:solidFill>
+              </a:rPr>
+              <a:t>works best when you have SSH public key authentication configured so that you don’t have to use passwords to access your hosts.</a:t>
+            </a:r>
+          </a:p>
+          <a:p>
+            <a:endParaRPr lang="en-US" dirty="0" smtClean="0">
+              <a:solidFill>
+                <a:schemeClr val="accent6"/>
+              </a:solidFill>
+            </a:endParaRPr>
+          </a:p>
+          <a:p>
+            <a:r>
+              <a:rPr lang="en-US" dirty="0" err="1" smtClean="0">
+                <a:solidFill>
+                  <a:schemeClr val="accent6"/>
+                </a:solidFill>
+              </a:rPr>
+              <a:t>Ansible</a:t>
+            </a:r>
+            <a:r>
+              <a:rPr lang="en-US" dirty="0" smtClean="0">
+                <a:solidFill>
+                  <a:schemeClr val="accent6"/>
+                </a:solidFill>
+              </a:rPr>
+              <a:t> </a:t>
+            </a:r>
+            <a:r>
+              <a:rPr lang="en-US" dirty="0">
+                <a:solidFill>
+                  <a:schemeClr val="accent6"/>
+                </a:solidFill>
+              </a:rPr>
+              <a:t>uses an inventory file to determine what hosts to work against. In its simplest form, an inventory file is just a text file containing a list of host names or IP addresses - one on each line. </a:t>
+            </a:r>
+          </a:p>
+          <a:p>
+            <a:endParaRPr lang="en-US" dirty="0" smtClean="0">
+              <a:solidFill>
+                <a:schemeClr val="accent6"/>
+              </a:solidFill>
+            </a:endParaRPr>
+          </a:p>
+          <a:p>
+            <a:r>
+              <a:rPr lang="en-US" dirty="0" smtClean="0">
+                <a:solidFill>
+                  <a:schemeClr val="accent6"/>
+                </a:solidFill>
+              </a:rPr>
+              <a:t>The default location is </a:t>
+            </a:r>
+            <a:r>
+              <a:rPr lang="en-US" dirty="0" smtClean="0">
+                <a:solidFill>
+                  <a:schemeClr val="bg1"/>
+                </a:solidFill>
+              </a:rPr>
+              <a:t>/</a:t>
+            </a:r>
+            <a:r>
+              <a:rPr lang="en-US" dirty="0" err="1" smtClean="0">
+                <a:solidFill>
+                  <a:schemeClr val="bg1"/>
+                </a:solidFill>
+              </a:rPr>
+              <a:t>etc</a:t>
+            </a:r>
+            <a:r>
+              <a:rPr lang="en-US" dirty="0" smtClean="0">
+                <a:solidFill>
+                  <a:schemeClr val="bg1"/>
+                </a:solidFill>
+              </a:rPr>
+              <a:t>/</a:t>
+            </a:r>
+            <a:r>
+              <a:rPr lang="en-US" dirty="0" err="1" smtClean="0">
+                <a:solidFill>
+                  <a:schemeClr val="bg1"/>
+                </a:solidFill>
+              </a:rPr>
+              <a:t>ansible</a:t>
+            </a:r>
+            <a:r>
+              <a:rPr lang="en-US" dirty="0" smtClean="0">
+                <a:solidFill>
+                  <a:schemeClr val="bg1"/>
+                </a:solidFill>
+              </a:rPr>
+              <a:t>/hosts</a:t>
+            </a:r>
+          </a:p>
+          <a:p>
+            <a:endParaRPr lang="en-US" dirty="0">
+              <a:solidFill>
+                <a:schemeClr val="bg1"/>
+              </a:solidFill>
+            </a:endParaRPr>
+          </a:p>
+          <a:p>
+            <a:r>
+              <a:rPr lang="en-US" dirty="0" err="1">
+                <a:solidFill>
+                  <a:schemeClr val="accent6"/>
+                </a:solidFill>
+              </a:rPr>
+              <a:t>Ansible</a:t>
+            </a:r>
+            <a:r>
+              <a:rPr lang="en-US" dirty="0">
+                <a:solidFill>
+                  <a:schemeClr val="accent6"/>
+                </a:solidFill>
+              </a:rPr>
+              <a:t> will attempt to remote connect to the machines using your current user name, just like SSH would. To override the remote user name, just use the ‘</a:t>
+            </a:r>
+            <a:r>
+              <a:rPr lang="en-US" dirty="0">
+                <a:solidFill>
+                  <a:schemeClr val="bg1"/>
+                </a:solidFill>
+              </a:rPr>
+              <a:t>-u</a:t>
+            </a:r>
+            <a:r>
+              <a:rPr lang="en-US" dirty="0">
+                <a:solidFill>
+                  <a:schemeClr val="accent6"/>
+                </a:solidFill>
+              </a:rPr>
+              <a:t>’ parameter.</a:t>
+            </a:r>
+            <a:endParaRPr lang="en-US" dirty="0" smtClean="0">
+              <a:solidFill>
+                <a:schemeClr val="accent6"/>
+              </a:solidFill>
+            </a:endParaRPr>
+          </a:p>
+          <a:p>
+            <a:endParaRPr lang="en-US" dirty="0" smtClean="0">
+              <a:solidFill>
+                <a:schemeClr val="accent6"/>
+              </a:solidFill>
+            </a:endParaRPr>
+          </a:p>
+          <a:p>
+            <a:r>
+              <a:rPr lang="en-US" dirty="0" smtClean="0">
+                <a:solidFill>
+                  <a:srgbClr val="FF0000"/>
+                </a:solidFill>
+              </a:rPr>
+              <a:t>Exercises</a:t>
+            </a:r>
+            <a:r>
+              <a:rPr lang="en-US" dirty="0" smtClean="0">
+                <a:solidFill>
+                  <a:srgbClr val="FF0000"/>
+                </a:solidFill>
+              </a:rPr>
+              <a:t>:</a:t>
+            </a:r>
+          </a:p>
+          <a:p>
+            <a:r>
+              <a:rPr lang="en-US" dirty="0">
+                <a:solidFill>
+                  <a:srgbClr val="FF0000"/>
+                </a:solidFill>
+              </a:rPr>
+              <a:t>	</a:t>
+            </a:r>
+            <a:r>
+              <a:rPr lang="en-US" dirty="0" smtClean="0">
+                <a:solidFill>
+                  <a:schemeClr val="accent6"/>
+                </a:solidFill>
+              </a:rPr>
+              <a:t>0. Add the slave node into</a:t>
+            </a:r>
+            <a:r>
+              <a:rPr lang="en-US" dirty="0" smtClean="0">
+                <a:solidFill>
+                  <a:srgbClr val="FF0000"/>
+                </a:solidFill>
+              </a:rPr>
+              <a:t> </a:t>
+            </a:r>
+            <a:r>
+              <a:rPr lang="en-US" dirty="0" smtClean="0">
+                <a:solidFill>
+                  <a:schemeClr val="bg2"/>
+                </a:solidFill>
+              </a:rPr>
+              <a:t>/</a:t>
+            </a:r>
+            <a:r>
+              <a:rPr lang="en-US" dirty="0" err="1" smtClean="0">
+                <a:solidFill>
+                  <a:schemeClr val="bg2"/>
+                </a:solidFill>
+              </a:rPr>
+              <a:t>etc</a:t>
+            </a:r>
+            <a:r>
+              <a:rPr lang="en-US" dirty="0" smtClean="0">
+                <a:solidFill>
+                  <a:schemeClr val="bg2"/>
+                </a:solidFill>
+              </a:rPr>
+              <a:t>/</a:t>
+            </a:r>
+            <a:r>
+              <a:rPr lang="en-US" dirty="0" err="1" smtClean="0">
+                <a:solidFill>
+                  <a:schemeClr val="bg2"/>
+                </a:solidFill>
+              </a:rPr>
+              <a:t>ansible</a:t>
+            </a:r>
+            <a:r>
+              <a:rPr lang="en-US" dirty="0" smtClean="0">
+                <a:solidFill>
+                  <a:schemeClr val="bg2"/>
+                </a:solidFill>
+              </a:rPr>
+              <a:t>/hosts</a:t>
+            </a:r>
+          </a:p>
+          <a:p>
+            <a:r>
+              <a:rPr lang="en-US" dirty="0" smtClean="0">
+                <a:solidFill>
+                  <a:schemeClr val="accent6"/>
+                </a:solidFill>
+              </a:rPr>
+              <a:t>	1. add ‘</a:t>
+            </a:r>
+            <a:r>
+              <a:rPr lang="en-US" dirty="0" err="1" smtClean="0">
+                <a:solidFill>
+                  <a:schemeClr val="bg1"/>
+                </a:solidFill>
+              </a:rPr>
+              <a:t>ansible</a:t>
+            </a:r>
+            <a:r>
+              <a:rPr lang="en-US" dirty="0" smtClean="0">
+                <a:solidFill>
+                  <a:schemeClr val="accent6"/>
+                </a:solidFill>
+              </a:rPr>
+              <a:t>’ user to the </a:t>
+            </a:r>
+            <a:r>
+              <a:rPr lang="en-US" dirty="0" err="1" smtClean="0">
+                <a:solidFill>
+                  <a:schemeClr val="accent6"/>
+                </a:solidFill>
+              </a:rPr>
+              <a:t>ansible</a:t>
+            </a:r>
+            <a:r>
+              <a:rPr lang="en-US" dirty="0" smtClean="0">
+                <a:solidFill>
+                  <a:schemeClr val="accent6"/>
+                </a:solidFill>
+              </a:rPr>
+              <a:t> server as </a:t>
+            </a:r>
+            <a:r>
+              <a:rPr lang="en-US" dirty="0" err="1" smtClean="0">
+                <a:solidFill>
+                  <a:schemeClr val="bg1"/>
+                </a:solidFill>
+              </a:rPr>
+              <a:t>sudo</a:t>
+            </a:r>
+            <a:r>
+              <a:rPr lang="en-US" dirty="0" smtClean="0">
+                <a:solidFill>
+                  <a:schemeClr val="accent6"/>
+                </a:solidFill>
+              </a:rPr>
+              <a:t>. Generate </a:t>
+            </a:r>
+            <a:r>
+              <a:rPr lang="en-US" dirty="0" err="1" smtClean="0">
+                <a:solidFill>
+                  <a:schemeClr val="bg1"/>
+                </a:solidFill>
+              </a:rPr>
+              <a:t>ssh</a:t>
+            </a:r>
+            <a:r>
+              <a:rPr lang="en-US" dirty="0" smtClean="0">
+                <a:solidFill>
+                  <a:schemeClr val="bg1"/>
+                </a:solidFill>
+              </a:rPr>
+              <a:t>-keys</a:t>
+            </a:r>
+            <a:r>
+              <a:rPr lang="en-US" dirty="0" smtClean="0">
+                <a:solidFill>
+                  <a:schemeClr val="accent6"/>
+                </a:solidFill>
+              </a:rPr>
+              <a:t> for him, set its password to ‘</a:t>
+            </a:r>
+            <a:r>
+              <a:rPr lang="en-US" dirty="0" err="1" smtClean="0">
+                <a:solidFill>
+                  <a:schemeClr val="bg1"/>
+                </a:solidFill>
+              </a:rPr>
+              <a:t>linuxacademy</a:t>
+            </a:r>
+            <a:r>
+              <a:rPr lang="en-US" dirty="0" smtClean="0">
+                <a:solidFill>
+                  <a:schemeClr val="accent6"/>
+                </a:solidFill>
+              </a:rPr>
+              <a:t>’</a:t>
+            </a:r>
+          </a:p>
+          <a:p>
+            <a:r>
+              <a:rPr lang="en-US" dirty="0" smtClean="0">
+                <a:solidFill>
+                  <a:schemeClr val="accent6"/>
+                </a:solidFill>
+              </a:rPr>
+              <a:t>	2. add ‘</a:t>
+            </a:r>
+            <a:r>
+              <a:rPr lang="en-US" dirty="0" err="1" smtClean="0">
+                <a:solidFill>
+                  <a:schemeClr val="bg1"/>
+                </a:solidFill>
+              </a:rPr>
+              <a:t>ansible</a:t>
+            </a:r>
+            <a:r>
+              <a:rPr lang="en-US" dirty="0" smtClean="0">
+                <a:solidFill>
+                  <a:schemeClr val="accent6"/>
+                </a:solidFill>
+              </a:rPr>
+              <a:t>’ user to the </a:t>
+            </a:r>
+            <a:r>
+              <a:rPr lang="en-US" dirty="0" err="1" smtClean="0">
+                <a:solidFill>
+                  <a:schemeClr val="accent6"/>
+                </a:solidFill>
+              </a:rPr>
+              <a:t>ansible</a:t>
+            </a:r>
+            <a:r>
+              <a:rPr lang="en-US" dirty="0" smtClean="0">
+                <a:solidFill>
+                  <a:schemeClr val="accent6"/>
+                </a:solidFill>
+              </a:rPr>
+              <a:t> slave node. Repeat the password.</a:t>
+            </a:r>
+          </a:p>
+          <a:p>
+            <a:r>
+              <a:rPr lang="en-US" dirty="0" smtClean="0">
+                <a:solidFill>
+                  <a:schemeClr val="accent6"/>
+                </a:solidFill>
+              </a:rPr>
+              <a:t>	3. </a:t>
+            </a:r>
+            <a:r>
+              <a:rPr lang="en-US" dirty="0" err="1" smtClean="0">
+                <a:solidFill>
+                  <a:schemeClr val="bg1"/>
+                </a:solidFill>
+              </a:rPr>
+              <a:t>ansible</a:t>
+            </a:r>
+            <a:r>
+              <a:rPr lang="en-US" dirty="0" smtClean="0">
+                <a:solidFill>
+                  <a:schemeClr val="bg1"/>
+                </a:solidFill>
+              </a:rPr>
+              <a:t> all –m ping</a:t>
+            </a:r>
+          </a:p>
+          <a:p>
+            <a:r>
+              <a:rPr lang="en-US" dirty="0">
+                <a:solidFill>
+                  <a:schemeClr val="bg1"/>
+                </a:solidFill>
+              </a:rPr>
+              <a:t>	</a:t>
+            </a:r>
+            <a:r>
+              <a:rPr lang="en-US" dirty="0" smtClean="0">
+                <a:solidFill>
+                  <a:schemeClr val="accent6"/>
+                </a:solidFill>
+              </a:rPr>
+              <a:t>4</a:t>
+            </a:r>
+            <a:r>
+              <a:rPr lang="en-US" dirty="0" smtClean="0">
+                <a:solidFill>
+                  <a:schemeClr val="bg1"/>
+                </a:solidFill>
+              </a:rPr>
+              <a:t>. </a:t>
+            </a:r>
+            <a:r>
+              <a:rPr lang="en-US" dirty="0" err="1" smtClean="0">
+                <a:solidFill>
+                  <a:schemeClr val="bg1"/>
+                </a:solidFill>
+              </a:rPr>
+              <a:t>ansible</a:t>
+            </a:r>
+            <a:r>
+              <a:rPr lang="en-US" dirty="0" smtClean="0">
+                <a:solidFill>
+                  <a:schemeClr val="bg1"/>
+                </a:solidFill>
+              </a:rPr>
+              <a:t> </a:t>
+            </a:r>
+            <a:r>
+              <a:rPr lang="en-US" dirty="0">
+                <a:solidFill>
+                  <a:schemeClr val="bg1"/>
+                </a:solidFill>
+              </a:rPr>
+              <a:t>all -m ping -u </a:t>
+            </a:r>
+            <a:r>
+              <a:rPr lang="en-US" dirty="0" err="1">
+                <a:solidFill>
+                  <a:schemeClr val="bg1"/>
+                </a:solidFill>
+              </a:rPr>
+              <a:t>ansible</a:t>
+            </a:r>
+            <a:r>
+              <a:rPr lang="en-US" dirty="0">
+                <a:solidFill>
+                  <a:schemeClr val="bg1"/>
+                </a:solidFill>
+              </a:rPr>
+              <a:t> --ask-pass</a:t>
+            </a:r>
+            <a:endParaRPr lang="en-US" dirty="0" smtClean="0">
+              <a:solidFill>
+                <a:schemeClr val="bg1"/>
+              </a:solidFill>
+            </a:endParaRPr>
+          </a:p>
+          <a:p>
+            <a:r>
+              <a:rPr lang="en-US" dirty="0">
+                <a:solidFill>
+                  <a:schemeClr val="bg1"/>
+                </a:solidFill>
+              </a:rPr>
+              <a:t>	</a:t>
+            </a:r>
+            <a:r>
+              <a:rPr lang="en-US" dirty="0" smtClean="0">
+                <a:solidFill>
+                  <a:schemeClr val="accent6"/>
+                </a:solidFill>
+              </a:rPr>
+              <a:t>5. Google search about </a:t>
+            </a:r>
+            <a:r>
+              <a:rPr lang="en-US" dirty="0" err="1" smtClean="0">
+                <a:solidFill>
+                  <a:schemeClr val="accent6"/>
+                </a:solidFill>
+              </a:rPr>
+              <a:t>Ansible</a:t>
+            </a:r>
+            <a:r>
+              <a:rPr lang="en-US" dirty="0" smtClean="0">
+                <a:solidFill>
+                  <a:schemeClr val="accent6"/>
+                </a:solidFill>
+              </a:rPr>
+              <a:t> modules.</a:t>
+            </a:r>
+          </a:p>
+          <a:p>
+            <a:r>
+              <a:rPr lang="en-US" dirty="0">
+                <a:solidFill>
+                  <a:schemeClr val="accent6"/>
+                </a:solidFill>
+              </a:rPr>
+              <a:t>	</a:t>
+            </a:r>
+            <a:r>
+              <a:rPr lang="en-US" dirty="0" smtClean="0">
+                <a:solidFill>
+                  <a:schemeClr val="accent6"/>
+                </a:solidFill>
+              </a:rPr>
+              <a:t>6. Discussion between 3 and 4</a:t>
+            </a:r>
+            <a:r>
+              <a:rPr lang="en-US" dirty="0" smtClean="0">
+                <a:solidFill>
+                  <a:schemeClr val="accent6"/>
+                </a:solidFill>
+              </a:rPr>
+              <a:t>.</a:t>
+            </a:r>
+            <a:endParaRPr lang="en-US" dirty="0">
+              <a:solidFill>
+                <a:schemeClr val="accent6"/>
+              </a:solidFill>
+            </a:endParaRPr>
+          </a:p>
+        </p:txBody>
+      </p:sp>
     </p:spTree>
     <p:extLst>
       <p:ext uri="{BB962C8B-B14F-4D97-AF65-F5344CB8AC3E}">
-        <p14:creationId xmlns:p14="http://schemas.microsoft.com/office/powerpoint/2010/main" val="2714741044"/>
+        <p14:creationId xmlns:p14="http://schemas.microsoft.com/office/powerpoint/2010/main" val="189524524"/>
       </p:ext>
     </p:extLst>
   </p:cSld>
@@ -4781,7 +5602,12 @@
             <p:ph type="title"/>
           </p:nvPr>
         </p:nvSpPr>
-        <p:spPr/>
+        <p:spPr>
+          <a:xfrm>
+            <a:off x="457200" y="762000"/>
+            <a:ext cx="8229600" cy="2590800"/>
+          </a:xfrm>
+        </p:spPr>
         <p:txBody>
           <a:bodyPr>
             <a:normAutofit fontScale="90000"/>
@@ -4789,561 +5615,410 @@
           <a:lstStyle/>
           <a:p>
             <a:r>
-              <a:rPr lang="en-US" sz="1600" dirty="0" smtClean="0">
-                <a:solidFill>
-                  <a:schemeClr val="accent6"/>
-                </a:solidFill>
-              </a:rPr>
-              <a:t/>
-            </a:r>
-            <a:br>
-              <a:rPr lang="en-US" sz="1600" dirty="0" smtClean="0">
-                <a:solidFill>
-                  <a:schemeClr val="accent6"/>
-                </a:solidFill>
-              </a:rPr>
-            </a:br>
-            <a:r>
-              <a:rPr lang="en-US" sz="1600" dirty="0">
-                <a:solidFill>
-                  <a:schemeClr val="accent6"/>
-                </a:solidFill>
-              </a:rPr>
-              <a:t/>
-            </a:r>
-            <a:br>
-              <a:rPr lang="en-US" sz="1600" dirty="0">
-                <a:solidFill>
-                  <a:schemeClr val="accent6"/>
-                </a:solidFill>
-              </a:rPr>
-            </a:br>
-            <a:r>
-              <a:rPr lang="en-US" sz="1600" dirty="0" smtClean="0">
-                <a:solidFill>
-                  <a:schemeClr val="accent6"/>
-                </a:solidFill>
-              </a:rPr>
-              <a:t/>
-            </a:r>
-            <a:br>
-              <a:rPr lang="en-US" sz="1600" dirty="0" smtClean="0">
-                <a:solidFill>
-                  <a:schemeClr val="accent6"/>
-                </a:solidFill>
-              </a:rPr>
-            </a:br>
-            <a:r>
-              <a:rPr lang="en-US" sz="1600" dirty="0">
-                <a:solidFill>
-                  <a:schemeClr val="accent6"/>
-                </a:solidFill>
-              </a:rPr>
-              <a:t/>
-            </a:r>
-            <a:br>
-              <a:rPr lang="en-US" sz="1600" dirty="0">
-                <a:solidFill>
-                  <a:schemeClr val="accent6"/>
-                </a:solidFill>
-              </a:rPr>
-            </a:br>
-            <a:r>
-              <a:rPr lang="en-US" sz="1600" dirty="0" smtClean="0">
-                <a:solidFill>
-                  <a:schemeClr val="accent6"/>
-                </a:solidFill>
-              </a:rPr>
-              <a:t/>
-            </a:r>
-            <a:br>
-              <a:rPr lang="en-US" sz="1600" dirty="0" smtClean="0">
-                <a:solidFill>
-                  <a:schemeClr val="accent6"/>
-                </a:solidFill>
-              </a:rPr>
-            </a:br>
-            <a:r>
-              <a:rPr lang="en-US" sz="1600" dirty="0">
-                <a:solidFill>
-                  <a:schemeClr val="accent6"/>
-                </a:solidFill>
-              </a:rPr>
-              <a:t/>
-            </a:r>
-            <a:br>
-              <a:rPr lang="en-US" sz="1600" dirty="0">
-                <a:solidFill>
-                  <a:schemeClr val="accent6"/>
-                </a:solidFill>
-              </a:rPr>
-            </a:br>
-            <a:r>
-              <a:rPr lang="en-US" sz="1600" dirty="0" smtClean="0">
-                <a:solidFill>
-                  <a:schemeClr val="accent6"/>
-                </a:solidFill>
-              </a:rPr>
-              <a:t/>
-            </a:r>
-            <a:br>
-              <a:rPr lang="en-US" sz="1600" dirty="0" smtClean="0">
-                <a:solidFill>
-                  <a:schemeClr val="accent6"/>
-                </a:solidFill>
-              </a:rPr>
-            </a:br>
-            <a:r>
-              <a:rPr lang="en-US" sz="1600" dirty="0">
-                <a:solidFill>
-                  <a:schemeClr val="accent6"/>
-                </a:solidFill>
-              </a:rPr>
-              <a:t/>
-            </a:r>
-            <a:br>
-              <a:rPr lang="en-US" sz="1600" dirty="0">
-                <a:solidFill>
-                  <a:schemeClr val="accent6"/>
-                </a:solidFill>
-              </a:rPr>
-            </a:br>
-            <a:r>
-              <a:rPr lang="en-US" sz="1600" dirty="0" smtClean="0">
-                <a:solidFill>
-                  <a:schemeClr val="accent6"/>
-                </a:solidFill>
-              </a:rPr>
-              <a:t/>
-            </a:r>
-            <a:br>
-              <a:rPr lang="en-US" sz="1600" dirty="0" smtClean="0">
-                <a:solidFill>
-                  <a:schemeClr val="accent6"/>
-                </a:solidFill>
-              </a:rPr>
-            </a:br>
-            <a:r>
-              <a:rPr lang="en-US" sz="1600" dirty="0">
-                <a:solidFill>
-                  <a:schemeClr val="accent6"/>
-                </a:solidFill>
-              </a:rPr>
-              <a:t/>
-            </a:r>
-            <a:br>
-              <a:rPr lang="en-US" sz="1600" dirty="0">
-                <a:solidFill>
-                  <a:schemeClr val="accent6"/>
-                </a:solidFill>
-              </a:rPr>
-            </a:br>
-            <a:r>
-              <a:rPr lang="en-US" sz="1600" dirty="0" smtClean="0">
-                <a:solidFill>
-                  <a:schemeClr val="accent6"/>
-                </a:solidFill>
-              </a:rPr>
-              <a:t/>
-            </a:r>
-            <a:br>
-              <a:rPr lang="en-US" sz="1600" dirty="0" smtClean="0">
-                <a:solidFill>
-                  <a:schemeClr val="accent6"/>
-                </a:solidFill>
-              </a:rPr>
-            </a:br>
-            <a:r>
-              <a:rPr lang="en-US" sz="1600" dirty="0">
-                <a:solidFill>
-                  <a:schemeClr val="accent6"/>
-                </a:solidFill>
-              </a:rPr>
-              <a:t/>
-            </a:r>
-            <a:br>
-              <a:rPr lang="en-US" sz="1600" dirty="0">
-                <a:solidFill>
-                  <a:schemeClr val="accent6"/>
-                </a:solidFill>
-              </a:rPr>
-            </a:br>
-            <a:r>
-              <a:rPr lang="en-US" sz="1600" dirty="0" smtClean="0">
-                <a:solidFill>
-                  <a:schemeClr val="accent6"/>
-                </a:solidFill>
-              </a:rPr>
-              <a:t/>
-            </a:r>
-            <a:br>
-              <a:rPr lang="en-US" sz="1600" dirty="0" smtClean="0">
-                <a:solidFill>
-                  <a:schemeClr val="accent6"/>
-                </a:solidFill>
-              </a:rPr>
-            </a:br>
-            <a:r>
-              <a:rPr lang="en-US" sz="1600" dirty="0">
-                <a:solidFill>
-                  <a:schemeClr val="accent6"/>
-                </a:solidFill>
-              </a:rPr>
-              <a:t/>
-            </a:r>
-            <a:br>
-              <a:rPr lang="en-US" sz="1600" dirty="0">
-                <a:solidFill>
-                  <a:schemeClr val="accent6"/>
-                </a:solidFill>
-              </a:rPr>
-            </a:br>
-            <a:r>
-              <a:rPr lang="en-US" sz="1600" dirty="0" smtClean="0">
-                <a:solidFill>
-                  <a:schemeClr val="accent6"/>
-                </a:solidFill>
-              </a:rPr>
-              <a:t/>
-            </a:r>
-            <a:br>
-              <a:rPr lang="en-US" sz="1600" dirty="0" smtClean="0">
-                <a:solidFill>
-                  <a:schemeClr val="accent6"/>
-                </a:solidFill>
-              </a:rPr>
-            </a:br>
-            <a:r>
-              <a:rPr lang="en-US" sz="1600" dirty="0">
-                <a:solidFill>
-                  <a:schemeClr val="accent6"/>
-                </a:solidFill>
-              </a:rPr>
-              <a:t/>
-            </a:r>
-            <a:br>
-              <a:rPr lang="en-US" sz="1600" dirty="0">
-                <a:solidFill>
-                  <a:schemeClr val="accent6"/>
-                </a:solidFill>
-              </a:rPr>
-            </a:br>
-            <a:r>
-              <a:rPr lang="en-US" sz="1600" dirty="0" smtClean="0">
-                <a:solidFill>
-                  <a:schemeClr val="accent6"/>
-                </a:solidFill>
-              </a:rPr>
-              <a:t/>
-            </a:r>
-            <a:br>
-              <a:rPr lang="en-US" sz="1600" dirty="0" smtClean="0">
-                <a:solidFill>
-                  <a:schemeClr val="accent6"/>
-                </a:solidFill>
-              </a:rPr>
-            </a:br>
-            <a:r>
-              <a:rPr lang="en-US" sz="1600" dirty="0">
-                <a:solidFill>
-                  <a:schemeClr val="accent6"/>
-                </a:solidFill>
-              </a:rPr>
-              <a:t/>
-            </a:r>
-            <a:br>
-              <a:rPr lang="en-US" sz="1600" dirty="0">
-                <a:solidFill>
-                  <a:schemeClr val="accent6"/>
-                </a:solidFill>
-              </a:rPr>
-            </a:br>
-            <a:r>
-              <a:rPr lang="en-US" sz="1600" dirty="0" smtClean="0">
-                <a:solidFill>
-                  <a:schemeClr val="accent6"/>
-                </a:solidFill>
-              </a:rPr>
-              <a:t/>
-            </a:r>
-            <a:br>
-              <a:rPr lang="en-US" sz="1600" dirty="0" smtClean="0">
-                <a:solidFill>
-                  <a:schemeClr val="accent6"/>
-                </a:solidFill>
-              </a:rPr>
-            </a:br>
-            <a:r>
-              <a:rPr lang="en-US" sz="1600" dirty="0">
-                <a:solidFill>
-                  <a:schemeClr val="accent6"/>
-                </a:solidFill>
-              </a:rPr>
-              <a:t/>
-            </a:r>
-            <a:br>
-              <a:rPr lang="en-US" sz="1600" dirty="0">
-                <a:solidFill>
-                  <a:schemeClr val="accent6"/>
-                </a:solidFill>
-              </a:rPr>
-            </a:br>
-            <a:r>
-              <a:rPr lang="en-US" sz="1600" dirty="0" smtClean="0">
-                <a:solidFill>
-                  <a:schemeClr val="accent6"/>
-                </a:solidFill>
-              </a:rPr>
-              <a:t/>
-            </a:r>
-            <a:br>
-              <a:rPr lang="en-US" sz="1600" dirty="0" smtClean="0">
-                <a:solidFill>
-                  <a:schemeClr val="accent6"/>
-                </a:solidFill>
-              </a:rPr>
-            </a:br>
-            <a:r>
-              <a:rPr lang="en-US" sz="1600" dirty="0">
-                <a:solidFill>
-                  <a:schemeClr val="accent6"/>
-                </a:solidFill>
-              </a:rPr>
-              <a:t/>
-            </a:r>
-            <a:br>
-              <a:rPr lang="en-US" sz="1600" dirty="0">
-                <a:solidFill>
-                  <a:schemeClr val="accent6"/>
-                </a:solidFill>
-              </a:rPr>
-            </a:br>
-            <a:r>
-              <a:rPr lang="en-US" sz="1600" dirty="0" smtClean="0">
-                <a:solidFill>
-                  <a:schemeClr val="accent6"/>
-                </a:solidFill>
-              </a:rPr>
-              <a:t/>
-            </a:r>
-            <a:br>
-              <a:rPr lang="en-US" sz="1600" dirty="0" smtClean="0">
-                <a:solidFill>
-                  <a:schemeClr val="accent6"/>
-                </a:solidFill>
-              </a:rPr>
-            </a:br>
-            <a:r>
-              <a:rPr lang="en-US" sz="1600" dirty="0">
-                <a:solidFill>
-                  <a:schemeClr val="accent6"/>
-                </a:solidFill>
-              </a:rPr>
-              <a:t/>
-            </a:r>
-            <a:br>
-              <a:rPr lang="en-US" sz="1600" dirty="0">
-                <a:solidFill>
-                  <a:schemeClr val="accent6"/>
-                </a:solidFill>
-              </a:rPr>
-            </a:br>
-            <a:r>
-              <a:rPr lang="en-US" sz="1600" dirty="0" smtClean="0">
-                <a:solidFill>
-                  <a:schemeClr val="accent6"/>
-                </a:solidFill>
-              </a:rPr>
-              <a:t/>
-            </a:r>
-            <a:br>
-              <a:rPr lang="en-US" sz="1600" dirty="0" smtClean="0">
-                <a:solidFill>
-                  <a:schemeClr val="accent6"/>
-                </a:solidFill>
-              </a:rPr>
-            </a:br>
-            <a:r>
-              <a:rPr lang="en-US" sz="1600" dirty="0">
-                <a:solidFill>
-                  <a:schemeClr val="accent6"/>
-                </a:solidFill>
-              </a:rPr>
-              <a:t/>
-            </a:r>
-            <a:br>
-              <a:rPr lang="en-US" sz="1600" dirty="0">
-                <a:solidFill>
-                  <a:schemeClr val="accent6"/>
-                </a:solidFill>
-              </a:rPr>
-            </a:br>
-            <a:r>
-              <a:rPr lang="en-US" sz="1600" dirty="0" smtClean="0">
-                <a:solidFill>
-                  <a:schemeClr val="accent6"/>
-                </a:solidFill>
-              </a:rPr>
-              <a:t/>
-            </a:r>
-            <a:br>
-              <a:rPr lang="en-US" sz="1600" dirty="0" smtClean="0">
-                <a:solidFill>
-                  <a:schemeClr val="accent6"/>
-                </a:solidFill>
-              </a:rPr>
-            </a:br>
-            <a:r>
-              <a:rPr lang="en-US" sz="1600" dirty="0">
-                <a:solidFill>
-                  <a:schemeClr val="accent6"/>
-                </a:solidFill>
-              </a:rPr>
-              <a:t/>
-            </a:r>
-            <a:br>
-              <a:rPr lang="en-US" sz="1600" dirty="0">
-                <a:solidFill>
-                  <a:schemeClr val="accent6"/>
-                </a:solidFill>
-              </a:rPr>
-            </a:br>
-            <a:r>
-              <a:rPr lang="en-US" sz="1600" dirty="0" smtClean="0">
-                <a:solidFill>
-                  <a:schemeClr val="accent6"/>
-                </a:solidFill>
-              </a:rPr>
-              <a:t/>
-            </a:r>
-            <a:br>
-              <a:rPr lang="en-US" sz="1600" dirty="0" smtClean="0">
-                <a:solidFill>
-                  <a:schemeClr val="accent6"/>
-                </a:solidFill>
-              </a:rPr>
-            </a:br>
-            <a:r>
-              <a:rPr lang="en-US" sz="1600" dirty="0">
-                <a:solidFill>
-                  <a:schemeClr val="accent6"/>
-                </a:solidFill>
-              </a:rPr>
-              <a:t/>
-            </a:r>
-            <a:br>
-              <a:rPr lang="en-US" sz="1600" dirty="0">
-                <a:solidFill>
-                  <a:schemeClr val="accent6"/>
-                </a:solidFill>
-              </a:rPr>
-            </a:br>
-            <a:r>
-              <a:rPr lang="en-US" sz="1600" dirty="0" smtClean="0">
-                <a:solidFill>
-                  <a:schemeClr val="accent6"/>
-                </a:solidFill>
-              </a:rPr>
-              <a:t/>
-            </a:r>
-            <a:br>
-              <a:rPr lang="en-US" sz="1600" dirty="0" smtClean="0">
-                <a:solidFill>
-                  <a:schemeClr val="accent6"/>
-                </a:solidFill>
-              </a:rPr>
-            </a:br>
-            <a:r>
-              <a:rPr lang="en-US" sz="1600" dirty="0" smtClean="0">
-                <a:solidFill>
-                  <a:schemeClr val="accent6"/>
-                </a:solidFill>
-              </a:rPr>
-              <a:t/>
-            </a:r>
-            <a:br>
-              <a:rPr lang="en-US" sz="1600" dirty="0" smtClean="0">
-                <a:solidFill>
-                  <a:schemeClr val="accent6"/>
-                </a:solidFill>
-              </a:rPr>
-            </a:br>
-            <a:r>
-              <a:rPr lang="en-US" sz="1600" dirty="0" smtClean="0">
-                <a:solidFill>
-                  <a:schemeClr val="accent6"/>
-                </a:solidFill>
-              </a:rPr>
-              <a:t/>
-            </a:r>
-            <a:br>
-              <a:rPr lang="en-US" sz="1600" dirty="0" smtClean="0">
-                <a:solidFill>
-                  <a:schemeClr val="accent6"/>
-                </a:solidFill>
-              </a:rPr>
-            </a:br>
-            <a:r>
-              <a:rPr lang="en-US" sz="1600" dirty="0">
-                <a:solidFill>
-                  <a:schemeClr val="accent6"/>
-                </a:solidFill>
-              </a:rPr>
-              <a:t/>
-            </a:r>
-            <a:br>
-              <a:rPr lang="en-US" sz="1600" dirty="0">
-                <a:solidFill>
-                  <a:schemeClr val="accent6"/>
-                </a:solidFill>
-              </a:rPr>
-            </a:br>
-            <a:r>
-              <a:rPr lang="en-US" sz="1600" dirty="0" smtClean="0">
-                <a:solidFill>
-                  <a:schemeClr val="accent6"/>
-                </a:solidFill>
-              </a:rPr>
-              <a:t/>
-            </a:r>
-            <a:br>
-              <a:rPr lang="en-US" sz="1600" dirty="0" smtClean="0">
-                <a:solidFill>
-                  <a:schemeClr val="accent6"/>
-                </a:solidFill>
-              </a:rPr>
-            </a:br>
-            <a:r>
-              <a:rPr lang="en-US" sz="1600" dirty="0">
-                <a:solidFill>
-                  <a:schemeClr val="accent6"/>
-                </a:solidFill>
-              </a:rPr>
-              <a:t/>
-            </a:r>
-            <a:br>
-              <a:rPr lang="en-US" sz="1600" dirty="0">
-                <a:solidFill>
-                  <a:schemeClr val="accent6"/>
-                </a:solidFill>
-              </a:rPr>
-            </a:br>
-            <a:r>
-              <a:rPr lang="en-US" sz="1600" dirty="0" smtClean="0">
-                <a:solidFill>
-                  <a:schemeClr val="accent6"/>
-                </a:solidFill>
-              </a:rPr>
-              <a:t/>
-            </a:r>
-            <a:br>
-              <a:rPr lang="en-US" sz="1600" dirty="0" smtClean="0">
-                <a:solidFill>
-                  <a:schemeClr val="accent6"/>
-                </a:solidFill>
-              </a:rPr>
-            </a:br>
-            <a:endParaRPr lang="en-US" sz="1600" dirty="0">
+              <a:rPr lang="en-US" dirty="0" smtClean="0">
+                <a:solidFill>
+                  <a:schemeClr val="accent6"/>
+                </a:solidFill>
+              </a:rPr>
+              <a:t/>
+            </a:r>
+            <a:br>
+              <a:rPr lang="en-US" dirty="0" smtClean="0">
+                <a:solidFill>
+                  <a:schemeClr val="accent6"/>
+                </a:solidFill>
+              </a:rPr>
+            </a:br>
+            <a:r>
+              <a:rPr lang="en-US" dirty="0">
+                <a:solidFill>
+                  <a:schemeClr val="accent6"/>
+                </a:solidFill>
+              </a:rPr>
+              <a:t/>
+            </a:r>
+            <a:br>
+              <a:rPr lang="en-US" dirty="0">
+                <a:solidFill>
+                  <a:schemeClr val="accent6"/>
+                </a:solidFill>
+              </a:rPr>
+            </a:br>
+            <a:r>
+              <a:rPr lang="en-US" dirty="0" smtClean="0">
+                <a:solidFill>
+                  <a:schemeClr val="accent6"/>
+                </a:solidFill>
+              </a:rPr>
+              <a:t/>
+            </a:r>
+            <a:br>
+              <a:rPr lang="en-US" dirty="0" smtClean="0">
+                <a:solidFill>
+                  <a:schemeClr val="accent6"/>
+                </a:solidFill>
+              </a:rPr>
+            </a:br>
+            <a:r>
+              <a:rPr lang="en-US" sz="2000" dirty="0">
+                <a:solidFill>
+                  <a:schemeClr val="accent6"/>
+                </a:solidFill>
+              </a:rPr>
+              <a:t/>
+            </a:r>
+            <a:br>
+              <a:rPr lang="en-US" sz="2000" dirty="0">
+                <a:solidFill>
+                  <a:schemeClr val="accent6"/>
+                </a:solidFill>
+              </a:rPr>
+            </a:br>
+            <a:r>
+              <a:rPr lang="en-US" sz="2000" dirty="0" smtClean="0">
+                <a:solidFill>
+                  <a:schemeClr val="accent6"/>
+                </a:solidFill>
+              </a:rPr>
+              <a:t>Running a live command on all nodes</a:t>
+            </a:r>
+            <a:r>
+              <a:rPr lang="en-US" sz="2000" dirty="0">
+                <a:solidFill>
+                  <a:schemeClr val="accent6"/>
+                </a:solidFill>
+              </a:rPr>
+              <a:t/>
+            </a:r>
+            <a:br>
+              <a:rPr lang="en-US" sz="2000" dirty="0">
+                <a:solidFill>
+                  <a:schemeClr val="accent6"/>
+                </a:solidFill>
+              </a:rPr>
+            </a:br>
+            <a:r>
+              <a:rPr lang="en-US" sz="2000" dirty="0">
+                <a:solidFill>
+                  <a:srgbClr val="FF0000"/>
+                </a:solidFill>
+              </a:rPr>
+              <a:t>Exercises:</a:t>
+            </a:r>
+            <a:r>
+              <a:rPr lang="en-US" sz="2000" dirty="0">
+                <a:solidFill>
+                  <a:schemeClr val="accent6"/>
+                </a:solidFill>
+              </a:rPr>
+              <a:t/>
+            </a:r>
+            <a:br>
+              <a:rPr lang="en-US" sz="2000" dirty="0">
+                <a:solidFill>
+                  <a:schemeClr val="accent6"/>
+                </a:solidFill>
+              </a:rPr>
+            </a:br>
+            <a:r>
+              <a:rPr lang="en-US" sz="2000" dirty="0" err="1" smtClean="0">
+                <a:solidFill>
+                  <a:schemeClr val="bg1"/>
+                </a:solidFill>
+              </a:rPr>
+              <a:t>ansible</a:t>
+            </a:r>
+            <a:r>
+              <a:rPr lang="en-US" sz="2000" dirty="0" smtClean="0">
+                <a:solidFill>
+                  <a:schemeClr val="bg1"/>
+                </a:solidFill>
+              </a:rPr>
+              <a:t> </a:t>
+            </a:r>
+            <a:r>
+              <a:rPr lang="en-US" sz="2000" dirty="0">
+                <a:solidFill>
+                  <a:schemeClr val="bg1"/>
+                </a:solidFill>
+              </a:rPr>
+              <a:t>all -a "/bin/echo </a:t>
+            </a:r>
+            <a:r>
+              <a:rPr lang="en-US" sz="2000" dirty="0" smtClean="0">
+                <a:solidFill>
+                  <a:schemeClr val="bg1"/>
+                </a:solidFill>
+              </a:rPr>
+              <a:t>hello“</a:t>
+            </a:r>
+            <a:br>
+              <a:rPr lang="en-US" sz="2000" dirty="0" smtClean="0">
+                <a:solidFill>
+                  <a:schemeClr val="bg1"/>
+                </a:solidFill>
+              </a:rPr>
+            </a:br>
+            <a:r>
+              <a:rPr lang="en-US" sz="2000" dirty="0" err="1" smtClean="0">
+                <a:solidFill>
+                  <a:schemeClr val="bg1"/>
+                </a:solidFill>
+              </a:rPr>
+              <a:t>ansible</a:t>
+            </a:r>
+            <a:r>
+              <a:rPr lang="en-US" sz="2000" dirty="0" smtClean="0">
+                <a:solidFill>
+                  <a:schemeClr val="bg1"/>
+                </a:solidFill>
+              </a:rPr>
+              <a:t> all -a “</a:t>
+            </a:r>
+            <a:r>
+              <a:rPr lang="en-US" sz="2000" dirty="0" err="1" smtClean="0">
+                <a:solidFill>
+                  <a:schemeClr val="bg1"/>
+                </a:solidFill>
+              </a:rPr>
+              <a:t>df</a:t>
+            </a:r>
+            <a:r>
+              <a:rPr lang="en-US" sz="2000" dirty="0" smtClean="0">
+                <a:solidFill>
+                  <a:schemeClr val="bg1"/>
+                </a:solidFill>
+              </a:rPr>
+              <a:t> –</a:t>
+            </a:r>
+            <a:r>
+              <a:rPr lang="en-US" sz="2000" dirty="0" err="1" smtClean="0">
+                <a:solidFill>
+                  <a:schemeClr val="bg1"/>
+                </a:solidFill>
+              </a:rPr>
+              <a:t>hT</a:t>
+            </a:r>
+            <a:r>
+              <a:rPr lang="en-US" sz="2000" dirty="0" smtClean="0">
+                <a:solidFill>
+                  <a:schemeClr val="bg1"/>
+                </a:solidFill>
+              </a:rPr>
+              <a:t>”</a:t>
+            </a:r>
+            <a:r>
+              <a:rPr lang="en-US" sz="2000" dirty="0" smtClean="0">
+                <a:solidFill>
+                  <a:schemeClr val="bg1"/>
+                </a:solidFill>
+              </a:rPr>
+              <a:t/>
+            </a:r>
+            <a:br>
+              <a:rPr lang="en-US" sz="2000" dirty="0" smtClean="0">
+                <a:solidFill>
+                  <a:schemeClr val="bg1"/>
+                </a:solidFill>
+              </a:rPr>
+            </a:br>
+            <a:r>
+              <a:rPr lang="en-US" sz="2000" dirty="0">
+                <a:solidFill>
+                  <a:schemeClr val="bg1"/>
+                </a:solidFill>
+              </a:rPr>
+              <a:t/>
+            </a:r>
+            <a:br>
+              <a:rPr lang="en-US" sz="2000" dirty="0">
+                <a:solidFill>
+                  <a:schemeClr val="bg1"/>
+                </a:solidFill>
+              </a:rPr>
+            </a:br>
+            <a:r>
+              <a:rPr lang="en-US" sz="2000" dirty="0" smtClean="0">
+                <a:solidFill>
+                  <a:schemeClr val="accent6"/>
+                </a:solidFill>
+              </a:rPr>
+              <a:t>Did you see, we could get information about our nodes without loosing time to login and check, so great ! </a:t>
+            </a:r>
+            <a:br>
+              <a:rPr lang="en-US" sz="2000" dirty="0" smtClean="0">
+                <a:solidFill>
+                  <a:schemeClr val="accent6"/>
+                </a:solidFill>
+              </a:rPr>
+            </a:br>
+            <a:r>
+              <a:rPr lang="en-US" sz="2000" dirty="0">
+                <a:solidFill>
+                  <a:schemeClr val="accent6"/>
+                </a:solidFill>
+              </a:rPr>
+              <a:t/>
+            </a:r>
+            <a:br>
+              <a:rPr lang="en-US" sz="2000" dirty="0">
+                <a:solidFill>
+                  <a:schemeClr val="accent6"/>
+                </a:solidFill>
+              </a:rPr>
+            </a:br>
+            <a:r>
+              <a:rPr lang="en-US" sz="2000" dirty="0">
+                <a:solidFill>
+                  <a:schemeClr val="accent6"/>
+                </a:solidFill>
+              </a:rPr>
+              <a:t>There is a large catalog of </a:t>
+            </a:r>
+            <a:r>
+              <a:rPr lang="en-US" sz="2000" dirty="0">
+                <a:solidFill>
+                  <a:schemeClr val="accent6"/>
+                </a:solidFill>
+                <a:hlinkClick r:id="rId2"/>
+              </a:rPr>
+              <a:t>modules</a:t>
+            </a:r>
+            <a:r>
+              <a:rPr lang="en-US" sz="2000" dirty="0">
+                <a:solidFill>
+                  <a:schemeClr val="accent6"/>
+                </a:solidFill>
+              </a:rPr>
+              <a:t> available for </a:t>
+            </a:r>
+            <a:r>
+              <a:rPr lang="en-US" sz="2000" dirty="0" err="1">
+                <a:solidFill>
+                  <a:schemeClr val="accent6"/>
+                </a:solidFill>
+              </a:rPr>
+              <a:t>Ansible</a:t>
+            </a:r>
+            <a:r>
+              <a:rPr lang="en-US" sz="2000" dirty="0">
+                <a:solidFill>
+                  <a:schemeClr val="accent6"/>
+                </a:solidFill>
+              </a:rPr>
+              <a:t> out of the </a:t>
+            </a:r>
+            <a:r>
+              <a:rPr lang="en-US" sz="2000" dirty="0" smtClean="0">
+                <a:solidFill>
+                  <a:schemeClr val="accent6"/>
+                </a:solidFill>
+              </a:rPr>
+              <a:t>box =&gt; </a:t>
+            </a:r>
+            <a:br>
+              <a:rPr lang="en-US" sz="2000" dirty="0" smtClean="0">
+                <a:solidFill>
+                  <a:schemeClr val="accent6"/>
+                </a:solidFill>
+              </a:rPr>
+            </a:br>
+            <a:r>
+              <a:rPr lang="en-US" sz="2000" dirty="0" smtClean="0">
+                <a:solidFill>
+                  <a:schemeClr val="accent6"/>
+                </a:solidFill>
+              </a:rPr>
+              <a:t>users, groups, packages, ACLs, files, firewall rules, </a:t>
+            </a:r>
+            <a:r>
+              <a:rPr lang="en-US" sz="2000" dirty="0" err="1" smtClean="0">
+                <a:solidFill>
+                  <a:schemeClr val="accent6"/>
+                </a:solidFill>
+              </a:rPr>
+              <a:t>mysql</a:t>
+            </a:r>
+            <a:r>
+              <a:rPr lang="en-US" sz="2000" dirty="0" smtClean="0">
+                <a:solidFill>
+                  <a:schemeClr val="accent6"/>
+                </a:solidFill>
+              </a:rPr>
+              <a:t> </a:t>
+            </a:r>
+            <a:r>
+              <a:rPr lang="en-US" sz="2000" dirty="0">
+                <a:solidFill>
+                  <a:schemeClr val="accent6"/>
+                </a:solidFill>
+              </a:rPr>
+              <a:t>and </a:t>
+            </a:r>
+            <a:r>
+              <a:rPr lang="en-US" sz="2000" dirty="0" err="1">
+                <a:solidFill>
+                  <a:schemeClr val="accent6"/>
+                </a:solidFill>
+              </a:rPr>
+              <a:t>postgresql</a:t>
+            </a:r>
+            <a:r>
+              <a:rPr lang="en-US" sz="2000" dirty="0">
+                <a:solidFill>
+                  <a:schemeClr val="accent6"/>
+                </a:solidFill>
+              </a:rPr>
+              <a:t> </a:t>
+            </a:r>
+            <a:r>
+              <a:rPr lang="en-US" sz="2000" dirty="0" smtClean="0">
+                <a:solidFill>
+                  <a:schemeClr val="accent6"/>
+                </a:solidFill>
+              </a:rPr>
+              <a:t>databases, </a:t>
+            </a:r>
+            <a:r>
+              <a:rPr lang="en-US" sz="2000" dirty="0" err="1" smtClean="0">
+                <a:solidFill>
+                  <a:schemeClr val="accent6"/>
+                </a:solidFill>
+              </a:rPr>
+              <a:t>docker</a:t>
+            </a:r>
+            <a:r>
+              <a:rPr lang="en-US" sz="2000" dirty="0" smtClean="0">
+                <a:solidFill>
+                  <a:schemeClr val="accent6"/>
+                </a:solidFill>
+              </a:rPr>
+              <a:t> </a:t>
+            </a:r>
+            <a:r>
+              <a:rPr lang="en-US" sz="2000" dirty="0">
+                <a:solidFill>
+                  <a:schemeClr val="accent6"/>
+                </a:solidFill>
+              </a:rPr>
+              <a:t>images</a:t>
+            </a:r>
+            <a:r>
+              <a:rPr lang="en-US" sz="1800" dirty="0">
+                <a:solidFill>
+                  <a:schemeClr val="accent6"/>
+                </a:solidFill>
+              </a:rPr>
+              <a:t/>
+            </a:r>
+            <a:br>
+              <a:rPr lang="en-US" sz="1800" dirty="0">
+                <a:solidFill>
+                  <a:schemeClr val="accent6"/>
+                </a:solidFill>
+              </a:rPr>
+            </a:br>
+            <a:endParaRPr lang="en-US" sz="2000" dirty="0">
               <a:solidFill>
                 <a:schemeClr val="accent6"/>
               </a:solidFill>
@@ -5351,540 +6026,10 @@
           </a:p>
         </p:txBody>
       </p:sp>
-      <p:sp>
-        <p:nvSpPr>
-          <p:cNvPr id="3" name="TextBox 2"/>
-          <p:cNvSpPr txBox="1"/>
-          <p:nvPr/>
-        </p:nvSpPr>
-        <p:spPr>
-          <a:xfrm>
-            <a:off x="304800" y="846138"/>
-            <a:ext cx="8839200" cy="6186309"/>
-          </a:xfrm>
-          <a:prstGeom prst="rect">
-            <a:avLst/>
-          </a:prstGeom>
-          <a:noFill/>
-        </p:spPr>
-        <p:txBody>
-          <a:bodyPr wrap="square" rtlCol="0">
-            <a:spAutoFit/>
-          </a:bodyPr>
-          <a:lstStyle/>
-          <a:p>
-            <a:r>
-              <a:rPr lang="en-US" dirty="0" err="1" smtClean="0">
-                <a:solidFill>
-                  <a:schemeClr val="accent6"/>
-                </a:solidFill>
-              </a:rPr>
-              <a:t>Ansible</a:t>
-            </a:r>
-            <a:r>
-              <a:rPr lang="en-US" dirty="0" smtClean="0">
-                <a:solidFill>
-                  <a:schemeClr val="accent6"/>
-                </a:solidFill>
-              </a:rPr>
-              <a:t> </a:t>
-            </a:r>
-            <a:r>
-              <a:rPr lang="en-US" dirty="0">
-                <a:solidFill>
-                  <a:schemeClr val="accent6"/>
-                </a:solidFill>
-              </a:rPr>
-              <a:t>depends on SSH access to the servers you are managing. </a:t>
-            </a:r>
-            <a:r>
-              <a:rPr lang="en-US" dirty="0" err="1" smtClean="0">
-                <a:solidFill>
-                  <a:schemeClr val="accent6"/>
-                </a:solidFill>
-              </a:rPr>
-              <a:t>Ansible</a:t>
-            </a:r>
-            <a:r>
-              <a:rPr lang="en-US" dirty="0" smtClean="0">
-                <a:solidFill>
-                  <a:schemeClr val="accent6"/>
-                </a:solidFill>
-              </a:rPr>
-              <a:t> </a:t>
-            </a:r>
-            <a:r>
-              <a:rPr lang="en-US" dirty="0">
-                <a:solidFill>
-                  <a:schemeClr val="accent6"/>
-                </a:solidFill>
-              </a:rPr>
-              <a:t>works best when you have SSH public key authentication configured so that you don’t have to use passwords to access your hosts.</a:t>
-            </a:r>
-          </a:p>
-          <a:p>
-            <a:endParaRPr lang="en-US" dirty="0" smtClean="0">
-              <a:solidFill>
-                <a:schemeClr val="accent6"/>
-              </a:solidFill>
-            </a:endParaRPr>
-          </a:p>
-          <a:p>
-            <a:r>
-              <a:rPr lang="en-US" dirty="0" err="1" smtClean="0">
-                <a:solidFill>
-                  <a:schemeClr val="accent6"/>
-                </a:solidFill>
-              </a:rPr>
-              <a:t>Ansible</a:t>
-            </a:r>
-            <a:r>
-              <a:rPr lang="en-US" dirty="0" smtClean="0">
-                <a:solidFill>
-                  <a:schemeClr val="accent6"/>
-                </a:solidFill>
-              </a:rPr>
-              <a:t> </a:t>
-            </a:r>
-            <a:r>
-              <a:rPr lang="en-US" dirty="0">
-                <a:solidFill>
-                  <a:schemeClr val="accent6"/>
-                </a:solidFill>
-              </a:rPr>
-              <a:t>uses an inventory file to determine what hosts to work against. In its simplest form, an inventory file is just a text file containing a list of host names or IP addresses - one on each line. </a:t>
-            </a:r>
-          </a:p>
-          <a:p>
-            <a:endParaRPr lang="en-US" dirty="0" smtClean="0">
-              <a:solidFill>
-                <a:schemeClr val="accent6"/>
-              </a:solidFill>
-            </a:endParaRPr>
-          </a:p>
-          <a:p>
-            <a:r>
-              <a:rPr lang="en-US" dirty="0" smtClean="0">
-                <a:solidFill>
-                  <a:schemeClr val="accent6"/>
-                </a:solidFill>
-              </a:rPr>
-              <a:t>The default location is </a:t>
-            </a:r>
-            <a:r>
-              <a:rPr lang="en-US" dirty="0" smtClean="0">
-                <a:solidFill>
-                  <a:schemeClr val="bg1"/>
-                </a:solidFill>
-              </a:rPr>
-              <a:t>/</a:t>
-            </a:r>
-            <a:r>
-              <a:rPr lang="en-US" dirty="0" err="1" smtClean="0">
-                <a:solidFill>
-                  <a:schemeClr val="bg1"/>
-                </a:solidFill>
-              </a:rPr>
-              <a:t>etc</a:t>
-            </a:r>
-            <a:r>
-              <a:rPr lang="en-US" dirty="0" smtClean="0">
-                <a:solidFill>
-                  <a:schemeClr val="bg1"/>
-                </a:solidFill>
-              </a:rPr>
-              <a:t>/</a:t>
-            </a:r>
-            <a:r>
-              <a:rPr lang="en-US" dirty="0" err="1" smtClean="0">
-                <a:solidFill>
-                  <a:schemeClr val="bg1"/>
-                </a:solidFill>
-              </a:rPr>
-              <a:t>ansible</a:t>
-            </a:r>
-            <a:r>
-              <a:rPr lang="en-US" dirty="0" smtClean="0">
-                <a:solidFill>
-                  <a:schemeClr val="bg1"/>
-                </a:solidFill>
-              </a:rPr>
-              <a:t>/hosts</a:t>
-            </a:r>
-          </a:p>
-          <a:p>
-            <a:endParaRPr lang="en-US" dirty="0">
-              <a:solidFill>
-                <a:schemeClr val="bg1"/>
-              </a:solidFill>
-            </a:endParaRPr>
-          </a:p>
-          <a:p>
-            <a:r>
-              <a:rPr lang="en-US" dirty="0" err="1">
-                <a:solidFill>
-                  <a:schemeClr val="accent6"/>
-                </a:solidFill>
-              </a:rPr>
-              <a:t>Ansible</a:t>
-            </a:r>
-            <a:r>
-              <a:rPr lang="en-US" dirty="0">
-                <a:solidFill>
-                  <a:schemeClr val="accent6"/>
-                </a:solidFill>
-              </a:rPr>
-              <a:t> will attempt to remote connect to the machines using your current user name, just like SSH would. To override the remote user name, just use the ‘</a:t>
-            </a:r>
-            <a:r>
-              <a:rPr lang="en-US" dirty="0">
-                <a:solidFill>
-                  <a:schemeClr val="bg1"/>
-                </a:solidFill>
-              </a:rPr>
-              <a:t>-u</a:t>
-            </a:r>
-            <a:r>
-              <a:rPr lang="en-US" dirty="0">
-                <a:solidFill>
-                  <a:schemeClr val="accent6"/>
-                </a:solidFill>
-              </a:rPr>
-              <a:t>’ parameter.</a:t>
-            </a:r>
-            <a:endParaRPr lang="en-US" dirty="0" smtClean="0">
-              <a:solidFill>
-                <a:schemeClr val="accent6"/>
-              </a:solidFill>
-            </a:endParaRPr>
-          </a:p>
-          <a:p>
-            <a:endParaRPr lang="en-US" dirty="0" smtClean="0">
-              <a:solidFill>
-                <a:schemeClr val="accent6"/>
-              </a:solidFill>
-            </a:endParaRPr>
-          </a:p>
-          <a:p>
-            <a:r>
-              <a:rPr lang="en-US" dirty="0" smtClean="0">
-                <a:solidFill>
-                  <a:srgbClr val="FF0000"/>
-                </a:solidFill>
-              </a:rPr>
-              <a:t>Exercises:</a:t>
-            </a:r>
-          </a:p>
-          <a:p>
-            <a:r>
-              <a:rPr lang="en-US" dirty="0" smtClean="0">
-                <a:solidFill>
-                  <a:schemeClr val="accent6"/>
-                </a:solidFill>
-              </a:rPr>
-              <a:t>	1. add ‘</a:t>
-            </a:r>
-            <a:r>
-              <a:rPr lang="en-US" dirty="0" err="1" smtClean="0">
-                <a:solidFill>
-                  <a:schemeClr val="bg1"/>
-                </a:solidFill>
-              </a:rPr>
-              <a:t>ansible</a:t>
-            </a:r>
-            <a:r>
-              <a:rPr lang="en-US" dirty="0" smtClean="0">
-                <a:solidFill>
-                  <a:schemeClr val="accent6"/>
-                </a:solidFill>
-              </a:rPr>
-              <a:t>’ user to the </a:t>
-            </a:r>
-            <a:r>
-              <a:rPr lang="en-US" dirty="0" err="1" smtClean="0">
-                <a:solidFill>
-                  <a:schemeClr val="accent6"/>
-                </a:solidFill>
-              </a:rPr>
-              <a:t>ansible</a:t>
-            </a:r>
-            <a:r>
-              <a:rPr lang="en-US" dirty="0" smtClean="0">
-                <a:solidFill>
-                  <a:schemeClr val="accent6"/>
-                </a:solidFill>
-              </a:rPr>
-              <a:t> server as </a:t>
-            </a:r>
-            <a:r>
-              <a:rPr lang="en-US" dirty="0" err="1" smtClean="0">
-                <a:solidFill>
-                  <a:schemeClr val="bg1"/>
-                </a:solidFill>
-              </a:rPr>
-              <a:t>sudo</a:t>
-            </a:r>
-            <a:r>
-              <a:rPr lang="en-US" dirty="0" smtClean="0">
-                <a:solidFill>
-                  <a:schemeClr val="accent6"/>
-                </a:solidFill>
-              </a:rPr>
-              <a:t>. Generate </a:t>
-            </a:r>
-            <a:r>
-              <a:rPr lang="en-US" dirty="0" err="1" smtClean="0">
-                <a:solidFill>
-                  <a:schemeClr val="bg1"/>
-                </a:solidFill>
-              </a:rPr>
-              <a:t>ssh</a:t>
-            </a:r>
-            <a:r>
-              <a:rPr lang="en-US" dirty="0" smtClean="0">
-                <a:solidFill>
-                  <a:schemeClr val="bg1"/>
-                </a:solidFill>
-              </a:rPr>
-              <a:t>-keys</a:t>
-            </a:r>
-            <a:r>
-              <a:rPr lang="en-US" dirty="0" smtClean="0">
-                <a:solidFill>
-                  <a:schemeClr val="accent6"/>
-                </a:solidFill>
-              </a:rPr>
-              <a:t> for him, set its password to ‘</a:t>
-            </a:r>
-            <a:r>
-              <a:rPr lang="en-US" dirty="0" err="1" smtClean="0">
-                <a:solidFill>
-                  <a:schemeClr val="bg1"/>
-                </a:solidFill>
-              </a:rPr>
-              <a:t>linuxacademy</a:t>
-            </a:r>
-            <a:r>
-              <a:rPr lang="en-US" dirty="0" smtClean="0">
-                <a:solidFill>
-                  <a:schemeClr val="accent6"/>
-                </a:solidFill>
-              </a:rPr>
-              <a:t>’</a:t>
-            </a:r>
-          </a:p>
-          <a:p>
-            <a:r>
-              <a:rPr lang="en-US" dirty="0" smtClean="0">
-                <a:solidFill>
-                  <a:schemeClr val="accent6"/>
-                </a:solidFill>
-              </a:rPr>
-              <a:t>	2. add ‘</a:t>
-            </a:r>
-            <a:r>
-              <a:rPr lang="en-US" dirty="0" err="1" smtClean="0">
-                <a:solidFill>
-                  <a:schemeClr val="bg1"/>
-                </a:solidFill>
-              </a:rPr>
-              <a:t>ansible</a:t>
-            </a:r>
-            <a:r>
-              <a:rPr lang="en-US" dirty="0" smtClean="0">
-                <a:solidFill>
-                  <a:schemeClr val="accent6"/>
-                </a:solidFill>
-              </a:rPr>
-              <a:t>’ user to the </a:t>
-            </a:r>
-            <a:r>
-              <a:rPr lang="en-US" dirty="0" err="1" smtClean="0">
-                <a:solidFill>
-                  <a:schemeClr val="accent6"/>
-                </a:solidFill>
-              </a:rPr>
-              <a:t>ansible</a:t>
-            </a:r>
-            <a:r>
-              <a:rPr lang="en-US" dirty="0" smtClean="0">
-                <a:solidFill>
-                  <a:schemeClr val="accent6"/>
-                </a:solidFill>
-              </a:rPr>
-              <a:t> slave node. Repeat the password.</a:t>
-            </a:r>
-          </a:p>
-          <a:p>
-            <a:r>
-              <a:rPr lang="en-US" dirty="0" smtClean="0">
-                <a:solidFill>
-                  <a:schemeClr val="accent6"/>
-                </a:solidFill>
-              </a:rPr>
-              <a:t>	3. </a:t>
-            </a:r>
-            <a:r>
-              <a:rPr lang="en-US" dirty="0" err="1" smtClean="0">
-                <a:solidFill>
-                  <a:schemeClr val="bg1"/>
-                </a:solidFill>
-              </a:rPr>
-              <a:t>ansible</a:t>
-            </a:r>
-            <a:r>
-              <a:rPr lang="en-US" dirty="0" smtClean="0">
-                <a:solidFill>
-                  <a:schemeClr val="bg1"/>
-                </a:solidFill>
-              </a:rPr>
-              <a:t> all –m ping</a:t>
-            </a:r>
-          </a:p>
-          <a:p>
-            <a:r>
-              <a:rPr lang="en-US" dirty="0">
-                <a:solidFill>
-                  <a:schemeClr val="bg1"/>
-                </a:solidFill>
-              </a:rPr>
-              <a:t>	</a:t>
-            </a:r>
-            <a:r>
-              <a:rPr lang="en-US" dirty="0" smtClean="0">
-                <a:solidFill>
-                  <a:schemeClr val="accent6"/>
-                </a:solidFill>
-              </a:rPr>
-              <a:t>4</a:t>
-            </a:r>
-            <a:r>
-              <a:rPr lang="en-US" dirty="0" smtClean="0">
-                <a:solidFill>
-                  <a:schemeClr val="bg1"/>
-                </a:solidFill>
-              </a:rPr>
-              <a:t>. </a:t>
-            </a:r>
-            <a:r>
-              <a:rPr lang="en-US" dirty="0" err="1" smtClean="0">
-                <a:solidFill>
-                  <a:schemeClr val="bg1"/>
-                </a:solidFill>
-              </a:rPr>
-              <a:t>ansible</a:t>
-            </a:r>
-            <a:r>
-              <a:rPr lang="en-US" dirty="0" smtClean="0">
-                <a:solidFill>
-                  <a:schemeClr val="bg1"/>
-                </a:solidFill>
-              </a:rPr>
-              <a:t> </a:t>
-            </a:r>
-            <a:r>
-              <a:rPr lang="en-US" dirty="0">
-                <a:solidFill>
-                  <a:schemeClr val="bg1"/>
-                </a:solidFill>
-              </a:rPr>
-              <a:t>all -m ping -u </a:t>
-            </a:r>
-            <a:r>
-              <a:rPr lang="en-US" dirty="0" err="1">
-                <a:solidFill>
-                  <a:schemeClr val="bg1"/>
-                </a:solidFill>
-              </a:rPr>
-              <a:t>ansible</a:t>
-            </a:r>
-            <a:r>
-              <a:rPr lang="en-US" dirty="0">
-                <a:solidFill>
-                  <a:schemeClr val="bg1"/>
-                </a:solidFill>
-              </a:rPr>
-              <a:t> --ask-pass</a:t>
-            </a:r>
-            <a:endParaRPr lang="en-US" dirty="0" smtClean="0">
-              <a:solidFill>
-                <a:schemeClr val="bg1"/>
-              </a:solidFill>
-            </a:endParaRPr>
-          </a:p>
-          <a:p>
-            <a:r>
-              <a:rPr lang="en-US" dirty="0">
-                <a:solidFill>
-                  <a:schemeClr val="bg1"/>
-                </a:solidFill>
-              </a:rPr>
-              <a:t>	</a:t>
-            </a:r>
-            <a:r>
-              <a:rPr lang="en-US" dirty="0" smtClean="0">
-                <a:solidFill>
-                  <a:schemeClr val="accent6"/>
-                </a:solidFill>
-              </a:rPr>
-              <a:t>5. Google search about </a:t>
-            </a:r>
-            <a:r>
-              <a:rPr lang="en-US" dirty="0" err="1" smtClean="0">
-                <a:solidFill>
-                  <a:schemeClr val="accent6"/>
-                </a:solidFill>
-              </a:rPr>
-              <a:t>Ansible</a:t>
-            </a:r>
-            <a:r>
-              <a:rPr lang="en-US" dirty="0" smtClean="0">
-                <a:solidFill>
-                  <a:schemeClr val="accent6"/>
-                </a:solidFill>
-              </a:rPr>
-              <a:t> modules.</a:t>
-            </a:r>
-          </a:p>
-          <a:p>
-            <a:r>
-              <a:rPr lang="en-US" dirty="0">
-                <a:solidFill>
-                  <a:schemeClr val="accent6"/>
-                </a:solidFill>
-              </a:rPr>
-              <a:t>	</a:t>
-            </a:r>
-            <a:r>
-              <a:rPr lang="en-US" dirty="0" smtClean="0">
-                <a:solidFill>
-                  <a:schemeClr val="accent6"/>
-                </a:solidFill>
-              </a:rPr>
-              <a:t>6. Discussion between 3 and 4.</a:t>
-            </a:r>
-            <a:endParaRPr lang="en-US" dirty="0">
-              <a:solidFill>
-                <a:schemeClr val="accent6"/>
-              </a:solidFill>
-            </a:endParaRPr>
-          </a:p>
-          <a:p>
-            <a:r>
-              <a:rPr lang="en-US" dirty="0" smtClean="0"/>
-              <a:t>- </a:t>
-            </a:r>
-            <a:r>
-              <a:rPr lang="en-US" dirty="0"/>
-              <a:t>one on each line. For example:</a:t>
-            </a:r>
-          </a:p>
-        </p:txBody>
-      </p:sp>
     </p:spTree>
     <p:extLst>
       <p:ext uri="{BB962C8B-B14F-4D97-AF65-F5344CB8AC3E}">
-        <p14:creationId xmlns:p14="http://schemas.microsoft.com/office/powerpoint/2010/main" val="189524524"/>
+        <p14:creationId xmlns:p14="http://schemas.microsoft.com/office/powerpoint/2010/main" val="2714741044"/>
       </p:ext>
     </p:extLst>
   </p:cSld>
@@ -6253,7 +6398,46 @@
                   <a:schemeClr val="accent6"/>
                 </a:solidFill>
               </a:rPr>
-              <a:t> repo and try to run it under our node.</a:t>
+              <a:t> repo and try to run it under our node</a:t>
+            </a:r>
+            <a:r>
+              <a:rPr lang="en-US" sz="2200" dirty="0" smtClean="0">
+                <a:solidFill>
+                  <a:schemeClr val="accent6"/>
+                </a:solidFill>
+              </a:rPr>
+              <a:t>.</a:t>
+            </a:r>
+            <a:br>
+              <a:rPr lang="en-US" sz="2200" dirty="0" smtClean="0">
+                <a:solidFill>
+                  <a:schemeClr val="accent6"/>
+                </a:solidFill>
+              </a:rPr>
+            </a:br>
+            <a:r>
+              <a:rPr lang="en-US" sz="2200" dirty="0" smtClean="0">
+                <a:solidFill>
+                  <a:schemeClr val="accent6"/>
+                </a:solidFill>
+              </a:rPr>
+              <a:t>2. Check the result on </a:t>
+            </a:r>
+            <a:r>
+              <a:rPr lang="en-US" sz="2200" smtClean="0">
+                <a:solidFill>
+                  <a:schemeClr val="accent6"/>
+                </a:solidFill>
+              </a:rPr>
+              <a:t>the slave node.</a:t>
+            </a:r>
+            <a:r>
+              <a:rPr lang="en-US" sz="2200" dirty="0" smtClean="0">
+                <a:solidFill>
+                  <a:schemeClr val="accent6"/>
+                </a:solidFill>
+              </a:rPr>
+              <a:t/>
             </a:r>
             <a:br>
               <a:rPr lang="en-US" sz="2200" dirty="0" smtClean="0">

--- a/16.ConfigurationManagement_With_Ansible/16-Conf_Man_Ansible.pptx
+++ b/16.ConfigurationManagement_With_Ansible/16-Conf_Man_Ansible.pptx
@@ -5,13 +5,14 @@
     <p:sldMasterId id="2147483648" r:id="rId1"/>
   </p:sldMasterIdLst>
   <p:notesMasterIdLst>
-    <p:notesMasterId r:id="rId6"/>
+    <p:notesMasterId r:id="rId7"/>
   </p:notesMasterIdLst>
   <p:sldIdLst>
     <p:sldId id="285" r:id="rId2"/>
     <p:sldId id="294" r:id="rId3"/>
     <p:sldId id="295" r:id="rId4"/>
     <p:sldId id="296" r:id="rId5"/>
+    <p:sldId id="297" r:id="rId6"/>
   </p:sldIdLst>
   <p:sldSz cx="9144000" cy="6858000" type="screen4x3"/>
   <p:notesSz cx="6858000" cy="9144000"/>
@@ -4048,7 +4049,7 @@
                 </a:solidFill>
                 <a:sym typeface="Wingdings" panose="05000000000000000000" pitchFamily="2" charset="2"/>
               </a:rPr>
-              <a:t>Transforming the servers in a state that we desire.</a:t>
+              <a:t>Transforming the servers in a state that we desire. Better control for your infrastructure.</a:t>
             </a:r>
             <a:r>
               <a:rPr lang="en-US" sz="2000" dirty="0" smtClean="0">
@@ -6421,15 +6422,7 @@
                   <a:schemeClr val="accent6"/>
                 </a:solidFill>
               </a:rPr>
-              <a:t>2. Check the result on </a:t>
-            </a:r>
-            <a:r>
-              <a:rPr lang="en-US" sz="2200" smtClean="0">
-                <a:solidFill>
-                  <a:schemeClr val="accent6"/>
-                </a:solidFill>
-              </a:rPr>
-              <a:t>the slave node.</a:t>
+              <a:t>2. Check the result on the slave node.</a:t>
             </a:r>
             <a:r>
               <a:rPr lang="en-US" sz="2200" dirty="0" smtClean="0">
@@ -6487,6 +6480,455 @@
     <p:extLst>
       <p:ext uri="{BB962C8B-B14F-4D97-AF65-F5344CB8AC3E}">
         <p14:creationId xmlns:p14="http://schemas.microsoft.com/office/powerpoint/2010/main" val="1201697046"/>
+      </p:ext>
+    </p:extLst>
+  </p:cSld>
+  <p:clrMapOvr>
+    <a:masterClrMapping/>
+  </p:clrMapOvr>
+</p:sld>
+</file>
+
+<file path=ppt/slides/slide5.xml><?xml version="1.0" encoding="utf-8"?>
+<p:sld xmlns:a="http://schemas.openxmlformats.org/drawingml/2006/main" xmlns:r="http://schemas.openxmlformats.org/officeDocument/2006/relationships" xmlns:p="http://schemas.openxmlformats.org/presentationml/2006/main">
+  <p:cSld>
+    <p:spTree>
+      <p:nvGrpSpPr>
+        <p:cNvPr id="1" name=""/>
+        <p:cNvGrpSpPr/>
+        <p:nvPr/>
+      </p:nvGrpSpPr>
+      <p:grpSpPr>
+        <a:xfrm>
+          <a:off x="0" y="0"/>
+          <a:ext cx="0" cy="0"/>
+          <a:chOff x="0" y="0"/>
+          <a:chExt cx="0" cy="0"/>
+        </a:xfrm>
+      </p:grpSpPr>
+      <p:sp>
+        <p:nvSpPr>
+          <p:cNvPr id="2" name="Title 1"/>
+          <p:cNvSpPr>
+            <a:spLocks noGrp="1"/>
+          </p:cNvSpPr>
+          <p:nvPr>
+            <p:ph type="title"/>
+          </p:nvPr>
+        </p:nvSpPr>
+        <p:spPr>
+          <a:xfrm>
+            <a:off x="228600" y="838200"/>
+            <a:ext cx="8229600" cy="1143000"/>
+          </a:xfrm>
+        </p:spPr>
+        <p:txBody>
+          <a:bodyPr>
+            <a:normAutofit fontScale="90000"/>
+          </a:bodyPr>
+          <a:lstStyle/>
+          <a:p>
+            <a:r>
+              <a:rPr lang="en-US" sz="2200" dirty="0" smtClean="0">
+                <a:solidFill>
+                  <a:schemeClr val="accent6"/>
+                </a:solidFill>
+              </a:rPr>
+              <a:t/>
+            </a:r>
+            <a:br>
+              <a:rPr lang="en-US" sz="2200" dirty="0" smtClean="0">
+                <a:solidFill>
+                  <a:schemeClr val="accent6"/>
+                </a:solidFill>
+              </a:rPr>
+            </a:br>
+            <a:r>
+              <a:rPr lang="en-US" sz="2200" dirty="0">
+                <a:solidFill>
+                  <a:schemeClr val="accent6"/>
+                </a:solidFill>
+              </a:rPr>
+              <a:t/>
+            </a:r>
+            <a:br>
+              <a:rPr lang="en-US" sz="2200" dirty="0">
+                <a:solidFill>
+                  <a:schemeClr val="accent6"/>
+                </a:solidFill>
+              </a:rPr>
+            </a:br>
+            <a:r>
+              <a:rPr lang="en-US" sz="2200" dirty="0" smtClean="0">
+                <a:solidFill>
+                  <a:schemeClr val="accent6"/>
+                </a:solidFill>
+              </a:rPr>
+              <a:t/>
+            </a:r>
+            <a:br>
+              <a:rPr lang="en-US" sz="2200" dirty="0" smtClean="0">
+                <a:solidFill>
+                  <a:schemeClr val="accent6"/>
+                </a:solidFill>
+              </a:rPr>
+            </a:br>
+            <a:r>
+              <a:rPr lang="en-US" sz="2200" dirty="0" smtClean="0">
+                <a:solidFill>
+                  <a:schemeClr val="accent6"/>
+                </a:solidFill>
+              </a:rPr>
+              <a:t/>
+            </a:r>
+            <a:br>
+              <a:rPr lang="en-US" sz="2200" dirty="0" smtClean="0">
+                <a:solidFill>
+                  <a:schemeClr val="accent6"/>
+                </a:solidFill>
+              </a:rPr>
+            </a:br>
+            <a:r>
+              <a:rPr lang="en-US" sz="2200" dirty="0" smtClean="0">
+                <a:solidFill>
+                  <a:schemeClr val="accent6"/>
+                </a:solidFill>
+              </a:rPr>
+              <a:t/>
+            </a:r>
+            <a:br>
+              <a:rPr lang="en-US" sz="2200" dirty="0" smtClean="0">
+                <a:solidFill>
+                  <a:schemeClr val="accent6"/>
+                </a:solidFill>
+              </a:rPr>
+            </a:br>
+            <a:r>
+              <a:rPr lang="en-US" sz="2200" dirty="0">
+                <a:solidFill>
+                  <a:schemeClr val="accent6"/>
+                </a:solidFill>
+              </a:rPr>
+              <a:t/>
+            </a:r>
+            <a:br>
+              <a:rPr lang="en-US" sz="2200" dirty="0">
+                <a:solidFill>
+                  <a:schemeClr val="accent6"/>
+                </a:solidFill>
+              </a:rPr>
+            </a:br>
+            <a:r>
+              <a:rPr lang="en-US" sz="2200" dirty="0" smtClean="0">
+                <a:solidFill>
+                  <a:schemeClr val="accent6"/>
+                </a:solidFill>
+              </a:rPr>
+              <a:t/>
+            </a:r>
+            <a:br>
+              <a:rPr lang="en-US" sz="2200" dirty="0" smtClean="0">
+                <a:solidFill>
+                  <a:schemeClr val="accent6"/>
+                </a:solidFill>
+              </a:rPr>
+            </a:br>
+            <a:r>
+              <a:rPr lang="en-US" sz="2200" dirty="0">
+                <a:solidFill>
+                  <a:schemeClr val="accent6"/>
+                </a:solidFill>
+              </a:rPr>
+              <a:t/>
+            </a:r>
+            <a:br>
+              <a:rPr lang="en-US" sz="2200" dirty="0">
+                <a:solidFill>
+                  <a:schemeClr val="accent6"/>
+                </a:solidFill>
+              </a:rPr>
+            </a:br>
+            <a:r>
+              <a:rPr lang="en-US" sz="2200" dirty="0" smtClean="0">
+                <a:solidFill>
+                  <a:schemeClr val="accent6"/>
+                </a:solidFill>
+              </a:rPr>
+              <a:t/>
+            </a:r>
+            <a:br>
+              <a:rPr lang="en-US" sz="2200" dirty="0" smtClean="0">
+                <a:solidFill>
+                  <a:schemeClr val="accent6"/>
+                </a:solidFill>
+              </a:rPr>
+            </a:br>
+            <a:r>
+              <a:rPr lang="en-US" sz="2200" dirty="0" smtClean="0">
+                <a:solidFill>
+                  <a:schemeClr val="accent6"/>
+                </a:solidFill>
+              </a:rPr>
+              <a:t>Playbooks </a:t>
+            </a:r>
+            <a:r>
+              <a:rPr lang="en-US" sz="2200" dirty="0">
+                <a:solidFill>
+                  <a:schemeClr val="accent6"/>
+                </a:solidFill>
+              </a:rPr>
+              <a:t>allow you to organize your configuration and management tasks in simple, human-readable files. Each playbook contains a list of tasks </a:t>
+            </a:r>
+            <a:r>
+              <a:rPr lang="en-US" sz="2200" dirty="0" smtClean="0">
+                <a:solidFill>
+                  <a:schemeClr val="accent6"/>
+                </a:solidFill>
+              </a:rPr>
+              <a:t>and </a:t>
+            </a:r>
+            <a:r>
+              <a:rPr lang="en-US" sz="2200" dirty="0">
+                <a:solidFill>
+                  <a:schemeClr val="accent6"/>
+                </a:solidFill>
+              </a:rPr>
+              <a:t>are defined in a </a:t>
+            </a:r>
+            <a:r>
+              <a:rPr lang="en-US" sz="2200" dirty="0" smtClean="0">
+                <a:solidFill>
+                  <a:schemeClr val="bg1"/>
+                </a:solidFill>
+              </a:rPr>
+              <a:t>YAML</a:t>
+            </a:r>
+            <a:r>
+              <a:rPr lang="en-US" sz="2200" dirty="0" smtClean="0">
+                <a:solidFill>
+                  <a:schemeClr val="accent6"/>
+                </a:solidFill>
+              </a:rPr>
+              <a:t>.  </a:t>
+            </a:r>
+            <a:r>
+              <a:rPr lang="en-US" sz="2200" dirty="0">
+                <a:solidFill>
+                  <a:schemeClr val="accent6"/>
+                </a:solidFill>
+              </a:rPr>
+              <a:t/>
+            </a:r>
+            <a:br>
+              <a:rPr lang="en-US" sz="2200" dirty="0">
+                <a:solidFill>
+                  <a:schemeClr val="accent6"/>
+                </a:solidFill>
+              </a:rPr>
+            </a:br>
+            <a:r>
+              <a:rPr lang="en-US" sz="2200" dirty="0" smtClean="0">
+                <a:solidFill>
+                  <a:schemeClr val="accent6"/>
+                </a:solidFill>
+              </a:rPr>
+              <a:t/>
+            </a:r>
+            <a:br>
+              <a:rPr lang="en-US" sz="2200" dirty="0" smtClean="0">
+                <a:solidFill>
+                  <a:schemeClr val="accent6"/>
+                </a:solidFill>
+              </a:rPr>
+            </a:br>
+            <a:r>
+              <a:rPr lang="en-US" sz="2200" dirty="0" smtClean="0">
+                <a:solidFill>
+                  <a:schemeClr val="accent6"/>
+                </a:solidFill>
+              </a:rPr>
+              <a:t>When </a:t>
+            </a:r>
+            <a:r>
+              <a:rPr lang="en-US" sz="2200" dirty="0" err="1" smtClean="0">
+                <a:solidFill>
+                  <a:schemeClr val="accent6"/>
+                </a:solidFill>
+              </a:rPr>
+              <a:t>ansible</a:t>
+            </a:r>
+            <a:r>
+              <a:rPr lang="en-US" sz="2200" dirty="0" smtClean="0">
+                <a:solidFill>
+                  <a:schemeClr val="accent6"/>
+                </a:solidFill>
+              </a:rPr>
+              <a:t>-playbook is executed with </a:t>
+            </a:r>
+            <a:r>
+              <a:rPr lang="en-US" sz="2200" dirty="0" smtClean="0">
+                <a:solidFill>
+                  <a:schemeClr val="bg1"/>
+                </a:solidFill>
+              </a:rPr>
+              <a:t>–check </a:t>
+            </a:r>
+            <a:r>
+              <a:rPr lang="en-US" sz="2200" dirty="0" smtClean="0">
+                <a:solidFill>
+                  <a:schemeClr val="accent6"/>
+                </a:solidFill>
+              </a:rPr>
+              <a:t>it will not make any changes on remote system. It will report what changes the would have made rather than making them.</a:t>
+            </a:r>
+            <a:br>
+              <a:rPr lang="en-US" sz="2200" dirty="0" smtClean="0">
+                <a:solidFill>
+                  <a:schemeClr val="accent6"/>
+                </a:solidFill>
+              </a:rPr>
+            </a:br>
+            <a:r>
+              <a:rPr lang="en-US" sz="2200" dirty="0">
+                <a:solidFill>
+                  <a:schemeClr val="accent6"/>
+                </a:solidFill>
+              </a:rPr>
+              <a:t/>
+            </a:r>
+            <a:br>
+              <a:rPr lang="en-US" sz="2200" dirty="0">
+                <a:solidFill>
+                  <a:schemeClr val="accent6"/>
+                </a:solidFill>
+              </a:rPr>
+            </a:br>
+            <a:r>
+              <a:rPr lang="en-US" sz="2200" dirty="0" smtClean="0">
+                <a:solidFill>
+                  <a:srgbClr val="FF0000"/>
+                </a:solidFill>
+              </a:rPr>
+              <a:t>Exercises:</a:t>
+            </a:r>
+            <a:r>
+              <a:rPr lang="en-US" sz="2200" dirty="0" smtClean="0">
+                <a:solidFill>
+                  <a:schemeClr val="accent6"/>
+                </a:solidFill>
+              </a:rPr>
+              <a:t/>
+            </a:r>
+            <a:br>
+              <a:rPr lang="en-US" sz="2200" dirty="0" smtClean="0">
+                <a:solidFill>
+                  <a:schemeClr val="accent6"/>
+                </a:solidFill>
+              </a:rPr>
+            </a:br>
+            <a:r>
+              <a:rPr lang="en-US" sz="2200" dirty="0" smtClean="0">
+                <a:solidFill>
+                  <a:schemeClr val="accent6"/>
+                </a:solidFill>
+              </a:rPr>
+              <a:t>1. Follow the playbook in the </a:t>
+            </a:r>
+            <a:r>
+              <a:rPr lang="en-US" sz="2200" dirty="0" err="1" smtClean="0">
+                <a:solidFill>
+                  <a:schemeClr val="accent6"/>
+                </a:solidFill>
+              </a:rPr>
+              <a:t>github</a:t>
+            </a:r>
+            <a:r>
+              <a:rPr lang="en-US" sz="2200" dirty="0" smtClean="0">
+                <a:solidFill>
+                  <a:schemeClr val="accent6"/>
+                </a:solidFill>
+              </a:rPr>
+              <a:t> repo and try to run it under our node</a:t>
+            </a:r>
+            <a:r>
+              <a:rPr lang="en-US" sz="2200" dirty="0" smtClean="0">
+                <a:solidFill>
+                  <a:schemeClr val="accent6"/>
+                </a:solidFill>
+              </a:rPr>
+              <a:t>.</a:t>
+            </a:r>
+            <a:br>
+              <a:rPr lang="en-US" sz="2200" dirty="0" smtClean="0">
+                <a:solidFill>
+                  <a:schemeClr val="accent6"/>
+                </a:solidFill>
+              </a:rPr>
+            </a:br>
+            <a:r>
+              <a:rPr lang="en-US" sz="2200" dirty="0" smtClean="0">
+                <a:solidFill>
+                  <a:schemeClr val="accent6"/>
+                </a:solidFill>
+              </a:rPr>
+              <a:t>2. Check the result on the slave node.</a:t>
+            </a:r>
+            <a:r>
+              <a:rPr lang="en-US" sz="2200" dirty="0" smtClean="0">
+                <a:solidFill>
+                  <a:schemeClr val="accent6"/>
+                </a:solidFill>
+              </a:rPr>
+              <a:t/>
+            </a:r>
+            <a:br>
+              <a:rPr lang="en-US" sz="2200" dirty="0" smtClean="0">
+                <a:solidFill>
+                  <a:schemeClr val="accent6"/>
+                </a:solidFill>
+              </a:rPr>
+            </a:br>
+            <a:r>
+              <a:rPr lang="en-US" dirty="0" smtClean="0"/>
+              <a:t>file</a:t>
+            </a:r>
+            <a:r>
+              <a:rPr lang="en-US" dirty="0"/>
+              <a:t>.</a:t>
+            </a:r>
+          </a:p>
+        </p:txBody>
+      </p:sp>
+      <p:sp>
+        <p:nvSpPr>
+          <p:cNvPr id="5" name="Content Placeholder 4"/>
+          <p:cNvSpPr>
+            <a:spLocks noGrp="1"/>
+          </p:cNvSpPr>
+          <p:nvPr>
+            <p:ph idx="1"/>
+          </p:nvPr>
+        </p:nvSpPr>
+        <p:spPr>
+          <a:xfrm>
+            <a:off x="5943600" y="5715000"/>
+            <a:ext cx="2743200" cy="411163"/>
+          </a:xfrm>
+        </p:spPr>
+        <p:txBody>
+          <a:bodyPr>
+            <a:normAutofit fontScale="77500" lnSpcReduction="20000"/>
+          </a:bodyPr>
+          <a:lstStyle/>
+          <a:p>
+            <a:endParaRPr lang="en-US" dirty="0"/>
+          </a:p>
+        </p:txBody>
+      </p:sp>
+    </p:spTree>
+    <p:extLst>
+      <p:ext uri="{BB962C8B-B14F-4D97-AF65-F5344CB8AC3E}">
+        <p14:creationId xmlns:p14="http://schemas.microsoft.com/office/powerpoint/2010/main" val="534083672"/>
       </p:ext>
     </p:extLst>
   </p:cSld>

--- a/16.ConfigurationManagement_With_Ansible/16-Conf_Man_Ansible.pptx
+++ b/16.ConfigurationManagement_With_Ansible/16-Conf_Man_Ansible.pptx
@@ -220,7 +220,7 @@
           <a:p>
             <a:fld id="{75861919-8521-4274-BB91-998CD62CEE44}" type="datetimeFigureOut">
               <a:rPr lang="en-US" smtClean="0"/>
-              <a:t>6/7/17</a:t>
+              <a:t>6/8/17</a:t>
             </a:fld>
             <a:endParaRPr lang="en-US"/>
           </a:p>
@@ -753,7 +753,7 @@
           <a:p>
             <a:fld id="{3EA744D9-3FBE-48D8-BF2A-85DF203E4D20}" type="datetimeFigureOut">
               <a:rPr lang="bg-BG" smtClean="0"/>
-              <a:t>7.06.17 г.</a:t>
+              <a:t>8.06.17 г.</a:t>
             </a:fld>
             <a:endParaRPr lang="bg-BG"/>
           </a:p>
@@ -923,7 +923,7 @@
           <a:p>
             <a:fld id="{3EA744D9-3FBE-48D8-BF2A-85DF203E4D20}" type="datetimeFigureOut">
               <a:rPr lang="bg-BG" smtClean="0"/>
-              <a:t>7.06.17 г.</a:t>
+              <a:t>8.06.17 г.</a:t>
             </a:fld>
             <a:endParaRPr lang="bg-BG"/>
           </a:p>
@@ -1103,7 +1103,7 @@
           <a:p>
             <a:fld id="{3EA744D9-3FBE-48D8-BF2A-85DF203E4D20}" type="datetimeFigureOut">
               <a:rPr lang="bg-BG" smtClean="0"/>
-              <a:t>7.06.17 г.</a:t>
+              <a:t>8.06.17 г.</a:t>
             </a:fld>
             <a:endParaRPr lang="bg-BG"/>
           </a:p>
@@ -1273,7 +1273,7 @@
           <a:p>
             <a:fld id="{3EA744D9-3FBE-48D8-BF2A-85DF203E4D20}" type="datetimeFigureOut">
               <a:rPr lang="bg-BG" smtClean="0"/>
-              <a:t>7.06.17 г.</a:t>
+              <a:t>8.06.17 г.</a:t>
             </a:fld>
             <a:endParaRPr lang="bg-BG"/>
           </a:p>
@@ -1519,7 +1519,7 @@
           <a:p>
             <a:fld id="{3EA744D9-3FBE-48D8-BF2A-85DF203E4D20}" type="datetimeFigureOut">
               <a:rPr lang="bg-BG" smtClean="0"/>
-              <a:t>7.06.17 г.</a:t>
+              <a:t>8.06.17 г.</a:t>
             </a:fld>
             <a:endParaRPr lang="bg-BG"/>
           </a:p>
@@ -1807,7 +1807,7 @@
           <a:p>
             <a:fld id="{3EA744D9-3FBE-48D8-BF2A-85DF203E4D20}" type="datetimeFigureOut">
               <a:rPr lang="bg-BG" smtClean="0"/>
-              <a:t>7.06.17 г.</a:t>
+              <a:t>8.06.17 г.</a:t>
             </a:fld>
             <a:endParaRPr lang="bg-BG"/>
           </a:p>
@@ -2229,7 +2229,7 @@
           <a:p>
             <a:fld id="{3EA744D9-3FBE-48D8-BF2A-85DF203E4D20}" type="datetimeFigureOut">
               <a:rPr lang="bg-BG" smtClean="0"/>
-              <a:t>7.06.17 г.</a:t>
+              <a:t>8.06.17 г.</a:t>
             </a:fld>
             <a:endParaRPr lang="bg-BG"/>
           </a:p>
@@ -2347,7 +2347,7 @@
           <a:p>
             <a:fld id="{3EA744D9-3FBE-48D8-BF2A-85DF203E4D20}" type="datetimeFigureOut">
               <a:rPr lang="bg-BG" smtClean="0"/>
-              <a:t>7.06.17 г.</a:t>
+              <a:t>8.06.17 г.</a:t>
             </a:fld>
             <a:endParaRPr lang="bg-BG"/>
           </a:p>
@@ -2442,7 +2442,7 @@
           <a:p>
             <a:fld id="{3EA744D9-3FBE-48D8-BF2A-85DF203E4D20}" type="datetimeFigureOut">
               <a:rPr lang="bg-BG" smtClean="0"/>
-              <a:t>7.06.17 г.</a:t>
+              <a:t>8.06.17 г.</a:t>
             </a:fld>
             <a:endParaRPr lang="bg-BG"/>
           </a:p>
@@ -2719,7 +2719,7 @@
           <a:p>
             <a:fld id="{3EA744D9-3FBE-48D8-BF2A-85DF203E4D20}" type="datetimeFigureOut">
               <a:rPr lang="bg-BG" smtClean="0"/>
-              <a:t>7.06.17 г.</a:t>
+              <a:t>8.06.17 г.</a:t>
             </a:fld>
             <a:endParaRPr lang="bg-BG"/>
           </a:p>
@@ -2972,7 +2972,7 @@
           <a:p>
             <a:fld id="{3EA744D9-3FBE-48D8-BF2A-85DF203E4D20}" type="datetimeFigureOut">
               <a:rPr lang="bg-BG" smtClean="0"/>
-              <a:t>7.06.17 г.</a:t>
+              <a:t>8.06.17 г.</a:t>
             </a:fld>
             <a:endParaRPr lang="bg-BG"/>
           </a:p>
@@ -3194,7 +3194,7 @@
           <a:p>
             <a:fld id="{3EA744D9-3FBE-48D8-BF2A-85DF203E4D20}" type="datetimeFigureOut">
               <a:rPr lang="bg-BG" smtClean="0"/>
-              <a:t>7.06.17 г.</a:t>
+              <a:t>8.06.17 г.</a:t>
             </a:fld>
             <a:endParaRPr lang="bg-BG"/>
           </a:p>
@@ -4040,147 +4040,111 @@
                 </a:solidFill>
                 <a:sym typeface="Wingdings" panose="05000000000000000000" pitchFamily="2" charset="2"/>
               </a:rPr>
-              <a:t> </a:t>
-            </a:r>
-            <a:r>
+              <a:t> Transforming the servers in a state that we desire. Better control for your infrastructure.</a:t>
+            </a:r>
+            <a:br>
               <a:rPr lang="en-US" sz="2000" dirty="0" smtClean="0">
                 <a:solidFill>
                   <a:schemeClr val="accent6"/>
                 </a:solidFill>
                 <a:sym typeface="Wingdings" panose="05000000000000000000" pitchFamily="2" charset="2"/>
               </a:rPr>
-              <a:t>Transforming the servers in a state that we desire. Better control for your infrastructure.</a:t>
-            </a:r>
+            </a:br>
+            <a:r>
+              <a:rPr lang="en-US" sz="2000" dirty="0">
+                <a:solidFill>
+                  <a:schemeClr val="accent6"/>
+                </a:solidFill>
+                <a:sym typeface="Wingdings" panose="05000000000000000000" pitchFamily="2" charset="2"/>
+              </a:rPr>
+              <a:t/>
+            </a:r>
+            <a:br>
+              <a:rPr lang="en-US" sz="2000" dirty="0">
+                <a:solidFill>
+                  <a:schemeClr val="accent6"/>
+                </a:solidFill>
+                <a:sym typeface="Wingdings" panose="05000000000000000000" pitchFamily="2" charset="2"/>
+              </a:rPr>
+            </a:br>
             <a:r>
               <a:rPr lang="en-US" sz="2000" dirty="0" smtClean="0">
                 <a:solidFill>
-                  <a:schemeClr val="accent6"/>
+                  <a:srgbClr val="FF0000"/>
                 </a:solidFill>
                 <a:sym typeface="Wingdings" panose="05000000000000000000" pitchFamily="2" charset="2"/>
               </a:rPr>
-              <a:t/>
+              <a:t>Exercises:</a:t>
             </a:r>
             <a:br>
               <a:rPr lang="en-US" sz="2000" dirty="0" smtClean="0">
                 <a:solidFill>
-                  <a:schemeClr val="accent6"/>
+                  <a:srgbClr val="FF0000"/>
                 </a:solidFill>
                 <a:sym typeface="Wingdings" panose="05000000000000000000" pitchFamily="2" charset="2"/>
               </a:rPr>
             </a:br>
             <a:r>
-              <a:rPr lang="en-US" sz="2000" dirty="0">
+              <a:rPr lang="en-US" sz="2000" dirty="0" smtClean="0">
                 <a:solidFill>
                   <a:schemeClr val="accent6"/>
                 </a:solidFill>
                 <a:sym typeface="Wingdings" panose="05000000000000000000" pitchFamily="2" charset="2"/>
               </a:rPr>
-              <a:t/>
-            </a:r>
-            <a:br>
-              <a:rPr lang="en-US" sz="2000" dirty="0">
-                <a:solidFill>
-                  <a:schemeClr val="accent6"/>
+              <a:t>0.</a:t>
+            </a:r>
+            <a:r>
+              <a:rPr lang="en-US" sz="2000" dirty="0" smtClean="0">
+                <a:solidFill>
+                  <a:srgbClr val="FF0000"/>
                 </a:solidFill>
                 <a:sym typeface="Wingdings" panose="05000000000000000000" pitchFamily="2" charset="2"/>
               </a:rPr>
-            </a:br>
+              <a:t> </a:t>
+            </a:r>
             <a:r>
               <a:rPr lang="en-US" sz="2000" dirty="0" smtClean="0">
                 <a:solidFill>
-                  <a:srgbClr val="FF0000"/>
+                  <a:schemeClr val="bg1"/>
                 </a:solidFill>
                 <a:sym typeface="Wingdings" panose="05000000000000000000" pitchFamily="2" charset="2"/>
               </a:rPr>
-              <a:t>Exercises</a:t>
-            </a:r>
-            <a:r>
+              <a:t>You should have EPEL repo already installed.</a:t>
+            </a:r>
+            <a:br>
               <a:rPr lang="en-US" sz="2000" dirty="0" smtClean="0">
                 <a:solidFill>
-                  <a:srgbClr val="FF0000"/>
+                  <a:schemeClr val="bg1"/>
                 </a:solidFill>
                 <a:sym typeface="Wingdings" panose="05000000000000000000" pitchFamily="2" charset="2"/>
               </a:rPr>
-              <a:t>:</a:t>
-            </a:r>
-            <a:br>
+            </a:br>
+            <a:r>
               <a:rPr lang="en-US" sz="2000" dirty="0" smtClean="0">
                 <a:solidFill>
-                  <a:srgbClr val="FF0000"/>
+                  <a:schemeClr val="bg1"/>
                 </a:solidFill>
                 <a:sym typeface="Wingdings" panose="05000000000000000000" pitchFamily="2" charset="2"/>
               </a:rPr>
-            </a:br>
+              <a:t>‘yum install </a:t>
+            </a:r>
+            <a:r>
+              <a:rPr lang="en-US" sz="2000" dirty="0" err="1" smtClean="0">
+                <a:solidFill>
+                  <a:schemeClr val="bg1"/>
+                </a:solidFill>
+                <a:sym typeface="Wingdings" panose="05000000000000000000" pitchFamily="2" charset="2"/>
+              </a:rPr>
+              <a:t>epel</a:t>
+            </a:r>
             <a:r>
               <a:rPr lang="en-US" sz="2000" dirty="0" smtClean="0">
                 <a:solidFill>
-                  <a:schemeClr val="accent6"/>
+                  <a:schemeClr val="bg1"/>
                 </a:solidFill>
                 <a:sym typeface="Wingdings" panose="05000000000000000000" pitchFamily="2" charset="2"/>
               </a:rPr>
-              <a:t>0.</a:t>
-            </a:r>
-            <a:r>
-              <a:rPr lang="en-US" sz="2000" dirty="0" smtClean="0">
-                <a:solidFill>
-                  <a:srgbClr val="FF0000"/>
-                </a:solidFill>
-                <a:sym typeface="Wingdings" panose="05000000000000000000" pitchFamily="2" charset="2"/>
-              </a:rPr>
-              <a:t> </a:t>
-            </a:r>
-            <a:r>
-              <a:rPr lang="en-US" sz="2000" dirty="0" smtClean="0">
-                <a:solidFill>
-                  <a:schemeClr val="bg1"/>
-                </a:solidFill>
-                <a:sym typeface="Wingdings" panose="05000000000000000000" pitchFamily="2" charset="2"/>
-              </a:rPr>
-              <a:t>You should have EPEL repo already installed.</a:t>
-            </a:r>
-            <a:br>
-              <a:rPr lang="en-US" sz="2000" dirty="0" smtClean="0">
-                <a:solidFill>
-                  <a:schemeClr val="bg1"/>
-                </a:solidFill>
-                <a:sym typeface="Wingdings" panose="05000000000000000000" pitchFamily="2" charset="2"/>
-              </a:rPr>
-            </a:br>
-            <a:r>
-              <a:rPr lang="en-US" sz="2000" dirty="0" smtClean="0">
-                <a:solidFill>
-                  <a:schemeClr val="bg1"/>
-                </a:solidFill>
-                <a:sym typeface="Wingdings" panose="05000000000000000000" pitchFamily="2" charset="2"/>
-              </a:rPr>
-              <a:t>‘yum install </a:t>
-            </a:r>
-            <a:r>
-              <a:rPr lang="en-US" sz="2000" dirty="0" err="1" smtClean="0">
-                <a:solidFill>
-                  <a:schemeClr val="bg1"/>
-                </a:solidFill>
-                <a:sym typeface="Wingdings" panose="05000000000000000000" pitchFamily="2" charset="2"/>
-              </a:rPr>
-              <a:t>epel</a:t>
-            </a:r>
-            <a:r>
-              <a:rPr lang="en-US" sz="2000" dirty="0" smtClean="0">
-                <a:solidFill>
-                  <a:schemeClr val="bg1"/>
-                </a:solidFill>
-                <a:sym typeface="Wingdings" panose="05000000000000000000" pitchFamily="2" charset="2"/>
-              </a:rPr>
               <a:t>-release’ if not.</a:t>
-            </a:r>
-            <a:r>
-              <a:rPr lang="en-US" sz="2000" dirty="0" smtClean="0">
-                <a:solidFill>
-                  <a:schemeClr val="bg1"/>
-                </a:solidFill>
-                <a:sym typeface="Wingdings" panose="05000000000000000000" pitchFamily="2" charset="2"/>
-              </a:rPr>
-              <a:t/>
             </a:r>
             <a:br>
               <a:rPr lang="en-US" sz="2000" dirty="0" smtClean="0">
@@ -5182,15 +5146,7 @@
                   <a:srgbClr val="FF0000"/>
                 </a:solidFill>
               </a:rPr>
-              <a:t>Exercises</a:t>
-            </a:r>
-            <a:r>
-              <a:rPr lang="en-US" dirty="0" smtClean="0">
-                <a:solidFill>
-                  <a:srgbClr val="FF0000"/>
-                </a:solidFill>
-              </a:rPr>
-              <a:t>:</a:t>
+              <a:t>Exercises:</a:t>
             </a:r>
           </a:p>
           <a:p>
@@ -5545,15 +5501,7 @@
                   <a:schemeClr val="accent6"/>
                 </a:solidFill>
               </a:rPr>
-              <a:t>6. Discussion between 3 and 4</a:t>
-            </a:r>
-            <a:r>
-              <a:rPr lang="en-US" dirty="0" smtClean="0">
-                <a:solidFill>
-                  <a:schemeClr val="accent6"/>
-                </a:solidFill>
-              </a:rPr>
-              <a:t>.</a:t>
+              <a:t>6. Discussion between 3 and 4.</a:t>
             </a:r>
             <a:endParaRPr lang="en-US" dirty="0">
               <a:solidFill>
@@ -5808,14 +5756,6 @@
               </a:rPr>
               <a:t>”</a:t>
             </a:r>
-            <a:r>
-              <a:rPr lang="en-US" sz="2000" dirty="0" smtClean="0">
-                <a:solidFill>
-                  <a:schemeClr val="bg1"/>
-                </a:solidFill>
-              </a:rPr>
-              <a:t/>
-            </a:r>
             <a:br>
               <a:rPr lang="en-US" sz="2000" dirty="0" smtClean="0">
                 <a:solidFill>
@@ -6399,38 +6339,22 @@
                   <a:schemeClr val="accent6"/>
                 </a:solidFill>
               </a:rPr>
-              <a:t> repo and try to run it under our node</a:t>
-            </a:r>
-            <a:r>
+              <a:t> repo and try to run it under our node.</a:t>
+            </a:r>
+            <a:br>
               <a:rPr lang="en-US" sz="2200" dirty="0" smtClean="0">
                 <a:solidFill>
                   <a:schemeClr val="accent6"/>
                 </a:solidFill>
               </a:rPr>
-              <a:t>.</a:t>
-            </a:r>
-            <a:br>
+            </a:br>
+            <a:r>
               <a:rPr lang="en-US" sz="2200" dirty="0" smtClean="0">
                 <a:solidFill>
                   <a:schemeClr val="accent6"/>
                 </a:solidFill>
               </a:rPr>
-            </a:br>
-            <a:r>
-              <a:rPr lang="en-US" sz="2200" dirty="0" smtClean="0">
-                <a:solidFill>
-                  <a:schemeClr val="accent6"/>
-                </a:solidFill>
-              </a:rPr>
               <a:t>2. Check the result on the slave node.</a:t>
-            </a:r>
-            <a:r>
-              <a:rPr lang="en-US" sz="2200" dirty="0" smtClean="0">
-                <a:solidFill>
-                  <a:schemeClr val="accent6"/>
-                </a:solidFill>
-              </a:rPr>
-              <a:t/>
             </a:r>
             <a:br>
               <a:rPr lang="en-US" sz="2200" dirty="0" smtClean="0">
@@ -6669,70 +6593,216 @@
                   <a:schemeClr val="accent6"/>
                 </a:solidFill>
               </a:rPr>
-              <a:t>Playbooks </a:t>
-            </a:r>
+              <a:t>A task is simply the use of one of </a:t>
+            </a:r>
+            <a:r>
+              <a:rPr lang="en-US" sz="2200" dirty="0" err="1" smtClean="0">
+                <a:solidFill>
+                  <a:schemeClr val="accent6"/>
+                </a:solidFill>
+              </a:rPr>
+              <a:t>Ansible</a:t>
+            </a:r>
+            <a:r>
+              <a:rPr lang="en-US" sz="2200" dirty="0" smtClean="0">
+                <a:solidFill>
+                  <a:schemeClr val="accent6"/>
+                </a:solidFill>
+              </a:rPr>
+              <a:t> modules. For </a:t>
+            </a:r>
+            <a:r>
+              <a:rPr lang="en-US" sz="2200" dirty="0" err="1" smtClean="0">
+                <a:solidFill>
+                  <a:schemeClr val="accent6"/>
+                </a:solidFill>
+              </a:rPr>
+              <a:t>exampple</a:t>
+            </a:r>
+            <a:r>
+              <a:rPr lang="en-US" sz="2200" dirty="0" smtClean="0">
+                <a:solidFill>
+                  <a:schemeClr val="accent6"/>
+                </a:solidFill>
+              </a:rPr>
+              <a:t>, installing package would be a task since it will require you to use the ‘</a:t>
+            </a:r>
+            <a:r>
+              <a:rPr lang="en-US" sz="2200" dirty="0" smtClean="0">
+                <a:solidFill>
+                  <a:schemeClr val="bg1"/>
+                </a:solidFill>
+              </a:rPr>
+              <a:t>yum</a:t>
+            </a:r>
+            <a:r>
+              <a:rPr lang="en-US" sz="2200" dirty="0" smtClean="0">
+                <a:solidFill>
+                  <a:schemeClr val="accent6"/>
+                </a:solidFill>
+              </a:rPr>
+              <a:t>’ module.</a:t>
+            </a:r>
+            <a:br>
+              <a:rPr lang="en-US" sz="2200" dirty="0" smtClean="0">
+                <a:solidFill>
+                  <a:schemeClr val="accent6"/>
+                </a:solidFill>
+              </a:rPr>
+            </a:br>
             <a:r>
               <a:rPr lang="en-US" sz="2200" dirty="0">
                 <a:solidFill>
                   <a:schemeClr val="accent6"/>
                 </a:solidFill>
               </a:rPr>
-              <a:t>allow you to organize your configuration and management tasks in simple, human-readable files. Each playbook contains a list of tasks </a:t>
-            </a:r>
+              <a:t/>
+            </a:r>
+            <a:br>
+              <a:rPr lang="en-US" sz="2200" dirty="0">
+                <a:solidFill>
+                  <a:schemeClr val="accent6"/>
+                </a:solidFill>
+              </a:rPr>
+            </a:br>
             <a:r>
               <a:rPr lang="en-US" sz="2200" dirty="0" smtClean="0">
                 <a:solidFill>
                   <a:schemeClr val="accent6"/>
                 </a:solidFill>
               </a:rPr>
-              <a:t>and </a:t>
-            </a:r>
+              <a:t>Execute a playbook with to force the playbook to report the changes it would make ‘</a:t>
+            </a:r>
+            <a:r>
+              <a:rPr lang="en-US" sz="2200" dirty="0" smtClean="0">
+                <a:solidFill>
+                  <a:schemeClr val="bg1"/>
+                </a:solidFill>
+              </a:rPr>
+              <a:t>—check’</a:t>
+            </a:r>
+            <a:r>
+              <a:rPr lang="en-US" sz="2200" dirty="0" smtClean="0">
+                <a:solidFill>
+                  <a:schemeClr val="accent6"/>
+                </a:solidFill>
+              </a:rPr>
+              <a:t>,  just to be on the safe side. </a:t>
+            </a:r>
+            <a:r>
+              <a:rPr lang="en-US" sz="2200" dirty="0" smtClean="0">
+                <a:solidFill>
+                  <a:schemeClr val="accent6"/>
+                </a:solidFill>
+              </a:rPr>
+              <a:t/>
+            </a:r>
+            <a:br>
+              <a:rPr lang="en-US" sz="2200" dirty="0" smtClean="0">
+                <a:solidFill>
+                  <a:schemeClr val="accent6"/>
+                </a:solidFill>
+              </a:rPr>
+            </a:br>
             <a:r>
               <a:rPr lang="en-US" sz="2200" dirty="0">
                 <a:solidFill>
                   <a:schemeClr val="accent6"/>
                 </a:solidFill>
               </a:rPr>
-              <a:t>are defined in a </a:t>
-            </a:r>
+              <a:t/>
+            </a:r>
+            <a:br>
+              <a:rPr lang="en-US" sz="2200" dirty="0">
+                <a:solidFill>
+                  <a:schemeClr val="accent6"/>
+                </a:solidFill>
+              </a:rPr>
+            </a:br>
             <a:r>
               <a:rPr lang="en-US" sz="2200" dirty="0" smtClean="0">
                 <a:solidFill>
+                  <a:srgbClr val="FF0000"/>
+                </a:solidFill>
+              </a:rPr>
+              <a:t>Exercises:</a:t>
+            </a:r>
+            <a:r>
+              <a:rPr lang="en-US" sz="2200" dirty="0" smtClean="0">
+                <a:solidFill>
+                  <a:schemeClr val="accent6"/>
+                </a:solidFill>
+              </a:rPr>
+              <a:t/>
+            </a:r>
+            <a:br>
+              <a:rPr lang="en-US" sz="2200" dirty="0" smtClean="0">
+                <a:solidFill>
+                  <a:schemeClr val="accent6"/>
+                </a:solidFill>
+              </a:rPr>
+            </a:br>
+            <a:r>
+              <a:rPr lang="en-US" sz="2200" dirty="0" smtClean="0">
+                <a:solidFill>
+                  <a:schemeClr val="accent6"/>
+                </a:solidFill>
+              </a:rPr>
+              <a:t>1. Create a playbook that creates a file under your slave nodes.</a:t>
+            </a:r>
+            <a:br>
+              <a:rPr lang="en-US" sz="2200" dirty="0" smtClean="0">
+                <a:solidFill>
+                  <a:schemeClr val="accent6"/>
+                </a:solidFill>
+              </a:rPr>
+            </a:br>
+            <a:r>
+              <a:rPr lang="en-US" sz="2200" dirty="0" smtClean="0">
+                <a:solidFill>
+                  <a:schemeClr val="accent6"/>
+                </a:solidFill>
+              </a:rPr>
+              <a:t>2. Extend it so that it creates a user.</a:t>
+            </a:r>
+            <a:br>
+              <a:rPr lang="en-US" sz="2200" dirty="0" smtClean="0">
+                <a:solidFill>
+                  <a:schemeClr val="accent6"/>
+                </a:solidFill>
+              </a:rPr>
+            </a:br>
+            <a:r>
+              <a:rPr lang="en-US" sz="2200" dirty="0" smtClean="0">
+                <a:solidFill>
+                  <a:schemeClr val="accent6"/>
+                </a:solidFill>
+              </a:rPr>
+              <a:t>3. Run with with </a:t>
+            </a:r>
+            <a:r>
+              <a:rPr lang="mr-IN" sz="2200" dirty="0" smtClean="0">
+                <a:solidFill>
                   <a:schemeClr val="bg1"/>
                 </a:solidFill>
               </a:rPr>
-              <a:t>YAML</a:t>
+              <a:t>–</a:t>
             </a:r>
             <a:r>
               <a:rPr lang="en-US" sz="2200" dirty="0" smtClean="0">
                 <a:solidFill>
-                  <a:schemeClr val="accent6"/>
-                </a:solidFill>
-              </a:rPr>
-              <a:t>.  </a:t>
-            </a:r>
-            <a:r>
-              <a:rPr lang="en-US" sz="2200" dirty="0">
-                <a:solidFill>
-                  <a:schemeClr val="accent6"/>
-                </a:solidFill>
-              </a:rPr>
-              <a:t/>
-            </a:r>
-            <a:br>
-              <a:rPr lang="en-US" sz="2200" dirty="0">
-                <a:solidFill>
-                  <a:schemeClr val="accent6"/>
-                </a:solidFill>
-              </a:rPr>
-            </a:br>
+                  <a:schemeClr val="bg1"/>
+                </a:solidFill>
+              </a:rPr>
+              <a:t>check </a:t>
+            </a:r>
             <a:r>
               <a:rPr lang="en-US" sz="2200" dirty="0" smtClean="0">
                 <a:solidFill>
                   <a:schemeClr val="accent6"/>
                 </a:solidFill>
               </a:rPr>
-              <a:t/>
+              <a:t>to make sure it’s fine.</a:t>
             </a:r>
             <a:br>
               <a:rPr lang="en-US" sz="2200" dirty="0" smtClean="0">
@@ -6747,155 +6817,17 @@
                   <a:schemeClr val="accent6"/>
                 </a:solidFill>
               </a:rPr>
-              <a:t>When </a:t>
-            </a:r>
-            <a:r>
-              <a:rPr lang="en-US" sz="2200" dirty="0" err="1" smtClean="0">
-                <a:solidFill>
-                  <a:schemeClr val="accent6"/>
-                </a:solidFill>
-              </a:rPr>
-              <a:t>ansible</a:t>
-            </a:r>
-            <a:r>
-              <a:rPr lang="en-US" sz="2200" dirty="0" smtClean="0">
-                <a:solidFill>
-                  <a:schemeClr val="accent6"/>
-                </a:solidFill>
-              </a:rPr>
-              <a:t>-playbook is executed with </a:t>
-            </a:r>
-            <a:r>
-              <a:rPr lang="en-US" sz="2200" dirty="0" smtClean="0">
-                <a:solidFill>
-                  <a:schemeClr val="bg1"/>
-                </a:solidFill>
-              </a:rPr>
-              <a:t>–check </a:t>
-            </a:r>
-            <a:r>
-              <a:rPr lang="en-US" sz="2200" dirty="0" smtClean="0">
-                <a:solidFill>
-                  <a:schemeClr val="accent6"/>
-                </a:solidFill>
-              </a:rPr>
-              <a:t>it will not make any changes on remote system. It will report what changes the would have made rather than making them.</a:t>
-            </a:r>
-            <a:br>
-              <a:rPr lang="en-US" sz="2200" dirty="0" smtClean="0">
-                <a:solidFill>
-                  <a:schemeClr val="accent6"/>
-                </a:solidFill>
-              </a:rPr>
-            </a:br>
-            <a:r>
-              <a:rPr lang="en-US" sz="2200" dirty="0">
-                <a:solidFill>
-                  <a:schemeClr val="accent6"/>
-                </a:solidFill>
-              </a:rPr>
-              <a:t/>
-            </a:r>
-            <a:br>
-              <a:rPr lang="en-US" sz="2200" dirty="0">
-                <a:solidFill>
-                  <a:schemeClr val="accent6"/>
-                </a:solidFill>
-              </a:rPr>
-            </a:br>
-            <a:r>
-              <a:rPr lang="en-US" sz="2200" dirty="0" smtClean="0">
-                <a:solidFill>
-                  <a:srgbClr val="FF0000"/>
-                </a:solidFill>
-              </a:rPr>
-              <a:t>Exercises:</a:t>
-            </a:r>
-            <a:r>
-              <a:rPr lang="en-US" sz="2200" dirty="0" smtClean="0">
-                <a:solidFill>
-                  <a:schemeClr val="accent6"/>
-                </a:solidFill>
-              </a:rPr>
-              <a:t/>
-            </a:r>
-            <a:br>
-              <a:rPr lang="en-US" sz="2200" dirty="0" smtClean="0">
-                <a:solidFill>
-                  <a:schemeClr val="accent6"/>
-                </a:solidFill>
-              </a:rPr>
-            </a:br>
-            <a:r>
-              <a:rPr lang="en-US" sz="2200" dirty="0" smtClean="0">
-                <a:solidFill>
-                  <a:schemeClr val="accent6"/>
-                </a:solidFill>
-              </a:rPr>
-              <a:t>1. Follow the playbook in the </a:t>
-            </a:r>
-            <a:r>
-              <a:rPr lang="en-US" sz="2200" dirty="0" err="1" smtClean="0">
-                <a:solidFill>
-                  <a:schemeClr val="accent6"/>
-                </a:solidFill>
-              </a:rPr>
-              <a:t>github</a:t>
-            </a:r>
-            <a:r>
-              <a:rPr lang="en-US" sz="2200" dirty="0" smtClean="0">
-                <a:solidFill>
-                  <a:schemeClr val="accent6"/>
-                </a:solidFill>
-              </a:rPr>
-              <a:t> repo and try to run it under our node</a:t>
-            </a:r>
-            <a:r>
-              <a:rPr lang="en-US" sz="2200" dirty="0" smtClean="0">
-                <a:solidFill>
-                  <a:schemeClr val="accent6"/>
-                </a:solidFill>
-              </a:rPr>
-              <a:t>.</a:t>
-            </a:r>
-            <a:br>
-              <a:rPr lang="en-US" sz="2200" dirty="0" smtClean="0">
-                <a:solidFill>
-                  <a:schemeClr val="accent6"/>
-                </a:solidFill>
-              </a:rPr>
-            </a:br>
-            <a:r>
-              <a:rPr lang="en-US" sz="2200" dirty="0" smtClean="0">
-                <a:solidFill>
-                  <a:schemeClr val="accent6"/>
-                </a:solidFill>
-              </a:rPr>
-              <a:t>2. Check the result on the slave node.</a:t>
-            </a:r>
-            <a:r>
-              <a:rPr lang="en-US" sz="2200" dirty="0" smtClean="0">
-                <a:solidFill>
-                  <a:schemeClr val="accent6"/>
-                </a:solidFill>
-              </a:rPr>
-              <a:t/>
-            </a:r>
-            <a:br>
-              <a:rPr lang="en-US" sz="2200" dirty="0" smtClean="0">
-                <a:solidFill>
-                  <a:schemeClr val="accent6"/>
-                </a:solidFill>
-              </a:rPr>
-            </a:br>
-            <a:r>
-              <a:rPr lang="en-US" dirty="0" smtClean="0"/>
-              <a:t>file</a:t>
-            </a:r>
-            <a:r>
-              <a:rPr lang="en-US" dirty="0"/>
-              <a:t>.</a:t>
-            </a:r>
+              <a:t>4. </a:t>
+            </a:r>
+            <a:r>
+              <a:rPr lang="en-US" sz="2200" smtClean="0">
+                <a:solidFill>
+                  <a:schemeClr val="accent6"/>
+                </a:solidFill>
+              </a:rPr>
+              <a:t>Run it normally.</a:t>
+            </a:r>
+            <a:endParaRPr lang="en-US" dirty="0"/>
           </a:p>
         </p:txBody>
       </p:sp>

--- a/16.ConfigurationManagement_With_Ansible/16-Conf_Man_Ansible.pptx
+++ b/16.ConfigurationManagement_With_Ansible/16-Conf_Man_Ansible.pptx
@@ -5,7 +5,7 @@
     <p:sldMasterId id="2147483648" r:id="rId1"/>
   </p:sldMasterIdLst>
   <p:notesMasterIdLst>
-    <p:notesMasterId r:id="rId7"/>
+    <p:notesMasterId r:id="rId8"/>
   </p:notesMasterIdLst>
   <p:sldIdLst>
     <p:sldId id="285" r:id="rId2"/>
@@ -13,6 +13,7 @@
     <p:sldId id="295" r:id="rId4"/>
     <p:sldId id="296" r:id="rId5"/>
     <p:sldId id="297" r:id="rId6"/>
+    <p:sldId id="298" r:id="rId7"/>
   </p:sldIdLst>
   <p:sldSz cx="9144000" cy="6858000" type="screen4x3"/>
   <p:notesSz cx="6858000" cy="9144000"/>
@@ -6817,15 +6818,7 @@
                   <a:schemeClr val="accent6"/>
                 </a:solidFill>
               </a:rPr>
-              <a:t>4. </a:t>
-            </a:r>
-            <a:r>
-              <a:rPr lang="en-US" sz="2200" smtClean="0">
-                <a:solidFill>
-                  <a:schemeClr val="accent6"/>
-                </a:solidFill>
-              </a:rPr>
-              <a:t>Run it normally.</a:t>
+              <a:t>4. Run it normally.</a:t>
             </a:r>
             <a:endParaRPr lang="en-US" dirty="0"/>
           </a:p>
@@ -6861,6 +6854,247 @@
     <p:extLst>
       <p:ext uri="{BB962C8B-B14F-4D97-AF65-F5344CB8AC3E}">
         <p14:creationId xmlns:p14="http://schemas.microsoft.com/office/powerpoint/2010/main" val="534083672"/>
+      </p:ext>
+    </p:extLst>
+  </p:cSld>
+  <p:clrMapOvr>
+    <a:masterClrMapping/>
+  </p:clrMapOvr>
+</p:sld>
+</file>
+
+<file path=ppt/slides/slide6.xml><?xml version="1.0" encoding="utf-8"?>
+<p:sld xmlns:a="http://schemas.openxmlformats.org/drawingml/2006/main" xmlns:r="http://schemas.openxmlformats.org/officeDocument/2006/relationships" xmlns:p="http://schemas.openxmlformats.org/presentationml/2006/main">
+  <p:cSld>
+    <p:spTree>
+      <p:nvGrpSpPr>
+        <p:cNvPr id="1" name=""/>
+        <p:cNvGrpSpPr/>
+        <p:nvPr/>
+      </p:nvGrpSpPr>
+      <p:grpSpPr>
+        <a:xfrm>
+          <a:off x="0" y="0"/>
+          <a:ext cx="0" cy="0"/>
+          <a:chOff x="0" y="0"/>
+          <a:chExt cx="0" cy="0"/>
+        </a:xfrm>
+      </p:grpSpPr>
+      <p:sp>
+        <p:nvSpPr>
+          <p:cNvPr id="2" name="Title 1"/>
+          <p:cNvSpPr>
+            <a:spLocks noGrp="1"/>
+          </p:cNvSpPr>
+          <p:nvPr>
+            <p:ph type="title"/>
+          </p:nvPr>
+        </p:nvSpPr>
+        <p:spPr>
+          <a:xfrm>
+            <a:off x="228600" y="838200"/>
+            <a:ext cx="8229600" cy="1143000"/>
+          </a:xfrm>
+        </p:spPr>
+        <p:txBody>
+          <a:bodyPr>
+            <a:normAutofit fontScale="90000"/>
+          </a:bodyPr>
+          <a:lstStyle/>
+          <a:p>
+            <a:r>
+              <a:rPr lang="en-US" sz="2200" dirty="0" smtClean="0">
+                <a:solidFill>
+                  <a:schemeClr val="accent6"/>
+                </a:solidFill>
+              </a:rPr>
+              <a:t/>
+            </a:r>
+            <a:br>
+              <a:rPr lang="en-US" sz="2200" dirty="0" smtClean="0">
+                <a:solidFill>
+                  <a:schemeClr val="accent6"/>
+                </a:solidFill>
+              </a:rPr>
+            </a:br>
+            <a:r>
+              <a:rPr lang="en-US" sz="2200" dirty="0">
+                <a:solidFill>
+                  <a:schemeClr val="accent6"/>
+                </a:solidFill>
+              </a:rPr>
+              <a:t/>
+            </a:r>
+            <a:br>
+              <a:rPr lang="en-US" sz="2200" dirty="0">
+                <a:solidFill>
+                  <a:schemeClr val="accent6"/>
+                </a:solidFill>
+              </a:rPr>
+            </a:br>
+            <a:r>
+              <a:rPr lang="en-US" sz="2200" dirty="0" smtClean="0">
+                <a:solidFill>
+                  <a:schemeClr val="accent6"/>
+                </a:solidFill>
+              </a:rPr>
+              <a:t/>
+            </a:r>
+            <a:br>
+              <a:rPr lang="en-US" sz="2200" dirty="0" smtClean="0">
+                <a:solidFill>
+                  <a:schemeClr val="accent6"/>
+                </a:solidFill>
+              </a:rPr>
+            </a:br>
+            <a:r>
+              <a:rPr lang="en-US" sz="2200" dirty="0" smtClean="0">
+                <a:solidFill>
+                  <a:schemeClr val="accent6"/>
+                </a:solidFill>
+              </a:rPr>
+              <a:t/>
+            </a:r>
+            <a:br>
+              <a:rPr lang="en-US" sz="2200" dirty="0" smtClean="0">
+                <a:solidFill>
+                  <a:schemeClr val="accent6"/>
+                </a:solidFill>
+              </a:rPr>
+            </a:br>
+            <a:r>
+              <a:rPr lang="en-US" sz="2200" dirty="0" smtClean="0">
+                <a:solidFill>
+                  <a:schemeClr val="accent6"/>
+                </a:solidFill>
+              </a:rPr>
+              <a:t/>
+            </a:r>
+            <a:br>
+              <a:rPr lang="en-US" sz="2200" dirty="0" smtClean="0">
+                <a:solidFill>
+                  <a:schemeClr val="accent6"/>
+                </a:solidFill>
+              </a:rPr>
+            </a:br>
+            <a:r>
+              <a:rPr lang="en-US" sz="2200" dirty="0">
+                <a:solidFill>
+                  <a:schemeClr val="accent6"/>
+                </a:solidFill>
+              </a:rPr>
+              <a:t/>
+            </a:r>
+            <a:br>
+              <a:rPr lang="en-US" sz="2200" dirty="0">
+                <a:solidFill>
+                  <a:schemeClr val="accent6"/>
+                </a:solidFill>
+              </a:rPr>
+            </a:br>
+            <a:r>
+              <a:rPr lang="en-US" sz="2200" dirty="0" smtClean="0">
+                <a:solidFill>
+                  <a:schemeClr val="accent6"/>
+                </a:solidFill>
+              </a:rPr>
+              <a:t/>
+            </a:r>
+            <a:br>
+              <a:rPr lang="en-US" sz="2200" dirty="0" smtClean="0">
+                <a:solidFill>
+                  <a:schemeClr val="accent6"/>
+                </a:solidFill>
+              </a:rPr>
+            </a:br>
+            <a:r>
+              <a:rPr lang="en-US" sz="2200" dirty="0">
+                <a:solidFill>
+                  <a:schemeClr val="accent6"/>
+                </a:solidFill>
+              </a:rPr>
+              <a:t/>
+            </a:r>
+            <a:br>
+              <a:rPr lang="en-US" sz="2200" dirty="0">
+                <a:solidFill>
+                  <a:schemeClr val="accent6"/>
+                </a:solidFill>
+              </a:rPr>
+            </a:br>
+            <a:r>
+              <a:rPr lang="en-US" sz="2200" dirty="0" smtClean="0">
+                <a:solidFill>
+                  <a:schemeClr val="accent6"/>
+                </a:solidFill>
+              </a:rPr>
+              <a:t/>
+            </a:r>
+            <a:br>
+              <a:rPr lang="en-US" sz="2200" dirty="0" smtClean="0">
+                <a:solidFill>
+                  <a:schemeClr val="accent6"/>
+                </a:solidFill>
+              </a:rPr>
+            </a:br>
+            <a:r>
+              <a:rPr lang="en-US" sz="2200" dirty="0" err="1" smtClean="0">
+                <a:solidFill>
+                  <a:schemeClr val="accent6"/>
+                </a:solidFill>
+              </a:rPr>
+              <a:t>Ansible</a:t>
+            </a:r>
+            <a:r>
+              <a:rPr lang="en-US" sz="2200" dirty="0" smtClean="0">
+                <a:solidFill>
+                  <a:schemeClr val="accent6"/>
+                </a:solidFill>
+              </a:rPr>
+              <a:t> is a huge topic and another course could cover it, the idea is just to give you a basic overview about what benefits it has. It’s not going to be part of the exam, so do not worry </a:t>
+            </a:r>
+            <a:r>
+              <a:rPr lang="en-US" sz="2200" smtClean="0">
+                <a:solidFill>
+                  <a:schemeClr val="accent6"/>
+                </a:solidFill>
+              </a:rPr>
+              <a:t>about it.</a:t>
+            </a:r>
+            <a:endParaRPr lang="en-US" dirty="0"/>
+          </a:p>
+        </p:txBody>
+      </p:sp>
+      <p:sp>
+        <p:nvSpPr>
+          <p:cNvPr id="5" name="Content Placeholder 4"/>
+          <p:cNvSpPr>
+            <a:spLocks noGrp="1"/>
+          </p:cNvSpPr>
+          <p:nvPr>
+            <p:ph idx="1"/>
+          </p:nvPr>
+        </p:nvSpPr>
+        <p:spPr>
+          <a:xfrm>
+            <a:off x="5943600" y="5715000"/>
+            <a:ext cx="2743200" cy="411163"/>
+          </a:xfrm>
+        </p:spPr>
+        <p:txBody>
+          <a:bodyPr>
+            <a:normAutofit fontScale="77500" lnSpcReduction="20000"/>
+          </a:bodyPr>
+          <a:lstStyle/>
+          <a:p>
+            <a:endParaRPr lang="en-US" dirty="0"/>
+          </a:p>
+        </p:txBody>
+      </p:sp>
+    </p:spTree>
+    <p:extLst>
+      <p:ext uri="{BB962C8B-B14F-4D97-AF65-F5344CB8AC3E}">
+        <p14:creationId xmlns:p14="http://schemas.microsoft.com/office/powerpoint/2010/main" val="2042206212"/>
       </p:ext>
     </p:extLst>
   </p:cSld>

--- a/16.ConfigurationManagement_With_Ansible/16-Conf_Man_Ansible.pptx
+++ b/16.ConfigurationManagement_With_Ansible/16-Conf_Man_Ansible.pptx
@@ -6690,14 +6690,6 @@
               </a:rPr>
               <a:t>,  just to be on the safe side. </a:t>
             </a:r>
-            <a:r>
-              <a:rPr lang="en-US" sz="2200" dirty="0" smtClean="0">
-                <a:solidFill>
-                  <a:schemeClr val="accent6"/>
-                </a:solidFill>
-              </a:rPr>
-              <a:t/>
-            </a:r>
             <a:br>
               <a:rPr lang="en-US" sz="2200" dirty="0" smtClean="0">
                 <a:solidFill>
@@ -7051,17 +7043,82 @@
                   <a:schemeClr val="accent6"/>
                 </a:solidFill>
               </a:rPr>
-              <a:t> is a huge topic and another course could cover it, the idea is just to give you a basic overview about what benefits it has. It’s not going to be part of the exam, so do not worry </a:t>
-            </a:r>
-            <a:r>
-              <a:rPr lang="en-US" sz="2200" smtClean="0">
-                <a:solidFill>
-                  <a:schemeClr val="accent6"/>
-                </a:solidFill>
-              </a:rPr>
-              <a:t>about it.</a:t>
-            </a:r>
-            <a:endParaRPr lang="en-US" dirty="0"/>
+              <a:t> is a huge topic and another course could cover it, the idea is just to give you a basic overview about what benefits it has. It’s not going to be part of the exam, so do not worry about it</a:t>
+            </a:r>
+            <a:r>
+              <a:rPr lang="en-US" sz="2200" dirty="0" smtClean="0">
+                <a:solidFill>
+                  <a:schemeClr val="accent6"/>
+                </a:solidFill>
+              </a:rPr>
+              <a:t>.</a:t>
+            </a:r>
+            <a:br>
+              <a:rPr lang="en-US" sz="2200" dirty="0" smtClean="0">
+                <a:solidFill>
+                  <a:schemeClr val="accent6"/>
+                </a:solidFill>
+              </a:rPr>
+            </a:br>
+            <a:r>
+              <a:rPr lang="en-US" sz="2200" dirty="0">
+                <a:solidFill>
+                  <a:schemeClr val="accent6"/>
+                </a:solidFill>
+              </a:rPr>
+              <a:t/>
+            </a:r>
+            <a:br>
+              <a:rPr lang="en-US" sz="2200" dirty="0">
+                <a:solidFill>
+                  <a:schemeClr val="accent6"/>
+                </a:solidFill>
+              </a:rPr>
+            </a:br>
+            <a:r>
+              <a:rPr lang="en-US" sz="2200" dirty="0" smtClean="0">
+                <a:solidFill>
+                  <a:srgbClr val="FF0000"/>
+                </a:solidFill>
+              </a:rPr>
+              <a:t>Homework:</a:t>
+            </a:r>
+            <a:r>
+              <a:rPr lang="en-US" sz="2200" dirty="0" smtClean="0">
+                <a:solidFill>
+                  <a:schemeClr val="accent6"/>
+                </a:solidFill>
+              </a:rPr>
+              <a:t/>
+            </a:r>
+            <a:br>
+              <a:rPr lang="en-US" sz="2200" dirty="0" smtClean="0">
+                <a:solidFill>
+                  <a:schemeClr val="accent6"/>
+                </a:solidFill>
+              </a:rPr>
+            </a:br>
+            <a:r>
+              <a:rPr lang="en-US" sz="2200" dirty="0" smtClean="0">
+                <a:solidFill>
+                  <a:schemeClr val="accent6"/>
+                </a:solidFill>
+              </a:rPr>
+              <a:t>1. </a:t>
+            </a:r>
+            <a:r>
+              <a:rPr lang="en-US" sz="2200" dirty="0" smtClean="0">
+                <a:solidFill>
+                  <a:schemeClr val="bg1"/>
+                </a:solidFill>
+              </a:rPr>
+              <a:t>Preparation for exam.</a:t>
+            </a:r>
+            <a:endParaRPr lang="en-US" dirty="0">
+              <a:solidFill>
+                <a:schemeClr val="bg1"/>
+              </a:solidFill>
+            </a:endParaRPr>
           </a:p>
         </p:txBody>
       </p:sp>

--- a/16.ConfigurationManagement_With_Ansible/16-Conf_Man_Ansible.pptx
+++ b/16.ConfigurationManagement_With_Ansible/16-Conf_Man_Ansible.pptx
@@ -221,7 +221,7 @@
           <a:p>
             <a:fld id="{75861919-8521-4274-BB91-998CD62CEE44}" type="datetimeFigureOut">
               <a:rPr lang="en-US" smtClean="0"/>
-              <a:t>6/8/17</a:t>
+              <a:t>7/17/17</a:t>
             </a:fld>
             <a:endParaRPr lang="en-US"/>
           </a:p>
@@ -754,7 +754,7 @@
           <a:p>
             <a:fld id="{3EA744D9-3FBE-48D8-BF2A-85DF203E4D20}" type="datetimeFigureOut">
               <a:rPr lang="bg-BG" smtClean="0"/>
-              <a:t>8.06.17 г.</a:t>
+              <a:t>17.07.17 г.</a:t>
             </a:fld>
             <a:endParaRPr lang="bg-BG"/>
           </a:p>
@@ -924,7 +924,7 @@
           <a:p>
             <a:fld id="{3EA744D9-3FBE-48D8-BF2A-85DF203E4D20}" type="datetimeFigureOut">
               <a:rPr lang="bg-BG" smtClean="0"/>
-              <a:t>8.06.17 г.</a:t>
+              <a:t>17.07.17 г.</a:t>
             </a:fld>
             <a:endParaRPr lang="bg-BG"/>
           </a:p>
@@ -1104,7 +1104,7 @@
           <a:p>
             <a:fld id="{3EA744D9-3FBE-48D8-BF2A-85DF203E4D20}" type="datetimeFigureOut">
               <a:rPr lang="bg-BG" smtClean="0"/>
-              <a:t>8.06.17 г.</a:t>
+              <a:t>17.07.17 г.</a:t>
             </a:fld>
             <a:endParaRPr lang="bg-BG"/>
           </a:p>
@@ -1274,7 +1274,7 @@
           <a:p>
             <a:fld id="{3EA744D9-3FBE-48D8-BF2A-85DF203E4D20}" type="datetimeFigureOut">
               <a:rPr lang="bg-BG" smtClean="0"/>
-              <a:t>8.06.17 г.</a:t>
+              <a:t>17.07.17 г.</a:t>
             </a:fld>
             <a:endParaRPr lang="bg-BG"/>
           </a:p>
@@ -1520,7 +1520,7 @@
           <a:p>
             <a:fld id="{3EA744D9-3FBE-48D8-BF2A-85DF203E4D20}" type="datetimeFigureOut">
               <a:rPr lang="bg-BG" smtClean="0"/>
-              <a:t>8.06.17 г.</a:t>
+              <a:t>17.07.17 г.</a:t>
             </a:fld>
             <a:endParaRPr lang="bg-BG"/>
           </a:p>
@@ -1808,7 +1808,7 @@
           <a:p>
             <a:fld id="{3EA744D9-3FBE-48D8-BF2A-85DF203E4D20}" type="datetimeFigureOut">
               <a:rPr lang="bg-BG" smtClean="0"/>
-              <a:t>8.06.17 г.</a:t>
+              <a:t>17.07.17 г.</a:t>
             </a:fld>
             <a:endParaRPr lang="bg-BG"/>
           </a:p>
@@ -2230,7 +2230,7 @@
           <a:p>
             <a:fld id="{3EA744D9-3FBE-48D8-BF2A-85DF203E4D20}" type="datetimeFigureOut">
               <a:rPr lang="bg-BG" smtClean="0"/>
-              <a:t>8.06.17 г.</a:t>
+              <a:t>17.07.17 г.</a:t>
             </a:fld>
             <a:endParaRPr lang="bg-BG"/>
           </a:p>
@@ -2348,7 +2348,7 @@
           <a:p>
             <a:fld id="{3EA744D9-3FBE-48D8-BF2A-85DF203E4D20}" type="datetimeFigureOut">
               <a:rPr lang="bg-BG" smtClean="0"/>
-              <a:t>8.06.17 г.</a:t>
+              <a:t>17.07.17 г.</a:t>
             </a:fld>
             <a:endParaRPr lang="bg-BG"/>
           </a:p>
@@ -2443,7 +2443,7 @@
           <a:p>
             <a:fld id="{3EA744D9-3FBE-48D8-BF2A-85DF203E4D20}" type="datetimeFigureOut">
               <a:rPr lang="bg-BG" smtClean="0"/>
-              <a:t>8.06.17 г.</a:t>
+              <a:t>17.07.17 г.</a:t>
             </a:fld>
             <a:endParaRPr lang="bg-BG"/>
           </a:p>
@@ -2720,7 +2720,7 @@
           <a:p>
             <a:fld id="{3EA744D9-3FBE-48D8-BF2A-85DF203E4D20}" type="datetimeFigureOut">
               <a:rPr lang="bg-BG" smtClean="0"/>
-              <a:t>8.06.17 г.</a:t>
+              <a:t>17.07.17 г.</a:t>
             </a:fld>
             <a:endParaRPr lang="bg-BG"/>
           </a:p>
@@ -2973,7 +2973,7 @@
           <a:p>
             <a:fld id="{3EA744D9-3FBE-48D8-BF2A-85DF203E4D20}" type="datetimeFigureOut">
               <a:rPr lang="bg-BG" smtClean="0"/>
-              <a:t>8.06.17 г.</a:t>
+              <a:t>17.07.17 г.</a:t>
             </a:fld>
             <a:endParaRPr lang="bg-BG"/>
           </a:p>
@@ -3195,7 +3195,7 @@
           <a:p>
             <a:fld id="{3EA744D9-3FBE-48D8-BF2A-85DF203E4D20}" type="datetimeFigureOut">
               <a:rPr lang="bg-BG" smtClean="0"/>
-              <a:t>8.06.17 г.</a:t>
+              <a:t>17.07.17 г.</a:t>
             </a:fld>
             <a:endParaRPr lang="bg-BG"/>
           </a:p>
@@ -4127,7 +4127,25 @@
                 </a:solidFill>
                 <a:sym typeface="Wingdings" panose="05000000000000000000" pitchFamily="2" charset="2"/>
               </a:rPr>
-              <a:t>‘yum install </a:t>
+              <a:t>‘</a:t>
+            </a:r>
+            <a:r>
+              <a:rPr lang="en-US" sz="2000" dirty="0" smtClean="0">
+                <a:solidFill>
+                  <a:schemeClr val="bg1"/>
+                </a:solidFill>
+                <a:sym typeface="Wingdings" panose="05000000000000000000" pitchFamily="2" charset="2"/>
+              </a:rPr>
+              <a:t>yum </a:t>
+            </a:r>
+            <a:r>
+              <a:rPr lang="en-US" sz="2000" dirty="0" smtClean="0">
+                <a:solidFill>
+                  <a:schemeClr val="bg1"/>
+                </a:solidFill>
+                <a:sym typeface="Wingdings" panose="05000000000000000000" pitchFamily="2" charset="2"/>
+              </a:rPr>
+              <a:t>install </a:t>
             </a:r>
             <a:r>
               <a:rPr lang="en-US" sz="2000" dirty="0" err="1" smtClean="0">
@@ -5630,8 +5648,15 @@
                   <a:schemeClr val="accent6"/>
                 </a:solidFill>
               </a:rPr>
-              <a:t>Running a live command on all nodes</a:t>
-            </a:r>
+              <a:t/>
+            </a:r>
+            <a:br>
+              <a:rPr lang="en-US" sz="2000" dirty="0" smtClean="0">
+                <a:solidFill>
+                  <a:schemeClr val="accent6"/>
+                </a:solidFill>
+              </a:rPr>
+            </a:br>
             <a:r>
               <a:rPr lang="en-US" sz="2000" dirty="0">
                 <a:solidFill>
@@ -5648,8 +5673,54 @@
               </a:rPr>
             </a:br>
             <a:r>
+              <a:rPr lang="en-US" sz="2000" dirty="0" smtClean="0">
+                <a:solidFill>
+                  <a:schemeClr val="accent6"/>
+                </a:solidFill>
+              </a:rPr>
+              <a:t/>
+            </a:r>
+            <a:br>
+              <a:rPr lang="en-US" sz="2000" dirty="0" smtClean="0">
+                <a:solidFill>
+                  <a:schemeClr val="accent6"/>
+                </a:solidFill>
+              </a:rPr>
+            </a:br>
+            <a:r>
+              <a:rPr lang="en-US" sz="2000" dirty="0" smtClean="0">
+                <a:solidFill>
+                  <a:schemeClr val="accent6"/>
+                </a:solidFill>
+              </a:rPr>
+              <a:t>Running </a:t>
+            </a:r>
+            <a:r>
+              <a:rPr lang="en-US" sz="2000" dirty="0" smtClean="0">
+                <a:solidFill>
+                  <a:schemeClr val="accent6"/>
+                </a:solidFill>
+              </a:rPr>
+              <a:t>a live command on all nodes</a:t>
+            </a:r>
+            <a:r>
               <a:rPr lang="en-US" sz="2000" dirty="0">
                 <a:solidFill>
+                  <a:schemeClr val="accent6"/>
+                </a:solidFill>
+              </a:rPr>
+              <a:t/>
+            </a:r>
+            <a:br>
+              <a:rPr lang="en-US" sz="2000" dirty="0">
+                <a:solidFill>
+                  <a:schemeClr val="accent6"/>
+                </a:solidFill>
+              </a:rPr>
+            </a:br>
+            <a:r>
+              <a:rPr lang="en-US" sz="2000" dirty="0">
+                <a:solidFill>
                   <a:srgbClr val="FF0000"/>
                 </a:solidFill>
               </a:rPr>
@@ -5938,12 +6009,244 @@
               <a:t> </a:t>
             </a:r>
             <a:r>
+              <a:rPr lang="en-US" sz="2000" dirty="0" smtClean="0">
+                <a:solidFill>
+                  <a:schemeClr val="accent6"/>
+                </a:solidFill>
+              </a:rPr>
+              <a:t>images</a:t>
+            </a:r>
+            <a:br>
+              <a:rPr lang="en-US" sz="2000" dirty="0" smtClean="0">
+                <a:solidFill>
+                  <a:schemeClr val="accent6"/>
+                </a:solidFill>
+              </a:rPr>
+            </a:br>
+            <a:r>
               <a:rPr lang="en-US" sz="2000" dirty="0">
                 <a:solidFill>
                   <a:schemeClr val="accent6"/>
                 </a:solidFill>
               </a:rPr>
-              <a:t>images</a:t>
+              <a:t/>
+            </a:r>
+            <a:br>
+              <a:rPr lang="en-US" sz="2000" dirty="0">
+                <a:solidFill>
+                  <a:schemeClr val="accent6"/>
+                </a:solidFill>
+              </a:rPr>
+            </a:br>
+            <a:r>
+              <a:rPr lang="en-US" sz="2000" dirty="0" smtClean="0">
+                <a:solidFill>
+                  <a:schemeClr val="accent6"/>
+                </a:solidFill>
+              </a:rPr>
+              <a:t>Exercises:</a:t>
+            </a:r>
+            <a:br>
+              <a:rPr lang="en-US" sz="2000" dirty="0" smtClean="0">
+                <a:solidFill>
+                  <a:schemeClr val="accent6"/>
+                </a:solidFill>
+              </a:rPr>
+            </a:br>
+            <a:r>
+              <a:rPr lang="en-US" sz="2000" dirty="0">
+                <a:solidFill>
+                  <a:schemeClr val="accent6"/>
+                </a:solidFill>
+              </a:rPr>
+              <a:t/>
+            </a:r>
+            <a:br>
+              <a:rPr lang="en-US" sz="2000" dirty="0">
+                <a:solidFill>
+                  <a:schemeClr val="accent6"/>
+                </a:solidFill>
+              </a:rPr>
+            </a:br>
+            <a:r>
+              <a:rPr lang="en-US" sz="2000" dirty="0" smtClean="0">
+                <a:solidFill>
+                  <a:schemeClr val="accent6"/>
+                </a:solidFill>
+              </a:rPr>
+              <a:t>1. </a:t>
+            </a:r>
+            <a:r>
+              <a:rPr lang="en-US" sz="2000" dirty="0" smtClean="0">
+                <a:solidFill>
+                  <a:schemeClr val="bg1"/>
+                </a:solidFill>
+              </a:rPr>
+              <a:t>yum </a:t>
+            </a:r>
+            <a:r>
+              <a:rPr lang="mr-IN" sz="2000" dirty="0" smtClean="0">
+                <a:solidFill>
+                  <a:schemeClr val="bg1"/>
+                </a:solidFill>
+              </a:rPr>
+              <a:t>–</a:t>
+            </a:r>
+            <a:r>
+              <a:rPr lang="en-US" sz="2000" dirty="0" smtClean="0">
+                <a:solidFill>
+                  <a:schemeClr val="bg1"/>
+                </a:solidFill>
+              </a:rPr>
+              <a:t>y install </a:t>
+            </a:r>
+            <a:r>
+              <a:rPr lang="en-US" sz="2000" dirty="0" err="1" smtClean="0">
+                <a:solidFill>
+                  <a:schemeClr val="bg1"/>
+                </a:solidFill>
+              </a:rPr>
+              <a:t>ansible</a:t>
+            </a:r>
+            <a:r>
+              <a:rPr lang="en-US" sz="2000" dirty="0" smtClean="0">
+                <a:solidFill>
+                  <a:schemeClr val="bg1"/>
+                </a:solidFill>
+              </a:rPr>
+              <a:t>-doc</a:t>
+            </a:r>
+            <a:r>
+              <a:rPr lang="en-US" sz="2000" dirty="0" smtClean="0">
+                <a:solidFill>
+                  <a:schemeClr val="accent6"/>
+                </a:solidFill>
+              </a:rPr>
+              <a:t/>
+            </a:r>
+            <a:br>
+              <a:rPr lang="en-US" sz="2000" dirty="0" smtClean="0">
+                <a:solidFill>
+                  <a:schemeClr val="accent6"/>
+                </a:solidFill>
+              </a:rPr>
+            </a:br>
+            <a:r>
+              <a:rPr lang="en-US" sz="2000" dirty="0" smtClean="0">
+                <a:solidFill>
+                  <a:schemeClr val="accent6"/>
+                </a:solidFill>
+              </a:rPr>
+              <a:t>2. </a:t>
+            </a:r>
+            <a:r>
+              <a:rPr lang="en-US" sz="2000" dirty="0" err="1" smtClean="0">
+                <a:solidFill>
+                  <a:schemeClr val="bg1"/>
+                </a:solidFill>
+              </a:rPr>
+              <a:t>ansible</a:t>
+            </a:r>
+            <a:r>
+              <a:rPr lang="en-US" sz="2000" dirty="0" smtClean="0">
+                <a:solidFill>
+                  <a:schemeClr val="bg1"/>
+                </a:solidFill>
+              </a:rPr>
+              <a:t>-doc </a:t>
+            </a:r>
+            <a:r>
+              <a:rPr lang="mr-IN" sz="2000" dirty="0" smtClean="0">
+                <a:solidFill>
+                  <a:schemeClr val="bg1"/>
+                </a:solidFill>
+              </a:rPr>
+              <a:t>–</a:t>
+            </a:r>
+            <a:r>
+              <a:rPr lang="en-US" sz="2000" dirty="0" smtClean="0">
+                <a:solidFill>
+                  <a:schemeClr val="bg1"/>
+                </a:solidFill>
+              </a:rPr>
+              <a:t>l</a:t>
+            </a:r>
+            <a:r>
+              <a:rPr lang="en-US" sz="2000" dirty="0" smtClean="0">
+                <a:solidFill>
+                  <a:schemeClr val="accent6"/>
+                </a:solidFill>
+              </a:rPr>
+              <a:t/>
+            </a:r>
+            <a:br>
+              <a:rPr lang="en-US" sz="2000" dirty="0" smtClean="0">
+                <a:solidFill>
+                  <a:schemeClr val="accent6"/>
+                </a:solidFill>
+              </a:rPr>
+            </a:br>
+            <a:r>
+              <a:rPr lang="en-US" sz="2000" smtClean="0">
+                <a:solidFill>
+                  <a:schemeClr val="accent6"/>
+                </a:solidFill>
+              </a:rPr>
+              <a:t>3. </a:t>
+            </a:r>
+            <a:r>
+              <a:rPr lang="en-US" sz="2000" smtClean="0">
+                <a:solidFill>
+                  <a:schemeClr val="bg1"/>
+                </a:solidFill>
+              </a:rPr>
+              <a:t>ansible</a:t>
+            </a:r>
+            <a:r>
+              <a:rPr lang="en-US" sz="2000" dirty="0" smtClean="0">
+                <a:solidFill>
+                  <a:schemeClr val="bg1"/>
+                </a:solidFill>
+              </a:rPr>
+              <a:t>-doc yum</a:t>
+            </a:r>
+            <a:r>
+              <a:rPr lang="en-US" sz="2000" dirty="0" smtClean="0">
+                <a:solidFill>
+                  <a:schemeClr val="accent6"/>
+                </a:solidFill>
+              </a:rPr>
+              <a:t/>
+            </a:r>
+            <a:br>
+              <a:rPr lang="en-US" sz="2000" dirty="0" smtClean="0">
+                <a:solidFill>
+                  <a:schemeClr val="accent6"/>
+                </a:solidFill>
+              </a:rPr>
+            </a:br>
+            <a:r>
+              <a:rPr lang="en-US" sz="2000" dirty="0" smtClean="0">
+                <a:solidFill>
+                  <a:schemeClr val="accent6"/>
+                </a:solidFill>
+              </a:rPr>
+              <a:t>4. /Examples</a:t>
+            </a:r>
+            <a:br>
+              <a:rPr lang="en-US" sz="2000" dirty="0" smtClean="0">
+                <a:solidFill>
+                  <a:schemeClr val="accent6"/>
+                </a:solidFill>
+              </a:rPr>
+            </a:br>
+            <a:r>
+              <a:rPr lang="en-US" sz="2000" dirty="0" smtClean="0">
+                <a:solidFill>
+                  <a:schemeClr val="accent6"/>
+                </a:solidFill>
+              </a:rPr>
+              <a:t>5. Which are the mandatory inputs ? </a:t>
             </a:r>
             <a:r>
               <a:rPr lang="en-US" sz="1800" dirty="0">
@@ -7043,15 +7346,7 @@
                   <a:schemeClr val="accent6"/>
                 </a:solidFill>
               </a:rPr>
-              <a:t> is a huge topic and another course could cover it, the idea is just to give you a basic overview about what benefits it has. It’s not going to be part of the exam, so do not worry about it</a:t>
-            </a:r>
-            <a:r>
-              <a:rPr lang="en-US" sz="2200" dirty="0" smtClean="0">
-                <a:solidFill>
-                  <a:schemeClr val="accent6"/>
-                </a:solidFill>
-              </a:rPr>
-              <a:t>.</a:t>
+              <a:t> is a huge topic and another course could cover it, the idea is just to give you a basic overview about what benefits it has. It’s not going to be part of the exam, so do not worry about it.</a:t>
             </a:r>
             <a:br>
               <a:rPr lang="en-US" sz="2200" dirty="0" smtClean="0">

--- a/16.ConfigurationManagement_With_Ansible/16-Conf_Man_Ansible.pptx
+++ b/16.ConfigurationManagement_With_Ansible/16-Conf_Man_Ansible.pptx
@@ -4106,20 +4106,38 @@
             <a:r>
               <a:rPr lang="en-US" sz="2000" dirty="0" smtClean="0">
                 <a:solidFill>
+                  <a:schemeClr val="accent6"/>
+                </a:solidFill>
+                <a:sym typeface="Wingdings" panose="05000000000000000000" pitchFamily="2" charset="2"/>
+              </a:rPr>
+              <a:t>You should have EPEL repo already installed.</a:t>
+            </a:r>
+            <a:br>
+              <a:rPr lang="en-US" sz="2000" dirty="0" smtClean="0">
+                <a:solidFill>
+                  <a:schemeClr val="accent6"/>
+                </a:solidFill>
+                <a:sym typeface="Wingdings" panose="05000000000000000000" pitchFamily="2" charset="2"/>
+              </a:rPr>
+            </a:br>
+            <a:r>
+              <a:rPr lang="en-US" sz="2000" dirty="0" smtClean="0">
+                <a:solidFill>
                   <a:schemeClr val="bg1"/>
                 </a:solidFill>
                 <a:sym typeface="Wingdings" panose="05000000000000000000" pitchFamily="2" charset="2"/>
               </a:rPr>
-              <a:t>You should have EPEL repo already installed.</a:t>
-            </a:r>
-            <a:br>
+              <a:t>‘</a:t>
+            </a:r>
+            <a:r>
               <a:rPr lang="en-US" sz="2000" dirty="0" smtClean="0">
                 <a:solidFill>
                   <a:schemeClr val="bg1"/>
                 </a:solidFill>
                 <a:sym typeface="Wingdings" panose="05000000000000000000" pitchFamily="2" charset="2"/>
               </a:rPr>
-            </a:br>
+              <a:t>yum </a:t>
+            </a:r>
             <a:r>
               <a:rPr lang="en-US" sz="2000" dirty="0" smtClean="0">
                 <a:solidFill>
@@ -4127,16 +4145,16 @@
                 </a:solidFill>
                 <a:sym typeface="Wingdings" panose="05000000000000000000" pitchFamily="2" charset="2"/>
               </a:rPr>
-              <a:t>‘</a:t>
-            </a:r>
-            <a:r>
-              <a:rPr lang="en-US" sz="2000" dirty="0" smtClean="0">
+              <a:t>install </a:t>
+            </a:r>
+            <a:r>
+              <a:rPr lang="en-US" sz="2000" dirty="0" err="1" smtClean="0">
                 <a:solidFill>
                   <a:schemeClr val="bg1"/>
                 </a:solidFill>
                 <a:sym typeface="Wingdings" panose="05000000000000000000" pitchFamily="2" charset="2"/>
               </a:rPr>
-              <a:t>yum </a:t>
+              <a:t>epel</a:t>
             </a:r>
             <a:r>
               <a:rPr lang="en-US" sz="2000" dirty="0" smtClean="0">
@@ -4145,25 +4163,25 @@
                 </a:solidFill>
                 <a:sym typeface="Wingdings" panose="05000000000000000000" pitchFamily="2" charset="2"/>
               </a:rPr>
-              <a:t>install </a:t>
-            </a:r>
-            <a:r>
-              <a:rPr lang="en-US" sz="2000" dirty="0" err="1" smtClean="0">
+              <a:t>-release’ </a:t>
+            </a:r>
+            <a:r>
+              <a:rPr lang="en-US" sz="2000" dirty="0" smtClean="0">
+                <a:solidFill>
+                  <a:schemeClr val="accent6"/>
+                </a:solidFill>
+                <a:sym typeface="Wingdings" panose="05000000000000000000" pitchFamily="2" charset="2"/>
+              </a:rPr>
+              <a:t>if not</a:t>
+            </a:r>
+            <a:r>
+              <a:rPr lang="en-US" sz="2000" dirty="0" smtClean="0">
                 <a:solidFill>
                   <a:schemeClr val="bg1"/>
                 </a:solidFill>
                 <a:sym typeface="Wingdings" panose="05000000000000000000" pitchFamily="2" charset="2"/>
               </a:rPr>
-              <a:t>epel</a:t>
-            </a:r>
-            <a:r>
-              <a:rPr lang="en-US" sz="2000" dirty="0" smtClean="0">
-                <a:solidFill>
-                  <a:schemeClr val="bg1"/>
-                </a:solidFill>
-                <a:sym typeface="Wingdings" panose="05000000000000000000" pitchFamily="2" charset="2"/>
-              </a:rPr>
-              <a:t>-release’ if not.</a:t>
+              <a:t>.</a:t>
             </a:r>
             <a:br>
               <a:rPr lang="en-US" sz="2000" dirty="0" smtClean="0">
@@ -5397,7 +5415,55 @@
                   <a:schemeClr val="bg1"/>
                 </a:solidFill>
               </a:rPr>
-              <a:t> all –m ping</a:t>
+              <a:t> all </a:t>
+            </a:r>
+            <a:r>
+              <a:rPr lang="mr-IN" dirty="0" smtClean="0">
+                <a:solidFill>
+                  <a:schemeClr val="bg1"/>
+                </a:solidFill>
+              </a:rPr>
+              <a:t>–</a:t>
+            </a:r>
+            <a:r>
+              <a:rPr lang="en-US" dirty="0" smtClean="0">
+                <a:solidFill>
+                  <a:schemeClr val="bg1"/>
+                </a:solidFill>
+              </a:rPr>
+              <a:t>list-hosts</a:t>
+            </a:r>
+            <a:r>
+              <a:rPr lang="en-US" dirty="0" smtClean="0">
+                <a:solidFill>
+                  <a:schemeClr val="accent6"/>
+                </a:solidFill>
+              </a:rPr>
+              <a:t>; </a:t>
+            </a:r>
+            <a:r>
+              <a:rPr lang="en-US" dirty="0" err="1" smtClean="0">
+                <a:solidFill>
+                  <a:schemeClr val="bg1"/>
+                </a:solidFill>
+              </a:rPr>
+              <a:t>ansible</a:t>
+            </a:r>
+            <a:r>
+              <a:rPr lang="en-US" dirty="0" smtClean="0">
+                <a:solidFill>
+                  <a:schemeClr val="bg1"/>
+                </a:solidFill>
+              </a:rPr>
+              <a:t> </a:t>
+            </a:r>
+            <a:r>
+              <a:rPr lang="en-US" dirty="0" smtClean="0">
+                <a:solidFill>
+                  <a:schemeClr val="bg1"/>
+                </a:solidFill>
+              </a:rPr>
+              <a:t>all –m ping</a:t>
             </a:r>
           </a:p>
           <a:p>
@@ -5701,7 +5767,59 @@
                   <a:schemeClr val="accent6"/>
                 </a:solidFill>
               </a:rPr>
-              <a:t>a live command on all nodes</a:t>
+              <a:t>a live </a:t>
+            </a:r>
+            <a:r>
+              <a:rPr lang="en-US" sz="2000" dirty="0" smtClean="0">
+                <a:solidFill>
+                  <a:schemeClr val="accent6"/>
+                </a:solidFill>
+              </a:rPr>
+              <a:t>command/ad hoc (</a:t>
+            </a:r>
+            <a:r>
+              <a:rPr lang="en-US" sz="1800" dirty="0" smtClean="0">
+                <a:solidFill>
+                  <a:schemeClr val="accent6"/>
+                </a:solidFill>
+              </a:rPr>
+              <a:t> something </a:t>
+            </a:r>
+            <a:r>
+              <a:rPr lang="en-US" sz="1800" dirty="0">
+                <a:solidFill>
+                  <a:schemeClr val="accent6"/>
+                </a:solidFill>
+              </a:rPr>
+              <a:t>that you might type in to do something really quick, but don’t want to save for </a:t>
+            </a:r>
+            <a:r>
+              <a:rPr lang="en-US" sz="1800" dirty="0" smtClean="0">
+                <a:solidFill>
+                  <a:schemeClr val="accent6"/>
+                </a:solidFill>
+              </a:rPr>
+              <a:t>later)</a:t>
+            </a:r>
+            <a:r>
+              <a:rPr lang="en-US" sz="1800" dirty="0" smtClean="0"/>
+              <a:t>.</a:t>
+            </a:r>
+            <a:r>
+              <a:rPr lang="en-US" sz="2000" dirty="0" smtClean="0">
+                <a:solidFill>
+                  <a:schemeClr val="accent6"/>
+                </a:solidFill>
+              </a:rPr>
+              <a:t> </a:t>
+            </a:r>
+            <a:r>
+              <a:rPr lang="en-US" sz="2000" dirty="0" smtClean="0">
+                <a:solidFill>
+                  <a:schemeClr val="accent6"/>
+                </a:solidFill>
+              </a:rPr>
+              <a:t>on all nodes</a:t>
             </a:r>
             <a:r>
               <a:rPr lang="en-US" sz="2000" dirty="0">
@@ -5856,7 +5974,23 @@
                   <a:schemeClr val="accent6"/>
                 </a:solidFill>
               </a:rPr>
-              <a:t>Did you see, we could get information about our nodes without loosing time to login and check, so great ! </a:t>
+              <a:t>Did you see, we could get information about our nodes without loosing time to login and </a:t>
+            </a:r>
+            <a:r>
+              <a:rPr lang="en-US" sz="2000" dirty="0" smtClean="0">
+                <a:solidFill>
+                  <a:schemeClr val="accent6"/>
+                </a:solidFill>
+              </a:rPr>
+              <a:t>check, </a:t>
+            </a:r>
+            <a:r>
+              <a:rPr lang="en-US" sz="2000" dirty="0" smtClean="0">
+                <a:solidFill>
+                  <a:schemeClr val="accent6"/>
+                </a:solidFill>
+              </a:rPr>
+              <a:t>so great ! </a:t>
             </a:r>
             <a:br>
               <a:rPr lang="en-US" sz="2000" dirty="0" smtClean="0">
@@ -6187,7 +6321,7 @@
               </a:rPr>
             </a:br>
             <a:r>
-              <a:rPr lang="en-US" sz="2000" smtClean="0">
+              <a:rPr lang="en-US" sz="2000" dirty="0" smtClean="0">
                 <a:solidFill>
                   <a:schemeClr val="accent6"/>
                 </a:solidFill>
@@ -6195,7 +6329,7 @@
               <a:t>3. </a:t>
             </a:r>
             <a:r>
-              <a:rPr lang="en-US" sz="2000" smtClean="0">
+              <a:rPr lang="en-US" sz="2000" dirty="0" err="1" smtClean="0">
                 <a:solidFill>
                   <a:schemeClr val="bg1"/>
                 </a:solidFill>
@@ -6248,6 +6382,13 @@
               </a:rPr>
               <a:t>5. Which are the mandatory inputs ? </a:t>
             </a:r>
+            <a:br>
+              <a:rPr lang="en-US" sz="2000" dirty="0" smtClean="0">
+                <a:solidFill>
+                  <a:schemeClr val="accent6"/>
+                </a:solidFill>
+              </a:rPr>
+            </a:br>
             <a:r>
               <a:rPr lang="en-US" sz="1800" dirty="0">
                 <a:solidFill>

--- a/16.ConfigurationManagement_With_Ansible/16-Conf_Man_Ansible.pptx
+++ b/16.ConfigurationManagement_With_Ansible/16-Conf_Man_Ansible.pptx
@@ -221,7 +221,7 @@
           <a:p>
             <a:fld id="{75861919-8521-4274-BB91-998CD62CEE44}" type="datetimeFigureOut">
               <a:rPr lang="en-US" smtClean="0"/>
-              <a:t>7/17/17</a:t>
+              <a:t>7/18/17</a:t>
             </a:fld>
             <a:endParaRPr lang="en-US"/>
           </a:p>
@@ -754,7 +754,7 @@
           <a:p>
             <a:fld id="{3EA744D9-3FBE-48D8-BF2A-85DF203E4D20}" type="datetimeFigureOut">
               <a:rPr lang="bg-BG" smtClean="0"/>
-              <a:t>17.07.17 г.</a:t>
+              <a:t>18.07.17 г.</a:t>
             </a:fld>
             <a:endParaRPr lang="bg-BG"/>
           </a:p>
@@ -924,7 +924,7 @@
           <a:p>
             <a:fld id="{3EA744D9-3FBE-48D8-BF2A-85DF203E4D20}" type="datetimeFigureOut">
               <a:rPr lang="bg-BG" smtClean="0"/>
-              <a:t>17.07.17 г.</a:t>
+              <a:t>18.07.17 г.</a:t>
             </a:fld>
             <a:endParaRPr lang="bg-BG"/>
           </a:p>
@@ -1104,7 +1104,7 @@
           <a:p>
             <a:fld id="{3EA744D9-3FBE-48D8-BF2A-85DF203E4D20}" type="datetimeFigureOut">
               <a:rPr lang="bg-BG" smtClean="0"/>
-              <a:t>17.07.17 г.</a:t>
+              <a:t>18.07.17 г.</a:t>
             </a:fld>
             <a:endParaRPr lang="bg-BG"/>
           </a:p>
@@ -1274,7 +1274,7 @@
           <a:p>
             <a:fld id="{3EA744D9-3FBE-48D8-BF2A-85DF203E4D20}" type="datetimeFigureOut">
               <a:rPr lang="bg-BG" smtClean="0"/>
-              <a:t>17.07.17 г.</a:t>
+              <a:t>18.07.17 г.</a:t>
             </a:fld>
             <a:endParaRPr lang="bg-BG"/>
           </a:p>
@@ -1520,7 +1520,7 @@
           <a:p>
             <a:fld id="{3EA744D9-3FBE-48D8-BF2A-85DF203E4D20}" type="datetimeFigureOut">
               <a:rPr lang="bg-BG" smtClean="0"/>
-              <a:t>17.07.17 г.</a:t>
+              <a:t>18.07.17 г.</a:t>
             </a:fld>
             <a:endParaRPr lang="bg-BG"/>
           </a:p>
@@ -1808,7 +1808,7 @@
           <a:p>
             <a:fld id="{3EA744D9-3FBE-48D8-BF2A-85DF203E4D20}" type="datetimeFigureOut">
               <a:rPr lang="bg-BG" smtClean="0"/>
-              <a:t>17.07.17 г.</a:t>
+              <a:t>18.07.17 г.</a:t>
             </a:fld>
             <a:endParaRPr lang="bg-BG"/>
           </a:p>
@@ -2230,7 +2230,7 @@
           <a:p>
             <a:fld id="{3EA744D9-3FBE-48D8-BF2A-85DF203E4D20}" type="datetimeFigureOut">
               <a:rPr lang="bg-BG" smtClean="0"/>
-              <a:t>17.07.17 г.</a:t>
+              <a:t>18.07.17 г.</a:t>
             </a:fld>
             <a:endParaRPr lang="bg-BG"/>
           </a:p>
@@ -2348,7 +2348,7 @@
           <a:p>
             <a:fld id="{3EA744D9-3FBE-48D8-BF2A-85DF203E4D20}" type="datetimeFigureOut">
               <a:rPr lang="bg-BG" smtClean="0"/>
-              <a:t>17.07.17 г.</a:t>
+              <a:t>18.07.17 г.</a:t>
             </a:fld>
             <a:endParaRPr lang="bg-BG"/>
           </a:p>
@@ -2443,7 +2443,7 @@
           <a:p>
             <a:fld id="{3EA744D9-3FBE-48D8-BF2A-85DF203E4D20}" type="datetimeFigureOut">
               <a:rPr lang="bg-BG" smtClean="0"/>
-              <a:t>17.07.17 г.</a:t>
+              <a:t>18.07.17 г.</a:t>
             </a:fld>
             <a:endParaRPr lang="bg-BG"/>
           </a:p>
@@ -2720,7 +2720,7 @@
           <a:p>
             <a:fld id="{3EA744D9-3FBE-48D8-BF2A-85DF203E4D20}" type="datetimeFigureOut">
               <a:rPr lang="bg-BG" smtClean="0"/>
-              <a:t>17.07.17 г.</a:t>
+              <a:t>18.07.17 г.</a:t>
             </a:fld>
             <a:endParaRPr lang="bg-BG"/>
           </a:p>
@@ -2973,7 +2973,7 @@
           <a:p>
             <a:fld id="{3EA744D9-3FBE-48D8-BF2A-85DF203E4D20}" type="datetimeFigureOut">
               <a:rPr lang="bg-BG" smtClean="0"/>
-              <a:t>17.07.17 г.</a:t>
+              <a:t>18.07.17 г.</a:t>
             </a:fld>
             <a:endParaRPr lang="bg-BG"/>
           </a:p>
@@ -3195,7 +3195,7 @@
           <a:p>
             <a:fld id="{3EA744D9-3FBE-48D8-BF2A-85DF203E4D20}" type="datetimeFigureOut">
               <a:rPr lang="bg-BG" smtClean="0"/>
-              <a:t>17.07.17 г.</a:t>
+              <a:t>18.07.17 г.</a:t>
             </a:fld>
             <a:endParaRPr lang="bg-BG"/>
           </a:p>
@@ -4127,25 +4127,7 @@
                 </a:solidFill>
                 <a:sym typeface="Wingdings" panose="05000000000000000000" pitchFamily="2" charset="2"/>
               </a:rPr>
-              <a:t>‘</a:t>
-            </a:r>
-            <a:r>
-              <a:rPr lang="en-US" sz="2000" dirty="0" smtClean="0">
-                <a:solidFill>
-                  <a:schemeClr val="bg1"/>
-                </a:solidFill>
-                <a:sym typeface="Wingdings" panose="05000000000000000000" pitchFamily="2" charset="2"/>
-              </a:rPr>
-              <a:t>yum </a:t>
-            </a:r>
-            <a:r>
-              <a:rPr lang="en-US" sz="2000" dirty="0" smtClean="0">
-                <a:solidFill>
-                  <a:schemeClr val="bg1"/>
-                </a:solidFill>
-                <a:sym typeface="Wingdings" panose="05000000000000000000" pitchFamily="2" charset="2"/>
-              </a:rPr>
-              <a:t>install </a:t>
+              <a:t>‘yum install </a:t>
             </a:r>
             <a:r>
               <a:rPr lang="en-US" sz="2000" dirty="0" err="1" smtClean="0">
@@ -4971,7 +4953,7 @@
         <p:spPr>
           <a:xfrm>
             <a:off x="304800" y="846138"/>
-            <a:ext cx="8839200" cy="6186309"/>
+            <a:ext cx="8839200" cy="5601533"/>
           </a:xfrm>
           <a:prstGeom prst="rect">
             <a:avLst/>
@@ -4985,7 +4967,7 @@
           <a:lstStyle/>
           <a:p>
             <a:r>
-              <a:rPr lang="en-US" dirty="0" err="1" smtClean="0">
+              <a:rPr lang="en-US" sz="1600" dirty="0" err="1" smtClean="0">
                 <a:solidFill>
                   <a:schemeClr val="accent6"/>
                 </a:solidFill>
@@ -4993,7 +4975,7 @@
               <a:t>Ansible</a:t>
             </a:r>
             <a:r>
-              <a:rPr lang="en-US" dirty="0" smtClean="0">
+              <a:rPr lang="en-US" sz="1600" dirty="0" smtClean="0">
                 <a:solidFill>
                   <a:schemeClr val="accent6"/>
                 </a:solidFill>
@@ -5001,7 +4983,7 @@
               <a:t> </a:t>
             </a:r>
             <a:r>
-              <a:rPr lang="en-US" dirty="0">
+              <a:rPr lang="en-US" sz="1600" dirty="0">
                 <a:solidFill>
                   <a:schemeClr val="accent6"/>
                 </a:solidFill>
@@ -5009,7 +4991,7 @@
               <a:t>depends on SSH access to the servers you are managing. </a:t>
             </a:r>
             <a:r>
-              <a:rPr lang="en-US" dirty="0" err="1" smtClean="0">
+              <a:rPr lang="en-US" sz="1600" dirty="0" err="1" smtClean="0">
                 <a:solidFill>
                   <a:schemeClr val="accent6"/>
                 </a:solidFill>
@@ -5017,7 +4999,7 @@
               <a:t>Ansible</a:t>
             </a:r>
             <a:r>
-              <a:rPr lang="en-US" dirty="0" smtClean="0">
+              <a:rPr lang="en-US" sz="1600" dirty="0" smtClean="0">
                 <a:solidFill>
                   <a:schemeClr val="accent6"/>
                 </a:solidFill>
@@ -5025,7 +5007,7 @@
               <a:t> </a:t>
             </a:r>
             <a:r>
-              <a:rPr lang="en-US" dirty="0">
+              <a:rPr lang="en-US" sz="1600" dirty="0">
                 <a:solidFill>
                   <a:schemeClr val="accent6"/>
                 </a:solidFill>
@@ -5034,6 +5016,576 @@
             </a:r>
           </a:p>
           <a:p>
+            <a:endParaRPr lang="en-US" sz="1600" dirty="0" smtClean="0">
+              <a:solidFill>
+                <a:schemeClr val="accent6"/>
+              </a:solidFill>
+            </a:endParaRPr>
+          </a:p>
+          <a:p>
+            <a:r>
+              <a:rPr lang="en-US" sz="1600" dirty="0" err="1" smtClean="0">
+                <a:solidFill>
+                  <a:schemeClr val="accent6"/>
+                </a:solidFill>
+              </a:rPr>
+              <a:t>Ansible</a:t>
+            </a:r>
+            <a:r>
+              <a:rPr lang="en-US" sz="1600" dirty="0" smtClean="0">
+                <a:solidFill>
+                  <a:schemeClr val="accent6"/>
+                </a:solidFill>
+              </a:rPr>
+              <a:t> </a:t>
+            </a:r>
+            <a:r>
+              <a:rPr lang="en-US" sz="1600" dirty="0">
+                <a:solidFill>
+                  <a:schemeClr val="accent6"/>
+                </a:solidFill>
+              </a:rPr>
+              <a:t>uses an inventory file to determine what hosts to work against. In its simplest form, an inventory file is just a text file containing a list of host names or IP addresses - one on each line. </a:t>
+            </a:r>
+          </a:p>
+          <a:p>
+            <a:endParaRPr lang="en-US" sz="1600" dirty="0" smtClean="0">
+              <a:solidFill>
+                <a:schemeClr val="accent6"/>
+              </a:solidFill>
+            </a:endParaRPr>
+          </a:p>
+          <a:p>
+            <a:r>
+              <a:rPr lang="en-US" sz="1600" dirty="0" smtClean="0">
+                <a:solidFill>
+                  <a:schemeClr val="accent6"/>
+                </a:solidFill>
+              </a:rPr>
+              <a:t>The default location is </a:t>
+            </a:r>
+            <a:r>
+              <a:rPr lang="en-US" sz="1600" dirty="0" smtClean="0">
+                <a:solidFill>
+                  <a:schemeClr val="bg1"/>
+                </a:solidFill>
+              </a:rPr>
+              <a:t>/</a:t>
+            </a:r>
+            <a:r>
+              <a:rPr lang="en-US" sz="1600" dirty="0" err="1" smtClean="0">
+                <a:solidFill>
+                  <a:schemeClr val="bg1"/>
+                </a:solidFill>
+              </a:rPr>
+              <a:t>etc</a:t>
+            </a:r>
+            <a:r>
+              <a:rPr lang="en-US" sz="1600" dirty="0" smtClean="0">
+                <a:solidFill>
+                  <a:schemeClr val="bg1"/>
+                </a:solidFill>
+              </a:rPr>
+              <a:t>/</a:t>
+            </a:r>
+            <a:r>
+              <a:rPr lang="en-US" sz="1600" dirty="0" err="1" smtClean="0">
+                <a:solidFill>
+                  <a:schemeClr val="bg1"/>
+                </a:solidFill>
+              </a:rPr>
+              <a:t>ansible</a:t>
+            </a:r>
+            <a:r>
+              <a:rPr lang="en-US" sz="1600" dirty="0" smtClean="0">
+                <a:solidFill>
+                  <a:schemeClr val="bg1"/>
+                </a:solidFill>
+              </a:rPr>
+              <a:t>/hosts</a:t>
+            </a:r>
+          </a:p>
+          <a:p>
+            <a:endParaRPr lang="en-US" sz="1600" dirty="0">
+              <a:solidFill>
+                <a:schemeClr val="bg1"/>
+              </a:solidFill>
+            </a:endParaRPr>
+          </a:p>
+          <a:p>
+            <a:r>
+              <a:rPr lang="en-US" sz="1600" dirty="0" err="1">
+                <a:solidFill>
+                  <a:schemeClr val="accent6"/>
+                </a:solidFill>
+              </a:rPr>
+              <a:t>Ansible</a:t>
+            </a:r>
+            <a:r>
+              <a:rPr lang="en-US" sz="1600" dirty="0">
+                <a:solidFill>
+                  <a:schemeClr val="accent6"/>
+                </a:solidFill>
+              </a:rPr>
+              <a:t> will attempt to remote connect to the machines using your current user name, just like SSH would. To override the remote user name, just use the ‘</a:t>
+            </a:r>
+            <a:r>
+              <a:rPr lang="en-US" sz="1600" dirty="0">
+                <a:solidFill>
+                  <a:schemeClr val="bg1"/>
+                </a:solidFill>
+              </a:rPr>
+              <a:t>-u</a:t>
+            </a:r>
+            <a:r>
+              <a:rPr lang="en-US" sz="1600" dirty="0">
+                <a:solidFill>
+                  <a:schemeClr val="accent6"/>
+                </a:solidFill>
+              </a:rPr>
+              <a:t>’ parameter</a:t>
+            </a:r>
+            <a:r>
+              <a:rPr lang="en-US" sz="1600" dirty="0" smtClean="0">
+                <a:solidFill>
+                  <a:schemeClr val="accent6"/>
+                </a:solidFill>
+              </a:rPr>
+              <a:t>. To debug an </a:t>
+            </a:r>
+            <a:r>
+              <a:rPr lang="en-US" sz="1600" dirty="0" err="1" smtClean="0">
+                <a:solidFill>
+                  <a:schemeClr val="accent6"/>
+                </a:solidFill>
+              </a:rPr>
+              <a:t>ansible</a:t>
+            </a:r>
+            <a:r>
+              <a:rPr lang="en-US" sz="1600" dirty="0" smtClean="0">
+                <a:solidFill>
+                  <a:schemeClr val="accent6"/>
+                </a:solidFill>
+              </a:rPr>
+              <a:t> result, just add ‘</a:t>
+            </a:r>
+            <a:r>
+              <a:rPr lang="en-US" sz="1600" dirty="0" err="1" smtClean="0">
+                <a:solidFill>
+                  <a:schemeClr val="bg1"/>
+                </a:solidFill>
+              </a:rPr>
+              <a:t>vvvv</a:t>
+            </a:r>
+            <a:r>
+              <a:rPr lang="en-US" sz="1600" dirty="0" smtClean="0">
+                <a:solidFill>
+                  <a:schemeClr val="accent6"/>
+                </a:solidFill>
+              </a:rPr>
+              <a:t>’ </a:t>
+            </a:r>
+            <a:r>
+              <a:rPr lang="en-US" sz="1600" dirty="0" smtClean="0">
+                <a:solidFill>
+                  <a:schemeClr val="accent6"/>
+                </a:solidFill>
+                <a:sym typeface="Wingdings"/>
+              </a:rPr>
+              <a:t> for maximum verbose level.</a:t>
+            </a:r>
+            <a:endParaRPr lang="en-US" sz="1600" dirty="0" smtClean="0">
+              <a:solidFill>
+                <a:schemeClr val="accent6"/>
+              </a:solidFill>
+            </a:endParaRPr>
+          </a:p>
+          <a:p>
+            <a:endParaRPr lang="en-US" sz="1600" dirty="0" smtClean="0">
+              <a:solidFill>
+                <a:schemeClr val="accent6"/>
+              </a:solidFill>
+            </a:endParaRPr>
+          </a:p>
+          <a:p>
+            <a:r>
+              <a:rPr lang="en-US" sz="1600" dirty="0" smtClean="0">
+                <a:solidFill>
+                  <a:srgbClr val="FF0000"/>
+                </a:solidFill>
+              </a:rPr>
+              <a:t>Exercises:</a:t>
+            </a:r>
+          </a:p>
+          <a:p>
+            <a:r>
+              <a:rPr lang="en-US" sz="1600" dirty="0">
+                <a:solidFill>
+                  <a:srgbClr val="FF0000"/>
+                </a:solidFill>
+              </a:rPr>
+              <a:t>	</a:t>
+            </a:r>
+            <a:r>
+              <a:rPr lang="en-US" sz="1600" dirty="0" smtClean="0">
+                <a:solidFill>
+                  <a:schemeClr val="accent6"/>
+                </a:solidFill>
+              </a:rPr>
+              <a:t>0. Add the slave node into</a:t>
+            </a:r>
+            <a:r>
+              <a:rPr lang="en-US" sz="1600" dirty="0" smtClean="0">
+                <a:solidFill>
+                  <a:srgbClr val="FF0000"/>
+                </a:solidFill>
+              </a:rPr>
+              <a:t> </a:t>
+            </a:r>
+            <a:r>
+              <a:rPr lang="en-US" sz="1600" dirty="0" smtClean="0">
+                <a:solidFill>
+                  <a:schemeClr val="bg2"/>
+                </a:solidFill>
+              </a:rPr>
+              <a:t>/</a:t>
+            </a:r>
+            <a:r>
+              <a:rPr lang="en-US" sz="1600" dirty="0" err="1" smtClean="0">
+                <a:solidFill>
+                  <a:schemeClr val="bg2"/>
+                </a:solidFill>
+              </a:rPr>
+              <a:t>etc</a:t>
+            </a:r>
+            <a:r>
+              <a:rPr lang="en-US" sz="1600" dirty="0" smtClean="0">
+                <a:solidFill>
+                  <a:schemeClr val="bg2"/>
+                </a:solidFill>
+              </a:rPr>
+              <a:t>/</a:t>
+            </a:r>
+            <a:r>
+              <a:rPr lang="en-US" sz="1600" dirty="0" err="1" smtClean="0">
+                <a:solidFill>
+                  <a:schemeClr val="bg2"/>
+                </a:solidFill>
+              </a:rPr>
+              <a:t>ansible</a:t>
+            </a:r>
+            <a:r>
+              <a:rPr lang="en-US" sz="1600" dirty="0" smtClean="0">
+                <a:solidFill>
+                  <a:schemeClr val="bg2"/>
+                </a:solidFill>
+              </a:rPr>
+              <a:t>/hosts </a:t>
+            </a:r>
+            <a:r>
+              <a:rPr lang="en-US" sz="1600" dirty="0" smtClean="0">
+                <a:solidFill>
+                  <a:schemeClr val="accent6"/>
+                </a:solidFill>
+              </a:rPr>
+              <a:t>under group</a:t>
+            </a:r>
+            <a:r>
+              <a:rPr lang="en-US" sz="1600" dirty="0" smtClean="0">
+                <a:solidFill>
+                  <a:schemeClr val="bg2"/>
+                </a:solidFill>
+              </a:rPr>
+              <a:t> [</a:t>
+            </a:r>
+            <a:r>
+              <a:rPr lang="en-US" sz="1600" dirty="0" err="1" smtClean="0">
+                <a:solidFill>
+                  <a:schemeClr val="bg2"/>
+                </a:solidFill>
+              </a:rPr>
+              <a:t>db</a:t>
+            </a:r>
+            <a:r>
+              <a:rPr lang="en-US" sz="1600" dirty="0" smtClean="0">
+                <a:solidFill>
+                  <a:schemeClr val="bg2"/>
+                </a:solidFill>
+              </a:rPr>
+              <a:t>]</a:t>
+            </a:r>
+            <a:endParaRPr lang="en-US" sz="1600" dirty="0" smtClean="0">
+              <a:solidFill>
+                <a:schemeClr val="bg2"/>
+              </a:solidFill>
+            </a:endParaRPr>
+          </a:p>
+          <a:p>
+            <a:r>
+              <a:rPr lang="en-US" sz="1600" dirty="0" smtClean="0">
+                <a:solidFill>
+                  <a:schemeClr val="accent6"/>
+                </a:solidFill>
+              </a:rPr>
+              <a:t>	1. add </a:t>
+            </a:r>
+            <a:r>
+              <a:rPr lang="en-US" sz="1600" dirty="0" smtClean="0">
+                <a:solidFill>
+                  <a:schemeClr val="accent6"/>
+                </a:solidFill>
+              </a:rPr>
+              <a:t>‘</a:t>
+            </a:r>
+            <a:r>
+              <a:rPr lang="en-US" sz="1600" dirty="0" err="1" smtClean="0">
+                <a:solidFill>
+                  <a:schemeClr val="bg1"/>
+                </a:solidFill>
+              </a:rPr>
+              <a:t>testuser</a:t>
+            </a:r>
+            <a:r>
+              <a:rPr lang="en-US" sz="1600" dirty="0" smtClean="0">
+                <a:solidFill>
+                  <a:schemeClr val="accent6"/>
+                </a:solidFill>
+              </a:rPr>
+              <a:t>’ </a:t>
+            </a:r>
+            <a:r>
+              <a:rPr lang="en-US" sz="1600" dirty="0" smtClean="0">
+                <a:solidFill>
+                  <a:schemeClr val="accent6"/>
+                </a:solidFill>
+              </a:rPr>
+              <a:t>user to the </a:t>
+            </a:r>
+            <a:r>
+              <a:rPr lang="en-US" sz="1600" dirty="0" err="1" smtClean="0">
+                <a:solidFill>
+                  <a:schemeClr val="accent6"/>
+                </a:solidFill>
+              </a:rPr>
+              <a:t>ansible</a:t>
+            </a:r>
+            <a:r>
+              <a:rPr lang="en-US" sz="1600" dirty="0" smtClean="0">
+                <a:solidFill>
+                  <a:schemeClr val="accent6"/>
+                </a:solidFill>
+              </a:rPr>
+              <a:t> </a:t>
+            </a:r>
+            <a:r>
+              <a:rPr lang="en-US" sz="1600" dirty="0" smtClean="0">
+                <a:solidFill>
+                  <a:schemeClr val="accent6"/>
+                </a:solidFill>
+              </a:rPr>
+              <a:t>server. </a:t>
+            </a:r>
+            <a:r>
+              <a:rPr lang="en-US" sz="1600" dirty="0" smtClean="0">
+                <a:solidFill>
+                  <a:schemeClr val="accent6"/>
+                </a:solidFill>
+              </a:rPr>
+              <a:t>Generate </a:t>
+            </a:r>
+            <a:r>
+              <a:rPr lang="en-US" sz="1600" dirty="0" err="1" smtClean="0">
+                <a:solidFill>
+                  <a:schemeClr val="bg1"/>
+                </a:solidFill>
+              </a:rPr>
+              <a:t>ssh</a:t>
+            </a:r>
+            <a:r>
+              <a:rPr lang="en-US" sz="1600" dirty="0" smtClean="0">
+                <a:solidFill>
+                  <a:schemeClr val="bg1"/>
+                </a:solidFill>
+              </a:rPr>
+              <a:t>-keys</a:t>
+            </a:r>
+            <a:r>
+              <a:rPr lang="en-US" sz="1600" dirty="0" smtClean="0">
+                <a:solidFill>
+                  <a:schemeClr val="accent6"/>
+                </a:solidFill>
+              </a:rPr>
+              <a:t> for him, </a:t>
+            </a:r>
+            <a:r>
+              <a:rPr lang="en-US" sz="1600" dirty="0" smtClean="0">
+                <a:solidFill>
+                  <a:schemeClr val="accent6"/>
+                </a:solidFill>
+              </a:rPr>
+              <a:t>set his password.</a:t>
+            </a:r>
+            <a:endParaRPr lang="en-US" sz="1600" dirty="0" smtClean="0">
+              <a:solidFill>
+                <a:schemeClr val="accent6"/>
+              </a:solidFill>
+            </a:endParaRPr>
+          </a:p>
+          <a:p>
+            <a:r>
+              <a:rPr lang="en-US" sz="1600" dirty="0" smtClean="0">
+                <a:solidFill>
+                  <a:schemeClr val="accent6"/>
+                </a:solidFill>
+              </a:rPr>
+              <a:t>	2. add </a:t>
+            </a:r>
+            <a:r>
+              <a:rPr lang="en-US" sz="1600" dirty="0" smtClean="0">
+                <a:solidFill>
+                  <a:schemeClr val="accent6"/>
+                </a:solidFill>
+              </a:rPr>
+              <a:t>‘</a:t>
+            </a:r>
+            <a:r>
+              <a:rPr lang="en-US" sz="1600" dirty="0" err="1" smtClean="0">
+                <a:solidFill>
+                  <a:schemeClr val="bg1"/>
+                </a:solidFill>
+              </a:rPr>
+              <a:t>testuser</a:t>
+            </a:r>
+            <a:r>
+              <a:rPr lang="en-US" sz="1600" dirty="0" smtClean="0">
+                <a:solidFill>
+                  <a:schemeClr val="accent6"/>
+                </a:solidFill>
+              </a:rPr>
+              <a:t>’ </a:t>
+            </a:r>
+            <a:r>
+              <a:rPr lang="en-US" sz="1600" dirty="0" smtClean="0">
+                <a:solidFill>
+                  <a:schemeClr val="accent6"/>
+                </a:solidFill>
+              </a:rPr>
+              <a:t>user to the </a:t>
+            </a:r>
+            <a:r>
+              <a:rPr lang="en-US" sz="1600" dirty="0" err="1" smtClean="0">
+                <a:solidFill>
+                  <a:schemeClr val="accent6"/>
+                </a:solidFill>
+              </a:rPr>
+              <a:t>ansible</a:t>
+            </a:r>
+            <a:r>
+              <a:rPr lang="en-US" sz="1600" dirty="0" smtClean="0">
+                <a:solidFill>
+                  <a:schemeClr val="accent6"/>
+                </a:solidFill>
+              </a:rPr>
+              <a:t> slave node. </a:t>
+            </a:r>
+            <a:r>
+              <a:rPr lang="en-US" sz="1600" dirty="0" smtClean="0">
+                <a:solidFill>
+                  <a:schemeClr val="accent6"/>
+                </a:solidFill>
+              </a:rPr>
+              <a:t>Set his password. Make it a member of the ’</a:t>
+            </a:r>
+            <a:r>
+              <a:rPr lang="en-US" sz="1600" dirty="0" smtClean="0">
+                <a:solidFill>
+                  <a:schemeClr val="bg1"/>
+                </a:solidFill>
+              </a:rPr>
+              <a:t>wheel</a:t>
+            </a:r>
+            <a:r>
+              <a:rPr lang="en-US" sz="1600" dirty="0" smtClean="0">
+                <a:solidFill>
+                  <a:schemeClr val="accent6"/>
+                </a:solidFill>
+              </a:rPr>
+              <a:t>’ group. Run ‘</a:t>
+            </a:r>
+            <a:r>
+              <a:rPr lang="en-US" sz="1600" dirty="0" err="1" smtClean="0">
+                <a:solidFill>
+                  <a:schemeClr val="bg1"/>
+                </a:solidFill>
+              </a:rPr>
+              <a:t>visudo</a:t>
+            </a:r>
+            <a:r>
+              <a:rPr lang="en-US" sz="1600" dirty="0" smtClean="0">
+                <a:solidFill>
+                  <a:schemeClr val="accent6"/>
+                </a:solidFill>
+              </a:rPr>
+              <a:t>’ and make sure that each member of the wheel group is not entering his </a:t>
+            </a:r>
+            <a:r>
+              <a:rPr lang="en-US" sz="1600" dirty="0" err="1" smtClean="0">
+                <a:solidFill>
+                  <a:schemeClr val="accent6"/>
+                </a:solidFill>
+              </a:rPr>
+              <a:t>sudo</a:t>
+            </a:r>
+            <a:r>
+              <a:rPr lang="en-US" sz="1600" dirty="0" smtClean="0">
+                <a:solidFill>
+                  <a:schemeClr val="accent6"/>
+                </a:solidFill>
+              </a:rPr>
+              <a:t> password whenever he types a </a:t>
+            </a:r>
+            <a:r>
+              <a:rPr lang="en-US" sz="1600" dirty="0" err="1" smtClean="0">
+                <a:solidFill>
+                  <a:schemeClr val="accent6"/>
+                </a:solidFill>
+              </a:rPr>
+              <a:t>sudo</a:t>
+            </a:r>
+            <a:r>
+              <a:rPr lang="en-US" sz="1600" dirty="0" smtClean="0">
+                <a:solidFill>
+                  <a:schemeClr val="accent6"/>
+                </a:solidFill>
+              </a:rPr>
+              <a:t> command.</a:t>
+            </a:r>
+          </a:p>
+          <a:p>
+            <a:r>
+              <a:rPr lang="en-US" sz="1600" dirty="0" smtClean="0">
+                <a:solidFill>
+                  <a:schemeClr val="bg1"/>
+                </a:solidFill>
+              </a:rPr>
+              <a:t>	%</a:t>
+            </a:r>
+            <a:r>
+              <a:rPr lang="en-US" sz="1600" dirty="0">
+                <a:solidFill>
+                  <a:schemeClr val="bg1"/>
+                </a:solidFill>
+              </a:rPr>
+              <a:t>wheel  ALL=(ALL)       </a:t>
+            </a:r>
+            <a:r>
+              <a:rPr lang="en-US" sz="1600" dirty="0" smtClean="0">
+                <a:solidFill>
+                  <a:schemeClr val="bg1"/>
+                </a:solidFill>
+              </a:rPr>
+              <a:t>NOPASSWD:ALL</a:t>
+            </a:r>
             <a:endParaRPr lang="en-US" dirty="0" smtClean="0">
               <a:solidFill>
                 <a:schemeClr val="accent6"/>
@@ -5042,8 +5594,66 @@
           </a:p>
           <a:p>
             <a:r>
+              <a:rPr lang="en-US" dirty="0" smtClean="0">
+                <a:solidFill>
+                  <a:schemeClr val="accent6"/>
+                </a:solidFill>
+              </a:rPr>
+              <a:t>	3</a:t>
+            </a:r>
+            <a:r>
+              <a:rPr lang="en-US" dirty="0" smtClean="0">
+                <a:solidFill>
+                  <a:schemeClr val="accent6"/>
+                </a:solidFill>
+              </a:rPr>
+              <a:t>. </a:t>
+            </a:r>
+            <a:r>
               <a:rPr lang="en-US" dirty="0" err="1" smtClean="0">
                 <a:solidFill>
+                  <a:schemeClr val="bg1"/>
+                </a:solidFill>
+              </a:rPr>
+              <a:t>ansible</a:t>
+            </a:r>
+            <a:r>
+              <a:rPr lang="en-US" dirty="0" smtClean="0">
+                <a:solidFill>
+                  <a:schemeClr val="bg1"/>
+                </a:solidFill>
+              </a:rPr>
+              <a:t> all –m ping</a:t>
+            </a:r>
+          </a:p>
+          <a:p>
+            <a:r>
+              <a:rPr lang="en-US" dirty="0">
+                <a:solidFill>
+                  <a:schemeClr val="bg1"/>
+                </a:solidFill>
+              </a:rPr>
+              <a:t>	</a:t>
+            </a:r>
+            <a:r>
+              <a:rPr lang="en-US" dirty="0" smtClean="0">
+                <a:solidFill>
+                  <a:schemeClr val="accent6"/>
+                </a:solidFill>
+              </a:rPr>
+              <a:t>4. </a:t>
+            </a:r>
+            <a:r>
+              <a:rPr lang="en-US" dirty="0" smtClean="0">
+                <a:solidFill>
+                  <a:schemeClr val="accent6"/>
+                </a:solidFill>
+              </a:rPr>
+              <a:t>Google search about </a:t>
+            </a:r>
+            <a:r>
+              <a:rPr lang="en-US" dirty="0" err="1" smtClean="0">
+                <a:solidFill>
                   <a:schemeClr val="accent6"/>
                 </a:solidFill>
               </a:rPr>
@@ -5055,538 +5665,41 @@
                   <a:schemeClr val="accent6"/>
                 </a:solidFill>
               </a:rPr>
-              <a:t> </a:t>
-            </a:r>
+              <a:t> modules.</a:t>
+            </a:r>
+          </a:p>
+          <a:p>
             <a:r>
               <a:rPr lang="en-US" dirty="0">
                 <a:solidFill>
                   <a:schemeClr val="accent6"/>
                 </a:solidFill>
               </a:rPr>
-              <a:t>uses an inventory file to determine what hosts to work against. In its simplest form, an inventory file is just a text file containing a list of host names or IP addresses - one on each line. </a:t>
-            </a:r>
-          </a:p>
-          <a:p>
-            <a:endParaRPr lang="en-US" dirty="0" smtClean="0">
-              <a:solidFill>
-                <a:schemeClr val="accent6"/>
-              </a:solidFill>
-            </a:endParaRPr>
-          </a:p>
-          <a:p>
+              <a:t>	</a:t>
+            </a:r>
+            <a:r>
+              <a:rPr lang="en-US" dirty="0">
+                <a:solidFill>
+                  <a:schemeClr val="accent6"/>
+                </a:solidFill>
+              </a:rPr>
+              <a:t>5</a:t>
+            </a:r>
             <a:r>
               <a:rPr lang="en-US" dirty="0" smtClean="0">
                 <a:solidFill>
                   <a:schemeClr val="accent6"/>
                 </a:solidFill>
               </a:rPr>
-              <a:t>The default location is </a:t>
+              <a:t>. </a:t>
             </a:r>
             <a:r>
               <a:rPr lang="en-US" dirty="0" smtClean="0">
                 <a:solidFill>
-                  <a:schemeClr val="bg1"/>
-                </a:solidFill>
-              </a:rPr>
-              <a:t>/</a:t>
-            </a:r>
-            <a:r>
-              <a:rPr lang="en-US" dirty="0" err="1" smtClean="0">
-                <a:solidFill>
-                  <a:schemeClr val="bg1"/>
-                </a:solidFill>
-              </a:rPr>
-              <a:t>etc</a:t>
-            </a:r>
-            <a:r>
-              <a:rPr lang="en-US" dirty="0" smtClean="0">
-                <a:solidFill>
-                  <a:schemeClr val="bg1"/>
-                </a:solidFill>
-              </a:rPr>
-              <a:t>/</a:t>
-            </a:r>
-            <a:r>
-              <a:rPr lang="en-US" dirty="0" err="1" smtClean="0">
-                <a:solidFill>
-                  <a:schemeClr val="bg1"/>
-                </a:solidFill>
-              </a:rPr>
-              <a:t>ansible</a:t>
-            </a:r>
-            <a:r>
-              <a:rPr lang="en-US" dirty="0" smtClean="0">
-                <a:solidFill>
-                  <a:schemeClr val="bg1"/>
-                </a:solidFill>
-              </a:rPr>
-              <a:t>/hosts</a:t>
-            </a:r>
-          </a:p>
-          <a:p>
-            <a:endParaRPr lang="en-US" dirty="0">
-              <a:solidFill>
-                <a:schemeClr val="bg1"/>
-              </a:solidFill>
-            </a:endParaRPr>
-          </a:p>
-          <a:p>
-            <a:r>
-              <a:rPr lang="en-US" dirty="0" err="1">
-                <a:solidFill>
-                  <a:schemeClr val="accent6"/>
-                </a:solidFill>
-              </a:rPr>
-              <a:t>Ansible</a:t>
-            </a:r>
-            <a:r>
-              <a:rPr lang="en-US" dirty="0">
-                <a:solidFill>
-                  <a:schemeClr val="accent6"/>
-                </a:solidFill>
-              </a:rPr>
-              <a:t> will attempt to remote connect to the machines using your current user name, just like SSH would. To override the remote user name, just use the ‘</a:t>
-            </a:r>
-            <a:r>
-              <a:rPr lang="en-US" dirty="0">
-                <a:solidFill>
-                  <a:schemeClr val="bg1"/>
-                </a:solidFill>
-              </a:rPr>
-              <a:t>-u</a:t>
-            </a:r>
-            <a:r>
-              <a:rPr lang="en-US" dirty="0">
-                <a:solidFill>
-                  <a:schemeClr val="accent6"/>
-                </a:solidFill>
-              </a:rPr>
-              <a:t>’ parameter.</a:t>
-            </a:r>
-            <a:endParaRPr lang="en-US" dirty="0" smtClean="0">
-              <a:solidFill>
-                <a:schemeClr val="accent6"/>
-              </a:solidFill>
-            </a:endParaRPr>
-          </a:p>
-          <a:p>
-            <a:endParaRPr lang="en-US" dirty="0" smtClean="0">
-              <a:solidFill>
-                <a:schemeClr val="accent6"/>
-              </a:solidFill>
-            </a:endParaRPr>
-          </a:p>
-          <a:p>
-            <a:r>
-              <a:rPr lang="en-US" dirty="0" smtClean="0">
-                <a:solidFill>
-                  <a:srgbClr val="FF0000"/>
-                </a:solidFill>
-              </a:rPr>
-              <a:t>Exercises:</a:t>
-            </a:r>
-          </a:p>
-          <a:p>
-            <a:r>
-              <a:rPr lang="en-US" dirty="0">
-                <a:solidFill>
-                  <a:srgbClr val="FF0000"/>
-                </a:solidFill>
-              </a:rPr>
-              <a:t>	</a:t>
-            </a:r>
-            <a:r>
-              <a:rPr lang="en-US" dirty="0" smtClean="0">
-                <a:solidFill>
-                  <a:schemeClr val="accent6"/>
-                </a:solidFill>
-              </a:rPr>
-              <a:t>0. Add the slave node into</a:t>
-            </a:r>
-            <a:r>
-              <a:rPr lang="en-US" dirty="0" smtClean="0">
-                <a:solidFill>
-                  <a:srgbClr val="FF0000"/>
-                </a:solidFill>
-              </a:rPr>
-              <a:t> </a:t>
-            </a:r>
-            <a:r>
-              <a:rPr lang="en-US" dirty="0" smtClean="0">
-                <a:solidFill>
-                  <a:schemeClr val="bg2"/>
-                </a:solidFill>
-              </a:rPr>
-              <a:t>/</a:t>
-            </a:r>
-            <a:r>
-              <a:rPr lang="en-US" dirty="0" err="1" smtClean="0">
-                <a:solidFill>
-                  <a:schemeClr val="bg2"/>
-                </a:solidFill>
-              </a:rPr>
-              <a:t>etc</a:t>
-            </a:r>
-            <a:r>
-              <a:rPr lang="en-US" dirty="0" smtClean="0">
-                <a:solidFill>
-                  <a:schemeClr val="bg2"/>
-                </a:solidFill>
-              </a:rPr>
-              <a:t>/</a:t>
-            </a:r>
-            <a:r>
-              <a:rPr lang="en-US" dirty="0" err="1" smtClean="0">
-                <a:solidFill>
-                  <a:schemeClr val="bg2"/>
-                </a:solidFill>
-              </a:rPr>
-              <a:t>ansible</a:t>
-            </a:r>
-            <a:r>
-              <a:rPr lang="en-US" dirty="0" smtClean="0">
-                <a:solidFill>
-                  <a:schemeClr val="bg2"/>
-                </a:solidFill>
-              </a:rPr>
-              <a:t>/hosts</a:t>
-            </a:r>
-          </a:p>
-          <a:p>
-            <a:r>
-              <a:rPr lang="en-US" dirty="0" smtClean="0">
-                <a:solidFill>
-                  <a:schemeClr val="accent6"/>
-                </a:solidFill>
-              </a:rPr>
-              <a:t>	1. add ‘</a:t>
-            </a:r>
-            <a:r>
-              <a:rPr lang="en-US" dirty="0" err="1" smtClean="0">
-                <a:solidFill>
-                  <a:schemeClr val="bg1"/>
-                </a:solidFill>
-              </a:rPr>
-              <a:t>ansible</a:t>
-            </a:r>
-            <a:r>
-              <a:rPr lang="en-US" dirty="0" smtClean="0">
-                <a:solidFill>
-                  <a:schemeClr val="accent6"/>
-                </a:solidFill>
-              </a:rPr>
-              <a:t>’ user to the </a:t>
-            </a:r>
-            <a:r>
-              <a:rPr lang="en-US" dirty="0" err="1" smtClean="0">
-                <a:solidFill>
-                  <a:schemeClr val="accent6"/>
-                </a:solidFill>
-              </a:rPr>
-              <a:t>ansible</a:t>
-            </a:r>
-            <a:r>
-              <a:rPr lang="en-US" dirty="0" smtClean="0">
-                <a:solidFill>
-                  <a:schemeClr val="accent6"/>
-                </a:solidFill>
-              </a:rPr>
-              <a:t> server as </a:t>
-            </a:r>
-            <a:r>
-              <a:rPr lang="en-US" dirty="0" err="1" smtClean="0">
-                <a:solidFill>
-                  <a:schemeClr val="bg1"/>
-                </a:solidFill>
-              </a:rPr>
-              <a:t>sudo</a:t>
-            </a:r>
-            <a:r>
-              <a:rPr lang="en-US" dirty="0" smtClean="0">
-                <a:solidFill>
-                  <a:schemeClr val="accent6"/>
-                </a:solidFill>
-              </a:rPr>
-              <a:t>. Generate </a:t>
-            </a:r>
-            <a:r>
-              <a:rPr lang="en-US" dirty="0" err="1" smtClean="0">
-                <a:solidFill>
-                  <a:schemeClr val="bg1"/>
-                </a:solidFill>
-              </a:rPr>
-              <a:t>ssh</a:t>
-            </a:r>
-            <a:r>
-              <a:rPr lang="en-US" dirty="0" smtClean="0">
-                <a:solidFill>
-                  <a:schemeClr val="bg1"/>
-                </a:solidFill>
-              </a:rPr>
-              <a:t>-keys</a:t>
-            </a:r>
-            <a:r>
-              <a:rPr lang="en-US" dirty="0" smtClean="0">
-                <a:solidFill>
-                  <a:schemeClr val="accent6"/>
-                </a:solidFill>
-              </a:rPr>
-              <a:t> for him, set its password to ‘</a:t>
-            </a:r>
-            <a:r>
-              <a:rPr lang="en-US" dirty="0" err="1" smtClean="0">
-                <a:solidFill>
-                  <a:schemeClr val="bg1"/>
-                </a:solidFill>
-              </a:rPr>
-              <a:t>linuxacademy</a:t>
-            </a:r>
-            <a:r>
-              <a:rPr lang="en-US" dirty="0" smtClean="0">
-                <a:solidFill>
-                  <a:schemeClr val="accent6"/>
-                </a:solidFill>
-              </a:rPr>
-              <a:t>’</a:t>
-            </a:r>
-          </a:p>
-          <a:p>
-            <a:r>
-              <a:rPr lang="en-US" dirty="0" smtClean="0">
-                <a:solidFill>
-                  <a:schemeClr val="accent6"/>
-                </a:solidFill>
-              </a:rPr>
-              <a:t>	2. add ‘</a:t>
-            </a:r>
-            <a:r>
-              <a:rPr lang="en-US" dirty="0" err="1" smtClean="0">
-                <a:solidFill>
-                  <a:schemeClr val="bg1"/>
-                </a:solidFill>
-              </a:rPr>
-              <a:t>ansible</a:t>
-            </a:r>
-            <a:r>
-              <a:rPr lang="en-US" dirty="0" smtClean="0">
-                <a:solidFill>
-                  <a:schemeClr val="accent6"/>
-                </a:solidFill>
-              </a:rPr>
-              <a:t>’ user to the </a:t>
-            </a:r>
-            <a:r>
-              <a:rPr lang="en-US" dirty="0" err="1" smtClean="0">
-                <a:solidFill>
-                  <a:schemeClr val="accent6"/>
-                </a:solidFill>
-              </a:rPr>
-              <a:t>ansible</a:t>
-            </a:r>
-            <a:r>
-              <a:rPr lang="en-US" dirty="0" smtClean="0">
-                <a:solidFill>
-                  <a:schemeClr val="accent6"/>
-                </a:solidFill>
-              </a:rPr>
-              <a:t> slave node. Repeat the password.</a:t>
-            </a:r>
-          </a:p>
-          <a:p>
-            <a:r>
-              <a:rPr lang="en-US" dirty="0" smtClean="0">
-                <a:solidFill>
-                  <a:schemeClr val="accent6"/>
-                </a:solidFill>
-              </a:rPr>
-              <a:t>	3. </a:t>
-            </a:r>
-            <a:r>
-              <a:rPr lang="en-US" dirty="0" err="1" smtClean="0">
-                <a:solidFill>
-                  <a:schemeClr val="bg1"/>
-                </a:solidFill>
-              </a:rPr>
-              <a:t>ansible</a:t>
-            </a:r>
-            <a:r>
-              <a:rPr lang="en-US" dirty="0" smtClean="0">
-                <a:solidFill>
-                  <a:schemeClr val="bg1"/>
-                </a:solidFill>
-              </a:rPr>
-              <a:t> all </a:t>
-            </a:r>
-            <a:r>
-              <a:rPr lang="mr-IN" dirty="0" smtClean="0">
-                <a:solidFill>
-                  <a:schemeClr val="bg1"/>
-                </a:solidFill>
-              </a:rPr>
-              <a:t>–</a:t>
-            </a:r>
-            <a:r>
-              <a:rPr lang="en-US" dirty="0" smtClean="0">
-                <a:solidFill>
-                  <a:schemeClr val="bg1"/>
-                </a:solidFill>
-              </a:rPr>
-              <a:t>list-hosts</a:t>
-            </a:r>
-            <a:r>
-              <a:rPr lang="en-US" dirty="0" smtClean="0">
-                <a:solidFill>
-                  <a:schemeClr val="accent6"/>
-                </a:solidFill>
-              </a:rPr>
-              <a:t>; </a:t>
-            </a:r>
-            <a:r>
-              <a:rPr lang="en-US" dirty="0" err="1" smtClean="0">
-                <a:solidFill>
-                  <a:schemeClr val="bg1"/>
-                </a:solidFill>
-              </a:rPr>
-              <a:t>ansible</a:t>
-            </a:r>
-            <a:r>
-              <a:rPr lang="en-US" dirty="0" smtClean="0">
-                <a:solidFill>
-                  <a:schemeClr val="bg1"/>
-                </a:solidFill>
-              </a:rPr>
-              <a:t> </a:t>
-            </a:r>
-            <a:r>
-              <a:rPr lang="en-US" dirty="0" smtClean="0">
-                <a:solidFill>
-                  <a:schemeClr val="bg1"/>
-                </a:solidFill>
-              </a:rPr>
-              <a:t>all –m ping</a:t>
-            </a:r>
-          </a:p>
-          <a:p>
-            <a:r>
-              <a:rPr lang="en-US" dirty="0">
-                <a:solidFill>
-                  <a:schemeClr val="bg1"/>
-                </a:solidFill>
-              </a:rPr>
-              <a:t>	</a:t>
-            </a:r>
-            <a:r>
-              <a:rPr lang="en-US" dirty="0" smtClean="0">
-                <a:solidFill>
-                  <a:schemeClr val="accent6"/>
-                </a:solidFill>
-              </a:rPr>
-              <a:t>4</a:t>
-            </a:r>
-            <a:r>
-              <a:rPr lang="en-US" dirty="0" smtClean="0">
-                <a:solidFill>
-                  <a:schemeClr val="bg1"/>
-                </a:solidFill>
-              </a:rPr>
-              <a:t>. </a:t>
-            </a:r>
-            <a:r>
-              <a:rPr lang="en-US" dirty="0" err="1" smtClean="0">
-                <a:solidFill>
-                  <a:schemeClr val="bg1"/>
-                </a:solidFill>
-              </a:rPr>
-              <a:t>ansible</a:t>
-            </a:r>
-            <a:r>
-              <a:rPr lang="en-US" dirty="0" smtClean="0">
-                <a:solidFill>
-                  <a:schemeClr val="bg1"/>
-                </a:solidFill>
-              </a:rPr>
-              <a:t> </a:t>
-            </a:r>
-            <a:r>
-              <a:rPr lang="en-US" dirty="0">
-                <a:solidFill>
-                  <a:schemeClr val="bg1"/>
-                </a:solidFill>
-              </a:rPr>
-              <a:t>all -m ping -u </a:t>
-            </a:r>
-            <a:r>
-              <a:rPr lang="en-US" dirty="0" err="1">
-                <a:solidFill>
-                  <a:schemeClr val="bg1"/>
-                </a:solidFill>
-              </a:rPr>
-              <a:t>ansible</a:t>
-            </a:r>
-            <a:r>
-              <a:rPr lang="en-US" dirty="0">
-                <a:solidFill>
-                  <a:schemeClr val="bg1"/>
-                </a:solidFill>
-              </a:rPr>
-              <a:t> --ask-pass</a:t>
-            </a:r>
-            <a:endParaRPr lang="en-US" dirty="0" smtClean="0">
-              <a:solidFill>
-                <a:schemeClr val="bg1"/>
-              </a:solidFill>
-            </a:endParaRPr>
-          </a:p>
-          <a:p>
-            <a:r>
-              <a:rPr lang="en-US" dirty="0">
-                <a:solidFill>
-                  <a:schemeClr val="bg1"/>
-                </a:solidFill>
-              </a:rPr>
-              <a:t>	</a:t>
-            </a:r>
-            <a:r>
-              <a:rPr lang="en-US" dirty="0" smtClean="0">
-                <a:solidFill>
-                  <a:schemeClr val="accent6"/>
-                </a:solidFill>
-              </a:rPr>
-              <a:t>5. Google search about </a:t>
-            </a:r>
-            <a:r>
-              <a:rPr lang="en-US" dirty="0" err="1" smtClean="0">
-                <a:solidFill>
-                  <a:schemeClr val="accent6"/>
-                </a:solidFill>
-              </a:rPr>
-              <a:t>Ansible</a:t>
-            </a:r>
-            <a:r>
-              <a:rPr lang="en-US" dirty="0" smtClean="0">
-                <a:solidFill>
-                  <a:schemeClr val="accent6"/>
-                </a:solidFill>
-              </a:rPr>
-              <a:t> modules.</a:t>
-            </a:r>
-          </a:p>
-          <a:p>
-            <a:r>
-              <a:rPr lang="en-US" dirty="0">
-                <a:solidFill>
-                  <a:schemeClr val="accent6"/>
-                </a:solidFill>
-              </a:rPr>
-              <a:t>	</a:t>
-            </a:r>
-            <a:r>
-              <a:rPr lang="en-US" dirty="0" smtClean="0">
-                <a:solidFill>
-                  <a:schemeClr val="accent6"/>
-                </a:solidFill>
-              </a:rPr>
-              <a:t>6. Discussion between 3 and 4.</a:t>
+                  <a:schemeClr val="accent6"/>
+                </a:solidFill>
+              </a:rPr>
+              <a:t>Discussion between 3 and 4.</a:t>
             </a:r>
             <a:endParaRPr lang="en-US" dirty="0">
               <a:solidFill>
@@ -5759,6 +5872,36 @@
                   <a:schemeClr val="accent6"/>
                 </a:solidFill>
               </a:rPr>
+              <a:t/>
+            </a:r>
+            <a:br>
+              <a:rPr lang="en-US" sz="2000" dirty="0" smtClean="0">
+                <a:solidFill>
+                  <a:schemeClr val="accent6"/>
+                </a:solidFill>
+              </a:rPr>
+            </a:br>
+            <a:r>
+              <a:rPr lang="en-US" sz="2000" dirty="0">
+                <a:solidFill>
+                  <a:schemeClr val="accent6"/>
+                </a:solidFill>
+              </a:rPr>
+              <a:t/>
+            </a:r>
+            <a:br>
+              <a:rPr lang="en-US" sz="2000" dirty="0">
+                <a:solidFill>
+                  <a:schemeClr val="accent6"/>
+                </a:solidFill>
+              </a:rPr>
+            </a:br>
+            <a:r>
+              <a:rPr lang="en-US" sz="2000" dirty="0" smtClean="0">
+                <a:solidFill>
+                  <a:schemeClr val="accent6"/>
+                </a:solidFill>
+              </a:rPr>
               <a:t>Running </a:t>
             </a:r>
             <a:r>
@@ -5767,15 +5910,7 @@
                   <a:schemeClr val="accent6"/>
                 </a:solidFill>
               </a:rPr>
-              <a:t>a live </a:t>
-            </a:r>
-            <a:r>
-              <a:rPr lang="en-US" sz="2000" dirty="0" smtClean="0">
-                <a:solidFill>
-                  <a:schemeClr val="accent6"/>
-                </a:solidFill>
-              </a:rPr>
-              <a:t>command/ad hoc (</a:t>
+              <a:t>a live command/ad hoc (</a:t>
             </a:r>
             <a:r>
               <a:rPr lang="en-US" sz="1800" dirty="0" smtClean="0">
@@ -5811,39 +5946,350 @@
                   <a:schemeClr val="accent6"/>
                 </a:solidFill>
               </a:rPr>
+              <a:t> on all nodes</a:t>
+            </a:r>
+            <a:r>
+              <a:rPr lang="en-US" sz="2000" dirty="0">
+                <a:solidFill>
+                  <a:schemeClr val="accent6"/>
+                </a:solidFill>
+              </a:rPr>
+              <a:t/>
+            </a:r>
+            <a:br>
+              <a:rPr lang="en-US" sz="2000" dirty="0">
+                <a:solidFill>
+                  <a:schemeClr val="accent6"/>
+                </a:solidFill>
+              </a:rPr>
+            </a:br>
+            <a:r>
+              <a:rPr lang="en-US" sz="2000" dirty="0">
+                <a:solidFill>
+                  <a:srgbClr val="FF0000"/>
+                </a:solidFill>
+              </a:rPr>
+              <a:t>Exercises:</a:t>
+            </a:r>
+            <a:r>
+              <a:rPr lang="en-US" sz="2000" dirty="0">
+                <a:solidFill>
+                  <a:schemeClr val="accent6"/>
+                </a:solidFill>
+              </a:rPr>
+              <a:t/>
+            </a:r>
+            <a:br>
+              <a:rPr lang="en-US" sz="2000" dirty="0">
+                <a:solidFill>
+                  <a:schemeClr val="accent6"/>
+                </a:solidFill>
+              </a:rPr>
+            </a:br>
+            <a:r>
+              <a:rPr lang="en-US" sz="2000" dirty="0" err="1" smtClean="0">
+                <a:solidFill>
+                  <a:schemeClr val="bg1"/>
+                </a:solidFill>
+              </a:rPr>
+              <a:t>ansible</a:t>
+            </a:r>
+            <a:r>
+              <a:rPr lang="en-US" sz="2000" dirty="0" smtClean="0">
+                <a:solidFill>
+                  <a:schemeClr val="bg1"/>
+                </a:solidFill>
+              </a:rPr>
               <a:t> </a:t>
             </a:r>
             <a:r>
-              <a:rPr lang="en-US" sz="2000" dirty="0" smtClean="0">
-                <a:solidFill>
-                  <a:schemeClr val="accent6"/>
-                </a:solidFill>
-              </a:rPr>
-              <a:t>on all nodes</a:t>
-            </a:r>
-            <a:r>
               <a:rPr lang="en-US" sz="2000" dirty="0">
                 <a:solidFill>
-                  <a:schemeClr val="accent6"/>
-                </a:solidFill>
-              </a:rPr>
-              <a:t/>
-            </a:r>
-            <a:br>
+                  <a:schemeClr val="bg1"/>
+                </a:solidFill>
+              </a:rPr>
+              <a:t>all -a "/bin/echo </a:t>
+            </a:r>
+            <a:r>
+              <a:rPr lang="en-US" sz="2000" dirty="0" smtClean="0">
+                <a:solidFill>
+                  <a:schemeClr val="bg1"/>
+                </a:solidFill>
+              </a:rPr>
+              <a:t>hello“</a:t>
+            </a:r>
+            <a:br>
+              <a:rPr lang="en-US" sz="2000" dirty="0" smtClean="0">
+                <a:solidFill>
+                  <a:schemeClr val="bg1"/>
+                </a:solidFill>
+              </a:rPr>
+            </a:br>
+            <a:r>
+              <a:rPr lang="en-US" sz="2000" dirty="0" err="1" smtClean="0">
+                <a:solidFill>
+                  <a:schemeClr val="bg1"/>
+                </a:solidFill>
+              </a:rPr>
+              <a:t>ansible</a:t>
+            </a:r>
+            <a:r>
+              <a:rPr lang="en-US" sz="2000" dirty="0" smtClean="0">
+                <a:solidFill>
+                  <a:schemeClr val="bg1"/>
+                </a:solidFill>
+              </a:rPr>
+              <a:t> all -a “</a:t>
+            </a:r>
+            <a:r>
+              <a:rPr lang="en-US" sz="2000" dirty="0" err="1" smtClean="0">
+                <a:solidFill>
+                  <a:schemeClr val="bg1"/>
+                </a:solidFill>
+              </a:rPr>
+              <a:t>df</a:t>
+            </a:r>
+            <a:r>
+              <a:rPr lang="en-US" sz="2000" dirty="0" smtClean="0">
+                <a:solidFill>
+                  <a:schemeClr val="bg1"/>
+                </a:solidFill>
+              </a:rPr>
+              <a:t> –</a:t>
+            </a:r>
+            <a:r>
+              <a:rPr lang="en-US" sz="2000" dirty="0" err="1" smtClean="0">
+                <a:solidFill>
+                  <a:schemeClr val="bg1"/>
+                </a:solidFill>
+              </a:rPr>
+              <a:t>hT</a:t>
+            </a:r>
+            <a:r>
+              <a:rPr lang="en-US" sz="2000" dirty="0" smtClean="0">
+                <a:solidFill>
+                  <a:schemeClr val="bg1"/>
+                </a:solidFill>
+              </a:rPr>
+              <a:t>”</a:t>
+            </a:r>
+            <a:br>
+              <a:rPr lang="en-US" sz="2000" dirty="0" smtClean="0">
+                <a:solidFill>
+                  <a:schemeClr val="bg1"/>
+                </a:solidFill>
+              </a:rPr>
+            </a:br>
+            <a:r>
               <a:rPr lang="en-US" sz="2000" dirty="0">
                 <a:solidFill>
-                  <a:schemeClr val="accent6"/>
-                </a:solidFill>
-              </a:rPr>
-            </a:br>
-            <a:r>
+                  <a:schemeClr val="bg1"/>
+                </a:solidFill>
+              </a:rPr>
+              <a:t/>
+            </a:r>
+            <a:br>
               <a:rPr lang="en-US" sz="2000" dirty="0">
                 <a:solidFill>
-                  <a:srgbClr val="FF0000"/>
+                  <a:schemeClr val="bg1"/>
+                </a:solidFill>
+              </a:rPr>
+            </a:br>
+            <a:r>
+              <a:rPr lang="en-US" sz="2000" dirty="0" smtClean="0">
+                <a:solidFill>
+                  <a:schemeClr val="accent6"/>
+                </a:solidFill>
+              </a:rPr>
+              <a:t>Did you see, we could get information about our nodes without loosing time to login and check, so great ! </a:t>
+            </a:r>
+            <a:br>
+              <a:rPr lang="en-US" sz="2000" dirty="0" smtClean="0">
+                <a:solidFill>
+                  <a:schemeClr val="accent6"/>
+                </a:solidFill>
+              </a:rPr>
+            </a:br>
+            <a:r>
+              <a:rPr lang="en-US" sz="2000" dirty="0">
+                <a:solidFill>
+                  <a:schemeClr val="accent6"/>
+                </a:solidFill>
+              </a:rPr>
+              <a:t/>
+            </a:r>
+            <a:br>
+              <a:rPr lang="en-US" sz="2000" dirty="0">
+                <a:solidFill>
+                  <a:schemeClr val="accent6"/>
+                </a:solidFill>
+              </a:rPr>
+            </a:br>
+            <a:r>
+              <a:rPr lang="en-US" sz="2000" dirty="0">
+                <a:solidFill>
+                  <a:schemeClr val="accent6"/>
+                </a:solidFill>
+              </a:rPr>
+              <a:t>There is a large catalog of </a:t>
+            </a:r>
+            <a:r>
+              <a:rPr lang="en-US" sz="2000" dirty="0">
+                <a:solidFill>
+                  <a:schemeClr val="accent6"/>
+                </a:solidFill>
+                <a:hlinkClick r:id="rId2"/>
+              </a:rPr>
+              <a:t>modules</a:t>
+            </a:r>
+            <a:r>
+              <a:rPr lang="en-US" sz="2000" dirty="0">
+                <a:solidFill>
+                  <a:schemeClr val="accent6"/>
+                </a:solidFill>
+              </a:rPr>
+              <a:t> available for </a:t>
+            </a:r>
+            <a:r>
+              <a:rPr lang="en-US" sz="2000" dirty="0" err="1">
+                <a:solidFill>
+                  <a:schemeClr val="accent6"/>
+                </a:solidFill>
+              </a:rPr>
+              <a:t>Ansible</a:t>
+            </a:r>
+            <a:r>
+              <a:rPr lang="en-US" sz="2000" dirty="0">
+                <a:solidFill>
+                  <a:schemeClr val="accent6"/>
+                </a:solidFill>
+              </a:rPr>
+              <a:t> out of the </a:t>
+            </a:r>
+            <a:r>
+              <a:rPr lang="en-US" sz="2000" dirty="0" smtClean="0">
+                <a:solidFill>
+                  <a:schemeClr val="accent6"/>
+                </a:solidFill>
+              </a:rPr>
+              <a:t>box =&gt; </a:t>
+            </a:r>
+            <a:br>
+              <a:rPr lang="en-US" sz="2000" dirty="0" smtClean="0">
+                <a:solidFill>
+                  <a:schemeClr val="accent6"/>
+                </a:solidFill>
+              </a:rPr>
+            </a:br>
+            <a:r>
+              <a:rPr lang="en-US" sz="2000" dirty="0" smtClean="0">
+                <a:solidFill>
+                  <a:schemeClr val="accent6"/>
+                </a:solidFill>
+              </a:rPr>
+              <a:t>users, groups, packages, ACLs, files, firewall rules, </a:t>
+            </a:r>
+            <a:r>
+              <a:rPr lang="en-US" sz="2000" dirty="0" err="1" smtClean="0">
+                <a:solidFill>
+                  <a:schemeClr val="accent6"/>
+                </a:solidFill>
+              </a:rPr>
+              <a:t>mysql</a:t>
+            </a:r>
+            <a:r>
+              <a:rPr lang="en-US" sz="2000" dirty="0" smtClean="0">
+                <a:solidFill>
+                  <a:schemeClr val="accent6"/>
+                </a:solidFill>
+              </a:rPr>
+              <a:t> </a:t>
+            </a:r>
+            <a:r>
+              <a:rPr lang="en-US" sz="2000" dirty="0">
+                <a:solidFill>
+                  <a:schemeClr val="accent6"/>
+                </a:solidFill>
+              </a:rPr>
+              <a:t>and </a:t>
+            </a:r>
+            <a:r>
+              <a:rPr lang="en-US" sz="2000" dirty="0" err="1">
+                <a:solidFill>
+                  <a:schemeClr val="accent6"/>
+                </a:solidFill>
+              </a:rPr>
+              <a:t>postgresql</a:t>
+            </a:r>
+            <a:r>
+              <a:rPr lang="en-US" sz="2000" dirty="0">
+                <a:solidFill>
+                  <a:schemeClr val="accent6"/>
+                </a:solidFill>
+              </a:rPr>
+              <a:t> </a:t>
+            </a:r>
+            <a:r>
+              <a:rPr lang="en-US" sz="2000" dirty="0" smtClean="0">
+                <a:solidFill>
+                  <a:schemeClr val="accent6"/>
+                </a:solidFill>
+              </a:rPr>
+              <a:t>databases, </a:t>
+            </a:r>
+            <a:r>
+              <a:rPr lang="en-US" sz="2000" dirty="0" err="1" smtClean="0">
+                <a:solidFill>
+                  <a:schemeClr val="accent6"/>
+                </a:solidFill>
+              </a:rPr>
+              <a:t>docker</a:t>
+            </a:r>
+            <a:r>
+              <a:rPr lang="en-US" sz="2000" dirty="0" smtClean="0">
+                <a:solidFill>
+                  <a:schemeClr val="accent6"/>
+                </a:solidFill>
+              </a:rPr>
+              <a:t> images</a:t>
+            </a:r>
+            <a:br>
+              <a:rPr lang="en-US" sz="2000" dirty="0" smtClean="0">
+                <a:solidFill>
+                  <a:schemeClr val="accent6"/>
+                </a:solidFill>
+              </a:rPr>
+            </a:br>
+            <a:r>
+              <a:rPr lang="en-US" sz="2000" dirty="0">
+                <a:solidFill>
+                  <a:schemeClr val="accent6"/>
+                </a:solidFill>
+              </a:rPr>
+              <a:t/>
+            </a:r>
+            <a:br>
+              <a:rPr lang="en-US" sz="2000" dirty="0">
+                <a:solidFill>
+                  <a:schemeClr val="accent6"/>
+                </a:solidFill>
+              </a:rPr>
+            </a:br>
+            <a:r>
+              <a:rPr lang="en-US" sz="2000" dirty="0" smtClean="0">
+                <a:solidFill>
+                  <a:schemeClr val="accent6"/>
                 </a:solidFill>
               </a:rPr>
               <a:t>Exercises:</a:t>
             </a:r>
+            <a:br>
+              <a:rPr lang="en-US" sz="2000" dirty="0" smtClean="0">
+                <a:solidFill>
+                  <a:schemeClr val="accent6"/>
+                </a:solidFill>
+              </a:rPr>
+            </a:br>
             <a:r>
               <a:rPr lang="en-US" sz="2000" dirty="0">
                 <a:solidFill>
@@ -5860,6 +6306,38 @@
               </a:rPr>
             </a:br>
             <a:r>
+              <a:rPr lang="en-US" sz="2000" dirty="0" smtClean="0">
+                <a:solidFill>
+                  <a:schemeClr val="accent6"/>
+                </a:solidFill>
+              </a:rPr>
+              <a:t>1. </a:t>
+            </a:r>
+            <a:r>
+              <a:rPr lang="en-US" sz="2000" dirty="0" smtClean="0">
+                <a:solidFill>
+                  <a:schemeClr val="bg1"/>
+                </a:solidFill>
+              </a:rPr>
+              <a:t>yum </a:t>
+            </a:r>
+            <a:r>
+              <a:rPr lang="mr-IN" sz="2000" dirty="0" smtClean="0">
+                <a:solidFill>
+                  <a:schemeClr val="bg1"/>
+                </a:solidFill>
+              </a:rPr>
+              <a:t>–</a:t>
+            </a:r>
+            <a:r>
+              <a:rPr lang="en-US" sz="2000" dirty="0" smtClean="0">
+                <a:solidFill>
+                  <a:schemeClr val="bg1"/>
+                </a:solidFill>
+              </a:rPr>
+              <a:t>y install </a:t>
+            </a:r>
+            <a:r>
               <a:rPr lang="en-US" sz="2000" dirty="0" err="1" smtClean="0">
                 <a:solidFill>
                   <a:schemeClr val="bg1"/>
@@ -5873,15 +6351,38 @@
                   <a:schemeClr val="bg1"/>
                 </a:solidFill>
               </a:rPr>
-              <a:t> </a:t>
-            </a:r>
-            <a:r>
-              <a:rPr lang="en-US" sz="2000" dirty="0">
+              <a:t>-doc</a:t>
+            </a:r>
+            <a:r>
+              <a:rPr lang="en-US" sz="2000" dirty="0" smtClean="0">
+                <a:solidFill>
+                  <a:schemeClr val="accent6"/>
+                </a:solidFill>
+              </a:rPr>
+              <a:t/>
+            </a:r>
+            <a:br>
+              <a:rPr lang="en-US" sz="2000" dirty="0" smtClean="0">
+                <a:solidFill>
+                  <a:schemeClr val="accent6"/>
+                </a:solidFill>
+              </a:rPr>
+            </a:br>
+            <a:r>
+              <a:rPr lang="en-US" sz="2000" dirty="0" smtClean="0">
+                <a:solidFill>
+                  <a:schemeClr val="accent6"/>
+                </a:solidFill>
+              </a:rPr>
+              <a:t>2. </a:t>
+            </a:r>
+            <a:r>
+              <a:rPr lang="en-US" sz="2000" dirty="0" err="1" smtClean="0">
                 <a:solidFill>
                   <a:schemeClr val="bg1"/>
                 </a:solidFill>
               </a:rPr>
-              <a:t>all -a "/bin/echo </a:t>
+              <a:t>ansible</a:t>
             </a:r>
             <a:r>
               <a:rPr lang="en-US" sz="2000" dirty="0" smtClean="0">
@@ -5889,15 +6390,47 @@
                   <a:schemeClr val="bg1"/>
                 </a:solidFill>
               </a:rPr>
-              <a:t>hello“</a:t>
-            </a:r>
-            <a:br>
-              <a:rPr lang="en-US" sz="2000" dirty="0" smtClean="0">
+              <a:t>-doc </a:t>
+            </a:r>
+            <a:r>
+              <a:rPr lang="mr-IN" sz="2000" dirty="0" smtClean="0">
                 <a:solidFill>
                   <a:schemeClr val="bg1"/>
                 </a:solidFill>
               </a:rPr>
-            </a:br>
+              <a:t>–</a:t>
+            </a:r>
+            <a:r>
+              <a:rPr lang="en-US" sz="2000" dirty="0" smtClean="0">
+                <a:solidFill>
+                  <a:schemeClr val="bg1"/>
+                </a:solidFill>
+              </a:rPr>
+              <a:t>l</a:t>
+            </a:r>
+            <a:r>
+              <a:rPr lang="en-US" sz="2000" dirty="0" smtClean="0">
+                <a:solidFill>
+                  <a:schemeClr val="accent6"/>
+                </a:solidFill>
+              </a:rPr>
+              <a:t/>
+            </a:r>
+            <a:br>
+              <a:rPr lang="en-US" sz="2000" dirty="0" smtClean="0">
+                <a:solidFill>
+                  <a:schemeClr val="accent6"/>
+                </a:solidFill>
+              </a:rPr>
+            </a:br>
+            <a:r>
+              <a:rPr lang="en-US" sz="2000" dirty="0" smtClean="0">
+                <a:solidFill>
+                  <a:schemeClr val="accent6"/>
+                </a:solidFill>
+              </a:rPr>
+              <a:t>3. </a:t>
+            </a:r>
             <a:r>
               <a:rPr lang="en-US" sz="2000" dirty="0" err="1" smtClean="0">
                 <a:solidFill>
@@ -5912,7 +6445,60 @@
                   <a:schemeClr val="bg1"/>
                 </a:solidFill>
               </a:rPr>
-              <a:t> all -a “</a:t>
+              <a:t>-doc yum</a:t>
+            </a:r>
+            <a:r>
+              <a:rPr lang="en-US" sz="2000" dirty="0" smtClean="0">
+                <a:solidFill>
+                  <a:schemeClr val="accent6"/>
+                </a:solidFill>
+              </a:rPr>
+              <a:t/>
+            </a:r>
+            <a:br>
+              <a:rPr lang="en-US" sz="2000" dirty="0" smtClean="0">
+                <a:solidFill>
+                  <a:schemeClr val="accent6"/>
+                </a:solidFill>
+              </a:rPr>
+            </a:br>
+            <a:r>
+              <a:rPr lang="en-US" sz="2000" dirty="0" smtClean="0">
+                <a:solidFill>
+                  <a:schemeClr val="accent6"/>
+                </a:solidFill>
+              </a:rPr>
+              <a:t>4. /Examples</a:t>
+            </a:r>
+            <a:br>
+              <a:rPr lang="en-US" sz="2000" dirty="0" smtClean="0">
+                <a:solidFill>
+                  <a:schemeClr val="accent6"/>
+                </a:solidFill>
+              </a:rPr>
+            </a:br>
+            <a:r>
+              <a:rPr lang="en-US" sz="2000" dirty="0" smtClean="0">
+                <a:solidFill>
+                  <a:schemeClr val="accent6"/>
+                </a:solidFill>
+              </a:rPr>
+              <a:t>5. Which are the mandatory inputs ? </a:t>
+            </a:r>
+            <a:br>
+              <a:rPr lang="en-US" sz="2000" dirty="0" smtClean="0">
+                <a:solidFill>
+                  <a:schemeClr val="accent6"/>
+                </a:solidFill>
+              </a:rPr>
+            </a:br>
+            <a:r>
+              <a:rPr lang="en-US" sz="2000" dirty="0" smtClean="0">
+                <a:solidFill>
+                  <a:schemeClr val="accent6"/>
+                </a:solidFill>
+              </a:rPr>
+              <a:t>6. </a:t>
             </a:r>
             <a:r>
               <a:rPr lang="en-US" sz="2000" dirty="0" err="1" smtClean="0">
@@ -5920,7 +6506,7 @@
                   <a:schemeClr val="bg1"/>
                 </a:solidFill>
               </a:rPr>
-              <a:t>df</a:t>
+              <a:t>ansible</a:t>
             </a:r>
             <a:r>
               <a:rPr lang="en-US" sz="2000" dirty="0" smtClean="0">
@@ -5928,15 +6514,15 @@
                   <a:schemeClr val="bg1"/>
                 </a:solidFill>
               </a:rPr>
-              <a:t> –</a:t>
-            </a:r>
-            <a:r>
-              <a:rPr lang="en-US" sz="2000" dirty="0" err="1" smtClean="0">
+              <a:t> all </a:t>
+            </a:r>
+            <a:r>
+              <a:rPr lang="mr-IN" sz="2000" dirty="0" smtClean="0">
                 <a:solidFill>
                   <a:schemeClr val="bg1"/>
                 </a:solidFill>
               </a:rPr>
-              <a:t>hT</a:t>
+              <a:t>–</a:t>
             </a:r>
             <a:r>
               <a:rPr lang="en-US" sz="2000" dirty="0" smtClean="0">
@@ -5944,448 +6530,28 @@
                   <a:schemeClr val="bg1"/>
                 </a:solidFill>
               </a:rPr>
-              <a:t>”</a:t>
-            </a:r>
-            <a:br>
-              <a:rPr lang="en-US" sz="2000" dirty="0" smtClean="0">
+              <a:t>m shell </a:t>
+            </a:r>
+            <a:r>
+              <a:rPr lang="mr-IN" sz="2000" dirty="0" smtClean="0">
                 <a:solidFill>
                   <a:schemeClr val="bg1"/>
                 </a:solidFill>
               </a:rPr>
-            </a:br>
-            <a:r>
-              <a:rPr lang="en-US" sz="2000" dirty="0">
+              <a:t>–</a:t>
+            </a:r>
+            <a:r>
+              <a:rPr lang="en-US" sz="2000" dirty="0" smtClean="0">
                 <a:solidFill>
                   <a:schemeClr val="bg1"/>
                 </a:solidFill>
               </a:rPr>
-              <a:t/>
-            </a:r>
-            <a:br>
-              <a:rPr lang="en-US" sz="2000" dirty="0">
+              <a:t>a ‘yum list installed | grep python’</a:t>
+            </a:r>
+            <a:br>
+              <a:rPr lang="en-US" sz="2000" dirty="0" smtClean="0">
                 <a:solidFill>
                   <a:schemeClr val="bg1"/>
-                </a:solidFill>
-              </a:rPr>
-            </a:br>
-            <a:r>
-              <a:rPr lang="en-US" sz="2000" dirty="0" smtClean="0">
-                <a:solidFill>
-                  <a:schemeClr val="accent6"/>
-                </a:solidFill>
-              </a:rPr>
-              <a:t>Did you see, we could get information about our nodes without loosing time to login and </a:t>
-            </a:r>
-            <a:r>
-              <a:rPr lang="en-US" sz="2000" dirty="0" smtClean="0">
-                <a:solidFill>
-                  <a:schemeClr val="accent6"/>
-                </a:solidFill>
-              </a:rPr>
-              <a:t>check, </a:t>
-            </a:r>
-            <a:r>
-              <a:rPr lang="en-US" sz="2000" dirty="0" smtClean="0">
-                <a:solidFill>
-                  <a:schemeClr val="accent6"/>
-                </a:solidFill>
-              </a:rPr>
-              <a:t>so great ! </a:t>
-            </a:r>
-            <a:br>
-              <a:rPr lang="en-US" sz="2000" dirty="0" smtClean="0">
-                <a:solidFill>
-                  <a:schemeClr val="accent6"/>
-                </a:solidFill>
-              </a:rPr>
-            </a:br>
-            <a:r>
-              <a:rPr lang="en-US" sz="2000" dirty="0">
-                <a:solidFill>
-                  <a:schemeClr val="accent6"/>
-                </a:solidFill>
-              </a:rPr>
-              <a:t/>
-            </a:r>
-            <a:br>
-              <a:rPr lang="en-US" sz="2000" dirty="0">
-                <a:solidFill>
-                  <a:schemeClr val="accent6"/>
-                </a:solidFill>
-              </a:rPr>
-            </a:br>
-            <a:r>
-              <a:rPr lang="en-US" sz="2000" dirty="0">
-                <a:solidFill>
-                  <a:schemeClr val="accent6"/>
-                </a:solidFill>
-              </a:rPr>
-              <a:t>There is a large catalog of </a:t>
-            </a:r>
-            <a:r>
-              <a:rPr lang="en-US" sz="2000" dirty="0">
-                <a:solidFill>
-                  <a:schemeClr val="accent6"/>
-                </a:solidFill>
-                <a:hlinkClick r:id="rId2"/>
-              </a:rPr>
-              <a:t>modules</a:t>
-            </a:r>
-            <a:r>
-              <a:rPr lang="en-US" sz="2000" dirty="0">
-                <a:solidFill>
-                  <a:schemeClr val="accent6"/>
-                </a:solidFill>
-              </a:rPr>
-              <a:t> available for </a:t>
-            </a:r>
-            <a:r>
-              <a:rPr lang="en-US" sz="2000" dirty="0" err="1">
-                <a:solidFill>
-                  <a:schemeClr val="accent6"/>
-                </a:solidFill>
-              </a:rPr>
-              <a:t>Ansible</a:t>
-            </a:r>
-            <a:r>
-              <a:rPr lang="en-US" sz="2000" dirty="0">
-                <a:solidFill>
-                  <a:schemeClr val="accent6"/>
-                </a:solidFill>
-              </a:rPr>
-              <a:t> out of the </a:t>
-            </a:r>
-            <a:r>
-              <a:rPr lang="en-US" sz="2000" dirty="0" smtClean="0">
-                <a:solidFill>
-                  <a:schemeClr val="accent6"/>
-                </a:solidFill>
-              </a:rPr>
-              <a:t>box =&gt; </a:t>
-            </a:r>
-            <a:br>
-              <a:rPr lang="en-US" sz="2000" dirty="0" smtClean="0">
-                <a:solidFill>
-                  <a:schemeClr val="accent6"/>
-                </a:solidFill>
-              </a:rPr>
-            </a:br>
-            <a:r>
-              <a:rPr lang="en-US" sz="2000" dirty="0" smtClean="0">
-                <a:solidFill>
-                  <a:schemeClr val="accent6"/>
-                </a:solidFill>
-              </a:rPr>
-              <a:t>users, groups, packages, ACLs, files, firewall rules, </a:t>
-            </a:r>
-            <a:r>
-              <a:rPr lang="en-US" sz="2000" dirty="0" err="1" smtClean="0">
-                <a:solidFill>
-                  <a:schemeClr val="accent6"/>
-                </a:solidFill>
-              </a:rPr>
-              <a:t>mysql</a:t>
-            </a:r>
-            <a:r>
-              <a:rPr lang="en-US" sz="2000" dirty="0" smtClean="0">
-                <a:solidFill>
-                  <a:schemeClr val="accent6"/>
-                </a:solidFill>
-              </a:rPr>
-              <a:t> </a:t>
-            </a:r>
-            <a:r>
-              <a:rPr lang="en-US" sz="2000" dirty="0">
-                <a:solidFill>
-                  <a:schemeClr val="accent6"/>
-                </a:solidFill>
-              </a:rPr>
-              <a:t>and </a:t>
-            </a:r>
-            <a:r>
-              <a:rPr lang="en-US" sz="2000" dirty="0" err="1">
-                <a:solidFill>
-                  <a:schemeClr val="accent6"/>
-                </a:solidFill>
-              </a:rPr>
-              <a:t>postgresql</a:t>
-            </a:r>
-            <a:r>
-              <a:rPr lang="en-US" sz="2000" dirty="0">
-                <a:solidFill>
-                  <a:schemeClr val="accent6"/>
-                </a:solidFill>
-              </a:rPr>
-              <a:t> </a:t>
-            </a:r>
-            <a:r>
-              <a:rPr lang="en-US" sz="2000" dirty="0" smtClean="0">
-                <a:solidFill>
-                  <a:schemeClr val="accent6"/>
-                </a:solidFill>
-              </a:rPr>
-              <a:t>databases, </a:t>
-            </a:r>
-            <a:r>
-              <a:rPr lang="en-US" sz="2000" dirty="0" err="1" smtClean="0">
-                <a:solidFill>
-                  <a:schemeClr val="accent6"/>
-                </a:solidFill>
-              </a:rPr>
-              <a:t>docker</a:t>
-            </a:r>
-            <a:r>
-              <a:rPr lang="en-US" sz="2000" dirty="0" smtClean="0">
-                <a:solidFill>
-                  <a:schemeClr val="accent6"/>
-                </a:solidFill>
-              </a:rPr>
-              <a:t> </a:t>
-            </a:r>
-            <a:r>
-              <a:rPr lang="en-US" sz="2000" dirty="0" smtClean="0">
-                <a:solidFill>
-                  <a:schemeClr val="accent6"/>
-                </a:solidFill>
-              </a:rPr>
-              <a:t>images</a:t>
-            </a:r>
-            <a:br>
-              <a:rPr lang="en-US" sz="2000" dirty="0" smtClean="0">
-                <a:solidFill>
-                  <a:schemeClr val="accent6"/>
-                </a:solidFill>
-              </a:rPr>
-            </a:br>
-            <a:r>
-              <a:rPr lang="en-US" sz="2000" dirty="0">
-                <a:solidFill>
-                  <a:schemeClr val="accent6"/>
-                </a:solidFill>
-              </a:rPr>
-              <a:t/>
-            </a:r>
-            <a:br>
-              <a:rPr lang="en-US" sz="2000" dirty="0">
-                <a:solidFill>
-                  <a:schemeClr val="accent6"/>
-                </a:solidFill>
-              </a:rPr>
-            </a:br>
-            <a:r>
-              <a:rPr lang="en-US" sz="2000" dirty="0" smtClean="0">
-                <a:solidFill>
-                  <a:schemeClr val="accent6"/>
-                </a:solidFill>
-              </a:rPr>
-              <a:t>Exercises:</a:t>
-            </a:r>
-            <a:br>
-              <a:rPr lang="en-US" sz="2000" dirty="0" smtClean="0">
-                <a:solidFill>
-                  <a:schemeClr val="accent6"/>
-                </a:solidFill>
-              </a:rPr>
-            </a:br>
-            <a:r>
-              <a:rPr lang="en-US" sz="2000" dirty="0">
-                <a:solidFill>
-                  <a:schemeClr val="accent6"/>
-                </a:solidFill>
-              </a:rPr>
-              <a:t/>
-            </a:r>
-            <a:br>
-              <a:rPr lang="en-US" sz="2000" dirty="0">
-                <a:solidFill>
-                  <a:schemeClr val="accent6"/>
-                </a:solidFill>
-              </a:rPr>
-            </a:br>
-            <a:r>
-              <a:rPr lang="en-US" sz="2000" dirty="0" smtClean="0">
-                <a:solidFill>
-                  <a:schemeClr val="accent6"/>
-                </a:solidFill>
-              </a:rPr>
-              <a:t>1. </a:t>
-            </a:r>
-            <a:r>
-              <a:rPr lang="en-US" sz="2000" dirty="0" smtClean="0">
-                <a:solidFill>
-                  <a:schemeClr val="bg1"/>
-                </a:solidFill>
-              </a:rPr>
-              <a:t>yum </a:t>
-            </a:r>
-            <a:r>
-              <a:rPr lang="mr-IN" sz="2000" dirty="0" smtClean="0">
-                <a:solidFill>
-                  <a:schemeClr val="bg1"/>
-                </a:solidFill>
-              </a:rPr>
-              <a:t>–</a:t>
-            </a:r>
-            <a:r>
-              <a:rPr lang="en-US" sz="2000" dirty="0" smtClean="0">
-                <a:solidFill>
-                  <a:schemeClr val="bg1"/>
-                </a:solidFill>
-              </a:rPr>
-              <a:t>y install </a:t>
-            </a:r>
-            <a:r>
-              <a:rPr lang="en-US" sz="2000" dirty="0" err="1" smtClean="0">
-                <a:solidFill>
-                  <a:schemeClr val="bg1"/>
-                </a:solidFill>
-              </a:rPr>
-              <a:t>ansible</a:t>
-            </a:r>
-            <a:r>
-              <a:rPr lang="en-US" sz="2000" dirty="0" smtClean="0">
-                <a:solidFill>
-                  <a:schemeClr val="bg1"/>
-                </a:solidFill>
-              </a:rPr>
-              <a:t>-doc</a:t>
-            </a:r>
-            <a:r>
-              <a:rPr lang="en-US" sz="2000" dirty="0" smtClean="0">
-                <a:solidFill>
-                  <a:schemeClr val="accent6"/>
-                </a:solidFill>
-              </a:rPr>
-              <a:t/>
-            </a:r>
-            <a:br>
-              <a:rPr lang="en-US" sz="2000" dirty="0" smtClean="0">
-                <a:solidFill>
-                  <a:schemeClr val="accent6"/>
-                </a:solidFill>
-              </a:rPr>
-            </a:br>
-            <a:r>
-              <a:rPr lang="en-US" sz="2000" dirty="0" smtClean="0">
-                <a:solidFill>
-                  <a:schemeClr val="accent6"/>
-                </a:solidFill>
-              </a:rPr>
-              <a:t>2. </a:t>
-            </a:r>
-            <a:r>
-              <a:rPr lang="en-US" sz="2000" dirty="0" err="1" smtClean="0">
-                <a:solidFill>
-                  <a:schemeClr val="bg1"/>
-                </a:solidFill>
-              </a:rPr>
-              <a:t>ansible</a:t>
-            </a:r>
-            <a:r>
-              <a:rPr lang="en-US" sz="2000" dirty="0" smtClean="0">
-                <a:solidFill>
-                  <a:schemeClr val="bg1"/>
-                </a:solidFill>
-              </a:rPr>
-              <a:t>-doc </a:t>
-            </a:r>
-            <a:r>
-              <a:rPr lang="mr-IN" sz="2000" dirty="0" smtClean="0">
-                <a:solidFill>
-                  <a:schemeClr val="bg1"/>
-                </a:solidFill>
-              </a:rPr>
-              <a:t>–</a:t>
-            </a:r>
-            <a:r>
-              <a:rPr lang="en-US" sz="2000" dirty="0" smtClean="0">
-                <a:solidFill>
-                  <a:schemeClr val="bg1"/>
-                </a:solidFill>
-              </a:rPr>
-              <a:t>l</a:t>
-            </a:r>
-            <a:r>
-              <a:rPr lang="en-US" sz="2000" dirty="0" smtClean="0">
-                <a:solidFill>
-                  <a:schemeClr val="accent6"/>
-                </a:solidFill>
-              </a:rPr>
-              <a:t/>
-            </a:r>
-            <a:br>
-              <a:rPr lang="en-US" sz="2000" dirty="0" smtClean="0">
-                <a:solidFill>
-                  <a:schemeClr val="accent6"/>
-                </a:solidFill>
-              </a:rPr>
-            </a:br>
-            <a:r>
-              <a:rPr lang="en-US" sz="2000" dirty="0" smtClean="0">
-                <a:solidFill>
-                  <a:schemeClr val="accent6"/>
-                </a:solidFill>
-              </a:rPr>
-              <a:t>3. </a:t>
-            </a:r>
-            <a:r>
-              <a:rPr lang="en-US" sz="2000" dirty="0" err="1" smtClean="0">
-                <a:solidFill>
-                  <a:schemeClr val="bg1"/>
-                </a:solidFill>
-              </a:rPr>
-              <a:t>ansible</a:t>
-            </a:r>
-            <a:r>
-              <a:rPr lang="en-US" sz="2000" dirty="0" smtClean="0">
-                <a:solidFill>
-                  <a:schemeClr val="bg1"/>
-                </a:solidFill>
-              </a:rPr>
-              <a:t>-doc yum</a:t>
-            </a:r>
-            <a:r>
-              <a:rPr lang="en-US" sz="2000" dirty="0" smtClean="0">
-                <a:solidFill>
-                  <a:schemeClr val="accent6"/>
-                </a:solidFill>
-              </a:rPr>
-              <a:t/>
-            </a:r>
-            <a:br>
-              <a:rPr lang="en-US" sz="2000" dirty="0" smtClean="0">
-                <a:solidFill>
-                  <a:schemeClr val="accent6"/>
-                </a:solidFill>
-              </a:rPr>
-            </a:br>
-            <a:r>
-              <a:rPr lang="en-US" sz="2000" dirty="0" smtClean="0">
-                <a:solidFill>
-                  <a:schemeClr val="accent6"/>
-                </a:solidFill>
-              </a:rPr>
-              <a:t>4. /Examples</a:t>
-            </a:r>
-            <a:br>
-              <a:rPr lang="en-US" sz="2000" dirty="0" smtClean="0">
-                <a:solidFill>
-                  <a:schemeClr val="accent6"/>
-                </a:solidFill>
-              </a:rPr>
-            </a:br>
-            <a:r>
-              <a:rPr lang="en-US" sz="2000" dirty="0" smtClean="0">
-                <a:solidFill>
-                  <a:schemeClr val="accent6"/>
-                </a:solidFill>
-              </a:rPr>
-              <a:t>5. Which are the mandatory inputs ? </a:t>
-            </a:r>
-            <a:br>
-              <a:rPr lang="en-US" sz="2000" dirty="0" smtClean="0">
-                <a:solidFill>
-                  <a:schemeClr val="accent6"/>
                 </a:solidFill>
               </a:rPr>
             </a:br>
@@ -6688,7 +6854,7 @@
             <a:r>
               <a:rPr lang="en-US" sz="2200" dirty="0" err="1" smtClean="0">
                 <a:solidFill>
-                  <a:schemeClr val="accent6"/>
+                  <a:schemeClr val="bg1"/>
                 </a:solidFill>
               </a:rPr>
               <a:t>ansible</a:t>
@@ -6696,10 +6862,18 @@
             <a:r>
               <a:rPr lang="en-US" sz="2200" dirty="0" smtClean="0">
                 <a:solidFill>
-                  <a:schemeClr val="accent6"/>
-                </a:solidFill>
-              </a:rPr>
-              <a:t>-playbook is executed with </a:t>
+                  <a:schemeClr val="bg1"/>
+                </a:solidFill>
+              </a:rPr>
+              <a:t>-playbook </a:t>
+            </a:r>
+            <a:r>
+              <a:rPr lang="en-US" sz="2200" dirty="0" smtClean="0">
+                <a:solidFill>
+                  <a:schemeClr val="accent6"/>
+                </a:solidFill>
+              </a:rPr>
+              <a:t>is executed with </a:t>
             </a:r>
             <a:r>
               <a:rPr lang="en-US" sz="2200" dirty="0" smtClean="0">
@@ -7096,43 +7270,12 @@
               </a:rPr>
             </a:br>
             <a:r>
-              <a:rPr lang="en-US" sz="2200" dirty="0">
-                <a:solidFill>
-                  <a:schemeClr val="accent6"/>
-                </a:solidFill>
-              </a:rPr>
-              <a:t/>
-            </a:r>
-            <a:br>
-              <a:rPr lang="en-US" sz="2200" dirty="0">
-                <a:solidFill>
-                  <a:schemeClr val="accent6"/>
-                </a:solidFill>
-              </a:rPr>
-            </a:br>
-            <a:r>
               <a:rPr lang="en-US" sz="2200" dirty="0" smtClean="0">
                 <a:solidFill>
                   <a:schemeClr val="accent6"/>
                 </a:solidFill>
               </a:rPr>
-              <a:t>Execute a playbook with to force the playbook to report the changes it would make ‘</a:t>
-            </a:r>
-            <a:r>
-              <a:rPr lang="en-US" sz="2200" dirty="0" smtClean="0">
-                <a:solidFill>
-                  <a:schemeClr val="bg1"/>
-                </a:solidFill>
-              </a:rPr>
-              <a:t>—check’</a:t>
-            </a:r>
-            <a:r>
-              <a:rPr lang="en-US" sz="2200" dirty="0" smtClean="0">
-                <a:solidFill>
-                  <a:schemeClr val="accent6"/>
-                </a:solidFill>
-              </a:rPr>
-              <a:t>,  just to be on the safe side. </a:t>
+              <a:t/>
             </a:r>
             <a:br>
               <a:rPr lang="en-US" sz="2200" dirty="0" smtClean="0">
@@ -7328,7 +7471,7 @@
         </p:nvSpPr>
         <p:spPr>
           <a:xfrm>
-            <a:off x="228600" y="838200"/>
+            <a:off x="381000" y="762000"/>
             <a:ext cx="8229600" cy="1143000"/>
           </a:xfrm>
         </p:spPr>

--- a/16.ConfigurationManagement_With_Ansible/16-Conf_Man_Ansible.pptx
+++ b/16.ConfigurationManagement_With_Ansible/16-Conf_Man_Ansible.pptx
@@ -4953,7 +4953,7 @@
         <p:spPr>
           <a:xfrm>
             <a:off x="304800" y="846138"/>
-            <a:ext cx="8839200" cy="5601533"/>
+            <a:ext cx="8839200" cy="5847755"/>
           </a:xfrm>
           <a:prstGeom prst="rect">
             <a:avLst/>
@@ -5314,28 +5314,15 @@
               </a:rPr>
               <a:t>]</a:t>
             </a:r>
-            <a:endParaRPr lang="en-US" sz="1600" dirty="0" smtClean="0">
-              <a:solidFill>
-                <a:schemeClr val="bg2"/>
-              </a:solidFill>
-            </a:endParaRPr>
-          </a:p>
-          <a:p>
-            <a:r>
-              <a:rPr lang="en-US" sz="1600" dirty="0" smtClean="0">
-                <a:solidFill>
-                  <a:schemeClr val="accent6"/>
-                </a:solidFill>
-              </a:rPr>
-              <a:t>	1. add </a:t>
-            </a:r>
-            <a:r>
-              <a:rPr lang="en-US" sz="1600" dirty="0" smtClean="0">
-                <a:solidFill>
-                  <a:schemeClr val="accent6"/>
-                </a:solidFill>
-              </a:rPr>
-              <a:t>‘</a:t>
+          </a:p>
+          <a:p>
+            <a:r>
+              <a:rPr lang="en-US" sz="1600" dirty="0" smtClean="0">
+                <a:solidFill>
+                  <a:schemeClr val="accent6"/>
+                </a:solidFill>
+              </a:rPr>
+              <a:t>	1. add ‘</a:t>
             </a:r>
             <a:r>
               <a:rPr lang="en-US" sz="1600" dirty="0" err="1" smtClean="0">
@@ -5351,15 +5338,7 @@
                   <a:schemeClr val="accent6"/>
                 </a:solidFill>
               </a:rPr>
-              <a:t>’ </a:t>
-            </a:r>
-            <a:r>
-              <a:rPr lang="en-US" sz="1600" dirty="0" smtClean="0">
-                <a:solidFill>
-                  <a:schemeClr val="accent6"/>
-                </a:solidFill>
-              </a:rPr>
-              <a:t>user to the </a:t>
+              <a:t>’ user to the </a:t>
             </a:r>
             <a:r>
               <a:rPr lang="en-US" sz="1600" dirty="0" err="1" smtClean="0">
@@ -5375,23 +5354,7 @@
                   <a:schemeClr val="accent6"/>
                 </a:solidFill>
               </a:rPr>
-              <a:t> </a:t>
-            </a:r>
-            <a:r>
-              <a:rPr lang="en-US" sz="1600" dirty="0" smtClean="0">
-                <a:solidFill>
-                  <a:schemeClr val="accent6"/>
-                </a:solidFill>
-              </a:rPr>
-              <a:t>server. </a:t>
-            </a:r>
-            <a:r>
-              <a:rPr lang="en-US" sz="1600" dirty="0" smtClean="0">
-                <a:solidFill>
-                  <a:schemeClr val="accent6"/>
-                </a:solidFill>
-              </a:rPr>
-              <a:t>Generate </a:t>
+              <a:t> server. Generate </a:t>
             </a:r>
             <a:r>
               <a:rPr lang="en-US" sz="1600" dirty="0" err="1" smtClean="0">
@@ -5415,15 +5378,15 @@
                   <a:schemeClr val="accent6"/>
                 </a:solidFill>
               </a:rPr>
-              <a:t> for him, </a:t>
-            </a:r>
-            <a:r>
-              <a:rPr lang="en-US" sz="1600" dirty="0" smtClean="0">
-                <a:solidFill>
-                  <a:schemeClr val="accent6"/>
-                </a:solidFill>
-              </a:rPr>
-              <a:t>set his password.</a:t>
+              <a:t> for him, set his password</a:t>
+            </a:r>
+            <a:r>
+              <a:rPr lang="en-US" sz="1600" dirty="0" smtClean="0">
+                <a:solidFill>
+                  <a:schemeClr val="accent6"/>
+                </a:solidFill>
+              </a:rPr>
+              <a:t>. Copy his identity to the slave node.</a:t>
             </a:r>
             <a:endParaRPr lang="en-US" sz="1600" dirty="0" smtClean="0">
               <a:solidFill>
@@ -5438,15 +5401,7 @@
                   <a:schemeClr val="accent6"/>
                 </a:solidFill>
               </a:rPr>
-              <a:t>	2. add </a:t>
-            </a:r>
-            <a:r>
-              <a:rPr lang="en-US" sz="1600" dirty="0" smtClean="0">
-                <a:solidFill>
-                  <a:schemeClr val="accent6"/>
-                </a:solidFill>
-              </a:rPr>
-              <a:t>‘</a:t>
+              <a:t>	2. add ‘</a:t>
             </a:r>
             <a:r>
               <a:rPr lang="en-US" sz="1600" dirty="0" err="1" smtClean="0">
@@ -5462,15 +5417,7 @@
                   <a:schemeClr val="accent6"/>
                 </a:solidFill>
               </a:rPr>
-              <a:t>’ </a:t>
-            </a:r>
-            <a:r>
-              <a:rPr lang="en-US" sz="1600" dirty="0" smtClean="0">
-                <a:solidFill>
-                  <a:schemeClr val="accent6"/>
-                </a:solidFill>
-              </a:rPr>
-              <a:t>user to the </a:t>
+              <a:t>’ user to the </a:t>
             </a:r>
             <a:r>
               <a:rPr lang="en-US" sz="1600" dirty="0" err="1" smtClean="0">
@@ -5486,15 +5433,7 @@
                   <a:schemeClr val="accent6"/>
                 </a:solidFill>
               </a:rPr>
-              <a:t> slave node. </a:t>
-            </a:r>
-            <a:r>
-              <a:rPr lang="en-US" sz="1600" dirty="0" smtClean="0">
-                <a:solidFill>
-                  <a:schemeClr val="accent6"/>
-                </a:solidFill>
-              </a:rPr>
-              <a:t>Set his password. Make it a member of the ’</a:t>
+              <a:t> slave node. Set his password. Make it a member of the ’</a:t>
             </a:r>
             <a:r>
               <a:rPr lang="en-US" sz="1600" dirty="0" smtClean="0">
@@ -5599,41 +5538,67 @@
                   <a:schemeClr val="accent6"/>
                 </a:solidFill>
               </a:rPr>
-              <a:t>	3</a:t>
+              <a:t>	3. </a:t>
+            </a:r>
+            <a:r>
+              <a:rPr lang="en-US" dirty="0" err="1" smtClean="0">
+                <a:solidFill>
+                  <a:schemeClr val="bg1"/>
+                </a:solidFill>
+              </a:rPr>
+              <a:t>ansible</a:t>
             </a:r>
             <a:r>
               <a:rPr lang="en-US" dirty="0" smtClean="0">
                 <a:solidFill>
-                  <a:schemeClr val="accent6"/>
-                </a:solidFill>
-              </a:rPr>
-              <a:t>. </a:t>
+                  <a:schemeClr val="bg1"/>
+                </a:solidFill>
+              </a:rPr>
+              <a:t> all –m ping</a:t>
+            </a:r>
+          </a:p>
+          <a:p>
+            <a:r>
+              <a:rPr lang="en-US" dirty="0">
+                <a:solidFill>
+                  <a:schemeClr val="bg1"/>
+                </a:solidFill>
+              </a:rPr>
+              <a:t>	</a:t>
+            </a:r>
+            <a:r>
+              <a:rPr lang="en-US" dirty="0" smtClean="0">
+                <a:solidFill>
+                  <a:schemeClr val="accent6"/>
+                </a:solidFill>
+              </a:rPr>
+              <a:t>4. Google search about </a:t>
             </a:r>
             <a:r>
               <a:rPr lang="en-US" dirty="0" err="1" smtClean="0">
                 <a:solidFill>
-                  <a:schemeClr val="bg1"/>
-                </a:solidFill>
-              </a:rPr>
-              <a:t>ansible</a:t>
+                  <a:schemeClr val="accent6"/>
+                </a:solidFill>
+              </a:rPr>
+              <a:t>Ansible</a:t>
             </a:r>
             <a:r>
               <a:rPr lang="en-US" dirty="0" smtClean="0">
                 <a:solidFill>
-                  <a:schemeClr val="bg1"/>
-                </a:solidFill>
-              </a:rPr>
-              <a:t> all –m ping</a:t>
+                  <a:schemeClr val="accent6"/>
+                </a:solidFill>
+              </a:rPr>
+              <a:t> modules.</a:t>
             </a:r>
           </a:p>
           <a:p>
             <a:r>
               <a:rPr lang="en-US" dirty="0">
                 <a:solidFill>
-                  <a:schemeClr val="bg1"/>
-                </a:solidFill>
-              </a:rPr>
-              <a:t>	</a:t>
+                  <a:schemeClr val="accent6"/>
+                </a:solidFill>
+              </a:rPr>
+              <a:t>	5</a:t>
             </a:r>
             <a:r>
               <a:rPr lang="en-US" dirty="0" smtClean="0">
@@ -5641,65 +5606,7 @@
                   <a:schemeClr val="accent6"/>
                 </a:solidFill>
               </a:rPr>
-              <a:t>4. </a:t>
-            </a:r>
-            <a:r>
-              <a:rPr lang="en-US" dirty="0" smtClean="0">
-                <a:solidFill>
-                  <a:schemeClr val="accent6"/>
-                </a:solidFill>
-              </a:rPr>
-              <a:t>Google search about </a:t>
-            </a:r>
-            <a:r>
-              <a:rPr lang="en-US" dirty="0" err="1" smtClean="0">
-                <a:solidFill>
-                  <a:schemeClr val="accent6"/>
-                </a:solidFill>
-              </a:rPr>
-              <a:t>Ansible</a:t>
-            </a:r>
-            <a:r>
-              <a:rPr lang="en-US" dirty="0" smtClean="0">
-                <a:solidFill>
-                  <a:schemeClr val="accent6"/>
-                </a:solidFill>
-              </a:rPr>
-              <a:t> modules.</a:t>
-            </a:r>
-          </a:p>
-          <a:p>
-            <a:r>
-              <a:rPr lang="en-US" dirty="0">
-                <a:solidFill>
-                  <a:schemeClr val="accent6"/>
-                </a:solidFill>
-              </a:rPr>
-              <a:t>	</a:t>
-            </a:r>
-            <a:r>
-              <a:rPr lang="en-US" dirty="0">
-                <a:solidFill>
-                  <a:schemeClr val="accent6"/>
-                </a:solidFill>
-              </a:rPr>
-              <a:t>5</a:t>
-            </a:r>
-            <a:r>
-              <a:rPr lang="en-US" dirty="0" smtClean="0">
-                <a:solidFill>
-                  <a:schemeClr val="accent6"/>
-                </a:solidFill>
-              </a:rPr>
-              <a:t>. </a:t>
-            </a:r>
-            <a:r>
-              <a:rPr lang="en-US" dirty="0" smtClean="0">
-                <a:solidFill>
-                  <a:schemeClr val="accent6"/>
-                </a:solidFill>
-              </a:rPr>
-              <a:t>Discussion between 3 and 4.</a:t>
+              <a:t>. Discussion between 3 and 4.</a:t>
             </a:r>
             <a:endParaRPr lang="en-US" dirty="0">
               <a:solidFill>
@@ -5902,15 +5809,7 @@
                   <a:schemeClr val="accent6"/>
                 </a:solidFill>
               </a:rPr>
-              <a:t>Running </a:t>
-            </a:r>
-            <a:r>
-              <a:rPr lang="en-US" sz="2000" dirty="0" smtClean="0">
-                <a:solidFill>
-                  <a:schemeClr val="accent6"/>
-                </a:solidFill>
-              </a:rPr>
-              <a:t>a live command/ad hoc (</a:t>
+              <a:t>Running a live command/ad hoc (</a:t>
             </a:r>
             <a:r>
               <a:rPr lang="en-US" sz="1800" dirty="0" smtClean="0">
